--- a/Rapid7ExecutivePresentation.pptx
+++ b/Rapid7ExecutivePresentation.pptx
@@ -6,30 +6,32 @@
     <p:sldMasterId id="2147483689" r:id="rId6"/>
   </p:sldMasterIdLst>
   <p:notesMasterIdLst>
-    <p:notesMasterId r:id="rId25"/>
+    <p:notesMasterId r:id="rId27"/>
   </p:notesMasterIdLst>
   <p:handoutMasterIdLst>
-    <p:handoutMasterId r:id="rId26"/>
+    <p:handoutMasterId r:id="rId28"/>
   </p:handoutMasterIdLst>
   <p:sldIdLst>
     <p:sldId id="332" r:id="rId7"/>
     <p:sldId id="342" r:id="rId8"/>
     <p:sldId id="341" r:id="rId9"/>
-    <p:sldId id="343" r:id="rId10"/>
-    <p:sldId id="344" r:id="rId11"/>
-    <p:sldId id="262" r:id="rId12"/>
-    <p:sldId id="261" r:id="rId13"/>
-    <p:sldId id="340" r:id="rId14"/>
-    <p:sldId id="263" r:id="rId15"/>
-    <p:sldId id="264" r:id="rId16"/>
-    <p:sldId id="267" r:id="rId17"/>
-    <p:sldId id="268" r:id="rId18"/>
-    <p:sldId id="324" r:id="rId19"/>
-    <p:sldId id="326" r:id="rId20"/>
-    <p:sldId id="328" r:id="rId21"/>
-    <p:sldId id="335" r:id="rId22"/>
-    <p:sldId id="336" r:id="rId23"/>
-    <p:sldId id="337" r:id="rId24"/>
+    <p:sldId id="345" r:id="rId10"/>
+    <p:sldId id="343" r:id="rId11"/>
+    <p:sldId id="344" r:id="rId12"/>
+    <p:sldId id="262" r:id="rId13"/>
+    <p:sldId id="346" r:id="rId14"/>
+    <p:sldId id="261" r:id="rId15"/>
+    <p:sldId id="340" r:id="rId16"/>
+    <p:sldId id="263" r:id="rId17"/>
+    <p:sldId id="264" r:id="rId18"/>
+    <p:sldId id="267" r:id="rId19"/>
+    <p:sldId id="268" r:id="rId20"/>
+    <p:sldId id="324" r:id="rId21"/>
+    <p:sldId id="326" r:id="rId22"/>
+    <p:sldId id="328" r:id="rId23"/>
+    <p:sldId id="335" r:id="rId24"/>
+    <p:sldId id="336" r:id="rId25"/>
+    <p:sldId id="337" r:id="rId26"/>
   </p:sldIdLst>
   <p:sldSz cx="12192000" cy="6858000"/>
   <p:notesSz cx="6858000" cy="9144000"/>
@@ -3963,7 +3965,7 @@
           <a:p>
             <a:fld id="{63FA1003-23F1-F848-ABD7-AA279ACD1B1C}" type="datetimeFigureOut">
               <a:rPr lang="en-US" smtClean="0"/>
-              <a:t>10/30/2025</a:t>
+              <a:t>11/1/25</a:t>
             </a:fld>
             <a:endParaRPr lang="en-US"/>
           </a:p>
@@ -4140,7 +4142,7 @@
           <a:p>
             <a:fld id="{F1F6C0D1-008B-C245-AF1E-F6ADA8BEAF3C}" type="datetimeFigureOut">
               <a:rPr lang="en-US" smtClean="0"/>
-              <a:t>10/30/2025</a:t>
+              <a:t>11/1/25</a:t>
             </a:fld>
             <a:endParaRPr lang="en-US"/>
           </a:p>
@@ -4672,7 +4674,7 @@
           <a:p>
             <a:fld id="{91CB8535-DC0F-AF47-A510-8461A80C06B7}" type="slidenum">
               <a:rPr lang="en-US" smtClean="0"/>
-              <a:t>4</a:t>
+              <a:t>5</a:t>
             </a:fld>
             <a:endParaRPr lang="en-US"/>
           </a:p>
@@ -4765,7 +4767,7 @@
           <a:p>
             <a:fld id="{91CB8535-DC0F-AF47-A510-8461A80C06B7}" type="slidenum">
               <a:rPr lang="en-US" smtClean="0"/>
-              <a:t>5</a:t>
+              <a:t>6</a:t>
             </a:fld>
             <a:endParaRPr lang="en-US"/>
           </a:p>
@@ -4849,7 +4851,7 @@
           <a:p>
             <a:fld id="{91CB8535-DC0F-AF47-A510-8461A80C06B7}" type="slidenum">
               <a:rPr lang="en-US" smtClean="0"/>
-              <a:t>10</a:t>
+              <a:t>12</a:t>
             </a:fld>
             <a:endParaRPr lang="en-US"/>
           </a:p>
@@ -4933,7 +4935,7 @@
           <a:p>
             <a:fld id="{91CB8535-DC0F-AF47-A510-8461A80C06B7}" type="slidenum">
               <a:rPr lang="en-US" smtClean="0"/>
-              <a:t>15</a:t>
+              <a:t>17</a:t>
             </a:fld>
             <a:endParaRPr lang="en-US"/>
           </a:p>
@@ -14879,13 +14881,18 @@
           <a:p>
             <a:r>
               <a:rPr lang="en-US" dirty="0"/>
-              <a:t>Presentation Title</a:t>
-            </a:r>
-          </a:p>
-          <a:p>
-            <a:r>
-              <a:rPr lang="en-US" dirty="0"/>
-              <a:t>Presenter name</a:t>
+              <a:t>Rapid7 </a:t>
+            </a:r>
+            <a:r>
+              <a:rPr lang="en-US" dirty="0" err="1"/>
+              <a:t>InsightVM</a:t>
+            </a:r>
+            <a:endParaRPr lang="en-US" dirty="0"/>
+          </a:p>
+          <a:p>
+            <a:r>
+              <a:rPr lang="en-US" dirty="0"/>
+              <a:t>Austin Berg and Aidan Thomas</a:t>
             </a:r>
           </a:p>
         </p:txBody>
@@ -14934,6 +14941,1056 @@
       </p:grpSpPr>
       <p:sp>
         <p:nvSpPr>
+          <p:cNvPr id="3" name="Content Placeholder 2">
+            <a:extLst>
+              <a:ext uri="{FF2B5EF4-FFF2-40B4-BE49-F238E27FC236}">
+                <a16:creationId xmlns:a16="http://schemas.microsoft.com/office/drawing/2014/main" id="{46E76535-4ED6-5A41-8A6C-2FBD1BB28F69}"/>
+              </a:ext>
+            </a:extLst>
+          </p:cNvPr>
+          <p:cNvSpPr>
+            <a:spLocks noGrp="1"/>
+          </p:cNvSpPr>
+          <p:nvPr>
+            <p:ph sz="half" idx="1"/>
+          </p:nvPr>
+        </p:nvSpPr>
+        <p:spPr>
+          <a:xfrm>
+            <a:off x="457200" y="2286000"/>
+            <a:ext cx="5486400" cy="3657600"/>
+          </a:xfrm>
+        </p:spPr>
+        <p:txBody>
+          <a:bodyPr/>
+          <a:lstStyle/>
+          <a:p>
+            <a:pPr marL="0" indent="0">
+              <a:buNone/>
+            </a:pPr>
+            <a:r>
+              <a:rPr lang="en-US" dirty="0"/>
+              <a:t>Whether you’re working with a one-column or multi-column slide, consistent sizing and positioning of elements from slide to slide helps create a coherent look and feel.</a:t>
+            </a:r>
+          </a:p>
+          <a:p>
+            <a:r>
+              <a:rPr lang="en-US" dirty="0"/>
+              <a:t>Keep content within the guides. If the guides aren’t visible, use View &gt; Guides to toggle them on.</a:t>
+            </a:r>
+          </a:p>
+          <a:p>
+            <a:r>
+              <a:rPr lang="en-US" dirty="0"/>
+              <a:t>To force master slide elements back into the approved size and position:</a:t>
+            </a:r>
+          </a:p>
+          <a:p>
+            <a:pPr lvl="1"/>
+            <a:r>
+              <a:rPr lang="en-US" dirty="0"/>
+              <a:t>First, apply or reapply the desired slide layout using the Layout menu in the Slides section of the Home tab;</a:t>
+            </a:r>
+          </a:p>
+          <a:p>
+            <a:pPr lvl="1"/>
+            <a:r>
+              <a:rPr lang="en-US" dirty="0"/>
+              <a:t>Then, click the Reset button; and </a:t>
+            </a:r>
+          </a:p>
+          <a:p>
+            <a:pPr lvl="1"/>
+            <a:r>
+              <a:rPr lang="en-US" dirty="0"/>
+              <a:t>Finally, clean up any custom formatting</a:t>
+            </a:r>
+          </a:p>
+        </p:txBody>
+      </p:sp>
+      <p:graphicFrame>
+        <p:nvGraphicFramePr>
+          <p:cNvPr id="8" name="Content Placeholder 3" descr="Chart">
+            <a:extLst>
+              <a:ext uri="{FF2B5EF4-FFF2-40B4-BE49-F238E27FC236}">
+                <a16:creationId xmlns:a16="http://schemas.microsoft.com/office/drawing/2014/main" id="{9835A761-9A03-CA4E-A20C-7828B9511C1D}"/>
+              </a:ext>
+            </a:extLst>
+          </p:cNvPr>
+          <p:cNvGraphicFramePr>
+            <a:graphicFrameLocks noGrp="1"/>
+          </p:cNvGraphicFramePr>
+          <p:nvPr>
+            <p:ph sz="half" idx="2"/>
+            <p:extLst>
+              <p:ext uri="{D42A27DB-BD31-4B8C-83A1-F6EECF244321}">
+                <p14:modId xmlns:p14="http://schemas.microsoft.com/office/powerpoint/2010/main" val="2973462190"/>
+              </p:ext>
+            </p:extLst>
+          </p:nvPr>
+        </p:nvGraphicFramePr>
+        <p:xfrm>
+          <a:off x="6248400" y="2286000"/>
+          <a:ext cx="5486400" cy="3657600"/>
+        </p:xfrm>
+        <a:graphic>
+          <a:graphicData uri="http://schemas.openxmlformats.org/drawingml/2006/chart">
+            <c:chart xmlns:c="http://schemas.openxmlformats.org/drawingml/2006/chart" xmlns:r="http://schemas.openxmlformats.org/officeDocument/2006/relationships" r:id="rId2"/>
+          </a:graphicData>
+        </a:graphic>
+      </p:graphicFrame>
+      <p:sp>
+        <p:nvSpPr>
+          <p:cNvPr id="4" name="Title 3">
+            <a:extLst>
+              <a:ext uri="{FF2B5EF4-FFF2-40B4-BE49-F238E27FC236}">
+                <a16:creationId xmlns:a16="http://schemas.microsoft.com/office/drawing/2014/main" id="{F2307626-993B-ED30-04CA-7C1A450D6EFE}"/>
+              </a:ext>
+            </a:extLst>
+          </p:cNvPr>
+          <p:cNvSpPr>
+            <a:spLocks noGrp="1"/>
+          </p:cNvSpPr>
+          <p:nvPr>
+            <p:ph type="title"/>
+          </p:nvPr>
+        </p:nvSpPr>
+        <p:spPr>
+          <a:xfrm>
+            <a:off x="457200" y="365759"/>
+            <a:ext cx="11277600" cy="1371600"/>
+          </a:xfrm>
+        </p:spPr>
+        <p:txBody>
+          <a:bodyPr/>
+          <a:lstStyle/>
+          <a:p>
+            <a:r>
+              <a:rPr lang="en-US"/>
+              <a:t>Click to add Title</a:t>
+            </a:r>
+            <a:endParaRPr lang="en-US" dirty="0"/>
+          </a:p>
+        </p:txBody>
+      </p:sp>
+      <p:sp>
+        <p:nvSpPr>
+          <p:cNvPr id="11" name="Text Placeholder 10">
+            <a:extLst>
+              <a:ext uri="{FF2B5EF4-FFF2-40B4-BE49-F238E27FC236}">
+                <a16:creationId xmlns:a16="http://schemas.microsoft.com/office/drawing/2014/main" id="{5E5AD50D-8EEB-A337-7CC7-117B2984CBA9}"/>
+              </a:ext>
+            </a:extLst>
+          </p:cNvPr>
+          <p:cNvSpPr>
+            <a:spLocks noGrp="1"/>
+          </p:cNvSpPr>
+          <p:nvPr>
+            <p:ph type="body" sz="quarter" idx="10"/>
+          </p:nvPr>
+        </p:nvSpPr>
+        <p:spPr/>
+        <p:txBody>
+          <a:bodyPr/>
+          <a:lstStyle/>
+          <a:p>
+            <a:r>
+              <a:rPr lang="en-US" dirty="0"/>
+              <a:t>[Footnotes/references, if needed, appear here in Arial Regular 8pt.</a:t>
+            </a:r>
+          </a:p>
+          <a:p>
+            <a:r>
+              <a:rPr lang="en-US" dirty="0"/>
+              <a:t>Text grows upwards as lines are added.]</a:t>
+            </a:r>
+          </a:p>
+        </p:txBody>
+      </p:sp>
+    </p:spTree>
+    <p:extLst>
+      <p:ext uri="{BB962C8B-B14F-4D97-AF65-F5344CB8AC3E}">
+        <p14:creationId xmlns:p14="http://schemas.microsoft.com/office/powerpoint/2010/main" val="2342713366"/>
+      </p:ext>
+    </p:extLst>
+  </p:cSld>
+  <p:clrMapOvr>
+    <a:masterClrMapping/>
+  </p:clrMapOvr>
+  <mc:AlternateContent xmlns:mc="http://schemas.openxmlformats.org/markup-compatibility/2006" xmlns:p14="http://schemas.microsoft.com/office/powerpoint/2010/main">
+    <mc:Choice Requires="p14">
+      <p:transition spd="med" p14:dur="700">
+        <p:fade/>
+      </p:transition>
+    </mc:Choice>
+    <mc:Fallback xmlns="">
+      <p:transition spd="med">
+        <p:fade/>
+      </p:transition>
+    </mc:Fallback>
+  </mc:AlternateContent>
+</p:sld>
+</file>
+
+<file path=ppt/slides/slide11.xml><?xml version="1.0" encoding="utf-8"?>
+<p:sld xmlns:a="http://schemas.openxmlformats.org/drawingml/2006/main" xmlns:r="http://schemas.openxmlformats.org/officeDocument/2006/relationships" xmlns:p="http://schemas.openxmlformats.org/presentationml/2006/main">
+  <p:cSld>
+    <p:spTree>
+      <p:nvGrpSpPr>
+        <p:cNvPr id="1" name=""/>
+        <p:cNvGrpSpPr/>
+        <p:nvPr/>
+      </p:nvGrpSpPr>
+      <p:grpSpPr>
+        <a:xfrm>
+          <a:off x="0" y="0"/>
+          <a:ext cx="0" cy="0"/>
+          <a:chOff x="0" y="0"/>
+          <a:chExt cx="0" cy="0"/>
+        </a:xfrm>
+      </p:grpSpPr>
+      <p:sp>
+        <p:nvSpPr>
+          <p:cNvPr id="2" name="Title 1">
+            <a:extLst>
+              <a:ext uri="{FF2B5EF4-FFF2-40B4-BE49-F238E27FC236}">
+                <a16:creationId xmlns:a16="http://schemas.microsoft.com/office/drawing/2014/main" id="{22718A9F-5E5E-484B-9E4B-7445BD5FA532}"/>
+              </a:ext>
+            </a:extLst>
+          </p:cNvPr>
+          <p:cNvSpPr>
+            <a:spLocks noGrp="1"/>
+          </p:cNvSpPr>
+          <p:nvPr>
+            <p:ph type="title"/>
+          </p:nvPr>
+        </p:nvSpPr>
+        <p:spPr>
+          <a:xfrm>
+            <a:off x="457200" y="365759"/>
+            <a:ext cx="11277600" cy="1371600"/>
+          </a:xfrm>
+        </p:spPr>
+        <p:txBody>
+          <a:bodyPr/>
+          <a:lstStyle/>
+          <a:p>
+            <a:r>
+              <a:rPr lang="en-US" dirty="0"/>
+              <a:t>This is a “Three Content” slide</a:t>
+            </a:r>
+          </a:p>
+        </p:txBody>
+      </p:sp>
+      <p:sp>
+        <p:nvSpPr>
+          <p:cNvPr id="3" name="Content Placeholder 2">
+            <a:extLst>
+              <a:ext uri="{FF2B5EF4-FFF2-40B4-BE49-F238E27FC236}">
+                <a16:creationId xmlns:a16="http://schemas.microsoft.com/office/drawing/2014/main" id="{8BAF6B59-DF54-7546-B5ED-BF36C4E1A89F}"/>
+              </a:ext>
+            </a:extLst>
+          </p:cNvPr>
+          <p:cNvSpPr>
+            <a:spLocks noGrp="1"/>
+          </p:cNvSpPr>
+          <p:nvPr>
+            <p:ph sz="half" idx="1"/>
+          </p:nvPr>
+        </p:nvSpPr>
+        <p:spPr>
+          <a:xfrm>
+            <a:off x="457200" y="2286000"/>
+            <a:ext cx="3557016" cy="3657600"/>
+          </a:xfrm>
+        </p:spPr>
+        <p:txBody>
+          <a:bodyPr/>
+          <a:lstStyle/>
+          <a:p>
+            <a:pPr marL="0" indent="0">
+              <a:buNone/>
+            </a:pPr>
+            <a:r>
+              <a:rPr lang="en-US" dirty="0"/>
+              <a:t>Multi-column slides have equal-width columns, each of which can be used for text, tables, pictures, charts and/or graphics.</a:t>
+            </a:r>
+          </a:p>
+          <a:p>
+            <a:pPr marL="0" indent="0">
+              <a:buNone/>
+            </a:pPr>
+            <a:r>
+              <a:rPr lang="en-US" dirty="0"/>
+              <a:t>To insert text, click the placeholder and start typing</a:t>
+            </a:r>
+          </a:p>
+          <a:p>
+            <a:pPr marL="0" indent="0">
+              <a:buNone/>
+            </a:pPr>
+            <a:r>
+              <a:rPr lang="en-US" dirty="0"/>
+              <a:t>To insert tables, pictures, charts or graphics, click the appropriate icon in the middle of the placeholder</a:t>
+            </a:r>
+          </a:p>
+        </p:txBody>
+      </p:sp>
+      <p:graphicFrame>
+        <p:nvGraphicFramePr>
+          <p:cNvPr id="9" name="Content Placeholder 3" descr="Chart">
+            <a:extLst>
+              <a:ext uri="{FF2B5EF4-FFF2-40B4-BE49-F238E27FC236}">
+                <a16:creationId xmlns:a16="http://schemas.microsoft.com/office/drawing/2014/main" id="{A2360CC0-D944-9642-8E47-24AC40E57AF1}"/>
+              </a:ext>
+            </a:extLst>
+          </p:cNvPr>
+          <p:cNvGraphicFramePr>
+            <a:graphicFrameLocks noGrp="1"/>
+          </p:cNvGraphicFramePr>
+          <p:nvPr>
+            <p:ph sz="half" idx="2"/>
+            <p:extLst>
+              <p:ext uri="{D42A27DB-BD31-4B8C-83A1-F6EECF244321}">
+                <p14:modId xmlns:p14="http://schemas.microsoft.com/office/powerpoint/2010/main" val="1828141001"/>
+              </p:ext>
+            </p:extLst>
+          </p:nvPr>
+        </p:nvGraphicFramePr>
+        <p:xfrm>
+          <a:off x="4318000" y="2286000"/>
+          <a:ext cx="3556000" cy="3657600"/>
+        </p:xfrm>
+        <a:graphic>
+          <a:graphicData uri="http://schemas.openxmlformats.org/drawingml/2006/chart">
+            <c:chart xmlns:c="http://schemas.openxmlformats.org/drawingml/2006/chart" xmlns:r="http://schemas.openxmlformats.org/officeDocument/2006/relationships" r:id="rId2"/>
+          </a:graphicData>
+        </a:graphic>
+      </p:graphicFrame>
+      <p:graphicFrame>
+        <p:nvGraphicFramePr>
+          <p:cNvPr id="10" name="Content Placeholder 4" descr="Table">
+            <a:extLst>
+              <a:ext uri="{FF2B5EF4-FFF2-40B4-BE49-F238E27FC236}">
+                <a16:creationId xmlns:a16="http://schemas.microsoft.com/office/drawing/2014/main" id="{33479BA9-7E0A-3742-8F86-2741E9ECB519}"/>
+              </a:ext>
+            </a:extLst>
+          </p:cNvPr>
+          <p:cNvGraphicFramePr>
+            <a:graphicFrameLocks noGrp="1"/>
+          </p:cNvGraphicFramePr>
+          <p:nvPr>
+            <p:ph sz="quarter" idx="13"/>
+            <p:extLst>
+              <p:ext uri="{D42A27DB-BD31-4B8C-83A1-F6EECF244321}">
+                <p14:modId xmlns:p14="http://schemas.microsoft.com/office/powerpoint/2010/main" val="1398486785"/>
+              </p:ext>
+            </p:extLst>
+          </p:nvPr>
+        </p:nvGraphicFramePr>
+        <p:xfrm>
+          <a:off x="8177213" y="2286000"/>
+          <a:ext cx="3557586" cy="3657599"/>
+        </p:xfrm>
+        <a:graphic>
+          <a:graphicData uri="http://schemas.openxmlformats.org/drawingml/2006/table">
+            <a:tbl>
+              <a:tblPr firstRow="1" firstCol="1" lastRow="1">
+                <a:tableStyleId>{28C5B1A6-7CDA-4FE8-980E-A958422A06AF}</a:tableStyleId>
+              </a:tblPr>
+              <a:tblGrid>
+                <a:gridCol w="1185862">
+                  <a:extLst>
+                    <a:ext uri="{9D8B030D-6E8A-4147-A177-3AD203B41FA5}">
+                      <a16:colId xmlns:a16="http://schemas.microsoft.com/office/drawing/2014/main" val="20000"/>
+                    </a:ext>
+                  </a:extLst>
+                </a:gridCol>
+                <a:gridCol w="1185862">
+                  <a:extLst>
+                    <a:ext uri="{9D8B030D-6E8A-4147-A177-3AD203B41FA5}">
+                      <a16:colId xmlns:a16="http://schemas.microsoft.com/office/drawing/2014/main" val="20001"/>
+                    </a:ext>
+                  </a:extLst>
+                </a:gridCol>
+                <a:gridCol w="1185862">
+                  <a:extLst>
+                    <a:ext uri="{9D8B030D-6E8A-4147-A177-3AD203B41FA5}">
+                      <a16:colId xmlns:a16="http://schemas.microsoft.com/office/drawing/2014/main" val="20002"/>
+                    </a:ext>
+                  </a:extLst>
+                </a:gridCol>
+              </a:tblGrid>
+              <a:tr h="332509">
+                <a:tc>
+                  <a:txBody>
+                    <a:bodyPr/>
+                    <a:lstStyle/>
+                    <a:p>
+                      <a:endParaRPr lang="en-US" sz="1200" cap="none" baseline="0">
+                        <a:latin typeface="Arial Nova" panose="020B0504020202020204" pitchFamily="34" charset="0"/>
+                      </a:endParaRPr>
+                    </a:p>
+                  </a:txBody>
+                  <a:tcPr marT="0" marB="0" anchor="ctr"/>
+                </a:tc>
+                <a:tc>
+                  <a:txBody>
+                    <a:bodyPr/>
+                    <a:lstStyle/>
+                    <a:p>
+                      <a:pPr algn="l"/>
+                      <a:r>
+                        <a:rPr lang="en-US" sz="1200" cap="none" baseline="0" dirty="0">
+                          <a:latin typeface="Arial Nova" panose="020B0504020202020204" pitchFamily="34" charset="0"/>
+                        </a:rPr>
+                        <a:t>Column 1</a:t>
+                      </a:r>
+                    </a:p>
+                  </a:txBody>
+                  <a:tcPr marT="0" marB="0" anchor="ctr"/>
+                </a:tc>
+                <a:tc>
+                  <a:txBody>
+                    <a:bodyPr/>
+                    <a:lstStyle/>
+                    <a:p>
+                      <a:pPr algn="l"/>
+                      <a:r>
+                        <a:rPr lang="en-US" sz="1200" cap="none" baseline="0" dirty="0">
+                          <a:latin typeface="Arial Nova" panose="020B0504020202020204" pitchFamily="34" charset="0"/>
+                        </a:rPr>
+                        <a:t>Column 2</a:t>
+                      </a:r>
+                    </a:p>
+                  </a:txBody>
+                  <a:tcPr marT="0" marB="0" anchor="ctr"/>
+                </a:tc>
+                <a:extLst>
+                  <a:ext uri="{0D108BD9-81ED-4DB2-BD59-A6C34878D82A}">
+                    <a16:rowId xmlns:a16="http://schemas.microsoft.com/office/drawing/2014/main" val="10000"/>
+                  </a:ext>
+                </a:extLst>
+              </a:tr>
+              <a:tr h="332509">
+                <a:tc>
+                  <a:txBody>
+                    <a:bodyPr/>
+                    <a:lstStyle/>
+                    <a:p>
+                      <a:r>
+                        <a:rPr lang="en-US" sz="1200">
+                          <a:latin typeface="Arial Nova" panose="020B0504020202020204" pitchFamily="34" charset="0"/>
+                        </a:rPr>
+                        <a:t>Row 1</a:t>
+                      </a:r>
+                    </a:p>
+                  </a:txBody>
+                  <a:tcPr marT="0" marB="0" anchor="ctr"/>
+                </a:tc>
+                <a:tc>
+                  <a:txBody>
+                    <a:bodyPr/>
+                    <a:lstStyle/>
+                    <a:p>
+                      <a:pPr algn="l"/>
+                      <a:r>
+                        <a:rPr lang="en-US" sz="1200">
+                          <a:latin typeface="Arial Nova" panose="020B0504020202020204" pitchFamily="34" charset="0"/>
+                        </a:rPr>
+                        <a:t>000</a:t>
+                      </a:r>
+                    </a:p>
+                  </a:txBody>
+                  <a:tcPr marT="0" marB="0" anchor="ctr"/>
+                </a:tc>
+                <a:tc>
+                  <a:txBody>
+                    <a:bodyPr/>
+                    <a:lstStyle/>
+                    <a:p>
+                      <a:pPr algn="l"/>
+                      <a:r>
+                        <a:rPr lang="en-US" sz="1200">
+                          <a:latin typeface="Arial Nova" panose="020B0504020202020204" pitchFamily="34" charset="0"/>
+                        </a:rPr>
+                        <a:t>000</a:t>
+                      </a:r>
+                    </a:p>
+                  </a:txBody>
+                  <a:tcPr marT="0" marB="0" anchor="ctr"/>
+                </a:tc>
+                <a:extLst>
+                  <a:ext uri="{0D108BD9-81ED-4DB2-BD59-A6C34878D82A}">
+                    <a16:rowId xmlns:a16="http://schemas.microsoft.com/office/drawing/2014/main" val="10001"/>
+                  </a:ext>
+                </a:extLst>
+              </a:tr>
+              <a:tr h="332509">
+                <a:tc>
+                  <a:txBody>
+                    <a:bodyPr/>
+                    <a:lstStyle/>
+                    <a:p>
+                      <a:r>
+                        <a:rPr lang="en-US" sz="1200" dirty="0">
+                          <a:latin typeface="Arial Nova" panose="020B0504020202020204" pitchFamily="34" charset="0"/>
+                        </a:rPr>
+                        <a:t>Row 2</a:t>
+                      </a:r>
+                    </a:p>
+                  </a:txBody>
+                  <a:tcPr marT="0" marB="0" anchor="ctr"/>
+                </a:tc>
+                <a:tc>
+                  <a:txBody>
+                    <a:bodyPr/>
+                    <a:lstStyle/>
+                    <a:p>
+                      <a:pPr algn="l"/>
+                      <a:r>
+                        <a:rPr lang="en-US" sz="1200">
+                          <a:latin typeface="Arial Nova" panose="020B0504020202020204" pitchFamily="34" charset="0"/>
+                        </a:rPr>
+                        <a:t>000</a:t>
+                      </a:r>
+                    </a:p>
+                  </a:txBody>
+                  <a:tcPr marT="0" marB="0" anchor="ctr"/>
+                </a:tc>
+                <a:tc>
+                  <a:txBody>
+                    <a:bodyPr/>
+                    <a:lstStyle/>
+                    <a:p>
+                      <a:pPr algn="l"/>
+                      <a:r>
+                        <a:rPr lang="en-US" sz="1200">
+                          <a:latin typeface="Arial Nova" panose="020B0504020202020204" pitchFamily="34" charset="0"/>
+                        </a:rPr>
+                        <a:t>000</a:t>
+                      </a:r>
+                    </a:p>
+                  </a:txBody>
+                  <a:tcPr marT="0" marB="0" anchor="ctr"/>
+                </a:tc>
+                <a:extLst>
+                  <a:ext uri="{0D108BD9-81ED-4DB2-BD59-A6C34878D82A}">
+                    <a16:rowId xmlns:a16="http://schemas.microsoft.com/office/drawing/2014/main" val="10002"/>
+                  </a:ext>
+                </a:extLst>
+              </a:tr>
+              <a:tr h="332509">
+                <a:tc>
+                  <a:txBody>
+                    <a:bodyPr/>
+                    <a:lstStyle/>
+                    <a:p>
+                      <a:r>
+                        <a:rPr lang="en-US" sz="1200">
+                          <a:latin typeface="Arial Nova" panose="020B0504020202020204" pitchFamily="34" charset="0"/>
+                        </a:rPr>
+                        <a:t>Row 3</a:t>
+                      </a:r>
+                    </a:p>
+                  </a:txBody>
+                  <a:tcPr marT="0" marB="0" anchor="ctr"/>
+                </a:tc>
+                <a:tc>
+                  <a:txBody>
+                    <a:bodyPr/>
+                    <a:lstStyle/>
+                    <a:p>
+                      <a:pPr algn="l"/>
+                      <a:r>
+                        <a:rPr lang="en-US" sz="1200" dirty="0">
+                          <a:latin typeface="Arial Nova" panose="020B0504020202020204" pitchFamily="34" charset="0"/>
+                        </a:rPr>
+                        <a:t>000</a:t>
+                      </a:r>
+                    </a:p>
+                  </a:txBody>
+                  <a:tcPr marT="0" marB="0" anchor="ctr"/>
+                </a:tc>
+                <a:tc>
+                  <a:txBody>
+                    <a:bodyPr/>
+                    <a:lstStyle/>
+                    <a:p>
+                      <a:pPr algn="l"/>
+                      <a:r>
+                        <a:rPr lang="en-US" sz="1200">
+                          <a:latin typeface="Arial Nova" panose="020B0504020202020204" pitchFamily="34" charset="0"/>
+                        </a:rPr>
+                        <a:t>000</a:t>
+                      </a:r>
+                    </a:p>
+                  </a:txBody>
+                  <a:tcPr marT="0" marB="0" anchor="ctr"/>
+                </a:tc>
+                <a:extLst>
+                  <a:ext uri="{0D108BD9-81ED-4DB2-BD59-A6C34878D82A}">
+                    <a16:rowId xmlns:a16="http://schemas.microsoft.com/office/drawing/2014/main" val="10003"/>
+                  </a:ext>
+                </a:extLst>
+              </a:tr>
+              <a:tr h="332509">
+                <a:tc>
+                  <a:txBody>
+                    <a:bodyPr/>
+                    <a:lstStyle/>
+                    <a:p>
+                      <a:r>
+                        <a:rPr lang="en-US" sz="1200">
+                          <a:latin typeface="Arial Nova" panose="020B0504020202020204" pitchFamily="34" charset="0"/>
+                        </a:rPr>
+                        <a:t>Row 4</a:t>
+                      </a:r>
+                    </a:p>
+                  </a:txBody>
+                  <a:tcPr marT="0" marB="0" anchor="ctr"/>
+                </a:tc>
+                <a:tc>
+                  <a:txBody>
+                    <a:bodyPr/>
+                    <a:lstStyle/>
+                    <a:p>
+                      <a:pPr algn="l"/>
+                      <a:r>
+                        <a:rPr lang="en-US" sz="1200">
+                          <a:latin typeface="Arial Nova" panose="020B0504020202020204" pitchFamily="34" charset="0"/>
+                        </a:rPr>
+                        <a:t>000</a:t>
+                      </a:r>
+                    </a:p>
+                  </a:txBody>
+                  <a:tcPr marT="0" marB="0" anchor="ctr"/>
+                </a:tc>
+                <a:tc>
+                  <a:txBody>
+                    <a:bodyPr/>
+                    <a:lstStyle/>
+                    <a:p>
+                      <a:pPr algn="l"/>
+                      <a:r>
+                        <a:rPr lang="en-US" sz="1200">
+                          <a:latin typeface="Arial Nova" panose="020B0504020202020204" pitchFamily="34" charset="0"/>
+                        </a:rPr>
+                        <a:t>000</a:t>
+                      </a:r>
+                    </a:p>
+                  </a:txBody>
+                  <a:tcPr marT="0" marB="0" anchor="ctr"/>
+                </a:tc>
+                <a:extLst>
+                  <a:ext uri="{0D108BD9-81ED-4DB2-BD59-A6C34878D82A}">
+                    <a16:rowId xmlns:a16="http://schemas.microsoft.com/office/drawing/2014/main" val="10004"/>
+                  </a:ext>
+                </a:extLst>
+              </a:tr>
+              <a:tr h="332509">
+                <a:tc>
+                  <a:txBody>
+                    <a:bodyPr/>
+                    <a:lstStyle/>
+                    <a:p>
+                      <a:r>
+                        <a:rPr lang="en-US" sz="1200">
+                          <a:latin typeface="Arial Nova" panose="020B0504020202020204" pitchFamily="34" charset="0"/>
+                        </a:rPr>
+                        <a:t>Row 5</a:t>
+                      </a:r>
+                    </a:p>
+                  </a:txBody>
+                  <a:tcPr marT="0" marB="0" anchor="ctr"/>
+                </a:tc>
+                <a:tc>
+                  <a:txBody>
+                    <a:bodyPr/>
+                    <a:lstStyle/>
+                    <a:p>
+                      <a:pPr algn="l"/>
+                      <a:r>
+                        <a:rPr lang="en-US" sz="1200">
+                          <a:latin typeface="Arial Nova" panose="020B0504020202020204" pitchFamily="34" charset="0"/>
+                        </a:rPr>
+                        <a:t>000</a:t>
+                      </a:r>
+                    </a:p>
+                  </a:txBody>
+                  <a:tcPr marT="0" marB="0" anchor="ctr"/>
+                </a:tc>
+                <a:tc>
+                  <a:txBody>
+                    <a:bodyPr/>
+                    <a:lstStyle/>
+                    <a:p>
+                      <a:pPr algn="l"/>
+                      <a:r>
+                        <a:rPr lang="en-US" sz="1200">
+                          <a:latin typeface="Arial Nova" panose="020B0504020202020204" pitchFamily="34" charset="0"/>
+                        </a:rPr>
+                        <a:t>000</a:t>
+                      </a:r>
+                    </a:p>
+                  </a:txBody>
+                  <a:tcPr marT="0" marB="0" anchor="ctr"/>
+                </a:tc>
+                <a:extLst>
+                  <a:ext uri="{0D108BD9-81ED-4DB2-BD59-A6C34878D82A}">
+                    <a16:rowId xmlns:a16="http://schemas.microsoft.com/office/drawing/2014/main" val="10005"/>
+                  </a:ext>
+                </a:extLst>
+              </a:tr>
+              <a:tr h="332509">
+                <a:tc>
+                  <a:txBody>
+                    <a:bodyPr/>
+                    <a:lstStyle/>
+                    <a:p>
+                      <a:r>
+                        <a:rPr lang="en-US" sz="1200">
+                          <a:latin typeface="Arial Nova" panose="020B0504020202020204" pitchFamily="34" charset="0"/>
+                        </a:rPr>
+                        <a:t>Row 6</a:t>
+                      </a:r>
+                    </a:p>
+                  </a:txBody>
+                  <a:tcPr marT="0" marB="0" anchor="ctr"/>
+                </a:tc>
+                <a:tc>
+                  <a:txBody>
+                    <a:bodyPr/>
+                    <a:lstStyle/>
+                    <a:p>
+                      <a:pPr algn="l"/>
+                      <a:r>
+                        <a:rPr lang="en-US" sz="1200">
+                          <a:latin typeface="Arial Nova" panose="020B0504020202020204" pitchFamily="34" charset="0"/>
+                        </a:rPr>
+                        <a:t>000</a:t>
+                      </a:r>
+                    </a:p>
+                  </a:txBody>
+                  <a:tcPr marT="0" marB="0" anchor="ctr"/>
+                </a:tc>
+                <a:tc>
+                  <a:txBody>
+                    <a:bodyPr/>
+                    <a:lstStyle/>
+                    <a:p>
+                      <a:pPr algn="l"/>
+                      <a:r>
+                        <a:rPr lang="en-US" sz="1200">
+                          <a:latin typeface="Arial Nova" panose="020B0504020202020204" pitchFamily="34" charset="0"/>
+                        </a:rPr>
+                        <a:t>000</a:t>
+                      </a:r>
+                    </a:p>
+                  </a:txBody>
+                  <a:tcPr marT="0" marB="0" anchor="ctr"/>
+                </a:tc>
+                <a:extLst>
+                  <a:ext uri="{0D108BD9-81ED-4DB2-BD59-A6C34878D82A}">
+                    <a16:rowId xmlns:a16="http://schemas.microsoft.com/office/drawing/2014/main" val="3164867131"/>
+                  </a:ext>
+                </a:extLst>
+              </a:tr>
+              <a:tr h="332509">
+                <a:tc>
+                  <a:txBody>
+                    <a:bodyPr/>
+                    <a:lstStyle/>
+                    <a:p>
+                      <a:r>
+                        <a:rPr lang="en-US" sz="1200">
+                          <a:latin typeface="Arial Nova" panose="020B0504020202020204" pitchFamily="34" charset="0"/>
+                        </a:rPr>
+                        <a:t>Row 7</a:t>
+                      </a:r>
+                    </a:p>
+                  </a:txBody>
+                  <a:tcPr marT="0" marB="0" anchor="ctr"/>
+                </a:tc>
+                <a:tc>
+                  <a:txBody>
+                    <a:bodyPr/>
+                    <a:lstStyle/>
+                    <a:p>
+                      <a:pPr algn="l"/>
+                      <a:r>
+                        <a:rPr lang="en-US" sz="1200">
+                          <a:latin typeface="Arial Nova" panose="020B0504020202020204" pitchFamily="34" charset="0"/>
+                        </a:rPr>
+                        <a:t>000</a:t>
+                      </a:r>
+                    </a:p>
+                  </a:txBody>
+                  <a:tcPr marT="0" marB="0" anchor="ctr"/>
+                </a:tc>
+                <a:tc>
+                  <a:txBody>
+                    <a:bodyPr/>
+                    <a:lstStyle/>
+                    <a:p>
+                      <a:pPr algn="l"/>
+                      <a:r>
+                        <a:rPr lang="en-US" sz="1200">
+                          <a:latin typeface="Arial Nova" panose="020B0504020202020204" pitchFamily="34" charset="0"/>
+                        </a:rPr>
+                        <a:t>000</a:t>
+                      </a:r>
+                    </a:p>
+                  </a:txBody>
+                  <a:tcPr marT="0" marB="0" anchor="ctr"/>
+                </a:tc>
+                <a:extLst>
+                  <a:ext uri="{0D108BD9-81ED-4DB2-BD59-A6C34878D82A}">
+                    <a16:rowId xmlns:a16="http://schemas.microsoft.com/office/drawing/2014/main" val="3791278334"/>
+                  </a:ext>
+                </a:extLst>
+              </a:tr>
+              <a:tr h="332509">
+                <a:tc>
+                  <a:txBody>
+                    <a:bodyPr/>
+                    <a:lstStyle/>
+                    <a:p>
+                      <a:r>
+                        <a:rPr lang="en-US" sz="1200" dirty="0">
+                          <a:latin typeface="Arial Nova" panose="020B0504020202020204" pitchFamily="34" charset="0"/>
+                        </a:rPr>
+                        <a:t>Row 8</a:t>
+                      </a:r>
+                    </a:p>
+                  </a:txBody>
+                  <a:tcPr marT="0" marB="0" anchor="ctr"/>
+                </a:tc>
+                <a:tc>
+                  <a:txBody>
+                    <a:bodyPr/>
+                    <a:lstStyle/>
+                    <a:p>
+                      <a:pPr algn="l"/>
+                      <a:r>
+                        <a:rPr lang="en-US" sz="1200">
+                          <a:latin typeface="Arial Nova" panose="020B0504020202020204" pitchFamily="34" charset="0"/>
+                        </a:rPr>
+                        <a:t>000</a:t>
+                      </a:r>
+                    </a:p>
+                  </a:txBody>
+                  <a:tcPr marT="0" marB="0" anchor="ctr"/>
+                </a:tc>
+                <a:tc>
+                  <a:txBody>
+                    <a:bodyPr/>
+                    <a:lstStyle/>
+                    <a:p>
+                      <a:pPr algn="l"/>
+                      <a:r>
+                        <a:rPr lang="en-US" sz="1200">
+                          <a:latin typeface="Arial Nova" panose="020B0504020202020204" pitchFamily="34" charset="0"/>
+                        </a:rPr>
+                        <a:t>000</a:t>
+                      </a:r>
+                    </a:p>
+                  </a:txBody>
+                  <a:tcPr marT="0" marB="0" anchor="ctr"/>
+                </a:tc>
+                <a:extLst>
+                  <a:ext uri="{0D108BD9-81ED-4DB2-BD59-A6C34878D82A}">
+                    <a16:rowId xmlns:a16="http://schemas.microsoft.com/office/drawing/2014/main" val="2367401442"/>
+                  </a:ext>
+                </a:extLst>
+              </a:tr>
+              <a:tr h="332509">
+                <a:tc>
+                  <a:txBody>
+                    <a:bodyPr/>
+                    <a:lstStyle/>
+                    <a:p>
+                      <a:r>
+                        <a:rPr lang="en-US" sz="1200">
+                          <a:latin typeface="Arial Nova" panose="020B0504020202020204" pitchFamily="34" charset="0"/>
+                        </a:rPr>
+                        <a:t>Row 9</a:t>
+                      </a:r>
+                    </a:p>
+                  </a:txBody>
+                  <a:tcPr marT="0" marB="0" anchor="ctr"/>
+                </a:tc>
+                <a:tc>
+                  <a:txBody>
+                    <a:bodyPr/>
+                    <a:lstStyle/>
+                    <a:p>
+                      <a:pPr algn="l"/>
+                      <a:r>
+                        <a:rPr lang="en-US" sz="1200">
+                          <a:latin typeface="Arial Nova" panose="020B0504020202020204" pitchFamily="34" charset="0"/>
+                        </a:rPr>
+                        <a:t>000</a:t>
+                      </a:r>
+                    </a:p>
+                  </a:txBody>
+                  <a:tcPr marT="0" marB="0" anchor="ctr"/>
+                </a:tc>
+                <a:tc>
+                  <a:txBody>
+                    <a:bodyPr/>
+                    <a:lstStyle/>
+                    <a:p>
+                      <a:pPr algn="l"/>
+                      <a:r>
+                        <a:rPr lang="en-US" sz="1200">
+                          <a:latin typeface="Arial Nova" panose="020B0504020202020204" pitchFamily="34" charset="0"/>
+                        </a:rPr>
+                        <a:t>000</a:t>
+                      </a:r>
+                    </a:p>
+                  </a:txBody>
+                  <a:tcPr marT="0" marB="0" anchor="ctr"/>
+                </a:tc>
+                <a:extLst>
+                  <a:ext uri="{0D108BD9-81ED-4DB2-BD59-A6C34878D82A}">
+                    <a16:rowId xmlns:a16="http://schemas.microsoft.com/office/drawing/2014/main" val="3855993651"/>
+                  </a:ext>
+                </a:extLst>
+              </a:tr>
+              <a:tr h="332509">
+                <a:tc>
+                  <a:txBody>
+                    <a:bodyPr/>
+                    <a:lstStyle/>
+                    <a:p>
+                      <a:endParaRPr lang="en-US" sz="1200">
+                        <a:latin typeface="Arial Nova" panose="020B0504020202020204" pitchFamily="34" charset="0"/>
+                      </a:endParaRPr>
+                    </a:p>
+                  </a:txBody>
+                  <a:tcPr marT="0" marB="0" anchor="ctr"/>
+                </a:tc>
+                <a:tc>
+                  <a:txBody>
+                    <a:bodyPr/>
+                    <a:lstStyle/>
+                    <a:p>
+                      <a:pPr algn="l"/>
+                      <a:r>
+                        <a:rPr lang="en-US" sz="1200">
+                          <a:latin typeface="Arial Nova" panose="020B0504020202020204" pitchFamily="34" charset="0"/>
+                        </a:rPr>
+                        <a:t>000</a:t>
+                      </a:r>
+                    </a:p>
+                  </a:txBody>
+                  <a:tcPr marT="0" marB="0" anchor="ctr"/>
+                </a:tc>
+                <a:tc>
+                  <a:txBody>
+                    <a:bodyPr/>
+                    <a:lstStyle/>
+                    <a:p>
+                      <a:pPr algn="l"/>
+                      <a:r>
+                        <a:rPr lang="en-US" sz="1200" dirty="0">
+                          <a:latin typeface="Arial Nova" panose="020B0504020202020204" pitchFamily="34" charset="0"/>
+                        </a:rPr>
+                        <a:t>000</a:t>
+                      </a:r>
+                    </a:p>
+                  </a:txBody>
+                  <a:tcPr marT="0" marB="0" anchor="ctr"/>
+                </a:tc>
+                <a:extLst>
+                  <a:ext uri="{0D108BD9-81ED-4DB2-BD59-A6C34878D82A}">
+                    <a16:rowId xmlns:a16="http://schemas.microsoft.com/office/drawing/2014/main" val="10006"/>
+                  </a:ext>
+                </a:extLst>
+              </a:tr>
+            </a:tbl>
+          </a:graphicData>
+        </a:graphic>
+      </p:graphicFrame>
+      <p:sp>
+        <p:nvSpPr>
+          <p:cNvPr id="8" name="Text Placeholder 7">
+            <a:extLst>
+              <a:ext uri="{FF2B5EF4-FFF2-40B4-BE49-F238E27FC236}">
+                <a16:creationId xmlns:a16="http://schemas.microsoft.com/office/drawing/2014/main" id="{179A7149-193A-6932-ACF1-1D6A5A03D26E}"/>
+              </a:ext>
+            </a:extLst>
+          </p:cNvPr>
+          <p:cNvSpPr>
+            <a:spLocks noGrp="1"/>
+          </p:cNvSpPr>
+          <p:nvPr>
+            <p:ph type="body" sz="quarter" idx="10"/>
+          </p:nvPr>
+        </p:nvSpPr>
+        <p:spPr/>
+        <p:txBody>
+          <a:bodyPr/>
+          <a:lstStyle/>
+          <a:p>
+            <a:r>
+              <a:rPr lang="en-US" dirty="0"/>
+              <a:t>[Footnotes/references, if needed, appear here in Arial Regular 8pt.</a:t>
+            </a:r>
+          </a:p>
+          <a:p>
+            <a:r>
+              <a:rPr lang="en-US" dirty="0"/>
+              <a:t>Text grows upwards as lines are added.]</a:t>
+            </a:r>
+          </a:p>
+        </p:txBody>
+      </p:sp>
+    </p:spTree>
+    <p:extLst>
+      <p:ext uri="{BB962C8B-B14F-4D97-AF65-F5344CB8AC3E}">
+        <p14:creationId xmlns:p14="http://schemas.microsoft.com/office/powerpoint/2010/main" val="3405921034"/>
+      </p:ext>
+    </p:extLst>
+  </p:cSld>
+  <p:clrMapOvr>
+    <a:masterClrMapping/>
+  </p:clrMapOvr>
+  <mc:AlternateContent xmlns:mc="http://schemas.openxmlformats.org/markup-compatibility/2006" xmlns:p14="http://schemas.microsoft.com/office/powerpoint/2010/main">
+    <mc:Choice Requires="p14">
+      <p:transition spd="med" p14:dur="700">
+        <p:fade/>
+      </p:transition>
+    </mc:Choice>
+    <mc:Fallback xmlns="">
+      <p:transition spd="med">
+        <p:fade/>
+      </p:transition>
+    </mc:Fallback>
+  </mc:AlternateContent>
+</p:sld>
+</file>
+
+<file path=ppt/slides/slide12.xml><?xml version="1.0" encoding="utf-8"?>
+<p:sld xmlns:a="http://schemas.openxmlformats.org/drawingml/2006/main" xmlns:r="http://schemas.openxmlformats.org/officeDocument/2006/relationships" xmlns:p="http://schemas.openxmlformats.org/presentationml/2006/main">
+  <p:cSld>
+    <p:spTree>
+      <p:nvGrpSpPr>
+        <p:cNvPr id="1" name=""/>
+        <p:cNvGrpSpPr/>
+        <p:nvPr/>
+      </p:nvGrpSpPr>
+      <p:grpSpPr>
+        <a:xfrm>
+          <a:off x="0" y="0"/>
+          <a:ext cx="0" cy="0"/>
+          <a:chOff x="0" y="0"/>
+          <a:chExt cx="0" cy="0"/>
+        </a:xfrm>
+      </p:grpSpPr>
+      <p:sp>
+        <p:nvSpPr>
           <p:cNvPr id="2" name="Title 1">
             <a:extLst>
               <a:ext uri="{FF2B5EF4-FFF2-40B4-BE49-F238E27FC236}">
@@ -15240,7 +16297,7 @@
 </p:sld>
 </file>
 
-<file path=ppt/slides/slide11.xml><?xml version="1.0" encoding="utf-8"?>
+<file path=ppt/slides/slide13.xml><?xml version="1.0" encoding="utf-8"?>
 <p:sld xmlns:a="http://schemas.openxmlformats.org/drawingml/2006/main" xmlns:r="http://schemas.openxmlformats.org/officeDocument/2006/relationships" xmlns:p="http://schemas.openxmlformats.org/presentationml/2006/main">
   <p:cSld>
     <p:spTree>
@@ -15441,7 +16498,7 @@
 </p:sld>
 </file>
 
-<file path=ppt/slides/slide12.xml><?xml version="1.0" encoding="utf-8"?>
+<file path=ppt/slides/slide14.xml><?xml version="1.0" encoding="utf-8"?>
 <p:sld xmlns:a="http://schemas.openxmlformats.org/drawingml/2006/main" xmlns:r="http://schemas.openxmlformats.org/officeDocument/2006/relationships" xmlns:p="http://schemas.openxmlformats.org/presentationml/2006/main">
   <p:cSld>
     <p:spTree>
@@ -15616,350 +16673,6 @@
     <p:extLst>
       <p:ext uri="{BB962C8B-B14F-4D97-AF65-F5344CB8AC3E}">
         <p14:creationId xmlns:p14="http://schemas.microsoft.com/office/powerpoint/2010/main" val="2105252610"/>
-      </p:ext>
-    </p:extLst>
-  </p:cSld>
-  <p:clrMapOvr>
-    <a:masterClrMapping/>
-  </p:clrMapOvr>
-  <mc:AlternateContent xmlns:mc="http://schemas.openxmlformats.org/markup-compatibility/2006" xmlns:p14="http://schemas.microsoft.com/office/powerpoint/2010/main">
-    <mc:Choice Requires="p14">
-      <p:transition spd="med" p14:dur="700">
-        <p:fade/>
-      </p:transition>
-    </mc:Choice>
-    <mc:Fallback xmlns="">
-      <p:transition spd="med">
-        <p:fade/>
-      </p:transition>
-    </mc:Fallback>
-  </mc:AlternateContent>
-</p:sld>
-</file>
-
-<file path=ppt/slides/slide13.xml><?xml version="1.0" encoding="utf-8"?>
-<p:sld xmlns:a="http://schemas.openxmlformats.org/drawingml/2006/main" xmlns:r="http://schemas.openxmlformats.org/officeDocument/2006/relationships" xmlns:p="http://schemas.openxmlformats.org/presentationml/2006/main">
-  <p:cSld>
-    <p:spTree>
-      <p:nvGrpSpPr>
-        <p:cNvPr id="1" name=""/>
-        <p:cNvGrpSpPr/>
-        <p:nvPr/>
-      </p:nvGrpSpPr>
-      <p:grpSpPr>
-        <a:xfrm>
-          <a:off x="0" y="0"/>
-          <a:ext cx="0" cy="0"/>
-          <a:chOff x="0" y="0"/>
-          <a:chExt cx="0" cy="0"/>
-        </a:xfrm>
-      </p:grpSpPr>
-      <p:sp>
-        <p:nvSpPr>
-          <p:cNvPr id="2" name="Title 1">
-            <a:extLst>
-              <a:ext uri="{FF2B5EF4-FFF2-40B4-BE49-F238E27FC236}">
-                <a16:creationId xmlns:a16="http://schemas.microsoft.com/office/drawing/2014/main" id="{068E7EE9-1579-BB45-B49A-936BB1434F82}"/>
-              </a:ext>
-            </a:extLst>
-          </p:cNvPr>
-          <p:cNvSpPr>
-            <a:spLocks noGrp="1"/>
-          </p:cNvSpPr>
-          <p:nvPr>
-            <p:ph type="title"/>
-          </p:nvPr>
-        </p:nvSpPr>
-        <p:spPr>
-          <a:xfrm>
-            <a:off x="457200" y="365759"/>
-            <a:ext cx="5334000" cy="1371600"/>
-          </a:xfrm>
-        </p:spPr>
-        <p:txBody>
-          <a:bodyPr/>
-          <a:lstStyle/>
-          <a:p>
-            <a:r>
-              <a:rPr lang="en-US" dirty="0"/>
-              <a:t>This is a “Half Photo” slide</a:t>
-            </a:r>
-            <a:br>
-              <a:rPr lang="en-US" dirty="0"/>
-            </a:br>
-            <a:r>
-              <a:rPr lang="en-US" b="0" dirty="0"/>
-              <a:t>Subtitle, if needed</a:t>
-            </a:r>
-          </a:p>
-        </p:txBody>
-      </p:sp>
-      <p:sp>
-        <p:nvSpPr>
-          <p:cNvPr id="17" name="Content Placeholder 2">
-            <a:extLst>
-              <a:ext uri="{FF2B5EF4-FFF2-40B4-BE49-F238E27FC236}">
-                <a16:creationId xmlns:a16="http://schemas.microsoft.com/office/drawing/2014/main" id="{01D71C70-D72E-AC4A-AA13-B89B96D5801A}"/>
-              </a:ext>
-            </a:extLst>
-          </p:cNvPr>
-          <p:cNvSpPr>
-            <a:spLocks noGrp="1"/>
-          </p:cNvSpPr>
-          <p:nvPr>
-            <p:ph sz="quarter" idx="11"/>
-          </p:nvPr>
-        </p:nvSpPr>
-        <p:spPr>
-          <a:xfrm>
-            <a:off x="457200" y="2285999"/>
-            <a:ext cx="5334000" cy="3355848"/>
-          </a:xfrm>
-        </p:spPr>
-        <p:txBody>
-          <a:bodyPr/>
-          <a:lstStyle/>
-          <a:p>
-            <a:pPr marL="0" indent="0">
-              <a:buNone/>
-            </a:pPr>
-            <a:r>
-              <a:rPr lang="en-US" dirty="0"/>
-              <a:t>Use the left side of this slide for text, tables, charts and/or graphics. Use the right side for a photo.</a:t>
-            </a:r>
-          </a:p>
-          <a:p>
-            <a:pPr marL="0" indent="0">
-              <a:buNone/>
-            </a:pPr>
-            <a:r>
-              <a:rPr lang="en-US" dirty="0"/>
-              <a:t>To insert a photo, click the icon in the middle of the gray placeholder and locate the photo. Photo must fill the entire placeholder. Photo may be cropped within the placeholder but do not move or resize the placeholder.</a:t>
-            </a:r>
-          </a:p>
-          <a:p>
-            <a:pPr marL="0" indent="0">
-              <a:buNone/>
-            </a:pPr>
-            <a:r>
-              <a:rPr lang="en-US" dirty="0"/>
-              <a:t>Do not use this layout without a photo.</a:t>
-            </a:r>
-          </a:p>
-        </p:txBody>
-      </p:sp>
-      <p:sp>
-        <p:nvSpPr>
-          <p:cNvPr id="11" name="Picture Placeholder 10">
-            <a:extLst>
-              <a:ext uri="{FF2B5EF4-FFF2-40B4-BE49-F238E27FC236}">
-                <a16:creationId xmlns:a16="http://schemas.microsoft.com/office/drawing/2014/main" id="{314DDBA3-28A1-10CB-5274-7418B7A11637}"/>
-              </a:ext>
-            </a:extLst>
-          </p:cNvPr>
-          <p:cNvSpPr>
-            <a:spLocks noGrp="1"/>
-          </p:cNvSpPr>
-          <p:nvPr>
-            <p:ph type="pic" sz="quarter" idx="12"/>
-          </p:nvPr>
-        </p:nvSpPr>
-        <p:spPr/>
-        <p:txBody>
-          <a:bodyPr/>
-          <a:lstStyle/>
-          <a:p>
-            <a:endParaRPr lang="en-US"/>
-          </a:p>
-        </p:txBody>
-      </p:sp>
-      <p:sp>
-        <p:nvSpPr>
-          <p:cNvPr id="10" name="Text Placeholder 9">
-            <a:extLst>
-              <a:ext uri="{FF2B5EF4-FFF2-40B4-BE49-F238E27FC236}">
-                <a16:creationId xmlns:a16="http://schemas.microsoft.com/office/drawing/2014/main" id="{F49E1628-6DFA-FAEB-AB99-2C72FDD35948}"/>
-              </a:ext>
-            </a:extLst>
-          </p:cNvPr>
-          <p:cNvSpPr>
-            <a:spLocks noGrp="1"/>
-          </p:cNvSpPr>
-          <p:nvPr>
-            <p:ph type="body" sz="quarter" idx="10"/>
-          </p:nvPr>
-        </p:nvSpPr>
-        <p:spPr/>
-        <p:txBody>
-          <a:bodyPr/>
-          <a:lstStyle/>
-          <a:p>
-            <a:r>
-              <a:rPr lang="en-US" dirty="0"/>
-              <a:t>[Footnotes/references, if needed, appear here in Arial Regular 8pt.</a:t>
-            </a:r>
-          </a:p>
-          <a:p>
-            <a:r>
-              <a:rPr lang="en-US" dirty="0"/>
-              <a:t>Text grows upwards as lines are added.]</a:t>
-            </a:r>
-          </a:p>
-        </p:txBody>
-      </p:sp>
-    </p:spTree>
-    <p:extLst>
-      <p:ext uri="{BB962C8B-B14F-4D97-AF65-F5344CB8AC3E}">
-        <p14:creationId xmlns:p14="http://schemas.microsoft.com/office/powerpoint/2010/main" val="3247342859"/>
-      </p:ext>
-    </p:extLst>
-  </p:cSld>
-  <p:clrMapOvr>
-    <a:masterClrMapping/>
-  </p:clrMapOvr>
-  <mc:AlternateContent xmlns:mc="http://schemas.openxmlformats.org/markup-compatibility/2006" xmlns:p14="http://schemas.microsoft.com/office/powerpoint/2010/main">
-    <mc:Choice Requires="p14">
-      <p:transition spd="med" p14:dur="700">
-        <p:fade/>
-      </p:transition>
-    </mc:Choice>
-    <mc:Fallback xmlns="">
-      <p:transition spd="med">
-        <p:fade/>
-      </p:transition>
-    </mc:Fallback>
-  </mc:AlternateContent>
-</p:sld>
-</file>
-
-<file path=ppt/slides/slide14.xml><?xml version="1.0" encoding="utf-8"?>
-<p:sld xmlns:a="http://schemas.openxmlformats.org/drawingml/2006/main" xmlns:r="http://schemas.openxmlformats.org/officeDocument/2006/relationships" xmlns:p="http://schemas.openxmlformats.org/presentationml/2006/main">
-  <p:cSld>
-    <p:spTree>
-      <p:nvGrpSpPr>
-        <p:cNvPr id="1" name=""/>
-        <p:cNvGrpSpPr/>
-        <p:nvPr/>
-      </p:nvGrpSpPr>
-      <p:grpSpPr>
-        <a:xfrm>
-          <a:off x="0" y="0"/>
-          <a:ext cx="0" cy="0"/>
-          <a:chOff x="0" y="0"/>
-          <a:chExt cx="0" cy="0"/>
-        </a:xfrm>
-      </p:grpSpPr>
-      <p:sp>
-        <p:nvSpPr>
-          <p:cNvPr id="17" name="Content Placeholder 1">
-            <a:extLst>
-              <a:ext uri="{FF2B5EF4-FFF2-40B4-BE49-F238E27FC236}">
-                <a16:creationId xmlns:a16="http://schemas.microsoft.com/office/drawing/2014/main" id="{01D71C70-D72E-AC4A-AA13-B89B96D5801A}"/>
-              </a:ext>
-            </a:extLst>
-          </p:cNvPr>
-          <p:cNvSpPr>
-            <a:spLocks noGrp="1"/>
-          </p:cNvSpPr>
-          <p:nvPr>
-            <p:ph sz="quarter" idx="11"/>
-          </p:nvPr>
-        </p:nvSpPr>
-        <p:spPr>
-          <a:xfrm>
-            <a:off x="457200" y="365125"/>
-            <a:ext cx="5334000" cy="2697079"/>
-          </a:xfrm>
-        </p:spPr>
-        <p:txBody>
-          <a:bodyPr/>
-          <a:lstStyle/>
-          <a:p>
-            <a:pPr marL="0" indent="0">
-              <a:buNone/>
-            </a:pPr>
-            <a:r>
-              <a:rPr lang="en-US" sz="9600" dirty="0"/>
-              <a:t>00%</a:t>
-            </a:r>
-          </a:p>
-          <a:p>
-            <a:pPr marL="0" indent="0">
-              <a:spcBef>
-                <a:spcPts val="0"/>
-              </a:spcBef>
-              <a:buNone/>
-            </a:pPr>
-            <a:r>
-              <a:rPr lang="en-US" dirty="0"/>
-              <a:t>This version of the half photo slide can be used for text and/or infographics. The large text above is Arial Regular 96pt with 0.8 line spacing. Text must not overlap the horizon lines graphic below.</a:t>
-            </a:r>
-          </a:p>
-        </p:txBody>
-      </p:sp>
-      <p:sp>
-        <p:nvSpPr>
-          <p:cNvPr id="5" name="Picture Placeholder 4">
-            <a:extLst>
-              <a:ext uri="{FF2B5EF4-FFF2-40B4-BE49-F238E27FC236}">
-                <a16:creationId xmlns:a16="http://schemas.microsoft.com/office/drawing/2014/main" id="{45118EB8-9F49-E545-546A-A052DA684404}"/>
-              </a:ext>
-            </a:extLst>
-          </p:cNvPr>
-          <p:cNvSpPr>
-            <a:spLocks noGrp="1"/>
-          </p:cNvSpPr>
-          <p:nvPr>
-            <p:ph type="pic" sz="quarter" idx="12"/>
-          </p:nvPr>
-        </p:nvSpPr>
-        <p:spPr/>
-        <p:txBody>
-          <a:bodyPr/>
-          <a:lstStyle/>
-          <a:p>
-            <a:endParaRPr lang="en-US"/>
-          </a:p>
-        </p:txBody>
-      </p:sp>
-      <p:sp>
-        <p:nvSpPr>
-          <p:cNvPr id="4" name="Text Placeholder 3">
-            <a:extLst>
-              <a:ext uri="{FF2B5EF4-FFF2-40B4-BE49-F238E27FC236}">
-                <a16:creationId xmlns:a16="http://schemas.microsoft.com/office/drawing/2014/main" id="{CB0482A5-6478-0234-8DB1-4DDEE5D50D2C}"/>
-              </a:ext>
-            </a:extLst>
-          </p:cNvPr>
-          <p:cNvSpPr>
-            <a:spLocks noGrp="1"/>
-          </p:cNvSpPr>
-          <p:nvPr>
-            <p:ph type="body" sz="quarter" idx="10"/>
-          </p:nvPr>
-        </p:nvSpPr>
-        <p:spPr/>
-        <p:txBody>
-          <a:bodyPr/>
-          <a:lstStyle/>
-          <a:p>
-            <a:r>
-              <a:rPr lang="en-US" dirty="0"/>
-              <a:t>[Footnotes/references, if needed, appear here in Arial Regular 8pt.</a:t>
-            </a:r>
-          </a:p>
-          <a:p>
-            <a:r>
-              <a:rPr lang="en-US" dirty="0"/>
-              <a:t>Text grows upwards as lines are added.]</a:t>
-            </a:r>
-          </a:p>
-        </p:txBody>
-      </p:sp>
-    </p:spTree>
-    <p:extLst>
-      <p:ext uri="{BB962C8B-B14F-4D97-AF65-F5344CB8AC3E}">
-        <p14:creationId xmlns:p14="http://schemas.microsoft.com/office/powerpoint/2010/main" val="906597923"/>
       </p:ext>
     </p:extLst>
   </p:cSld>
@@ -16003,7 +16716,7 @@
           <p:cNvPr id="2" name="Title 1">
             <a:extLst>
               <a:ext uri="{FF2B5EF4-FFF2-40B4-BE49-F238E27FC236}">
-                <a16:creationId xmlns:a16="http://schemas.microsoft.com/office/drawing/2014/main" id="{F0FC55DB-F8AE-634C-A03C-3042914045A7}"/>
+                <a16:creationId xmlns:a16="http://schemas.microsoft.com/office/drawing/2014/main" id="{068E7EE9-1579-BB45-B49A-936BB1434F82}"/>
               </a:ext>
             </a:extLst>
           </p:cNvPr>
@@ -16014,24 +16727,36 @@
             <p:ph type="title"/>
           </p:nvPr>
         </p:nvSpPr>
-        <p:spPr/>
+        <p:spPr>
+          <a:xfrm>
+            <a:off x="457200" y="365759"/>
+            <a:ext cx="5334000" cy="1371600"/>
+          </a:xfrm>
+        </p:spPr>
         <p:txBody>
           <a:bodyPr/>
           <a:lstStyle/>
           <a:p>
             <a:r>
               <a:rPr lang="en-US" dirty="0"/>
-              <a:t>Section Header</a:t>
+              <a:t>This is a “Half Photo” slide</a:t>
+            </a:r>
+            <a:br>
+              <a:rPr lang="en-US" dirty="0"/>
+            </a:br>
+            <a:r>
+              <a:rPr lang="en-US" b="0" dirty="0"/>
+              <a:t>Subtitle, if needed</a:t>
             </a:r>
           </a:p>
         </p:txBody>
       </p:sp>
       <p:sp>
         <p:nvSpPr>
-          <p:cNvPr id="9" name="Subtitle 2">
+          <p:cNvPr id="17" name="Content Placeholder 2">
             <a:extLst>
               <a:ext uri="{FF2B5EF4-FFF2-40B4-BE49-F238E27FC236}">
-                <a16:creationId xmlns:a16="http://schemas.microsoft.com/office/drawing/2014/main" id="{A71338F7-56F0-0540-BD04-0F76C01630E2}"/>
+                <a16:creationId xmlns:a16="http://schemas.microsoft.com/office/drawing/2014/main" id="{01D71C70-D72E-AC4A-AA13-B89B96D5801A}"/>
               </a:ext>
             </a:extLst>
           </p:cNvPr>
@@ -16039,7 +16764,61 @@
             <a:spLocks noGrp="1"/>
           </p:cNvSpPr>
           <p:nvPr>
-            <p:ph type="subTitle" idx="1"/>
+            <p:ph sz="quarter" idx="11"/>
+          </p:nvPr>
+        </p:nvSpPr>
+        <p:spPr>
+          <a:xfrm>
+            <a:off x="457200" y="2285999"/>
+            <a:ext cx="5334000" cy="3355848"/>
+          </a:xfrm>
+        </p:spPr>
+        <p:txBody>
+          <a:bodyPr/>
+          <a:lstStyle/>
+          <a:p>
+            <a:pPr marL="0" indent="0">
+              <a:buNone/>
+            </a:pPr>
+            <a:r>
+              <a:rPr lang="en-US" dirty="0"/>
+              <a:t>Use the left side of this slide for text, tables, charts and/or graphics. Use the right side for a photo.</a:t>
+            </a:r>
+          </a:p>
+          <a:p>
+            <a:pPr marL="0" indent="0">
+              <a:buNone/>
+            </a:pPr>
+            <a:r>
+              <a:rPr lang="en-US" dirty="0"/>
+              <a:t>To insert a photo, click the icon in the middle of the gray placeholder and locate the photo. Photo must fill the entire placeholder. Photo may be cropped within the placeholder but do not move or resize the placeholder.</a:t>
+            </a:r>
+          </a:p>
+          <a:p>
+            <a:pPr marL="0" indent="0">
+              <a:buNone/>
+            </a:pPr>
+            <a:r>
+              <a:rPr lang="en-US" dirty="0"/>
+              <a:t>Do not use this layout without a photo.</a:t>
+            </a:r>
+          </a:p>
+        </p:txBody>
+      </p:sp>
+      <p:sp>
+        <p:nvSpPr>
+          <p:cNvPr id="11" name="Picture Placeholder 10">
+            <a:extLst>
+              <a:ext uri="{FF2B5EF4-FFF2-40B4-BE49-F238E27FC236}">
+                <a16:creationId xmlns:a16="http://schemas.microsoft.com/office/drawing/2014/main" id="{314DDBA3-28A1-10CB-5274-7418B7A11637}"/>
+              </a:ext>
+            </a:extLst>
+          </p:cNvPr>
+          <p:cNvSpPr>
+            <a:spLocks noGrp="1"/>
+          </p:cNvSpPr>
+          <p:nvPr>
+            <p:ph type="pic" sz="quarter" idx="12"/>
           </p:nvPr>
         </p:nvSpPr>
         <p:spPr/>
@@ -16047,142 +16826,48 @@
           <a:bodyPr/>
           <a:lstStyle/>
           <a:p>
-            <a:r>
-              <a:rPr lang="en-US" dirty="0"/>
-              <a:t>Subtitle, if needed</a:t>
-            </a:r>
+            <a:endParaRPr lang="en-US"/>
           </a:p>
         </p:txBody>
       </p:sp>
       <p:sp>
         <p:nvSpPr>
-          <p:cNvPr id="11" name="Slide Number Placeholder 3">
+          <p:cNvPr id="10" name="Text Placeholder 9">
             <a:extLst>
               <a:ext uri="{FF2B5EF4-FFF2-40B4-BE49-F238E27FC236}">
-                <a16:creationId xmlns:a16="http://schemas.microsoft.com/office/drawing/2014/main" id="{E8BEFC97-0197-2656-F549-483917C2158B}"/>
+                <a16:creationId xmlns:a16="http://schemas.microsoft.com/office/drawing/2014/main" id="{F49E1628-6DFA-FAEB-AB99-2C72FDD35948}"/>
               </a:ext>
             </a:extLst>
           </p:cNvPr>
-          <p:cNvSpPr txBox="1">
-            <a:spLocks/>
+          <p:cNvSpPr>
+            <a:spLocks noGrp="1"/>
           </p:cNvSpPr>
-          <p:nvPr/>
+          <p:nvPr>
+            <p:ph type="body" sz="quarter" idx="10"/>
+          </p:nvPr>
         </p:nvSpPr>
-        <p:spPr>
-          <a:xfrm>
-            <a:off x="11187057" y="6284003"/>
-            <a:ext cx="457200" cy="228600"/>
-          </a:xfrm>
-          <a:prstGeom prst="rect">
-            <a:avLst/>
-          </a:prstGeom>
-        </p:spPr>
+        <p:spPr/>
         <p:txBody>
-          <a:bodyPr vert="horz" wrap="none" lIns="0" tIns="0" rIns="0" bIns="0" rtlCol="0" anchor="b" anchorCtr="0"/>
-          <a:lstStyle>
-            <a:defPPr>
-              <a:defRPr lang="en-US"/>
-            </a:defPPr>
-            <a:lvl1pPr marL="0" algn="r" defTabSz="914400" rtl="0" eaLnBrk="1" latinLnBrk="0" hangingPunct="1">
-              <a:defRPr sz="1200" b="0" kern="1200">
-                <a:solidFill>
-                  <a:schemeClr val="tx1"/>
-                </a:solidFill>
-                <a:latin typeface="+mn-lt"/>
-                <a:ea typeface="+mn-ea"/>
-                <a:cs typeface="+mn-cs"/>
-              </a:defRPr>
-            </a:lvl1pPr>
-            <a:lvl2pPr marL="457200" algn="l" defTabSz="914400" rtl="0" eaLnBrk="1" latinLnBrk="0" hangingPunct="1">
-              <a:defRPr sz="1800" kern="1200">
-                <a:solidFill>
-                  <a:schemeClr val="tx1"/>
-                </a:solidFill>
-                <a:latin typeface="+mn-lt"/>
-                <a:ea typeface="+mn-ea"/>
-                <a:cs typeface="+mn-cs"/>
-              </a:defRPr>
-            </a:lvl2pPr>
-            <a:lvl3pPr marL="914400" algn="l" defTabSz="914400" rtl="0" eaLnBrk="1" latinLnBrk="0" hangingPunct="1">
-              <a:defRPr sz="1800" kern="1200">
-                <a:solidFill>
-                  <a:schemeClr val="tx1"/>
-                </a:solidFill>
-                <a:latin typeface="+mn-lt"/>
-                <a:ea typeface="+mn-ea"/>
-                <a:cs typeface="+mn-cs"/>
-              </a:defRPr>
-            </a:lvl3pPr>
-            <a:lvl4pPr marL="1371600" algn="l" defTabSz="914400" rtl="0" eaLnBrk="1" latinLnBrk="0" hangingPunct="1">
-              <a:defRPr sz="1800" kern="1200">
-                <a:solidFill>
-                  <a:schemeClr val="tx1"/>
-                </a:solidFill>
-                <a:latin typeface="+mn-lt"/>
-                <a:ea typeface="+mn-ea"/>
-                <a:cs typeface="+mn-cs"/>
-              </a:defRPr>
-            </a:lvl4pPr>
-            <a:lvl5pPr marL="1828800" algn="l" defTabSz="914400" rtl="0" eaLnBrk="1" latinLnBrk="0" hangingPunct="1">
-              <a:defRPr sz="1800" kern="1200">
-                <a:solidFill>
-                  <a:schemeClr val="tx1"/>
-                </a:solidFill>
-                <a:latin typeface="+mn-lt"/>
-                <a:ea typeface="+mn-ea"/>
-                <a:cs typeface="+mn-cs"/>
-              </a:defRPr>
-            </a:lvl5pPr>
-            <a:lvl6pPr marL="2286000" algn="l" defTabSz="914400" rtl="0" eaLnBrk="1" latinLnBrk="0" hangingPunct="1">
-              <a:defRPr sz="1800" kern="1200">
-                <a:solidFill>
-                  <a:schemeClr val="tx1"/>
-                </a:solidFill>
-                <a:latin typeface="+mn-lt"/>
-                <a:ea typeface="+mn-ea"/>
-                <a:cs typeface="+mn-cs"/>
-              </a:defRPr>
-            </a:lvl6pPr>
-            <a:lvl7pPr marL="2743200" algn="l" defTabSz="914400" rtl="0" eaLnBrk="1" latinLnBrk="0" hangingPunct="1">
-              <a:defRPr sz="1800" kern="1200">
-                <a:solidFill>
-                  <a:schemeClr val="tx1"/>
-                </a:solidFill>
-                <a:latin typeface="+mn-lt"/>
-                <a:ea typeface="+mn-ea"/>
-                <a:cs typeface="+mn-cs"/>
-              </a:defRPr>
-            </a:lvl7pPr>
-            <a:lvl8pPr marL="3200400" algn="l" defTabSz="914400" rtl="0" eaLnBrk="1" latinLnBrk="0" hangingPunct="1">
-              <a:defRPr sz="1800" kern="1200">
-                <a:solidFill>
-                  <a:schemeClr val="tx1"/>
-                </a:solidFill>
-                <a:latin typeface="+mn-lt"/>
-                <a:ea typeface="+mn-ea"/>
-                <a:cs typeface="+mn-cs"/>
-              </a:defRPr>
-            </a:lvl8pPr>
-            <a:lvl9pPr marL="3657600" algn="l" defTabSz="914400" rtl="0" eaLnBrk="1" latinLnBrk="0" hangingPunct="1">
-              <a:defRPr sz="1800" kern="1200">
-                <a:solidFill>
-                  <a:schemeClr val="tx1"/>
-                </a:solidFill>
-                <a:latin typeface="+mn-lt"/>
-                <a:ea typeface="+mn-ea"/>
-                <a:cs typeface="+mn-cs"/>
-              </a:defRPr>
-            </a:lvl9pPr>
-          </a:lstStyle>
-          <a:p>
-            <a:endParaRPr lang="en-US" dirty="0"/>
+          <a:bodyPr/>
+          <a:lstStyle/>
+          <a:p>
+            <a:r>
+              <a:rPr lang="en-US" dirty="0"/>
+              <a:t>[Footnotes/references, if needed, appear here in Arial Regular 8pt.</a:t>
+            </a:r>
+          </a:p>
+          <a:p>
+            <a:r>
+              <a:rPr lang="en-US" dirty="0"/>
+              <a:t>Text grows upwards as lines are added.]</a:t>
+            </a:r>
           </a:p>
         </p:txBody>
       </p:sp>
     </p:spTree>
     <p:extLst>
       <p:ext uri="{BB962C8B-B14F-4D97-AF65-F5344CB8AC3E}">
-        <p14:creationId xmlns:p14="http://schemas.microsoft.com/office/powerpoint/2010/main" val="3574433726"/>
+        <p14:creationId xmlns:p14="http://schemas.microsoft.com/office/powerpoint/2010/main" val="3247342859"/>
       </p:ext>
     </p:extLst>
   </p:cSld>
@@ -16223,10 +16908,10 @@
       </p:grpSpPr>
       <p:sp>
         <p:nvSpPr>
-          <p:cNvPr id="4" name="Title 3">
+          <p:cNvPr id="17" name="Content Placeholder 1">
             <a:extLst>
               <a:ext uri="{FF2B5EF4-FFF2-40B4-BE49-F238E27FC236}">
-                <a16:creationId xmlns:a16="http://schemas.microsoft.com/office/drawing/2014/main" id="{E1CB8846-17C1-F1A2-48D7-87FDF97E8BB1}"/>
+                <a16:creationId xmlns:a16="http://schemas.microsoft.com/office/drawing/2014/main" id="{01D71C70-D72E-AC4A-AA13-B89B96D5801A}"/>
               </a:ext>
             </a:extLst>
           </p:cNvPr>
@@ -16234,27 +16919,47 @@
             <a:spLocks noGrp="1"/>
           </p:cNvSpPr>
           <p:nvPr>
-            <p:ph type="title"/>
+            <p:ph sz="quarter" idx="11"/>
           </p:nvPr>
         </p:nvSpPr>
-        <p:spPr/>
+        <p:spPr>
+          <a:xfrm>
+            <a:off x="457200" y="365125"/>
+            <a:ext cx="5334000" cy="2697079"/>
+          </a:xfrm>
+        </p:spPr>
         <p:txBody>
           <a:bodyPr/>
           <a:lstStyle/>
           <a:p>
-            <a:r>
-              <a:rPr lang="en-US" dirty="0"/>
-              <a:t>Section Header</a:t>
+            <a:pPr marL="0" indent="0">
+              <a:buNone/>
+            </a:pPr>
+            <a:r>
+              <a:rPr lang="en-US" sz="9600" dirty="0"/>
+              <a:t>00%</a:t>
+            </a:r>
+          </a:p>
+          <a:p>
+            <a:pPr marL="0" indent="0">
+              <a:spcBef>
+                <a:spcPts val="0"/>
+              </a:spcBef>
+              <a:buNone/>
+            </a:pPr>
+            <a:r>
+              <a:rPr lang="en-US" dirty="0"/>
+              <a:t>This version of the half photo slide can be used for text and/or infographics. The large text above is Arial Regular 96pt with 0.8 line spacing. Text must not overlap the horizon lines graphic below.</a:t>
             </a:r>
           </a:p>
         </p:txBody>
       </p:sp>
       <p:sp>
         <p:nvSpPr>
-          <p:cNvPr id="8" name="Subtitle 7">
+          <p:cNvPr id="5" name="Picture Placeholder 4">
             <a:extLst>
               <a:ext uri="{FF2B5EF4-FFF2-40B4-BE49-F238E27FC236}">
-                <a16:creationId xmlns:a16="http://schemas.microsoft.com/office/drawing/2014/main" id="{CED8799E-41AF-BF90-E75A-58D64001A6E3}"/>
+                <a16:creationId xmlns:a16="http://schemas.microsoft.com/office/drawing/2014/main" id="{45118EB8-9F49-E545-546A-A052DA684404}"/>
               </a:ext>
             </a:extLst>
           </p:cNvPr>
@@ -16262,7 +16967,7 @@
             <a:spLocks noGrp="1"/>
           </p:cNvSpPr>
           <p:nvPr>
-            <p:ph type="subTitle" idx="1"/>
+            <p:ph type="pic" sz="quarter" idx="12"/>
           </p:nvPr>
         </p:nvSpPr>
         <p:spPr/>
@@ -16270,9 +16975,40 @@
           <a:bodyPr/>
           <a:lstStyle/>
           <a:p>
-            <a:r>
-              <a:rPr lang="en-US" dirty="0"/>
-              <a:t>Subtitle, if needed</a:t>
+            <a:endParaRPr lang="en-US"/>
+          </a:p>
+        </p:txBody>
+      </p:sp>
+      <p:sp>
+        <p:nvSpPr>
+          <p:cNvPr id="4" name="Text Placeholder 3">
+            <a:extLst>
+              <a:ext uri="{FF2B5EF4-FFF2-40B4-BE49-F238E27FC236}">
+                <a16:creationId xmlns:a16="http://schemas.microsoft.com/office/drawing/2014/main" id="{CB0482A5-6478-0234-8DB1-4DDEE5D50D2C}"/>
+              </a:ext>
+            </a:extLst>
+          </p:cNvPr>
+          <p:cNvSpPr>
+            <a:spLocks noGrp="1"/>
+          </p:cNvSpPr>
+          <p:nvPr>
+            <p:ph type="body" sz="quarter" idx="10"/>
+          </p:nvPr>
+        </p:nvSpPr>
+        <p:spPr/>
+        <p:txBody>
+          <a:bodyPr/>
+          <a:lstStyle/>
+          <a:p>
+            <a:r>
+              <a:rPr lang="en-US" dirty="0"/>
+              <a:t>[Footnotes/references, if needed, appear here in Arial Regular 8pt.</a:t>
+            </a:r>
+          </a:p>
+          <a:p>
+            <a:r>
+              <a:rPr lang="en-US" dirty="0"/>
+              <a:t>Text grows upwards as lines are added.]</a:t>
             </a:r>
           </a:p>
         </p:txBody>
@@ -16280,7 +17016,7 @@
     </p:spTree>
     <p:extLst>
       <p:ext uri="{BB962C8B-B14F-4D97-AF65-F5344CB8AC3E}">
-        <p14:creationId xmlns:p14="http://schemas.microsoft.com/office/powerpoint/2010/main" val="2398435535"/>
+        <p14:creationId xmlns:p14="http://schemas.microsoft.com/office/powerpoint/2010/main" val="906597923"/>
       </p:ext>
     </p:extLst>
   </p:cSld>
@@ -16319,10 +17055,191 @@
           <a:chExt cx="0" cy="0"/>
         </a:xfrm>
       </p:grpSpPr>
+      <p:sp>
+        <p:nvSpPr>
+          <p:cNvPr id="2" name="Title 1">
+            <a:extLst>
+              <a:ext uri="{FF2B5EF4-FFF2-40B4-BE49-F238E27FC236}">
+                <a16:creationId xmlns:a16="http://schemas.microsoft.com/office/drawing/2014/main" id="{F0FC55DB-F8AE-634C-A03C-3042914045A7}"/>
+              </a:ext>
+            </a:extLst>
+          </p:cNvPr>
+          <p:cNvSpPr>
+            <a:spLocks noGrp="1"/>
+          </p:cNvSpPr>
+          <p:nvPr>
+            <p:ph type="title"/>
+          </p:nvPr>
+        </p:nvSpPr>
+        <p:spPr/>
+        <p:txBody>
+          <a:bodyPr/>
+          <a:lstStyle/>
+          <a:p>
+            <a:r>
+              <a:rPr lang="en-US" dirty="0"/>
+              <a:t>Section Header</a:t>
+            </a:r>
+          </a:p>
+        </p:txBody>
+      </p:sp>
+      <p:sp>
+        <p:nvSpPr>
+          <p:cNvPr id="9" name="Subtitle 2">
+            <a:extLst>
+              <a:ext uri="{FF2B5EF4-FFF2-40B4-BE49-F238E27FC236}">
+                <a16:creationId xmlns:a16="http://schemas.microsoft.com/office/drawing/2014/main" id="{A71338F7-56F0-0540-BD04-0F76C01630E2}"/>
+              </a:ext>
+            </a:extLst>
+          </p:cNvPr>
+          <p:cNvSpPr>
+            <a:spLocks noGrp="1"/>
+          </p:cNvSpPr>
+          <p:nvPr>
+            <p:ph type="subTitle" idx="1"/>
+          </p:nvPr>
+        </p:nvSpPr>
+        <p:spPr/>
+        <p:txBody>
+          <a:bodyPr/>
+          <a:lstStyle/>
+          <a:p>
+            <a:r>
+              <a:rPr lang="en-US" dirty="0"/>
+              <a:t>Subtitle, if needed</a:t>
+            </a:r>
+          </a:p>
+        </p:txBody>
+      </p:sp>
+      <p:sp>
+        <p:nvSpPr>
+          <p:cNvPr id="11" name="Slide Number Placeholder 3">
+            <a:extLst>
+              <a:ext uri="{FF2B5EF4-FFF2-40B4-BE49-F238E27FC236}">
+                <a16:creationId xmlns:a16="http://schemas.microsoft.com/office/drawing/2014/main" id="{E8BEFC97-0197-2656-F549-483917C2158B}"/>
+              </a:ext>
+            </a:extLst>
+          </p:cNvPr>
+          <p:cNvSpPr txBox="1">
+            <a:spLocks/>
+          </p:cNvSpPr>
+          <p:nvPr/>
+        </p:nvSpPr>
+        <p:spPr>
+          <a:xfrm>
+            <a:off x="11187057" y="6284003"/>
+            <a:ext cx="457200" cy="228600"/>
+          </a:xfrm>
+          <a:prstGeom prst="rect">
+            <a:avLst/>
+          </a:prstGeom>
+        </p:spPr>
+        <p:txBody>
+          <a:bodyPr vert="horz" wrap="none" lIns="0" tIns="0" rIns="0" bIns="0" rtlCol="0" anchor="b" anchorCtr="0"/>
+          <a:lstStyle>
+            <a:defPPr>
+              <a:defRPr lang="en-US"/>
+            </a:defPPr>
+            <a:lvl1pPr marL="0" algn="r" defTabSz="914400" rtl="0" eaLnBrk="1" latinLnBrk="0" hangingPunct="1">
+              <a:defRPr sz="1200" b="0" kern="1200">
+                <a:solidFill>
+                  <a:schemeClr val="tx1"/>
+                </a:solidFill>
+                <a:latin typeface="+mn-lt"/>
+                <a:ea typeface="+mn-ea"/>
+                <a:cs typeface="+mn-cs"/>
+              </a:defRPr>
+            </a:lvl1pPr>
+            <a:lvl2pPr marL="457200" algn="l" defTabSz="914400" rtl="0" eaLnBrk="1" latinLnBrk="0" hangingPunct="1">
+              <a:defRPr sz="1800" kern="1200">
+                <a:solidFill>
+                  <a:schemeClr val="tx1"/>
+                </a:solidFill>
+                <a:latin typeface="+mn-lt"/>
+                <a:ea typeface="+mn-ea"/>
+                <a:cs typeface="+mn-cs"/>
+              </a:defRPr>
+            </a:lvl2pPr>
+            <a:lvl3pPr marL="914400" algn="l" defTabSz="914400" rtl="0" eaLnBrk="1" latinLnBrk="0" hangingPunct="1">
+              <a:defRPr sz="1800" kern="1200">
+                <a:solidFill>
+                  <a:schemeClr val="tx1"/>
+                </a:solidFill>
+                <a:latin typeface="+mn-lt"/>
+                <a:ea typeface="+mn-ea"/>
+                <a:cs typeface="+mn-cs"/>
+              </a:defRPr>
+            </a:lvl3pPr>
+            <a:lvl4pPr marL="1371600" algn="l" defTabSz="914400" rtl="0" eaLnBrk="1" latinLnBrk="0" hangingPunct="1">
+              <a:defRPr sz="1800" kern="1200">
+                <a:solidFill>
+                  <a:schemeClr val="tx1"/>
+                </a:solidFill>
+                <a:latin typeface="+mn-lt"/>
+                <a:ea typeface="+mn-ea"/>
+                <a:cs typeface="+mn-cs"/>
+              </a:defRPr>
+            </a:lvl4pPr>
+            <a:lvl5pPr marL="1828800" algn="l" defTabSz="914400" rtl="0" eaLnBrk="1" latinLnBrk="0" hangingPunct="1">
+              <a:defRPr sz="1800" kern="1200">
+                <a:solidFill>
+                  <a:schemeClr val="tx1"/>
+                </a:solidFill>
+                <a:latin typeface="+mn-lt"/>
+                <a:ea typeface="+mn-ea"/>
+                <a:cs typeface="+mn-cs"/>
+              </a:defRPr>
+            </a:lvl5pPr>
+            <a:lvl6pPr marL="2286000" algn="l" defTabSz="914400" rtl="0" eaLnBrk="1" latinLnBrk="0" hangingPunct="1">
+              <a:defRPr sz="1800" kern="1200">
+                <a:solidFill>
+                  <a:schemeClr val="tx1"/>
+                </a:solidFill>
+                <a:latin typeface="+mn-lt"/>
+                <a:ea typeface="+mn-ea"/>
+                <a:cs typeface="+mn-cs"/>
+              </a:defRPr>
+            </a:lvl6pPr>
+            <a:lvl7pPr marL="2743200" algn="l" defTabSz="914400" rtl="0" eaLnBrk="1" latinLnBrk="0" hangingPunct="1">
+              <a:defRPr sz="1800" kern="1200">
+                <a:solidFill>
+                  <a:schemeClr val="tx1"/>
+                </a:solidFill>
+                <a:latin typeface="+mn-lt"/>
+                <a:ea typeface="+mn-ea"/>
+                <a:cs typeface="+mn-cs"/>
+              </a:defRPr>
+            </a:lvl7pPr>
+            <a:lvl8pPr marL="3200400" algn="l" defTabSz="914400" rtl="0" eaLnBrk="1" latinLnBrk="0" hangingPunct="1">
+              <a:defRPr sz="1800" kern="1200">
+                <a:solidFill>
+                  <a:schemeClr val="tx1"/>
+                </a:solidFill>
+                <a:latin typeface="+mn-lt"/>
+                <a:ea typeface="+mn-ea"/>
+                <a:cs typeface="+mn-cs"/>
+              </a:defRPr>
+            </a:lvl8pPr>
+            <a:lvl9pPr marL="3657600" algn="l" defTabSz="914400" rtl="0" eaLnBrk="1" latinLnBrk="0" hangingPunct="1">
+              <a:defRPr sz="1800" kern="1200">
+                <a:solidFill>
+                  <a:schemeClr val="tx1"/>
+                </a:solidFill>
+                <a:latin typeface="+mn-lt"/>
+                <a:ea typeface="+mn-ea"/>
+                <a:cs typeface="+mn-cs"/>
+              </a:defRPr>
+            </a:lvl9pPr>
+          </a:lstStyle>
+          <a:p>
+            <a:endParaRPr lang="en-US" dirty="0"/>
+          </a:p>
+        </p:txBody>
+      </p:sp>
     </p:spTree>
     <p:extLst>
       <p:ext uri="{BB962C8B-B14F-4D97-AF65-F5344CB8AC3E}">
-        <p14:creationId xmlns:p14="http://schemas.microsoft.com/office/powerpoint/2010/main" val="861767100"/>
+        <p14:creationId xmlns:p14="http://schemas.microsoft.com/office/powerpoint/2010/main" val="3574433726"/>
       </p:ext>
     </p:extLst>
   </p:cSld>
@@ -16361,10 +17278,108 @@
           <a:chExt cx="0" cy="0"/>
         </a:xfrm>
       </p:grpSpPr>
+      <p:sp>
+        <p:nvSpPr>
+          <p:cNvPr id="4" name="Title 3">
+            <a:extLst>
+              <a:ext uri="{FF2B5EF4-FFF2-40B4-BE49-F238E27FC236}">
+                <a16:creationId xmlns:a16="http://schemas.microsoft.com/office/drawing/2014/main" id="{E1CB8846-17C1-F1A2-48D7-87FDF97E8BB1}"/>
+              </a:ext>
+            </a:extLst>
+          </p:cNvPr>
+          <p:cNvSpPr>
+            <a:spLocks noGrp="1"/>
+          </p:cNvSpPr>
+          <p:nvPr>
+            <p:ph type="title"/>
+          </p:nvPr>
+        </p:nvSpPr>
+        <p:spPr/>
+        <p:txBody>
+          <a:bodyPr/>
+          <a:lstStyle/>
+          <a:p>
+            <a:r>
+              <a:rPr lang="en-US" dirty="0"/>
+              <a:t>Section Header</a:t>
+            </a:r>
+          </a:p>
+        </p:txBody>
+      </p:sp>
+      <p:sp>
+        <p:nvSpPr>
+          <p:cNvPr id="8" name="Subtitle 7">
+            <a:extLst>
+              <a:ext uri="{FF2B5EF4-FFF2-40B4-BE49-F238E27FC236}">
+                <a16:creationId xmlns:a16="http://schemas.microsoft.com/office/drawing/2014/main" id="{CED8799E-41AF-BF90-E75A-58D64001A6E3}"/>
+              </a:ext>
+            </a:extLst>
+          </p:cNvPr>
+          <p:cNvSpPr>
+            <a:spLocks noGrp="1"/>
+          </p:cNvSpPr>
+          <p:nvPr>
+            <p:ph type="subTitle" idx="1"/>
+          </p:nvPr>
+        </p:nvSpPr>
+        <p:spPr/>
+        <p:txBody>
+          <a:bodyPr/>
+          <a:lstStyle/>
+          <a:p>
+            <a:r>
+              <a:rPr lang="en-US" dirty="0"/>
+              <a:t>Subtitle, if needed</a:t>
+            </a:r>
+          </a:p>
+        </p:txBody>
+      </p:sp>
     </p:spTree>
     <p:extLst>
       <p:ext uri="{BB962C8B-B14F-4D97-AF65-F5344CB8AC3E}">
-        <p14:creationId xmlns:p14="http://schemas.microsoft.com/office/powerpoint/2010/main" val="1936743894"/>
+        <p14:creationId xmlns:p14="http://schemas.microsoft.com/office/powerpoint/2010/main" val="2398435535"/>
+      </p:ext>
+    </p:extLst>
+  </p:cSld>
+  <p:clrMapOvr>
+    <a:masterClrMapping/>
+  </p:clrMapOvr>
+  <mc:AlternateContent xmlns:mc="http://schemas.openxmlformats.org/markup-compatibility/2006" xmlns:p14="http://schemas.microsoft.com/office/powerpoint/2010/main">
+    <mc:Choice Requires="p14">
+      <p:transition spd="med" p14:dur="700">
+        <p:fade/>
+      </p:transition>
+    </mc:Choice>
+    <mc:Fallback xmlns="">
+      <p:transition spd="med">
+        <p:fade/>
+      </p:transition>
+    </mc:Fallback>
+  </mc:AlternateContent>
+</p:sld>
+</file>
+
+<file path=ppt/slides/slide19.xml><?xml version="1.0" encoding="utf-8"?>
+<p:sld xmlns:a="http://schemas.openxmlformats.org/drawingml/2006/main" xmlns:r="http://schemas.openxmlformats.org/officeDocument/2006/relationships" xmlns:p="http://schemas.openxmlformats.org/presentationml/2006/main">
+  <p:cSld>
+    <p:spTree>
+      <p:nvGrpSpPr>
+        <p:cNvPr id="1" name=""/>
+        <p:cNvGrpSpPr/>
+        <p:nvPr/>
+      </p:nvGrpSpPr>
+      <p:grpSpPr>
+        <a:xfrm>
+          <a:off x="0" y="0"/>
+          <a:ext cx="0" cy="0"/>
+          <a:chOff x="0" y="0"/>
+          <a:chExt cx="0" cy="0"/>
+        </a:xfrm>
+      </p:grpSpPr>
+    </p:spTree>
+    <p:extLst>
+      <p:ext uri="{BB962C8B-B14F-4D97-AF65-F5344CB8AC3E}">
+        <p14:creationId xmlns:p14="http://schemas.microsoft.com/office/powerpoint/2010/main" val="861767100"/>
       </p:ext>
     </p:extLst>
   </p:cSld>
@@ -16476,6 +17491,15 @@
             </a:r>
           </a:p>
           <a:p>
+            <a:endParaRPr lang="en-US" dirty="0"/>
+          </a:p>
+          <a:p>
+            <a:r>
+              <a:rPr lang="en-US" dirty="0"/>
+              <a:t>Focus areas: Configuration Compliance, Network Device Scanning, Agents</a:t>
+            </a:r>
+          </a:p>
+          <a:p>
             <a:endParaRPr lang="en-US" b="1" dirty="0"/>
           </a:p>
           <a:p>
@@ -16493,7 +17517,7 @@
                   <a:srgbClr val="000000"/>
                 </a:solidFill>
               </a:rPr>
-              <a:t> at 225K assets cost $871,000</a:t>
+              <a:t> at 225K assets is more expensive/less than Qualys</a:t>
             </a:r>
           </a:p>
           <a:p>
@@ -16510,7 +17534,7 @@
             </a:r>
             <a:r>
               <a:rPr lang="en-US" dirty="0"/>
-              <a:t> does not support AIX, Solaris or Legacy Operating Systems and its support for ARM architecture and Linux is limited</a:t>
+              <a:t> does not support some prominent operating systems</a:t>
             </a:r>
           </a:p>
           <a:p>
@@ -16566,10 +17590,99 @@
           </a:p>
         </p:txBody>
       </p:sp>
+      <p:pic>
+        <p:nvPicPr>
+          <p:cNvPr id="1026" name="Picture 2" descr="About Rapid7 and Risk Cloud®">
+            <a:extLst>
+              <a:ext uri="{FF2B5EF4-FFF2-40B4-BE49-F238E27FC236}">
+                <a16:creationId xmlns:a16="http://schemas.microsoft.com/office/drawing/2014/main" id="{1C8FC8B2-CC6D-542E-F5A5-0A470734DD66}"/>
+              </a:ext>
+            </a:extLst>
+          </p:cNvPr>
+          <p:cNvPicPr>
+            <a:picLocks noChangeAspect="1" noChangeArrowheads="1"/>
+          </p:cNvPicPr>
+          <p:nvPr/>
+        </p:nvPicPr>
+        <p:blipFill>
+          <a:blip r:embed="rId2">
+            <a:extLst>
+              <a:ext uri="{28A0092B-C50C-407E-A947-70E740481C1C}">
+                <a14:useLocalDpi xmlns:a14="http://schemas.microsoft.com/office/drawing/2010/main" val="0"/>
+              </a:ext>
+            </a:extLst>
+          </a:blip>
+          <a:srcRect/>
+          <a:stretch>
+            <a:fillRect/>
+          </a:stretch>
+        </p:blipFill>
+        <p:spPr bwMode="auto">
+          <a:xfrm>
+            <a:off x="4497725" y="4489181"/>
+            <a:ext cx="3196550" cy="2003060"/>
+          </a:xfrm>
+          <a:prstGeom prst="rect">
+            <a:avLst/>
+          </a:prstGeom>
+          <a:noFill/>
+          <a:extLst>
+            <a:ext uri="{909E8E84-426E-40DD-AFC4-6F175D3DCCD1}">
+              <a14:hiddenFill xmlns:a14="http://schemas.microsoft.com/office/drawing/2010/main">
+                <a:solidFill>
+                  <a:srgbClr val="FFFFFF"/>
+                </a:solidFill>
+              </a14:hiddenFill>
+            </a:ext>
+          </a:extLst>
+        </p:spPr>
+      </p:pic>
     </p:spTree>
     <p:extLst>
       <p:ext uri="{BB962C8B-B14F-4D97-AF65-F5344CB8AC3E}">
         <p14:creationId xmlns:p14="http://schemas.microsoft.com/office/powerpoint/2010/main" val="2173996818"/>
+      </p:ext>
+    </p:extLst>
+  </p:cSld>
+  <p:clrMapOvr>
+    <a:masterClrMapping/>
+  </p:clrMapOvr>
+  <mc:AlternateContent xmlns:mc="http://schemas.openxmlformats.org/markup-compatibility/2006" xmlns:p14="http://schemas.microsoft.com/office/powerpoint/2010/main">
+    <mc:Choice Requires="p14">
+      <p:transition spd="med" p14:dur="700">
+        <p:fade/>
+      </p:transition>
+    </mc:Choice>
+    <mc:Fallback xmlns="">
+      <p:transition spd="med">
+        <p:fade/>
+      </p:transition>
+    </mc:Fallback>
+  </mc:AlternateContent>
+</p:sld>
+</file>
+
+<file path=ppt/slides/slide20.xml><?xml version="1.0" encoding="utf-8"?>
+<p:sld xmlns:a="http://schemas.openxmlformats.org/drawingml/2006/main" xmlns:r="http://schemas.openxmlformats.org/officeDocument/2006/relationships" xmlns:p="http://schemas.openxmlformats.org/presentationml/2006/main">
+  <p:cSld>
+    <p:spTree>
+      <p:nvGrpSpPr>
+        <p:cNvPr id="1" name=""/>
+        <p:cNvGrpSpPr/>
+        <p:nvPr/>
+      </p:nvGrpSpPr>
+      <p:grpSpPr>
+        <a:xfrm>
+          <a:off x="0" y="0"/>
+          <a:ext cx="0" cy="0"/>
+          <a:chOff x="0" y="0"/>
+          <a:chExt cx="0" cy="0"/>
+        </a:xfrm>
+      </p:grpSpPr>
+    </p:spTree>
+    <p:extLst>
+      <p:ext uri="{BB962C8B-B14F-4D97-AF65-F5344CB8AC3E}">
+        <p14:creationId xmlns:p14="http://schemas.microsoft.com/office/powerpoint/2010/main" val="1936743894"/>
       </p:ext>
     </p:extLst>
   </p:cSld>
@@ -16642,6 +17755,12 @@
           <a:p>
             <a:r>
               <a:rPr lang="en-US" dirty="0"/>
+              <a:t>Configuration Scans can be scheduled, and are also collected via the Insight Agents automatically every 12 hours</a:t>
+            </a:r>
+          </a:p>
+          <a:p>
+            <a:r>
+              <a:rPr lang="en-US" dirty="0"/>
               <a:t>Does not support configuration validation within the tool </a:t>
             </a:r>
           </a:p>
@@ -16654,7 +17773,11 @@
           </a:p>
           <a:p>
             <a:r>
-              <a:rPr lang="en-US" dirty="0"/>
+              <a:rPr lang="en-US" dirty="0">
+                <a:solidFill>
+                  <a:srgbClr val="C00000"/>
+                </a:solidFill>
+              </a:rPr>
               <a:t>Does not have severity rating system for configurations </a:t>
             </a:r>
           </a:p>
@@ -16662,14 +17785,11 @@
             <a:pPr lvl="1"/>
             <a:r>
               <a:rPr lang="en-US" sz="1800" dirty="0"/>
-              <a:t>This is crucial dealbreaker for MetLife</a:t>
-            </a:r>
-          </a:p>
-          <a:p>
-            <a:r>
-              <a:rPr lang="en-US" dirty="0"/>
-              <a:t>Configuration Scans can be scheduled, and are also collected via the Insight Agents automatically every 12 hours</a:t>
-            </a:r>
+              <a:t>MetLife’s program relies on severity rating</a:t>
+            </a:r>
+          </a:p>
+          <a:p>
+            <a:endParaRPr lang="en-US" dirty="0"/>
           </a:p>
           <a:p>
             <a:endParaRPr lang="en-US" b="1" dirty="0"/>
@@ -16705,40 +17825,6 @@
             <a:r>
               <a:rPr lang="en-US" dirty="0"/>
               <a:t>Configuration Compliance</a:t>
-            </a:r>
-          </a:p>
-        </p:txBody>
-      </p:sp>
-      <p:sp>
-        <p:nvSpPr>
-          <p:cNvPr id="8" name="Text Placeholder 7">
-            <a:extLst>
-              <a:ext uri="{FF2B5EF4-FFF2-40B4-BE49-F238E27FC236}">
-                <a16:creationId xmlns:a16="http://schemas.microsoft.com/office/drawing/2014/main" id="{194AFDA0-529C-9DDA-C405-8E8B343C869C}"/>
-              </a:ext>
-            </a:extLst>
-          </p:cNvPr>
-          <p:cNvSpPr>
-            <a:spLocks noGrp="1"/>
-          </p:cNvSpPr>
-          <p:nvPr>
-            <p:ph type="body" sz="quarter" idx="10"/>
-          </p:nvPr>
-        </p:nvSpPr>
-        <p:spPr/>
-        <p:txBody>
-          <a:bodyPr/>
-          <a:lstStyle/>
-          <a:p>
-            <a:r>
-              <a:rPr lang="en-US" dirty="0"/>
-              <a:t>[Footnotes/references, if needed, appear here in Arial Regular 8pt.</a:t>
-            </a:r>
-          </a:p>
-          <a:p>
-            <a:r>
-              <a:rPr lang="en-US" dirty="0"/>
-              <a:t>Text grows upwards as lines are added.]</a:t>
             </a:r>
           </a:p>
         </p:txBody>
@@ -16769,6 +17855,133 @@
 </file>
 
 <file path=ppt/slides/slide4.xml><?xml version="1.0" encoding="utf-8"?>
+<p:sld xmlns:a="http://schemas.openxmlformats.org/drawingml/2006/main" xmlns:r="http://schemas.openxmlformats.org/officeDocument/2006/relationships" xmlns:p="http://schemas.openxmlformats.org/presentationml/2006/main">
+  <p:cSld>
+    <p:spTree>
+      <p:nvGrpSpPr>
+        <p:cNvPr id="1" name=""/>
+        <p:cNvGrpSpPr/>
+        <p:nvPr/>
+      </p:nvGrpSpPr>
+      <p:grpSpPr>
+        <a:xfrm>
+          <a:off x="0" y="0"/>
+          <a:ext cx="0" cy="0"/>
+          <a:chOff x="0" y="0"/>
+          <a:chExt cx="0" cy="0"/>
+        </a:xfrm>
+      </p:grpSpPr>
+      <p:sp>
+        <p:nvSpPr>
+          <p:cNvPr id="2" name="Content Placeholder 1">
+            <a:extLst>
+              <a:ext uri="{FF2B5EF4-FFF2-40B4-BE49-F238E27FC236}">
+                <a16:creationId xmlns:a16="http://schemas.microsoft.com/office/drawing/2014/main" id="{B00D2898-82CB-F815-F2A5-9CA5EF3FD57D}"/>
+              </a:ext>
+            </a:extLst>
+          </p:cNvPr>
+          <p:cNvSpPr>
+            <a:spLocks noGrp="1"/>
+          </p:cNvSpPr>
+          <p:nvPr>
+            <p:ph idx="1"/>
+          </p:nvPr>
+        </p:nvSpPr>
+        <p:spPr/>
+        <p:txBody>
+          <a:bodyPr/>
+          <a:lstStyle/>
+          <a:p>
+            <a:endParaRPr lang="en-US" dirty="0"/>
+          </a:p>
+        </p:txBody>
+      </p:sp>
+      <p:sp>
+        <p:nvSpPr>
+          <p:cNvPr id="3" name="Title 2">
+            <a:extLst>
+              <a:ext uri="{FF2B5EF4-FFF2-40B4-BE49-F238E27FC236}">
+                <a16:creationId xmlns:a16="http://schemas.microsoft.com/office/drawing/2014/main" id="{EFCD4511-9FFF-37D4-FA6D-1720C604A63D}"/>
+              </a:ext>
+            </a:extLst>
+          </p:cNvPr>
+          <p:cNvSpPr>
+            <a:spLocks noGrp="1"/>
+          </p:cNvSpPr>
+          <p:nvPr>
+            <p:ph type="title"/>
+          </p:nvPr>
+        </p:nvSpPr>
+        <p:spPr/>
+        <p:txBody>
+          <a:bodyPr/>
+          <a:lstStyle/>
+          <a:p>
+            <a:r>
+              <a:rPr lang="en-US" dirty="0"/>
+              <a:t>Network Device Vuln Detections – </a:t>
+            </a:r>
+            <a:br>
+              <a:rPr lang="en-US" dirty="0"/>
+            </a:br>
+            <a:r>
+              <a:rPr lang="en-US" dirty="0"/>
+              <a:t>Routers &amp; Switches</a:t>
+            </a:r>
+          </a:p>
+        </p:txBody>
+      </p:sp>
+      <p:sp>
+        <p:nvSpPr>
+          <p:cNvPr id="4" name="Text Placeholder 3">
+            <a:extLst>
+              <a:ext uri="{FF2B5EF4-FFF2-40B4-BE49-F238E27FC236}">
+                <a16:creationId xmlns:a16="http://schemas.microsoft.com/office/drawing/2014/main" id="{3517B889-DD94-ABAB-3F7D-D6612142106A}"/>
+              </a:ext>
+            </a:extLst>
+          </p:cNvPr>
+          <p:cNvSpPr>
+            <a:spLocks noGrp="1"/>
+          </p:cNvSpPr>
+          <p:nvPr>
+            <p:ph type="body" sz="quarter" idx="10"/>
+          </p:nvPr>
+        </p:nvSpPr>
+        <p:spPr/>
+        <p:txBody>
+          <a:bodyPr/>
+          <a:lstStyle/>
+          <a:p>
+            <a:endParaRPr lang="en-US"/>
+          </a:p>
+        </p:txBody>
+      </p:sp>
+    </p:spTree>
+    <p:extLst>
+      <p:ext uri="{BB962C8B-B14F-4D97-AF65-F5344CB8AC3E}">
+        <p14:creationId xmlns:p14="http://schemas.microsoft.com/office/powerpoint/2010/main" val="3298124032"/>
+      </p:ext>
+    </p:extLst>
+  </p:cSld>
+  <p:clrMapOvr>
+    <a:masterClrMapping/>
+  </p:clrMapOvr>
+  <mc:AlternateContent xmlns:mc="http://schemas.openxmlformats.org/markup-compatibility/2006" xmlns:p14="http://schemas.microsoft.com/office/powerpoint/2010/main">
+    <mc:Choice Requires="p14">
+      <p:transition spd="med" p14:dur="700">
+        <p:fade/>
+      </p:transition>
+    </mc:Choice>
+    <mc:Fallback xmlns="">
+      <p:transition spd="med">
+        <p:fade/>
+      </p:transition>
+    </mc:Fallback>
+  </mc:AlternateContent>
+</p:sld>
+</file>
+
+<file path=ppt/slides/slide5.xml><?xml version="1.0" encoding="utf-8"?>
 <p:sld xmlns:a="http://schemas.openxmlformats.org/drawingml/2006/main" xmlns:r="http://schemas.openxmlformats.org/officeDocument/2006/relationships" xmlns:p="http://schemas.openxmlformats.org/presentationml/2006/main">
   <p:cSld>
     <p:spTree>
@@ -19260,20 +20473,6 @@
             </a:r>
           </a:p>
           <a:p>
-            <a:pPr marL="228600" indent="-228600">
-              <a:lnSpc>
-                <a:spcPct val="100000"/>
-              </a:lnSpc>
-              <a:spcBef>
-                <a:spcPts val="1200"/>
-              </a:spcBef>
-              <a:buSzPct val="100000"/>
-              <a:buFont typeface="Arial"/>
-              <a:buChar char="•"/>
-            </a:pPr>
-            <a:endParaRPr lang="en-US" sz="1600" dirty="0"/>
-          </a:p>
-          <a:p>
             <a:pPr>
               <a:lnSpc>
                 <a:spcPct val="100000"/>
@@ -19392,7 +20591,7 @@
 </p:sld>
 </file>
 
-<file path=ppt/slides/slide5.xml><?xml version="1.0" encoding="utf-8"?>
+<file path=ppt/slides/slide6.xml><?xml version="1.0" encoding="utf-8"?>
 <p:sld xmlns:a="http://schemas.openxmlformats.org/drawingml/2006/main" xmlns:r="http://schemas.openxmlformats.org/officeDocument/2006/relationships" xmlns:p="http://schemas.openxmlformats.org/presentationml/2006/main">
   <p:cSld>
     <p:spTree>
@@ -19434,12 +20633,43 @@
         <p:spPr>
           <a:xfrm>
             <a:off x="457200" y="1531345"/>
-            <a:ext cx="11277600" cy="4852930"/>
+            <a:ext cx="5638800" cy="4852930"/>
           </a:xfrm>
         </p:spPr>
         <p:txBody>
           <a:bodyPr/>
           <a:lstStyle/>
+          <a:p>
+            <a:pPr marL="0" indent="0">
+              <a:spcBef>
+                <a:spcPts val="1200"/>
+              </a:spcBef>
+              <a:buSzPct val="100000"/>
+              <a:buNone/>
+            </a:pPr>
+            <a:r>
+              <a:rPr lang="en-US" dirty="0" err="1"/>
+              <a:t>InsightVM</a:t>
+            </a:r>
+            <a:r>
+              <a:rPr lang="en-US" dirty="0"/>
+              <a:t> (225K Assets): </a:t>
+            </a:r>
+          </a:p>
+          <a:p>
+            <a:pPr marL="342900" indent="-342900">
+              <a:spcBef>
+                <a:spcPts val="1200"/>
+              </a:spcBef>
+              <a:buSzPct val="100000"/>
+              <a:buFont typeface="Arial" panose="020B0604020202020204" pitchFamily="34" charset="0"/>
+              <a:buChar char="•"/>
+            </a:pPr>
+            <a:r>
+              <a:rPr lang="en-US" dirty="0"/>
+              <a:t>$651,315/Year</a:t>
+            </a:r>
+          </a:p>
           <a:p>
             <a:pPr marL="228600" indent="-228600">
               <a:spcBef>
@@ -19450,12 +20680,8 @@
               <a:buChar char="•"/>
             </a:pPr>
             <a:r>
-              <a:rPr lang="en-US" dirty="0" err="1"/>
-              <a:t>InsightVM</a:t>
-            </a:r>
-            <a:r>
-              <a:rPr lang="en-US" dirty="0"/>
-              <a:t> (225K Assets): $651,315/Year</a:t>
+              <a:rPr lang="en-US" dirty="0"/>
+              <a:t>Technical Account Management: $225,500/Year</a:t>
             </a:r>
           </a:p>
           <a:p>
@@ -19469,73 +20695,7 @@
             </a:pPr>
             <a:r>
               <a:rPr lang="en-US" dirty="0"/>
-              <a:t>Technical Account Management: $225,500/Year</a:t>
-            </a:r>
-          </a:p>
-          <a:p>
-            <a:pPr marL="228600" indent="-228600">
-              <a:spcBef>
-                <a:spcPts val="1200"/>
-              </a:spcBef>
-              <a:buSzPct val="100000"/>
-              <a:buFont typeface="Arial"/>
-              <a:buChar char="•"/>
-            </a:pPr>
-            <a:r>
-              <a:rPr lang="en-US" dirty="0"/>
               <a:t>Deployment &amp; Custom Integration: $67,500 (estimate)</a:t>
-            </a:r>
-          </a:p>
-          <a:p>
-            <a:pPr marL="228600" indent="-228600">
-              <a:spcBef>
-                <a:spcPts val="1200"/>
-              </a:spcBef>
-              <a:buSzPct val="100000"/>
-              <a:buFont typeface="Arial"/>
-              <a:buChar char="•"/>
-            </a:pPr>
-            <a:r>
-              <a:rPr lang="en-US" dirty="0"/>
-              <a:t>Total One Year = $871,875</a:t>
-            </a:r>
-          </a:p>
-          <a:p>
-            <a:pPr marL="228600" indent="-228600">
-              <a:spcBef>
-                <a:spcPts val="1200"/>
-              </a:spcBef>
-              <a:buSzPct val="100000"/>
-              <a:buFont typeface="Arial"/>
-              <a:buChar char="•"/>
-            </a:pPr>
-            <a:r>
-              <a:rPr lang="en-US" dirty="0"/>
-              <a:t>Total Three Years = $2,223,126 ($741,042 per year)</a:t>
-            </a:r>
-          </a:p>
-          <a:p>
-            <a:pPr>
-              <a:spcBef>
-                <a:spcPts val="1200"/>
-              </a:spcBef>
-              <a:buSzPct val="100000"/>
-            </a:pPr>
-            <a:r>
-              <a:rPr lang="en-US" dirty="0"/>
-              <a:t>(Total cost does not include deployment costs)</a:t>
-            </a:r>
-          </a:p>
-          <a:p>
-            <a:pPr>
-              <a:spcBef>
-                <a:spcPts val="1200"/>
-              </a:spcBef>
-              <a:buSzPct val="100000"/>
-            </a:pPr>
-            <a:r>
-              <a:rPr lang="en-US" dirty="0"/>
-              <a:t>*Additional infrastructure is needed to support Rapid7’s CyberArk integration</a:t>
             </a:r>
           </a:p>
           <a:p>
@@ -19581,35 +20741,125 @@
       </p:sp>
       <p:sp>
         <p:nvSpPr>
-          <p:cNvPr id="8" name="Text Placeholder 7">
+          <p:cNvPr id="2" name="TextBox 1">
             <a:extLst>
               <a:ext uri="{FF2B5EF4-FFF2-40B4-BE49-F238E27FC236}">
-                <a16:creationId xmlns:a16="http://schemas.microsoft.com/office/drawing/2014/main" id="{397688C1-1C6E-3044-B56A-DCB2D9723C5F}"/>
+                <a16:creationId xmlns:a16="http://schemas.microsoft.com/office/drawing/2014/main" id="{CAFC8CBF-47FD-8C97-9973-1860090F0443}"/>
               </a:ext>
             </a:extLst>
           </p:cNvPr>
-          <p:cNvSpPr>
-            <a:spLocks noGrp="1"/>
-          </p:cNvSpPr>
-          <p:nvPr>
-            <p:ph type="body" sz="quarter" idx="10"/>
-          </p:nvPr>
+          <p:cNvSpPr txBox="1"/>
+          <p:nvPr/>
         </p:nvSpPr>
-        <p:spPr/>
+        <p:spPr>
+          <a:xfrm>
+            <a:off x="6266145" y="1531345"/>
+            <a:ext cx="5298509" cy="4852930"/>
+          </a:xfrm>
+          <a:prstGeom prst="rect">
+            <a:avLst/>
+          </a:prstGeom>
+          <a:noFill/>
+        </p:spPr>
         <p:txBody>
-          <a:bodyPr/>
+          <a:bodyPr wrap="square" lIns="0" tIns="0" rIns="0" bIns="0" rtlCol="0">
+            <a:noAutofit/>
+          </a:bodyPr>
           <a:lstStyle/>
           <a:p>
-            <a:r>
-              <a:rPr lang="en-US" dirty="0"/>
-              <a:t>[Footnotes/references, if needed, appear here in Arial Regular 8pt.</a:t>
-            </a:r>
-          </a:p>
-          <a:p>
-            <a:r>
-              <a:rPr lang="en-US" dirty="0"/>
-              <a:t>Text grows upwards as lines are added.]</a:t>
-            </a:r>
+            <a:pPr>
+              <a:spcBef>
+                <a:spcPts val="1200"/>
+              </a:spcBef>
+              <a:buSzPct val="100000"/>
+            </a:pPr>
+            <a:r>
+              <a:rPr lang="en-US" sz="2400" dirty="0"/>
+              <a:t>Total One Year = </a:t>
+            </a:r>
+          </a:p>
+          <a:p>
+            <a:pPr>
+              <a:spcBef>
+                <a:spcPts val="1200"/>
+              </a:spcBef>
+              <a:buSzPct val="100000"/>
+            </a:pPr>
+            <a:r>
+              <a:rPr lang="en-US" sz="2400" dirty="0"/>
+              <a:t>$871,875</a:t>
+            </a:r>
+          </a:p>
+          <a:p>
+            <a:pPr>
+              <a:spcBef>
+                <a:spcPts val="1200"/>
+              </a:spcBef>
+              <a:buSzPct val="100000"/>
+            </a:pPr>
+            <a:r>
+              <a:rPr lang="en-US" sz="2400" dirty="0"/>
+              <a:t>Total Three Years = </a:t>
+            </a:r>
+          </a:p>
+          <a:p>
+            <a:pPr>
+              <a:spcBef>
+                <a:spcPts val="1200"/>
+              </a:spcBef>
+              <a:buSzPct val="100000"/>
+            </a:pPr>
+            <a:r>
+              <a:rPr lang="en-US" sz="2400" dirty="0"/>
+              <a:t>$2,223,126 ($741,042 per year)</a:t>
+            </a:r>
+          </a:p>
+          <a:p>
+            <a:pPr>
+              <a:spcBef>
+                <a:spcPts val="1200"/>
+              </a:spcBef>
+              <a:buSzPct val="100000"/>
+            </a:pPr>
+            <a:r>
+              <a:rPr lang="en-US" sz="1600" dirty="0"/>
+              <a:t>(Total cost does not include deployment costs)</a:t>
+            </a:r>
+          </a:p>
+          <a:p>
+            <a:pPr>
+              <a:spcBef>
+                <a:spcPts val="1200"/>
+              </a:spcBef>
+              <a:buSzPct val="100000"/>
+            </a:pPr>
+            <a:r>
+              <a:rPr lang="en-US" sz="1600" dirty="0"/>
+              <a:t>*Additional infrastructure is needed to support Rapid7’s CyberArk integration</a:t>
+            </a:r>
+          </a:p>
+          <a:p>
+            <a:pPr>
+              <a:spcBef>
+                <a:spcPts val="1200"/>
+              </a:spcBef>
+              <a:buSzPct val="100000"/>
+            </a:pPr>
+            <a:endParaRPr lang="en-US" sz="2400" dirty="0"/>
+          </a:p>
+          <a:p>
+            <a:pPr marL="228600" indent="-228600">
+              <a:lnSpc>
+                <a:spcPct val="100000"/>
+              </a:lnSpc>
+              <a:spcBef>
+                <a:spcPts val="1200"/>
+              </a:spcBef>
+              <a:buSzPct val="100000"/>
+              <a:buFont typeface="Arial"/>
+              <a:buChar char="•"/>
+            </a:pPr>
+            <a:endParaRPr lang="en-US" sz="1600" dirty="0"/>
           </a:p>
         </p:txBody>
       </p:sp>
@@ -19638,7 +20888,7 @@
 </p:sld>
 </file>
 
-<file path=ppt/slides/slide6.xml><?xml version="1.0" encoding="utf-8"?>
+<file path=ppt/slides/slide7.xml><?xml version="1.0" encoding="utf-8"?>
 <p:sld xmlns:a="http://schemas.openxmlformats.org/drawingml/2006/main" xmlns:r="http://schemas.openxmlformats.org/officeDocument/2006/relationships" xmlns:p="http://schemas.openxmlformats.org/presentationml/2006/main">
   <p:cSld>
     <p:spTree>
@@ -19747,7 +20997,152 @@
 </p:sld>
 </file>
 
-<file path=ppt/slides/slide7.xml><?xml version="1.0" encoding="utf-8"?>
+<file path=ppt/slides/slide8.xml><?xml version="1.0" encoding="utf-8"?>
+<p:sld xmlns:a="http://schemas.openxmlformats.org/drawingml/2006/main" xmlns:r="http://schemas.openxmlformats.org/officeDocument/2006/relationships" xmlns:p="http://schemas.openxmlformats.org/presentationml/2006/main">
+  <p:cSld>
+    <p:spTree>
+      <p:nvGrpSpPr>
+        <p:cNvPr id="1" name=""/>
+        <p:cNvGrpSpPr/>
+        <p:nvPr/>
+      </p:nvGrpSpPr>
+      <p:grpSpPr>
+        <a:xfrm>
+          <a:off x="0" y="0"/>
+          <a:ext cx="0" cy="0"/>
+          <a:chOff x="0" y="0"/>
+          <a:chExt cx="0" cy="0"/>
+        </a:xfrm>
+      </p:grpSpPr>
+      <p:sp>
+        <p:nvSpPr>
+          <p:cNvPr id="2" name="Title 1">
+            <a:extLst>
+              <a:ext uri="{FF2B5EF4-FFF2-40B4-BE49-F238E27FC236}">
+                <a16:creationId xmlns:a16="http://schemas.microsoft.com/office/drawing/2014/main" id="{DBF980A0-F6B2-8239-4629-496A2CB5A7F1}"/>
+              </a:ext>
+            </a:extLst>
+          </p:cNvPr>
+          <p:cNvSpPr>
+            <a:spLocks noGrp="1"/>
+          </p:cNvSpPr>
+          <p:nvPr>
+            <p:ph type="title"/>
+          </p:nvPr>
+        </p:nvSpPr>
+        <p:spPr/>
+        <p:txBody>
+          <a:bodyPr/>
+          <a:lstStyle/>
+          <a:p>
+            <a:r>
+              <a:rPr lang="en-US" dirty="0"/>
+              <a:t>Questions?</a:t>
+            </a:r>
+          </a:p>
+        </p:txBody>
+      </p:sp>
+      <p:sp>
+        <p:nvSpPr>
+          <p:cNvPr id="3" name="Content Placeholder 2">
+            <a:extLst>
+              <a:ext uri="{FF2B5EF4-FFF2-40B4-BE49-F238E27FC236}">
+                <a16:creationId xmlns:a16="http://schemas.microsoft.com/office/drawing/2014/main" id="{70F546F9-BAF1-3CA2-6391-4210FC433F58}"/>
+              </a:ext>
+            </a:extLst>
+          </p:cNvPr>
+          <p:cNvSpPr>
+            <a:spLocks noGrp="1"/>
+          </p:cNvSpPr>
+          <p:nvPr>
+            <p:ph sz="half" idx="1"/>
+          </p:nvPr>
+        </p:nvSpPr>
+        <p:spPr/>
+        <p:txBody>
+          <a:bodyPr/>
+          <a:lstStyle/>
+          <a:p>
+            <a:endParaRPr lang="en-US"/>
+          </a:p>
+        </p:txBody>
+      </p:sp>
+      <p:sp>
+        <p:nvSpPr>
+          <p:cNvPr id="4" name="Content Placeholder 3">
+            <a:extLst>
+              <a:ext uri="{FF2B5EF4-FFF2-40B4-BE49-F238E27FC236}">
+                <a16:creationId xmlns:a16="http://schemas.microsoft.com/office/drawing/2014/main" id="{81AF1194-4C88-00F9-2B35-DEE3C2F1468A}"/>
+              </a:ext>
+            </a:extLst>
+          </p:cNvPr>
+          <p:cNvSpPr>
+            <a:spLocks noGrp="1"/>
+          </p:cNvSpPr>
+          <p:nvPr>
+            <p:ph sz="half" idx="2"/>
+          </p:nvPr>
+        </p:nvSpPr>
+        <p:spPr/>
+        <p:txBody>
+          <a:bodyPr/>
+          <a:lstStyle/>
+          <a:p>
+            <a:endParaRPr lang="en-US"/>
+          </a:p>
+        </p:txBody>
+      </p:sp>
+      <p:sp>
+        <p:nvSpPr>
+          <p:cNvPr id="5" name="Text Placeholder 4">
+            <a:extLst>
+              <a:ext uri="{FF2B5EF4-FFF2-40B4-BE49-F238E27FC236}">
+                <a16:creationId xmlns:a16="http://schemas.microsoft.com/office/drawing/2014/main" id="{993E1FBC-B4F4-CF5C-D1F8-7BD75D5522EA}"/>
+              </a:ext>
+            </a:extLst>
+          </p:cNvPr>
+          <p:cNvSpPr>
+            <a:spLocks noGrp="1"/>
+          </p:cNvSpPr>
+          <p:nvPr>
+            <p:ph type="body" sz="quarter" idx="10"/>
+          </p:nvPr>
+        </p:nvSpPr>
+        <p:spPr/>
+        <p:txBody>
+          <a:bodyPr/>
+          <a:lstStyle/>
+          <a:p>
+            <a:endParaRPr lang="en-US"/>
+          </a:p>
+        </p:txBody>
+      </p:sp>
+    </p:spTree>
+    <p:extLst>
+      <p:ext uri="{BB962C8B-B14F-4D97-AF65-F5344CB8AC3E}">
+        <p14:creationId xmlns:p14="http://schemas.microsoft.com/office/powerpoint/2010/main" val="827241586"/>
+      </p:ext>
+    </p:extLst>
+  </p:cSld>
+  <p:clrMapOvr>
+    <a:masterClrMapping/>
+  </p:clrMapOvr>
+  <mc:AlternateContent xmlns:mc="http://schemas.openxmlformats.org/markup-compatibility/2006" xmlns:p14="http://schemas.microsoft.com/office/powerpoint/2010/main">
+    <mc:Choice Requires="p14">
+      <p:transition spd="med" p14:dur="700">
+        <p:fade/>
+      </p:transition>
+    </mc:Choice>
+    <mc:Fallback xmlns="">
+      <p:transition spd="med">
+        <p:fade/>
+      </p:transition>
+    </mc:Fallback>
+  </mc:AlternateContent>
+</p:sld>
+</file>
+
+<file path=ppt/slides/slide9.xml><?xml version="1.0" encoding="utf-8"?>
 <p:sld xmlns:a="http://schemas.openxmlformats.org/drawingml/2006/main" xmlns:r="http://schemas.openxmlformats.org/officeDocument/2006/relationships" xmlns:p="http://schemas.openxmlformats.org/presentationml/2006/main">
   <p:cSld>
     <p:spTree>
@@ -19908,1056 +21303,6 @@
     <p:extLst>
       <p:ext uri="{BB962C8B-B14F-4D97-AF65-F5344CB8AC3E}">
         <p14:creationId xmlns:p14="http://schemas.microsoft.com/office/powerpoint/2010/main" val="313684081"/>
-      </p:ext>
-    </p:extLst>
-  </p:cSld>
-  <p:clrMapOvr>
-    <a:masterClrMapping/>
-  </p:clrMapOvr>
-  <mc:AlternateContent xmlns:mc="http://schemas.openxmlformats.org/markup-compatibility/2006" xmlns:p14="http://schemas.microsoft.com/office/powerpoint/2010/main">
-    <mc:Choice Requires="p14">
-      <p:transition spd="med" p14:dur="700">
-        <p:fade/>
-      </p:transition>
-    </mc:Choice>
-    <mc:Fallback xmlns="">
-      <p:transition spd="med">
-        <p:fade/>
-      </p:transition>
-    </mc:Fallback>
-  </mc:AlternateContent>
-</p:sld>
-</file>
-
-<file path=ppt/slides/slide8.xml><?xml version="1.0" encoding="utf-8"?>
-<p:sld xmlns:a="http://schemas.openxmlformats.org/drawingml/2006/main" xmlns:r="http://schemas.openxmlformats.org/officeDocument/2006/relationships" xmlns:p="http://schemas.openxmlformats.org/presentationml/2006/main">
-  <p:cSld>
-    <p:spTree>
-      <p:nvGrpSpPr>
-        <p:cNvPr id="1" name=""/>
-        <p:cNvGrpSpPr/>
-        <p:nvPr/>
-      </p:nvGrpSpPr>
-      <p:grpSpPr>
-        <a:xfrm>
-          <a:off x="0" y="0"/>
-          <a:ext cx="0" cy="0"/>
-          <a:chOff x="0" y="0"/>
-          <a:chExt cx="0" cy="0"/>
-        </a:xfrm>
-      </p:grpSpPr>
-      <p:sp>
-        <p:nvSpPr>
-          <p:cNvPr id="3" name="Content Placeholder 2">
-            <a:extLst>
-              <a:ext uri="{FF2B5EF4-FFF2-40B4-BE49-F238E27FC236}">
-                <a16:creationId xmlns:a16="http://schemas.microsoft.com/office/drawing/2014/main" id="{46E76535-4ED6-5A41-8A6C-2FBD1BB28F69}"/>
-              </a:ext>
-            </a:extLst>
-          </p:cNvPr>
-          <p:cNvSpPr>
-            <a:spLocks noGrp="1"/>
-          </p:cNvSpPr>
-          <p:nvPr>
-            <p:ph sz="half" idx="1"/>
-          </p:nvPr>
-        </p:nvSpPr>
-        <p:spPr>
-          <a:xfrm>
-            <a:off x="457200" y="2286000"/>
-            <a:ext cx="5486400" cy="3657600"/>
-          </a:xfrm>
-        </p:spPr>
-        <p:txBody>
-          <a:bodyPr/>
-          <a:lstStyle/>
-          <a:p>
-            <a:pPr marL="0" indent="0">
-              <a:buNone/>
-            </a:pPr>
-            <a:r>
-              <a:rPr lang="en-US" dirty="0"/>
-              <a:t>Whether you’re working with a one-column or multi-column slide, consistent sizing and positioning of elements from slide to slide helps create a coherent look and feel.</a:t>
-            </a:r>
-          </a:p>
-          <a:p>
-            <a:r>
-              <a:rPr lang="en-US" dirty="0"/>
-              <a:t>Keep content within the guides. If the guides aren’t visible, use View &gt; Guides to toggle them on.</a:t>
-            </a:r>
-          </a:p>
-          <a:p>
-            <a:r>
-              <a:rPr lang="en-US" dirty="0"/>
-              <a:t>To force master slide elements back into the approved size and position:</a:t>
-            </a:r>
-          </a:p>
-          <a:p>
-            <a:pPr lvl="1"/>
-            <a:r>
-              <a:rPr lang="en-US" dirty="0"/>
-              <a:t>First, apply or reapply the desired slide layout using the Layout menu in the Slides section of the Home tab;</a:t>
-            </a:r>
-          </a:p>
-          <a:p>
-            <a:pPr lvl="1"/>
-            <a:r>
-              <a:rPr lang="en-US" dirty="0"/>
-              <a:t>Then, click the Reset button; and </a:t>
-            </a:r>
-          </a:p>
-          <a:p>
-            <a:pPr lvl="1"/>
-            <a:r>
-              <a:rPr lang="en-US" dirty="0"/>
-              <a:t>Finally, clean up any custom formatting</a:t>
-            </a:r>
-          </a:p>
-        </p:txBody>
-      </p:sp>
-      <p:graphicFrame>
-        <p:nvGraphicFramePr>
-          <p:cNvPr id="8" name="Content Placeholder 3" descr="Chart">
-            <a:extLst>
-              <a:ext uri="{FF2B5EF4-FFF2-40B4-BE49-F238E27FC236}">
-                <a16:creationId xmlns:a16="http://schemas.microsoft.com/office/drawing/2014/main" id="{9835A761-9A03-CA4E-A20C-7828B9511C1D}"/>
-              </a:ext>
-            </a:extLst>
-          </p:cNvPr>
-          <p:cNvGraphicFramePr>
-            <a:graphicFrameLocks noGrp="1"/>
-          </p:cNvGraphicFramePr>
-          <p:nvPr>
-            <p:ph sz="half" idx="2"/>
-            <p:extLst>
-              <p:ext uri="{D42A27DB-BD31-4B8C-83A1-F6EECF244321}">
-                <p14:modId xmlns:p14="http://schemas.microsoft.com/office/powerpoint/2010/main" val="2973462190"/>
-              </p:ext>
-            </p:extLst>
-          </p:nvPr>
-        </p:nvGraphicFramePr>
-        <p:xfrm>
-          <a:off x="6248400" y="2286000"/>
-          <a:ext cx="5486400" cy="3657600"/>
-        </p:xfrm>
-        <a:graphic>
-          <a:graphicData uri="http://schemas.openxmlformats.org/drawingml/2006/chart">
-            <c:chart xmlns:c="http://schemas.openxmlformats.org/drawingml/2006/chart" xmlns:r="http://schemas.openxmlformats.org/officeDocument/2006/relationships" r:id="rId2"/>
-          </a:graphicData>
-        </a:graphic>
-      </p:graphicFrame>
-      <p:sp>
-        <p:nvSpPr>
-          <p:cNvPr id="4" name="Title 3">
-            <a:extLst>
-              <a:ext uri="{FF2B5EF4-FFF2-40B4-BE49-F238E27FC236}">
-                <a16:creationId xmlns:a16="http://schemas.microsoft.com/office/drawing/2014/main" id="{F2307626-993B-ED30-04CA-7C1A450D6EFE}"/>
-              </a:ext>
-            </a:extLst>
-          </p:cNvPr>
-          <p:cNvSpPr>
-            <a:spLocks noGrp="1"/>
-          </p:cNvSpPr>
-          <p:nvPr>
-            <p:ph type="title"/>
-          </p:nvPr>
-        </p:nvSpPr>
-        <p:spPr>
-          <a:xfrm>
-            <a:off x="457200" y="365759"/>
-            <a:ext cx="11277600" cy="1371600"/>
-          </a:xfrm>
-        </p:spPr>
-        <p:txBody>
-          <a:bodyPr/>
-          <a:lstStyle/>
-          <a:p>
-            <a:r>
-              <a:rPr lang="en-US"/>
-              <a:t>Click to add Title</a:t>
-            </a:r>
-            <a:endParaRPr lang="en-US" dirty="0"/>
-          </a:p>
-        </p:txBody>
-      </p:sp>
-      <p:sp>
-        <p:nvSpPr>
-          <p:cNvPr id="11" name="Text Placeholder 10">
-            <a:extLst>
-              <a:ext uri="{FF2B5EF4-FFF2-40B4-BE49-F238E27FC236}">
-                <a16:creationId xmlns:a16="http://schemas.microsoft.com/office/drawing/2014/main" id="{5E5AD50D-8EEB-A337-7CC7-117B2984CBA9}"/>
-              </a:ext>
-            </a:extLst>
-          </p:cNvPr>
-          <p:cNvSpPr>
-            <a:spLocks noGrp="1"/>
-          </p:cNvSpPr>
-          <p:nvPr>
-            <p:ph type="body" sz="quarter" idx="10"/>
-          </p:nvPr>
-        </p:nvSpPr>
-        <p:spPr/>
-        <p:txBody>
-          <a:bodyPr/>
-          <a:lstStyle/>
-          <a:p>
-            <a:r>
-              <a:rPr lang="en-US" dirty="0"/>
-              <a:t>[Footnotes/references, if needed, appear here in Arial Regular 8pt.</a:t>
-            </a:r>
-          </a:p>
-          <a:p>
-            <a:r>
-              <a:rPr lang="en-US" dirty="0"/>
-              <a:t>Text grows upwards as lines are added.]</a:t>
-            </a:r>
-          </a:p>
-        </p:txBody>
-      </p:sp>
-    </p:spTree>
-    <p:extLst>
-      <p:ext uri="{BB962C8B-B14F-4D97-AF65-F5344CB8AC3E}">
-        <p14:creationId xmlns:p14="http://schemas.microsoft.com/office/powerpoint/2010/main" val="2342713366"/>
-      </p:ext>
-    </p:extLst>
-  </p:cSld>
-  <p:clrMapOvr>
-    <a:masterClrMapping/>
-  </p:clrMapOvr>
-  <mc:AlternateContent xmlns:mc="http://schemas.openxmlformats.org/markup-compatibility/2006" xmlns:p14="http://schemas.microsoft.com/office/powerpoint/2010/main">
-    <mc:Choice Requires="p14">
-      <p:transition spd="med" p14:dur="700">
-        <p:fade/>
-      </p:transition>
-    </mc:Choice>
-    <mc:Fallback xmlns="">
-      <p:transition spd="med">
-        <p:fade/>
-      </p:transition>
-    </mc:Fallback>
-  </mc:AlternateContent>
-</p:sld>
-</file>
-
-<file path=ppt/slides/slide9.xml><?xml version="1.0" encoding="utf-8"?>
-<p:sld xmlns:a="http://schemas.openxmlformats.org/drawingml/2006/main" xmlns:r="http://schemas.openxmlformats.org/officeDocument/2006/relationships" xmlns:p="http://schemas.openxmlformats.org/presentationml/2006/main">
-  <p:cSld>
-    <p:spTree>
-      <p:nvGrpSpPr>
-        <p:cNvPr id="1" name=""/>
-        <p:cNvGrpSpPr/>
-        <p:nvPr/>
-      </p:nvGrpSpPr>
-      <p:grpSpPr>
-        <a:xfrm>
-          <a:off x="0" y="0"/>
-          <a:ext cx="0" cy="0"/>
-          <a:chOff x="0" y="0"/>
-          <a:chExt cx="0" cy="0"/>
-        </a:xfrm>
-      </p:grpSpPr>
-      <p:sp>
-        <p:nvSpPr>
-          <p:cNvPr id="2" name="Title 1">
-            <a:extLst>
-              <a:ext uri="{FF2B5EF4-FFF2-40B4-BE49-F238E27FC236}">
-                <a16:creationId xmlns:a16="http://schemas.microsoft.com/office/drawing/2014/main" id="{22718A9F-5E5E-484B-9E4B-7445BD5FA532}"/>
-              </a:ext>
-            </a:extLst>
-          </p:cNvPr>
-          <p:cNvSpPr>
-            <a:spLocks noGrp="1"/>
-          </p:cNvSpPr>
-          <p:nvPr>
-            <p:ph type="title"/>
-          </p:nvPr>
-        </p:nvSpPr>
-        <p:spPr>
-          <a:xfrm>
-            <a:off x="457200" y="365759"/>
-            <a:ext cx="11277600" cy="1371600"/>
-          </a:xfrm>
-        </p:spPr>
-        <p:txBody>
-          <a:bodyPr/>
-          <a:lstStyle/>
-          <a:p>
-            <a:r>
-              <a:rPr lang="en-US" dirty="0"/>
-              <a:t>This is a “Three Content” slide</a:t>
-            </a:r>
-          </a:p>
-        </p:txBody>
-      </p:sp>
-      <p:sp>
-        <p:nvSpPr>
-          <p:cNvPr id="3" name="Content Placeholder 2">
-            <a:extLst>
-              <a:ext uri="{FF2B5EF4-FFF2-40B4-BE49-F238E27FC236}">
-                <a16:creationId xmlns:a16="http://schemas.microsoft.com/office/drawing/2014/main" id="{8BAF6B59-DF54-7546-B5ED-BF36C4E1A89F}"/>
-              </a:ext>
-            </a:extLst>
-          </p:cNvPr>
-          <p:cNvSpPr>
-            <a:spLocks noGrp="1"/>
-          </p:cNvSpPr>
-          <p:nvPr>
-            <p:ph sz="half" idx="1"/>
-          </p:nvPr>
-        </p:nvSpPr>
-        <p:spPr>
-          <a:xfrm>
-            <a:off x="457200" y="2286000"/>
-            <a:ext cx="3557016" cy="3657600"/>
-          </a:xfrm>
-        </p:spPr>
-        <p:txBody>
-          <a:bodyPr/>
-          <a:lstStyle/>
-          <a:p>
-            <a:pPr marL="0" indent="0">
-              <a:buNone/>
-            </a:pPr>
-            <a:r>
-              <a:rPr lang="en-US" dirty="0"/>
-              <a:t>Multi-column slides have equal-width columns, each of which can be used for text, tables, pictures, charts and/or graphics.</a:t>
-            </a:r>
-          </a:p>
-          <a:p>
-            <a:pPr marL="0" indent="0">
-              <a:buNone/>
-            </a:pPr>
-            <a:r>
-              <a:rPr lang="en-US" dirty="0"/>
-              <a:t>To insert text, click the placeholder and start typing</a:t>
-            </a:r>
-          </a:p>
-          <a:p>
-            <a:pPr marL="0" indent="0">
-              <a:buNone/>
-            </a:pPr>
-            <a:r>
-              <a:rPr lang="en-US" dirty="0"/>
-              <a:t>To insert tables, pictures, charts or graphics, click the appropriate icon in the middle of the placeholder</a:t>
-            </a:r>
-          </a:p>
-        </p:txBody>
-      </p:sp>
-      <p:graphicFrame>
-        <p:nvGraphicFramePr>
-          <p:cNvPr id="9" name="Content Placeholder 3" descr="Chart">
-            <a:extLst>
-              <a:ext uri="{FF2B5EF4-FFF2-40B4-BE49-F238E27FC236}">
-                <a16:creationId xmlns:a16="http://schemas.microsoft.com/office/drawing/2014/main" id="{A2360CC0-D944-9642-8E47-24AC40E57AF1}"/>
-              </a:ext>
-            </a:extLst>
-          </p:cNvPr>
-          <p:cNvGraphicFramePr>
-            <a:graphicFrameLocks noGrp="1"/>
-          </p:cNvGraphicFramePr>
-          <p:nvPr>
-            <p:ph sz="half" idx="2"/>
-            <p:extLst>
-              <p:ext uri="{D42A27DB-BD31-4B8C-83A1-F6EECF244321}">
-                <p14:modId xmlns:p14="http://schemas.microsoft.com/office/powerpoint/2010/main" val="1828141001"/>
-              </p:ext>
-            </p:extLst>
-          </p:nvPr>
-        </p:nvGraphicFramePr>
-        <p:xfrm>
-          <a:off x="4318000" y="2286000"/>
-          <a:ext cx="3556000" cy="3657600"/>
-        </p:xfrm>
-        <a:graphic>
-          <a:graphicData uri="http://schemas.openxmlformats.org/drawingml/2006/chart">
-            <c:chart xmlns:c="http://schemas.openxmlformats.org/drawingml/2006/chart" xmlns:r="http://schemas.openxmlformats.org/officeDocument/2006/relationships" r:id="rId2"/>
-          </a:graphicData>
-        </a:graphic>
-      </p:graphicFrame>
-      <p:graphicFrame>
-        <p:nvGraphicFramePr>
-          <p:cNvPr id="10" name="Content Placeholder 4" descr="Table">
-            <a:extLst>
-              <a:ext uri="{FF2B5EF4-FFF2-40B4-BE49-F238E27FC236}">
-                <a16:creationId xmlns:a16="http://schemas.microsoft.com/office/drawing/2014/main" id="{33479BA9-7E0A-3742-8F86-2741E9ECB519}"/>
-              </a:ext>
-            </a:extLst>
-          </p:cNvPr>
-          <p:cNvGraphicFramePr>
-            <a:graphicFrameLocks noGrp="1"/>
-          </p:cNvGraphicFramePr>
-          <p:nvPr>
-            <p:ph sz="quarter" idx="13"/>
-            <p:extLst>
-              <p:ext uri="{D42A27DB-BD31-4B8C-83A1-F6EECF244321}">
-                <p14:modId xmlns:p14="http://schemas.microsoft.com/office/powerpoint/2010/main" val="1398486785"/>
-              </p:ext>
-            </p:extLst>
-          </p:nvPr>
-        </p:nvGraphicFramePr>
-        <p:xfrm>
-          <a:off x="8177213" y="2286000"/>
-          <a:ext cx="3557586" cy="3657599"/>
-        </p:xfrm>
-        <a:graphic>
-          <a:graphicData uri="http://schemas.openxmlformats.org/drawingml/2006/table">
-            <a:tbl>
-              <a:tblPr firstRow="1" firstCol="1" lastRow="1">
-                <a:tableStyleId>{28C5B1A6-7CDA-4FE8-980E-A958422A06AF}</a:tableStyleId>
-              </a:tblPr>
-              <a:tblGrid>
-                <a:gridCol w="1185862">
-                  <a:extLst>
-                    <a:ext uri="{9D8B030D-6E8A-4147-A177-3AD203B41FA5}">
-                      <a16:colId xmlns:a16="http://schemas.microsoft.com/office/drawing/2014/main" val="20000"/>
-                    </a:ext>
-                  </a:extLst>
-                </a:gridCol>
-                <a:gridCol w="1185862">
-                  <a:extLst>
-                    <a:ext uri="{9D8B030D-6E8A-4147-A177-3AD203B41FA5}">
-                      <a16:colId xmlns:a16="http://schemas.microsoft.com/office/drawing/2014/main" val="20001"/>
-                    </a:ext>
-                  </a:extLst>
-                </a:gridCol>
-                <a:gridCol w="1185862">
-                  <a:extLst>
-                    <a:ext uri="{9D8B030D-6E8A-4147-A177-3AD203B41FA5}">
-                      <a16:colId xmlns:a16="http://schemas.microsoft.com/office/drawing/2014/main" val="20002"/>
-                    </a:ext>
-                  </a:extLst>
-                </a:gridCol>
-              </a:tblGrid>
-              <a:tr h="332509">
-                <a:tc>
-                  <a:txBody>
-                    <a:bodyPr/>
-                    <a:lstStyle/>
-                    <a:p>
-                      <a:endParaRPr lang="en-US" sz="1200" cap="none" baseline="0">
-                        <a:latin typeface="Arial Nova" panose="020B0504020202020204" pitchFamily="34" charset="0"/>
-                      </a:endParaRPr>
-                    </a:p>
-                  </a:txBody>
-                  <a:tcPr marT="0" marB="0" anchor="ctr"/>
-                </a:tc>
-                <a:tc>
-                  <a:txBody>
-                    <a:bodyPr/>
-                    <a:lstStyle/>
-                    <a:p>
-                      <a:pPr algn="l"/>
-                      <a:r>
-                        <a:rPr lang="en-US" sz="1200" cap="none" baseline="0" dirty="0">
-                          <a:latin typeface="Arial Nova" panose="020B0504020202020204" pitchFamily="34" charset="0"/>
-                        </a:rPr>
-                        <a:t>Column 1</a:t>
-                      </a:r>
-                    </a:p>
-                  </a:txBody>
-                  <a:tcPr marT="0" marB="0" anchor="ctr"/>
-                </a:tc>
-                <a:tc>
-                  <a:txBody>
-                    <a:bodyPr/>
-                    <a:lstStyle/>
-                    <a:p>
-                      <a:pPr algn="l"/>
-                      <a:r>
-                        <a:rPr lang="en-US" sz="1200" cap="none" baseline="0" dirty="0">
-                          <a:latin typeface="Arial Nova" panose="020B0504020202020204" pitchFamily="34" charset="0"/>
-                        </a:rPr>
-                        <a:t>Column 2</a:t>
-                      </a:r>
-                    </a:p>
-                  </a:txBody>
-                  <a:tcPr marT="0" marB="0" anchor="ctr"/>
-                </a:tc>
-                <a:extLst>
-                  <a:ext uri="{0D108BD9-81ED-4DB2-BD59-A6C34878D82A}">
-                    <a16:rowId xmlns:a16="http://schemas.microsoft.com/office/drawing/2014/main" val="10000"/>
-                  </a:ext>
-                </a:extLst>
-              </a:tr>
-              <a:tr h="332509">
-                <a:tc>
-                  <a:txBody>
-                    <a:bodyPr/>
-                    <a:lstStyle/>
-                    <a:p>
-                      <a:r>
-                        <a:rPr lang="en-US" sz="1200">
-                          <a:latin typeface="Arial Nova" panose="020B0504020202020204" pitchFamily="34" charset="0"/>
-                        </a:rPr>
-                        <a:t>Row 1</a:t>
-                      </a:r>
-                    </a:p>
-                  </a:txBody>
-                  <a:tcPr marT="0" marB="0" anchor="ctr"/>
-                </a:tc>
-                <a:tc>
-                  <a:txBody>
-                    <a:bodyPr/>
-                    <a:lstStyle/>
-                    <a:p>
-                      <a:pPr algn="l"/>
-                      <a:r>
-                        <a:rPr lang="en-US" sz="1200">
-                          <a:latin typeface="Arial Nova" panose="020B0504020202020204" pitchFamily="34" charset="0"/>
-                        </a:rPr>
-                        <a:t>000</a:t>
-                      </a:r>
-                    </a:p>
-                  </a:txBody>
-                  <a:tcPr marT="0" marB="0" anchor="ctr"/>
-                </a:tc>
-                <a:tc>
-                  <a:txBody>
-                    <a:bodyPr/>
-                    <a:lstStyle/>
-                    <a:p>
-                      <a:pPr algn="l"/>
-                      <a:r>
-                        <a:rPr lang="en-US" sz="1200">
-                          <a:latin typeface="Arial Nova" panose="020B0504020202020204" pitchFamily="34" charset="0"/>
-                        </a:rPr>
-                        <a:t>000</a:t>
-                      </a:r>
-                    </a:p>
-                  </a:txBody>
-                  <a:tcPr marT="0" marB="0" anchor="ctr"/>
-                </a:tc>
-                <a:extLst>
-                  <a:ext uri="{0D108BD9-81ED-4DB2-BD59-A6C34878D82A}">
-                    <a16:rowId xmlns:a16="http://schemas.microsoft.com/office/drawing/2014/main" val="10001"/>
-                  </a:ext>
-                </a:extLst>
-              </a:tr>
-              <a:tr h="332509">
-                <a:tc>
-                  <a:txBody>
-                    <a:bodyPr/>
-                    <a:lstStyle/>
-                    <a:p>
-                      <a:r>
-                        <a:rPr lang="en-US" sz="1200" dirty="0">
-                          <a:latin typeface="Arial Nova" panose="020B0504020202020204" pitchFamily="34" charset="0"/>
-                        </a:rPr>
-                        <a:t>Row 2</a:t>
-                      </a:r>
-                    </a:p>
-                  </a:txBody>
-                  <a:tcPr marT="0" marB="0" anchor="ctr"/>
-                </a:tc>
-                <a:tc>
-                  <a:txBody>
-                    <a:bodyPr/>
-                    <a:lstStyle/>
-                    <a:p>
-                      <a:pPr algn="l"/>
-                      <a:r>
-                        <a:rPr lang="en-US" sz="1200">
-                          <a:latin typeface="Arial Nova" panose="020B0504020202020204" pitchFamily="34" charset="0"/>
-                        </a:rPr>
-                        <a:t>000</a:t>
-                      </a:r>
-                    </a:p>
-                  </a:txBody>
-                  <a:tcPr marT="0" marB="0" anchor="ctr"/>
-                </a:tc>
-                <a:tc>
-                  <a:txBody>
-                    <a:bodyPr/>
-                    <a:lstStyle/>
-                    <a:p>
-                      <a:pPr algn="l"/>
-                      <a:r>
-                        <a:rPr lang="en-US" sz="1200">
-                          <a:latin typeface="Arial Nova" panose="020B0504020202020204" pitchFamily="34" charset="0"/>
-                        </a:rPr>
-                        <a:t>000</a:t>
-                      </a:r>
-                    </a:p>
-                  </a:txBody>
-                  <a:tcPr marT="0" marB="0" anchor="ctr"/>
-                </a:tc>
-                <a:extLst>
-                  <a:ext uri="{0D108BD9-81ED-4DB2-BD59-A6C34878D82A}">
-                    <a16:rowId xmlns:a16="http://schemas.microsoft.com/office/drawing/2014/main" val="10002"/>
-                  </a:ext>
-                </a:extLst>
-              </a:tr>
-              <a:tr h="332509">
-                <a:tc>
-                  <a:txBody>
-                    <a:bodyPr/>
-                    <a:lstStyle/>
-                    <a:p>
-                      <a:r>
-                        <a:rPr lang="en-US" sz="1200">
-                          <a:latin typeface="Arial Nova" panose="020B0504020202020204" pitchFamily="34" charset="0"/>
-                        </a:rPr>
-                        <a:t>Row 3</a:t>
-                      </a:r>
-                    </a:p>
-                  </a:txBody>
-                  <a:tcPr marT="0" marB="0" anchor="ctr"/>
-                </a:tc>
-                <a:tc>
-                  <a:txBody>
-                    <a:bodyPr/>
-                    <a:lstStyle/>
-                    <a:p>
-                      <a:pPr algn="l"/>
-                      <a:r>
-                        <a:rPr lang="en-US" sz="1200" dirty="0">
-                          <a:latin typeface="Arial Nova" panose="020B0504020202020204" pitchFamily="34" charset="0"/>
-                        </a:rPr>
-                        <a:t>000</a:t>
-                      </a:r>
-                    </a:p>
-                  </a:txBody>
-                  <a:tcPr marT="0" marB="0" anchor="ctr"/>
-                </a:tc>
-                <a:tc>
-                  <a:txBody>
-                    <a:bodyPr/>
-                    <a:lstStyle/>
-                    <a:p>
-                      <a:pPr algn="l"/>
-                      <a:r>
-                        <a:rPr lang="en-US" sz="1200">
-                          <a:latin typeface="Arial Nova" panose="020B0504020202020204" pitchFamily="34" charset="0"/>
-                        </a:rPr>
-                        <a:t>000</a:t>
-                      </a:r>
-                    </a:p>
-                  </a:txBody>
-                  <a:tcPr marT="0" marB="0" anchor="ctr"/>
-                </a:tc>
-                <a:extLst>
-                  <a:ext uri="{0D108BD9-81ED-4DB2-BD59-A6C34878D82A}">
-                    <a16:rowId xmlns:a16="http://schemas.microsoft.com/office/drawing/2014/main" val="10003"/>
-                  </a:ext>
-                </a:extLst>
-              </a:tr>
-              <a:tr h="332509">
-                <a:tc>
-                  <a:txBody>
-                    <a:bodyPr/>
-                    <a:lstStyle/>
-                    <a:p>
-                      <a:r>
-                        <a:rPr lang="en-US" sz="1200">
-                          <a:latin typeface="Arial Nova" panose="020B0504020202020204" pitchFamily="34" charset="0"/>
-                        </a:rPr>
-                        <a:t>Row 4</a:t>
-                      </a:r>
-                    </a:p>
-                  </a:txBody>
-                  <a:tcPr marT="0" marB="0" anchor="ctr"/>
-                </a:tc>
-                <a:tc>
-                  <a:txBody>
-                    <a:bodyPr/>
-                    <a:lstStyle/>
-                    <a:p>
-                      <a:pPr algn="l"/>
-                      <a:r>
-                        <a:rPr lang="en-US" sz="1200">
-                          <a:latin typeface="Arial Nova" panose="020B0504020202020204" pitchFamily="34" charset="0"/>
-                        </a:rPr>
-                        <a:t>000</a:t>
-                      </a:r>
-                    </a:p>
-                  </a:txBody>
-                  <a:tcPr marT="0" marB="0" anchor="ctr"/>
-                </a:tc>
-                <a:tc>
-                  <a:txBody>
-                    <a:bodyPr/>
-                    <a:lstStyle/>
-                    <a:p>
-                      <a:pPr algn="l"/>
-                      <a:r>
-                        <a:rPr lang="en-US" sz="1200">
-                          <a:latin typeface="Arial Nova" panose="020B0504020202020204" pitchFamily="34" charset="0"/>
-                        </a:rPr>
-                        <a:t>000</a:t>
-                      </a:r>
-                    </a:p>
-                  </a:txBody>
-                  <a:tcPr marT="0" marB="0" anchor="ctr"/>
-                </a:tc>
-                <a:extLst>
-                  <a:ext uri="{0D108BD9-81ED-4DB2-BD59-A6C34878D82A}">
-                    <a16:rowId xmlns:a16="http://schemas.microsoft.com/office/drawing/2014/main" val="10004"/>
-                  </a:ext>
-                </a:extLst>
-              </a:tr>
-              <a:tr h="332509">
-                <a:tc>
-                  <a:txBody>
-                    <a:bodyPr/>
-                    <a:lstStyle/>
-                    <a:p>
-                      <a:r>
-                        <a:rPr lang="en-US" sz="1200">
-                          <a:latin typeface="Arial Nova" panose="020B0504020202020204" pitchFamily="34" charset="0"/>
-                        </a:rPr>
-                        <a:t>Row 5</a:t>
-                      </a:r>
-                    </a:p>
-                  </a:txBody>
-                  <a:tcPr marT="0" marB="0" anchor="ctr"/>
-                </a:tc>
-                <a:tc>
-                  <a:txBody>
-                    <a:bodyPr/>
-                    <a:lstStyle/>
-                    <a:p>
-                      <a:pPr algn="l"/>
-                      <a:r>
-                        <a:rPr lang="en-US" sz="1200">
-                          <a:latin typeface="Arial Nova" panose="020B0504020202020204" pitchFamily="34" charset="0"/>
-                        </a:rPr>
-                        <a:t>000</a:t>
-                      </a:r>
-                    </a:p>
-                  </a:txBody>
-                  <a:tcPr marT="0" marB="0" anchor="ctr"/>
-                </a:tc>
-                <a:tc>
-                  <a:txBody>
-                    <a:bodyPr/>
-                    <a:lstStyle/>
-                    <a:p>
-                      <a:pPr algn="l"/>
-                      <a:r>
-                        <a:rPr lang="en-US" sz="1200">
-                          <a:latin typeface="Arial Nova" panose="020B0504020202020204" pitchFamily="34" charset="0"/>
-                        </a:rPr>
-                        <a:t>000</a:t>
-                      </a:r>
-                    </a:p>
-                  </a:txBody>
-                  <a:tcPr marT="0" marB="0" anchor="ctr"/>
-                </a:tc>
-                <a:extLst>
-                  <a:ext uri="{0D108BD9-81ED-4DB2-BD59-A6C34878D82A}">
-                    <a16:rowId xmlns:a16="http://schemas.microsoft.com/office/drawing/2014/main" val="10005"/>
-                  </a:ext>
-                </a:extLst>
-              </a:tr>
-              <a:tr h="332509">
-                <a:tc>
-                  <a:txBody>
-                    <a:bodyPr/>
-                    <a:lstStyle/>
-                    <a:p>
-                      <a:r>
-                        <a:rPr lang="en-US" sz="1200">
-                          <a:latin typeface="Arial Nova" panose="020B0504020202020204" pitchFamily="34" charset="0"/>
-                        </a:rPr>
-                        <a:t>Row 6</a:t>
-                      </a:r>
-                    </a:p>
-                  </a:txBody>
-                  <a:tcPr marT="0" marB="0" anchor="ctr"/>
-                </a:tc>
-                <a:tc>
-                  <a:txBody>
-                    <a:bodyPr/>
-                    <a:lstStyle/>
-                    <a:p>
-                      <a:pPr algn="l"/>
-                      <a:r>
-                        <a:rPr lang="en-US" sz="1200">
-                          <a:latin typeface="Arial Nova" panose="020B0504020202020204" pitchFamily="34" charset="0"/>
-                        </a:rPr>
-                        <a:t>000</a:t>
-                      </a:r>
-                    </a:p>
-                  </a:txBody>
-                  <a:tcPr marT="0" marB="0" anchor="ctr"/>
-                </a:tc>
-                <a:tc>
-                  <a:txBody>
-                    <a:bodyPr/>
-                    <a:lstStyle/>
-                    <a:p>
-                      <a:pPr algn="l"/>
-                      <a:r>
-                        <a:rPr lang="en-US" sz="1200">
-                          <a:latin typeface="Arial Nova" panose="020B0504020202020204" pitchFamily="34" charset="0"/>
-                        </a:rPr>
-                        <a:t>000</a:t>
-                      </a:r>
-                    </a:p>
-                  </a:txBody>
-                  <a:tcPr marT="0" marB="0" anchor="ctr"/>
-                </a:tc>
-                <a:extLst>
-                  <a:ext uri="{0D108BD9-81ED-4DB2-BD59-A6C34878D82A}">
-                    <a16:rowId xmlns:a16="http://schemas.microsoft.com/office/drawing/2014/main" val="3164867131"/>
-                  </a:ext>
-                </a:extLst>
-              </a:tr>
-              <a:tr h="332509">
-                <a:tc>
-                  <a:txBody>
-                    <a:bodyPr/>
-                    <a:lstStyle/>
-                    <a:p>
-                      <a:r>
-                        <a:rPr lang="en-US" sz="1200">
-                          <a:latin typeface="Arial Nova" panose="020B0504020202020204" pitchFamily="34" charset="0"/>
-                        </a:rPr>
-                        <a:t>Row 7</a:t>
-                      </a:r>
-                    </a:p>
-                  </a:txBody>
-                  <a:tcPr marT="0" marB="0" anchor="ctr"/>
-                </a:tc>
-                <a:tc>
-                  <a:txBody>
-                    <a:bodyPr/>
-                    <a:lstStyle/>
-                    <a:p>
-                      <a:pPr algn="l"/>
-                      <a:r>
-                        <a:rPr lang="en-US" sz="1200">
-                          <a:latin typeface="Arial Nova" panose="020B0504020202020204" pitchFamily="34" charset="0"/>
-                        </a:rPr>
-                        <a:t>000</a:t>
-                      </a:r>
-                    </a:p>
-                  </a:txBody>
-                  <a:tcPr marT="0" marB="0" anchor="ctr"/>
-                </a:tc>
-                <a:tc>
-                  <a:txBody>
-                    <a:bodyPr/>
-                    <a:lstStyle/>
-                    <a:p>
-                      <a:pPr algn="l"/>
-                      <a:r>
-                        <a:rPr lang="en-US" sz="1200">
-                          <a:latin typeface="Arial Nova" panose="020B0504020202020204" pitchFamily="34" charset="0"/>
-                        </a:rPr>
-                        <a:t>000</a:t>
-                      </a:r>
-                    </a:p>
-                  </a:txBody>
-                  <a:tcPr marT="0" marB="0" anchor="ctr"/>
-                </a:tc>
-                <a:extLst>
-                  <a:ext uri="{0D108BD9-81ED-4DB2-BD59-A6C34878D82A}">
-                    <a16:rowId xmlns:a16="http://schemas.microsoft.com/office/drawing/2014/main" val="3791278334"/>
-                  </a:ext>
-                </a:extLst>
-              </a:tr>
-              <a:tr h="332509">
-                <a:tc>
-                  <a:txBody>
-                    <a:bodyPr/>
-                    <a:lstStyle/>
-                    <a:p>
-                      <a:r>
-                        <a:rPr lang="en-US" sz="1200" dirty="0">
-                          <a:latin typeface="Arial Nova" panose="020B0504020202020204" pitchFamily="34" charset="0"/>
-                        </a:rPr>
-                        <a:t>Row 8</a:t>
-                      </a:r>
-                    </a:p>
-                  </a:txBody>
-                  <a:tcPr marT="0" marB="0" anchor="ctr"/>
-                </a:tc>
-                <a:tc>
-                  <a:txBody>
-                    <a:bodyPr/>
-                    <a:lstStyle/>
-                    <a:p>
-                      <a:pPr algn="l"/>
-                      <a:r>
-                        <a:rPr lang="en-US" sz="1200">
-                          <a:latin typeface="Arial Nova" panose="020B0504020202020204" pitchFamily="34" charset="0"/>
-                        </a:rPr>
-                        <a:t>000</a:t>
-                      </a:r>
-                    </a:p>
-                  </a:txBody>
-                  <a:tcPr marT="0" marB="0" anchor="ctr"/>
-                </a:tc>
-                <a:tc>
-                  <a:txBody>
-                    <a:bodyPr/>
-                    <a:lstStyle/>
-                    <a:p>
-                      <a:pPr algn="l"/>
-                      <a:r>
-                        <a:rPr lang="en-US" sz="1200">
-                          <a:latin typeface="Arial Nova" panose="020B0504020202020204" pitchFamily="34" charset="0"/>
-                        </a:rPr>
-                        <a:t>000</a:t>
-                      </a:r>
-                    </a:p>
-                  </a:txBody>
-                  <a:tcPr marT="0" marB="0" anchor="ctr"/>
-                </a:tc>
-                <a:extLst>
-                  <a:ext uri="{0D108BD9-81ED-4DB2-BD59-A6C34878D82A}">
-                    <a16:rowId xmlns:a16="http://schemas.microsoft.com/office/drawing/2014/main" val="2367401442"/>
-                  </a:ext>
-                </a:extLst>
-              </a:tr>
-              <a:tr h="332509">
-                <a:tc>
-                  <a:txBody>
-                    <a:bodyPr/>
-                    <a:lstStyle/>
-                    <a:p>
-                      <a:r>
-                        <a:rPr lang="en-US" sz="1200">
-                          <a:latin typeface="Arial Nova" panose="020B0504020202020204" pitchFamily="34" charset="0"/>
-                        </a:rPr>
-                        <a:t>Row 9</a:t>
-                      </a:r>
-                    </a:p>
-                  </a:txBody>
-                  <a:tcPr marT="0" marB="0" anchor="ctr"/>
-                </a:tc>
-                <a:tc>
-                  <a:txBody>
-                    <a:bodyPr/>
-                    <a:lstStyle/>
-                    <a:p>
-                      <a:pPr algn="l"/>
-                      <a:r>
-                        <a:rPr lang="en-US" sz="1200">
-                          <a:latin typeface="Arial Nova" panose="020B0504020202020204" pitchFamily="34" charset="0"/>
-                        </a:rPr>
-                        <a:t>000</a:t>
-                      </a:r>
-                    </a:p>
-                  </a:txBody>
-                  <a:tcPr marT="0" marB="0" anchor="ctr"/>
-                </a:tc>
-                <a:tc>
-                  <a:txBody>
-                    <a:bodyPr/>
-                    <a:lstStyle/>
-                    <a:p>
-                      <a:pPr algn="l"/>
-                      <a:r>
-                        <a:rPr lang="en-US" sz="1200">
-                          <a:latin typeface="Arial Nova" panose="020B0504020202020204" pitchFamily="34" charset="0"/>
-                        </a:rPr>
-                        <a:t>000</a:t>
-                      </a:r>
-                    </a:p>
-                  </a:txBody>
-                  <a:tcPr marT="0" marB="0" anchor="ctr"/>
-                </a:tc>
-                <a:extLst>
-                  <a:ext uri="{0D108BD9-81ED-4DB2-BD59-A6C34878D82A}">
-                    <a16:rowId xmlns:a16="http://schemas.microsoft.com/office/drawing/2014/main" val="3855993651"/>
-                  </a:ext>
-                </a:extLst>
-              </a:tr>
-              <a:tr h="332509">
-                <a:tc>
-                  <a:txBody>
-                    <a:bodyPr/>
-                    <a:lstStyle/>
-                    <a:p>
-                      <a:endParaRPr lang="en-US" sz="1200">
-                        <a:latin typeface="Arial Nova" panose="020B0504020202020204" pitchFamily="34" charset="0"/>
-                      </a:endParaRPr>
-                    </a:p>
-                  </a:txBody>
-                  <a:tcPr marT="0" marB="0" anchor="ctr"/>
-                </a:tc>
-                <a:tc>
-                  <a:txBody>
-                    <a:bodyPr/>
-                    <a:lstStyle/>
-                    <a:p>
-                      <a:pPr algn="l"/>
-                      <a:r>
-                        <a:rPr lang="en-US" sz="1200">
-                          <a:latin typeface="Arial Nova" panose="020B0504020202020204" pitchFamily="34" charset="0"/>
-                        </a:rPr>
-                        <a:t>000</a:t>
-                      </a:r>
-                    </a:p>
-                  </a:txBody>
-                  <a:tcPr marT="0" marB="0" anchor="ctr"/>
-                </a:tc>
-                <a:tc>
-                  <a:txBody>
-                    <a:bodyPr/>
-                    <a:lstStyle/>
-                    <a:p>
-                      <a:pPr algn="l"/>
-                      <a:r>
-                        <a:rPr lang="en-US" sz="1200" dirty="0">
-                          <a:latin typeface="Arial Nova" panose="020B0504020202020204" pitchFamily="34" charset="0"/>
-                        </a:rPr>
-                        <a:t>000</a:t>
-                      </a:r>
-                    </a:p>
-                  </a:txBody>
-                  <a:tcPr marT="0" marB="0" anchor="ctr"/>
-                </a:tc>
-                <a:extLst>
-                  <a:ext uri="{0D108BD9-81ED-4DB2-BD59-A6C34878D82A}">
-                    <a16:rowId xmlns:a16="http://schemas.microsoft.com/office/drawing/2014/main" val="10006"/>
-                  </a:ext>
-                </a:extLst>
-              </a:tr>
-            </a:tbl>
-          </a:graphicData>
-        </a:graphic>
-      </p:graphicFrame>
-      <p:sp>
-        <p:nvSpPr>
-          <p:cNvPr id="8" name="Text Placeholder 7">
-            <a:extLst>
-              <a:ext uri="{FF2B5EF4-FFF2-40B4-BE49-F238E27FC236}">
-                <a16:creationId xmlns:a16="http://schemas.microsoft.com/office/drawing/2014/main" id="{179A7149-193A-6932-ACF1-1D6A5A03D26E}"/>
-              </a:ext>
-            </a:extLst>
-          </p:cNvPr>
-          <p:cNvSpPr>
-            <a:spLocks noGrp="1"/>
-          </p:cNvSpPr>
-          <p:nvPr>
-            <p:ph type="body" sz="quarter" idx="10"/>
-          </p:nvPr>
-        </p:nvSpPr>
-        <p:spPr/>
-        <p:txBody>
-          <a:bodyPr/>
-          <a:lstStyle/>
-          <a:p>
-            <a:r>
-              <a:rPr lang="en-US" dirty="0"/>
-              <a:t>[Footnotes/references, if needed, appear here in Arial Regular 8pt.</a:t>
-            </a:r>
-          </a:p>
-          <a:p>
-            <a:r>
-              <a:rPr lang="en-US" dirty="0"/>
-              <a:t>Text grows upwards as lines are added.]</a:t>
-            </a:r>
-          </a:p>
-        </p:txBody>
-      </p:sp>
-    </p:spTree>
-    <p:extLst>
-      <p:ext uri="{BB962C8B-B14F-4D97-AF65-F5344CB8AC3E}">
-        <p14:creationId xmlns:p14="http://schemas.microsoft.com/office/powerpoint/2010/main" val="3405921034"/>
       </p:ext>
     </p:extLst>
   </p:cSld>
@@ -21930,6 +22275,11 @@
 </file>
 
 <file path=customXml/item1.xml><?xml version="1.0" encoding="utf-8"?>
+<?mso-contentType ?>
+<SharedContentType xmlns="Microsoft.SharePoint.Taxonomy.ContentTypeSync" SourceId="f5af0f96-557c-40e5-b74f-4de88d247c44" ContentTypeId="0x0101" PreviousValue="false" LastSyncTimeStamp="2015-12-10T20:09:36Z"/>
+</file>
+
+<file path=customXml/item2.xml><?xml version="1.0" encoding="utf-8"?>
 <p:properties xmlns:p="http://schemas.microsoft.com/office/2006/metadata/properties" xmlns:xsi="http://www.w3.org/2001/XMLSchema-instance" xmlns:pc="http://schemas.microsoft.com/office/infopath/2007/PartnerControls">
   <documentManagement>
     <pc3a60732cff4bd6a1032848edf6a57b xmlns="d18c1617-1ac8-4b22-9cef-b2ac240d88cb">
@@ -21955,21 +22305,7 @@
 </p:properties>
 </file>
 
-<file path=customXml/item2.xml><?xml version="1.0" encoding="utf-8"?>
-<?mso-contentType ?>
-<SharedContentType xmlns="Microsoft.SharePoint.Taxonomy.ContentTypeSync" SourceId="f5af0f96-557c-40e5-b74f-4de88d247c44" ContentTypeId="0x0101" PreviousValue="false" LastSyncTimeStamp="2015-12-10T20:09:36Z"/>
-</file>
-
 <file path=customXml/item3.xml><?xml version="1.0" encoding="utf-8"?>
-<?mso-contentType ?>
-<FormTemplates xmlns="http://schemas.microsoft.com/sharepoint/v3/contenttype/forms">
-  <Display>DocumentLibraryForm</Display>
-  <Edit>DocumentLibraryForm</Edit>
-  <New>DocumentLibraryForm</New>
-</FormTemplates>
-</file>
-
-<file path=customXml/item4.xml><?xml version="1.0" encoding="utf-8"?>
 <ct:contentTypeSchema xmlns:ct="http://schemas.microsoft.com/office/2006/metadata/contentType" xmlns:ma="http://schemas.microsoft.com/office/2006/metadata/properties/metaAttributes" ct:_="" ma:_="" ma:contentTypeName="Document" ma:contentTypeID="0x010100AD50474B01F61742958B040B505EFC38" ma:contentTypeVersion="12" ma:contentTypeDescription="Create a new document." ma:contentTypeScope="" ma:versionID="7d78ea10fda18b0b119d376ba64fb944">
   <xsd:schema xmlns:xsd="http://www.w3.org/2001/XMLSchema" xmlns:xs="http://www.w3.org/2001/XMLSchema" xmlns:p="http://schemas.microsoft.com/office/2006/metadata/properties" xmlns:ns2="d18c1617-1ac8-4b22-9cef-b2ac240d88cb" xmlns:ns3="2fac3fc9-7357-4de8-a372-ffc91fe3c1ed" targetNamespace="http://schemas.microsoft.com/office/2006/metadata/properties" ma:root="true" ma:fieldsID="580897cc64e23fc556233e5968b0ba1f" ns2:_="" ns3:_="">
     <xsd:import namespace="d18c1617-1ac8-4b22-9cef-b2ac240d88cb"/>
@@ -22228,7 +22564,24 @@
 </ct:contentTypeSchema>
 </file>
 
+<file path=customXml/item4.xml><?xml version="1.0" encoding="utf-8"?>
+<?mso-contentType ?>
+<FormTemplates xmlns="http://schemas.microsoft.com/sharepoint/v3/contenttype/forms">
+  <Display>DocumentLibraryForm</Display>
+  <Edit>DocumentLibraryForm</Edit>
+  <New>DocumentLibraryForm</New>
+</FormTemplates>
+</file>
+
 <file path=customXml/itemProps1.xml><?xml version="1.0" encoding="utf-8"?>
+<ds:datastoreItem xmlns:ds="http://schemas.openxmlformats.org/officeDocument/2006/customXml" ds:itemID="{83CBCF7B-8992-48AE-B92A-5F290DC7EBC7}">
+  <ds:schemaRefs>
+    <ds:schemaRef ds:uri="Microsoft.SharePoint.Taxonomy.ContentTypeSync"/>
+  </ds:schemaRefs>
+</ds:datastoreItem>
+</file>
+
+<file path=customXml/itemProps2.xml><?xml version="1.0" encoding="utf-8"?>
 <ds:datastoreItem xmlns:ds="http://schemas.openxmlformats.org/officeDocument/2006/customXml" ds:itemID="{30660F53-9F04-413A-8043-C63B8A089E24}">
   <ds:schemaRefs>
     <ds:schemaRef ds:uri="d18c1617-1ac8-4b22-9cef-b2ac240d88cb"/>
@@ -22245,23 +22598,7 @@
 </ds:datastoreItem>
 </file>
 
-<file path=customXml/itemProps2.xml><?xml version="1.0" encoding="utf-8"?>
-<ds:datastoreItem xmlns:ds="http://schemas.openxmlformats.org/officeDocument/2006/customXml" ds:itemID="{83CBCF7B-8992-48AE-B92A-5F290DC7EBC7}">
-  <ds:schemaRefs>
-    <ds:schemaRef ds:uri="Microsoft.SharePoint.Taxonomy.ContentTypeSync"/>
-  </ds:schemaRefs>
-</ds:datastoreItem>
-</file>
-
 <file path=customXml/itemProps3.xml><?xml version="1.0" encoding="utf-8"?>
-<ds:datastoreItem xmlns:ds="http://schemas.openxmlformats.org/officeDocument/2006/customXml" ds:itemID="{89FA7469-1AA0-4716-9CA2-4E53B5DA0CD5}">
-  <ds:schemaRefs>
-    <ds:schemaRef ds:uri="http://schemas.microsoft.com/sharepoint/v3/contenttype/forms"/>
-  </ds:schemaRefs>
-</ds:datastoreItem>
-</file>
-
-<file path=customXml/itemProps4.xml><?xml version="1.0" encoding="utf-8"?>
 <ds:datastoreItem xmlns:ds="http://schemas.openxmlformats.org/officeDocument/2006/customXml" ds:itemID="{6BE842BD-17C0-4EDD-BBEA-2164C1310FB7}">
   <ds:schemaRefs>
     <ds:schemaRef ds:uri="http://schemas.microsoft.com/office/2006/metadata/contentType"/>
@@ -22280,6 +22617,14 @@
 </ds:datastoreItem>
 </file>
 
+<file path=customXml/itemProps4.xml><?xml version="1.0" encoding="utf-8"?>
+<ds:datastoreItem xmlns:ds="http://schemas.openxmlformats.org/officeDocument/2006/customXml" ds:itemID="{89FA7469-1AA0-4716-9CA2-4E53B5DA0CD5}">
+  <ds:schemaRefs>
+    <ds:schemaRef ds:uri="http://schemas.microsoft.com/sharepoint/v3/contenttype/forms"/>
+  </ds:schemaRefs>
+</ds:datastoreItem>
+</file>
+
 <file path=docMetadata/LabelInfo.xml><?xml version="1.0" encoding="utf-8"?>
 <clbl:labelList xmlns:clbl="http://schemas.microsoft.com/office/2020/mipLabelMetadata">
   <clbl:label id="{ca56a4a5-e300-406a-98ff-7e36a0baac5b}" enabled="0" method="" siteId="{ca56a4a5-e300-406a-98ff-7e36a0baac5b}" removed="1"/>

--- a/Rapid7ExecutivePresentation.pptx
+++ b/Rapid7ExecutivePresentation.pptx
@@ -6,32 +6,35 @@
     <p:sldMasterId id="2147483689" r:id="rId6"/>
   </p:sldMasterIdLst>
   <p:notesMasterIdLst>
-    <p:notesMasterId r:id="rId27"/>
+    <p:notesMasterId r:id="rId30"/>
   </p:notesMasterIdLst>
   <p:handoutMasterIdLst>
-    <p:handoutMasterId r:id="rId28"/>
+    <p:handoutMasterId r:id="rId31"/>
   </p:handoutMasterIdLst>
   <p:sldIdLst>
     <p:sldId id="332" r:id="rId7"/>
-    <p:sldId id="342" r:id="rId8"/>
-    <p:sldId id="341" r:id="rId9"/>
-    <p:sldId id="345" r:id="rId10"/>
+    <p:sldId id="349" r:id="rId8"/>
+    <p:sldId id="348" r:id="rId9"/>
+    <p:sldId id="350" r:id="rId10"/>
     <p:sldId id="343" r:id="rId11"/>
-    <p:sldId id="344" r:id="rId12"/>
-    <p:sldId id="262" r:id="rId13"/>
-    <p:sldId id="346" r:id="rId14"/>
-    <p:sldId id="261" r:id="rId15"/>
-    <p:sldId id="340" r:id="rId16"/>
-    <p:sldId id="263" r:id="rId17"/>
-    <p:sldId id="264" r:id="rId18"/>
-    <p:sldId id="267" r:id="rId19"/>
-    <p:sldId id="268" r:id="rId20"/>
-    <p:sldId id="324" r:id="rId21"/>
-    <p:sldId id="326" r:id="rId22"/>
-    <p:sldId id="328" r:id="rId23"/>
-    <p:sldId id="335" r:id="rId24"/>
-    <p:sldId id="336" r:id="rId25"/>
-    <p:sldId id="337" r:id="rId26"/>
+    <p:sldId id="351" r:id="rId12"/>
+    <p:sldId id="345" r:id="rId13"/>
+    <p:sldId id="344" r:id="rId14"/>
+    <p:sldId id="347" r:id="rId15"/>
+    <p:sldId id="262" r:id="rId16"/>
+    <p:sldId id="346" r:id="rId17"/>
+    <p:sldId id="261" r:id="rId18"/>
+    <p:sldId id="340" r:id="rId19"/>
+    <p:sldId id="263" r:id="rId20"/>
+    <p:sldId id="264" r:id="rId21"/>
+    <p:sldId id="267" r:id="rId22"/>
+    <p:sldId id="268" r:id="rId23"/>
+    <p:sldId id="324" r:id="rId24"/>
+    <p:sldId id="326" r:id="rId25"/>
+    <p:sldId id="328" r:id="rId26"/>
+    <p:sldId id="335" r:id="rId27"/>
+    <p:sldId id="336" r:id="rId28"/>
+    <p:sldId id="337" r:id="rId29"/>
   </p:sldIdLst>
   <p:sldSz cx="12192000" cy="6858000"/>
   <p:notesSz cx="6858000" cy="9144000"/>
@@ -142,6 +145,413 @@
 </file>
 
 <file path=ppt/charts/chart1.xml><?xml version="1.0" encoding="utf-8"?>
+<c:chartSpace xmlns:c="http://schemas.openxmlformats.org/drawingml/2006/chart" xmlns:a="http://schemas.openxmlformats.org/drawingml/2006/main" xmlns:r="http://schemas.openxmlformats.org/officeDocument/2006/relationships" xmlns:c16r2="http://schemas.microsoft.com/office/drawing/2015/06/chart">
+  <c:date1904 val="0"/>
+  <c:lang val="en-US"/>
+  <c:roundedCorners val="0"/>
+  <mc:AlternateContent xmlns:mc="http://schemas.openxmlformats.org/markup-compatibility/2006">
+    <mc:Choice xmlns:c14="http://schemas.microsoft.com/office/drawing/2007/8/2/chart" Requires="c14">
+      <c14:style val="102"/>
+    </mc:Choice>
+    <mc:Fallback>
+      <c:style val="2"/>
+    </mc:Fallback>
+  </mc:AlternateContent>
+  <c:chart>
+    <c:title>
+      <c:tx>
+        <c:rich>
+          <a:bodyPr rot="0" spcFirstLastPara="1" vertOverflow="ellipsis" vert="horz" wrap="square" anchor="ctr" anchorCtr="1"/>
+          <a:lstStyle/>
+          <a:p>
+            <a:pPr>
+              <a:defRPr sz="1862" b="0" i="0" u="none" strike="noStrike" kern="1200" spc="0" baseline="0">
+                <a:solidFill>
+                  <a:schemeClr val="tx1">
+                    <a:lumMod val="65000"/>
+                    <a:lumOff val="35000"/>
+                  </a:schemeClr>
+                </a:solidFill>
+                <a:latin typeface="+mn-lt"/>
+                <a:ea typeface="+mn-ea"/>
+                <a:cs typeface="+mn-cs"/>
+              </a:defRPr>
+            </a:pPr>
+            <a:r>
+              <a:rPr lang="en-US"/>
+              <a:t>Qualys</a:t>
+            </a:r>
+            <a:r>
+              <a:rPr lang="en-US" baseline="0"/>
+              <a:t> vs Rapid7 </a:t>
+            </a:r>
+            <a:r>
+              <a:rPr lang="en-US" baseline="0" err="1"/>
+              <a:t>InsightVM</a:t>
+            </a:r>
+            <a:r>
+              <a:rPr lang="en-US" baseline="0"/>
+              <a:t> </a:t>
+            </a:r>
+          </a:p>
+        </c:rich>
+      </c:tx>
+      <c:layout>
+        <c:manualLayout>
+          <c:xMode val="edge"/>
+          <c:yMode val="edge"/>
+          <c:x val="0.36336483170089062"/>
+          <c:y val="1.6883575560204572E-2"/>
+        </c:manualLayout>
+      </c:layout>
+      <c:overlay val="0"/>
+      <c:spPr>
+        <a:noFill/>
+        <a:ln>
+          <a:noFill/>
+        </a:ln>
+        <a:effectLst/>
+      </c:spPr>
+      <c:txPr>
+        <a:bodyPr rot="0" spcFirstLastPara="1" vertOverflow="ellipsis" vert="horz" wrap="square" anchor="ctr" anchorCtr="1"/>
+        <a:lstStyle/>
+        <a:p>
+          <a:pPr>
+            <a:defRPr sz="1862" b="0" i="0" u="none" strike="noStrike" kern="1200" spc="0" baseline="0">
+              <a:solidFill>
+                <a:schemeClr val="tx1">
+                  <a:lumMod val="65000"/>
+                  <a:lumOff val="35000"/>
+                </a:schemeClr>
+              </a:solidFill>
+              <a:latin typeface="+mn-lt"/>
+              <a:ea typeface="+mn-ea"/>
+              <a:cs typeface="+mn-cs"/>
+            </a:defRPr>
+          </a:pPr>
+          <a:endParaRPr lang="en-US"/>
+        </a:p>
+      </c:txPr>
+    </c:title>
+    <c:autoTitleDeleted val="0"/>
+    <c:plotArea>
+      <c:layout/>
+      <c:barChart>
+        <c:barDir val="col"/>
+        <c:grouping val="clustered"/>
+        <c:varyColors val="0"/>
+        <c:ser>
+          <c:idx val="0"/>
+          <c:order val="0"/>
+          <c:tx>
+            <c:strRef>
+              <c:f>Sheet1!$B$1</c:f>
+              <c:strCache>
+                <c:ptCount val="1"/>
+                <c:pt idx="0">
+                  <c:v>1 Year Total (225K Assets)</c:v>
+                </c:pt>
+              </c:strCache>
+            </c:strRef>
+          </c:tx>
+          <c:spPr>
+            <a:solidFill>
+              <a:schemeClr val="accent1"/>
+            </a:solidFill>
+            <a:ln>
+              <a:noFill/>
+            </a:ln>
+            <a:effectLst/>
+          </c:spPr>
+          <c:invertIfNegative val="0"/>
+          <c:cat>
+            <c:strRef>
+              <c:f>Sheet1!$A$2:$A$3</c:f>
+              <c:strCache>
+                <c:ptCount val="2"/>
+                <c:pt idx="0">
+                  <c:v>Qualys</c:v>
+                </c:pt>
+                <c:pt idx="1">
+                  <c:v>Rapid7 InsightVM</c:v>
+                </c:pt>
+              </c:strCache>
+            </c:strRef>
+          </c:cat>
+          <c:val>
+            <c:numRef>
+              <c:f>Sheet1!$B$2:$B$3</c:f>
+              <c:numCache>
+                <c:formatCode>#,##0</c:formatCode>
+                <c:ptCount val="2"/>
+                <c:pt idx="0">
+                  <c:v>953723</c:v>
+                </c:pt>
+                <c:pt idx="1">
+                  <c:v>871875</c:v>
+                </c:pt>
+              </c:numCache>
+            </c:numRef>
+          </c:val>
+          <c:extLst>
+            <c:ext xmlns:c16="http://schemas.microsoft.com/office/drawing/2014/chart" uri="{C3380CC4-5D6E-409C-BE32-E72D297353CC}">
+              <c16:uniqueId val="{00000000-B691-334C-97A2-D93D809D5048}"/>
+            </c:ext>
+          </c:extLst>
+        </c:ser>
+        <c:ser>
+          <c:idx val="1"/>
+          <c:order val="1"/>
+          <c:tx>
+            <c:strRef>
+              <c:f>Sheet1!$C$1</c:f>
+              <c:strCache>
+                <c:ptCount val="1"/>
+                <c:pt idx="0">
+                  <c:v>3 Year Total  (225K Assets)</c:v>
+                </c:pt>
+              </c:strCache>
+            </c:strRef>
+          </c:tx>
+          <c:spPr>
+            <a:solidFill>
+              <a:schemeClr val="accent2"/>
+            </a:solidFill>
+            <a:ln>
+              <a:noFill/>
+            </a:ln>
+            <a:effectLst/>
+          </c:spPr>
+          <c:invertIfNegative val="0"/>
+          <c:cat>
+            <c:strRef>
+              <c:f>Sheet1!$A$2:$A$3</c:f>
+              <c:strCache>
+                <c:ptCount val="2"/>
+                <c:pt idx="0">
+                  <c:v>Qualys</c:v>
+                </c:pt>
+                <c:pt idx="1">
+                  <c:v>Rapid7 InsightVM</c:v>
+                </c:pt>
+              </c:strCache>
+            </c:strRef>
+          </c:cat>
+          <c:val>
+            <c:numRef>
+              <c:f>Sheet1!$C$2:$C$3</c:f>
+              <c:numCache>
+                <c:formatCode>#,##0</c:formatCode>
+                <c:ptCount val="2"/>
+                <c:pt idx="0">
+                  <c:v>2861169</c:v>
+                </c:pt>
+                <c:pt idx="1">
+                  <c:v>2223126</c:v>
+                </c:pt>
+              </c:numCache>
+            </c:numRef>
+          </c:val>
+          <c:extLst>
+            <c:ext xmlns:c16="http://schemas.microsoft.com/office/drawing/2014/chart" uri="{C3380CC4-5D6E-409C-BE32-E72D297353CC}">
+              <c16:uniqueId val="{00000001-B691-334C-97A2-D93D809D5048}"/>
+            </c:ext>
+          </c:extLst>
+        </c:ser>
+        <c:dLbls>
+          <c:showLegendKey val="0"/>
+          <c:showVal val="0"/>
+          <c:showCatName val="0"/>
+          <c:showSerName val="0"/>
+          <c:showPercent val="0"/>
+          <c:showBubbleSize val="0"/>
+        </c:dLbls>
+        <c:gapWidth val="219"/>
+        <c:overlap val="-27"/>
+        <c:axId val="1675395679"/>
+        <c:axId val="1675394239"/>
+      </c:barChart>
+      <c:catAx>
+        <c:axId val="1675395679"/>
+        <c:scaling>
+          <c:orientation val="minMax"/>
+        </c:scaling>
+        <c:delete val="0"/>
+        <c:axPos val="b"/>
+        <c:numFmt formatCode="General" sourceLinked="1"/>
+        <c:majorTickMark val="none"/>
+        <c:minorTickMark val="none"/>
+        <c:tickLblPos val="nextTo"/>
+        <c:spPr>
+          <a:noFill/>
+          <a:ln w="9525" cap="flat" cmpd="sng" algn="ctr">
+            <a:solidFill>
+              <a:schemeClr val="tx1">
+                <a:lumMod val="15000"/>
+                <a:lumOff val="85000"/>
+              </a:schemeClr>
+            </a:solidFill>
+            <a:round/>
+          </a:ln>
+          <a:effectLst/>
+        </c:spPr>
+        <c:txPr>
+          <a:bodyPr rot="-60000000" spcFirstLastPara="1" vertOverflow="ellipsis" vert="horz" wrap="square" anchor="ctr" anchorCtr="1"/>
+          <a:lstStyle/>
+          <a:p>
+            <a:pPr>
+              <a:defRPr sz="1197" b="0" i="0" u="none" strike="noStrike" kern="1200" baseline="0">
+                <a:solidFill>
+                  <a:schemeClr val="tx1">
+                    <a:lumMod val="65000"/>
+                    <a:lumOff val="35000"/>
+                  </a:schemeClr>
+                </a:solidFill>
+                <a:latin typeface="+mn-lt"/>
+                <a:ea typeface="+mn-ea"/>
+                <a:cs typeface="+mn-cs"/>
+              </a:defRPr>
+            </a:pPr>
+            <a:endParaRPr lang="en-US"/>
+          </a:p>
+        </c:txPr>
+        <c:crossAx val="1675394239"/>
+        <c:crosses val="autoZero"/>
+        <c:auto val="1"/>
+        <c:lblAlgn val="ctr"/>
+        <c:lblOffset val="100"/>
+        <c:noMultiLvlLbl val="0"/>
+      </c:catAx>
+      <c:valAx>
+        <c:axId val="1675394239"/>
+        <c:scaling>
+          <c:orientation val="minMax"/>
+        </c:scaling>
+        <c:delete val="0"/>
+        <c:axPos val="l"/>
+        <c:majorGridlines>
+          <c:spPr>
+            <a:ln w="9525" cap="flat" cmpd="sng" algn="ctr">
+              <a:solidFill>
+                <a:schemeClr val="tx1">
+                  <a:lumMod val="15000"/>
+                  <a:lumOff val="85000"/>
+                </a:schemeClr>
+              </a:solidFill>
+              <a:round/>
+            </a:ln>
+            <a:effectLst/>
+          </c:spPr>
+        </c:majorGridlines>
+        <c:numFmt formatCode="#,##0" sourceLinked="1"/>
+        <c:majorTickMark val="none"/>
+        <c:minorTickMark val="none"/>
+        <c:tickLblPos val="nextTo"/>
+        <c:spPr>
+          <a:noFill/>
+          <a:ln>
+            <a:noFill/>
+          </a:ln>
+          <a:effectLst/>
+        </c:spPr>
+        <c:txPr>
+          <a:bodyPr rot="-60000000" spcFirstLastPara="1" vertOverflow="ellipsis" vert="horz" wrap="square" anchor="ctr" anchorCtr="1"/>
+          <a:lstStyle/>
+          <a:p>
+            <a:pPr>
+              <a:defRPr sz="1197" b="0" i="0" u="none" strike="noStrike" kern="1200" baseline="0">
+                <a:solidFill>
+                  <a:schemeClr val="tx1">
+                    <a:lumMod val="65000"/>
+                    <a:lumOff val="35000"/>
+                  </a:schemeClr>
+                </a:solidFill>
+                <a:latin typeface="+mn-lt"/>
+                <a:ea typeface="+mn-ea"/>
+                <a:cs typeface="+mn-cs"/>
+              </a:defRPr>
+            </a:pPr>
+            <a:endParaRPr lang="en-US"/>
+          </a:p>
+        </c:txPr>
+        <c:crossAx val="1675395679"/>
+        <c:crosses val="autoZero"/>
+        <c:crossBetween val="between"/>
+      </c:valAx>
+      <c:spPr>
+        <a:noFill/>
+        <a:ln>
+          <a:noFill/>
+        </a:ln>
+        <a:effectLst/>
+      </c:spPr>
+    </c:plotArea>
+    <c:legend>
+      <c:legendPos val="b"/>
+      <c:overlay val="0"/>
+      <c:spPr>
+        <a:noFill/>
+        <a:ln>
+          <a:noFill/>
+        </a:ln>
+        <a:effectLst/>
+      </c:spPr>
+      <c:txPr>
+        <a:bodyPr rot="0" spcFirstLastPara="1" vertOverflow="ellipsis" vert="horz" wrap="square" anchor="ctr" anchorCtr="1"/>
+        <a:lstStyle/>
+        <a:p>
+          <a:pPr>
+            <a:defRPr sz="1197" b="0" i="0" u="none" strike="noStrike" kern="1200" baseline="0">
+              <a:solidFill>
+                <a:schemeClr val="tx1">
+                  <a:lumMod val="65000"/>
+                  <a:lumOff val="35000"/>
+                </a:schemeClr>
+              </a:solidFill>
+              <a:latin typeface="+mn-lt"/>
+              <a:ea typeface="+mn-ea"/>
+              <a:cs typeface="+mn-cs"/>
+            </a:defRPr>
+          </a:pPr>
+          <a:endParaRPr lang="en-US"/>
+        </a:p>
+      </c:txPr>
+    </c:legend>
+    <c:plotVisOnly val="1"/>
+    <c:dispBlanksAs val="gap"/>
+    <c:showDLblsOverMax val="0"/>
+    <c:extLst>
+      <c:ext xmlns:c16r3="http://schemas.microsoft.com/office/drawing/2017/03/chart" uri="{56B9EC1D-385E-4148-901F-78D8002777C0}">
+        <c16r3:dataDisplayOptions16>
+          <c16r3:dispNaAsBlank val="1"/>
+        </c16r3:dataDisplayOptions16>
+      </c:ext>
+    </c:extLst>
+  </c:chart>
+  <c:spPr>
+    <a:noFill/>
+    <a:ln>
+      <a:noFill/>
+    </a:ln>
+    <a:effectLst/>
+  </c:spPr>
+  <c:txPr>
+    <a:bodyPr/>
+    <a:lstStyle/>
+    <a:p>
+      <a:pPr>
+        <a:defRPr/>
+      </a:pPr>
+      <a:endParaRPr lang="en-US"/>
+    </a:p>
+  </c:txPr>
+  <c:externalData r:id="rId3">
+    <c:autoUpdate val="0"/>
+  </c:externalData>
+</c:chartSpace>
+</file>
+
+<file path=ppt/charts/chart2.xml><?xml version="1.0" encoding="utf-8"?>
 <c:chartSpace xmlns:c="http://schemas.openxmlformats.org/drawingml/2006/chart" xmlns:a="http://schemas.openxmlformats.org/drawingml/2006/main" xmlns:r="http://schemas.openxmlformats.org/officeDocument/2006/relationships" xmlns:c16r2="http://schemas.microsoft.com/office/drawing/2015/06/chart">
   <c:date1904 val="0"/>
   <c:lang val="en-US"/>
@@ -765,7 +1175,7 @@
 </c:chartSpace>
 </file>
 
-<file path=ppt/charts/chart2.xml><?xml version="1.0" encoding="utf-8"?>
+<file path=ppt/charts/chart3.xml><?xml version="1.0" encoding="utf-8"?>
 <c:chartSpace xmlns:c="http://schemas.openxmlformats.org/drawingml/2006/chart" xmlns:a="http://schemas.openxmlformats.org/drawingml/2006/main" xmlns:r="http://schemas.openxmlformats.org/officeDocument/2006/relationships" xmlns:c16r2="http://schemas.microsoft.com/office/drawing/2015/06/chart">
   <c:date1904 val="0"/>
   <c:lang val="en-US"/>
@@ -1212,7 +1622,7 @@
 </c:chartSpace>
 </file>
 
-<file path=ppt/charts/chart3.xml><?xml version="1.0" encoding="utf-8"?>
+<file path=ppt/charts/chart4.xml><?xml version="1.0" encoding="utf-8"?>
 <c:chartSpace xmlns:c="http://schemas.openxmlformats.org/drawingml/2006/chart" xmlns:a="http://schemas.openxmlformats.org/drawingml/2006/main" xmlns:r="http://schemas.openxmlformats.org/officeDocument/2006/relationships" xmlns:c16r2="http://schemas.microsoft.com/office/drawing/2015/06/chart">
   <c:date1904 val="0"/>
   <c:lang val="en-US"/>
@@ -2333,6 +2743,46 @@
 </cs:colorStyle>
 </file>
 
+<file path=ppt/charts/colors4.xml><?xml version="1.0" encoding="utf-8"?>
+<cs:colorStyle xmlns:cs="http://schemas.microsoft.com/office/drawing/2012/chartStyle" xmlns:a="http://schemas.openxmlformats.org/drawingml/2006/main" meth="cycle" id="10">
+  <a:schemeClr val="accent1"/>
+  <a:schemeClr val="accent2"/>
+  <a:schemeClr val="accent3"/>
+  <a:schemeClr val="accent4"/>
+  <a:schemeClr val="accent5"/>
+  <a:schemeClr val="accent6"/>
+  <cs:variation/>
+  <cs:variation>
+    <a:lumMod val="60000"/>
+  </cs:variation>
+  <cs:variation>
+    <a:lumMod val="80000"/>
+    <a:lumOff val="20000"/>
+  </cs:variation>
+  <cs:variation>
+    <a:lumMod val="80000"/>
+  </cs:variation>
+  <cs:variation>
+    <a:lumMod val="60000"/>
+    <a:lumOff val="40000"/>
+  </cs:variation>
+  <cs:variation>
+    <a:lumMod val="50000"/>
+  </cs:variation>
+  <cs:variation>
+    <a:lumMod val="70000"/>
+    <a:lumOff val="30000"/>
+  </cs:variation>
+  <cs:variation>
+    <a:lumMod val="70000"/>
+  </cs:variation>
+  <cs:variation>
+    <a:lumMod val="50000"/>
+    <a:lumOff val="50000"/>
+  </cs:variation>
+</cs:colorStyle>
+</file>
+
 <file path=ppt/charts/style1.xml><?xml version="1.0" encoding="utf-8"?>
 <cs:chartStyle xmlns:cs="http://schemas.microsoft.com/office/drawing/2012/chartStyle" xmlns:a="http://schemas.openxmlformats.org/drawingml/2006/main" id="201">
   <cs:axisTitle>
@@ -2837,6 +3287,509 @@
 </file>
 
 <file path=ppt/charts/style2.xml><?xml version="1.0" encoding="utf-8"?>
+<cs:chartStyle xmlns:cs="http://schemas.microsoft.com/office/drawing/2012/chartStyle" xmlns:a="http://schemas.openxmlformats.org/drawingml/2006/main" id="201">
+  <cs:axisTitle>
+    <cs:lnRef idx="0"/>
+    <cs:fillRef idx="0"/>
+    <cs:effectRef idx="0"/>
+    <cs:fontRef idx="minor">
+      <a:schemeClr val="tx1">
+        <a:lumMod val="65000"/>
+        <a:lumOff val="35000"/>
+      </a:schemeClr>
+    </cs:fontRef>
+    <cs:defRPr sz="1330" kern="1200"/>
+  </cs:axisTitle>
+  <cs:categoryAxis>
+    <cs:lnRef idx="0"/>
+    <cs:fillRef idx="0"/>
+    <cs:effectRef idx="0"/>
+    <cs:fontRef idx="minor">
+      <a:schemeClr val="tx1">
+        <a:lumMod val="65000"/>
+        <a:lumOff val="35000"/>
+      </a:schemeClr>
+    </cs:fontRef>
+    <cs:spPr>
+      <a:ln w="9525" cap="flat" cmpd="sng" algn="ctr">
+        <a:solidFill>
+          <a:schemeClr val="tx1">
+            <a:lumMod val="15000"/>
+            <a:lumOff val="85000"/>
+          </a:schemeClr>
+        </a:solidFill>
+        <a:round/>
+      </a:ln>
+    </cs:spPr>
+    <cs:defRPr sz="1197" kern="1200"/>
+  </cs:categoryAxis>
+  <cs:chartArea mods="allowNoFillOverride allowNoLineOverride">
+    <cs:lnRef idx="0"/>
+    <cs:fillRef idx="0"/>
+    <cs:effectRef idx="0"/>
+    <cs:fontRef idx="minor">
+      <a:schemeClr val="tx1"/>
+    </cs:fontRef>
+    <cs:spPr>
+      <a:solidFill>
+        <a:schemeClr val="bg1"/>
+      </a:solidFill>
+      <a:ln w="9525" cap="flat" cmpd="sng" algn="ctr">
+        <a:solidFill>
+          <a:schemeClr val="tx1">
+            <a:lumMod val="15000"/>
+            <a:lumOff val="85000"/>
+          </a:schemeClr>
+        </a:solidFill>
+        <a:round/>
+      </a:ln>
+    </cs:spPr>
+    <cs:defRPr sz="1330" kern="1200"/>
+  </cs:chartArea>
+  <cs:dataLabel>
+    <cs:lnRef idx="0"/>
+    <cs:fillRef idx="0"/>
+    <cs:effectRef idx="0"/>
+    <cs:fontRef idx="minor">
+      <a:schemeClr val="tx1">
+        <a:lumMod val="75000"/>
+        <a:lumOff val="25000"/>
+      </a:schemeClr>
+    </cs:fontRef>
+    <cs:defRPr sz="1197" kern="1200"/>
+  </cs:dataLabel>
+  <cs:dataLabelCallout>
+    <cs:lnRef idx="0"/>
+    <cs:fillRef idx="0"/>
+    <cs:effectRef idx="0"/>
+    <cs:fontRef idx="minor">
+      <a:schemeClr val="dk1">
+        <a:lumMod val="65000"/>
+        <a:lumOff val="35000"/>
+      </a:schemeClr>
+    </cs:fontRef>
+    <cs:spPr>
+      <a:solidFill>
+        <a:schemeClr val="lt1"/>
+      </a:solidFill>
+      <a:ln>
+        <a:solidFill>
+          <a:schemeClr val="dk1">
+            <a:lumMod val="25000"/>
+            <a:lumOff val="75000"/>
+          </a:schemeClr>
+        </a:solidFill>
+      </a:ln>
+    </cs:spPr>
+    <cs:defRPr sz="1197" kern="1200"/>
+    <cs:bodyPr rot="0" spcFirstLastPara="1" vertOverflow="clip" horzOverflow="clip" vert="horz" wrap="square" lIns="36576" tIns="18288" rIns="36576" bIns="18288" anchor="ctr" anchorCtr="1">
+      <a:spAutoFit/>
+    </cs:bodyPr>
+  </cs:dataLabelCallout>
+  <cs:dataPoint>
+    <cs:lnRef idx="0"/>
+    <cs:fillRef idx="1">
+      <cs:styleClr val="auto"/>
+    </cs:fillRef>
+    <cs:effectRef idx="0"/>
+    <cs:fontRef idx="minor">
+      <a:schemeClr val="tx1"/>
+    </cs:fontRef>
+  </cs:dataPoint>
+  <cs:dataPoint3D>
+    <cs:lnRef idx="0"/>
+    <cs:fillRef idx="1">
+      <cs:styleClr val="auto"/>
+    </cs:fillRef>
+    <cs:effectRef idx="0"/>
+    <cs:fontRef idx="minor">
+      <a:schemeClr val="tx1"/>
+    </cs:fontRef>
+  </cs:dataPoint3D>
+  <cs:dataPointLine>
+    <cs:lnRef idx="0">
+      <cs:styleClr val="auto"/>
+    </cs:lnRef>
+    <cs:fillRef idx="1"/>
+    <cs:effectRef idx="0"/>
+    <cs:fontRef idx="minor">
+      <a:schemeClr val="tx1"/>
+    </cs:fontRef>
+    <cs:spPr>
+      <a:ln w="28575" cap="rnd">
+        <a:solidFill>
+          <a:schemeClr val="phClr"/>
+        </a:solidFill>
+        <a:round/>
+      </a:ln>
+    </cs:spPr>
+  </cs:dataPointLine>
+  <cs:dataPointMarker>
+    <cs:lnRef idx="0">
+      <cs:styleClr val="auto"/>
+    </cs:lnRef>
+    <cs:fillRef idx="1">
+      <cs:styleClr val="auto"/>
+    </cs:fillRef>
+    <cs:effectRef idx="0"/>
+    <cs:fontRef idx="minor">
+      <a:schemeClr val="tx1"/>
+    </cs:fontRef>
+    <cs:spPr>
+      <a:ln w="9525">
+        <a:solidFill>
+          <a:schemeClr val="phClr"/>
+        </a:solidFill>
+      </a:ln>
+    </cs:spPr>
+  </cs:dataPointMarker>
+  <cs:dataPointMarkerLayout symbol="circle" size="5"/>
+  <cs:dataPointWireframe>
+    <cs:lnRef idx="0">
+      <cs:styleClr val="auto"/>
+    </cs:lnRef>
+    <cs:fillRef idx="1"/>
+    <cs:effectRef idx="0"/>
+    <cs:fontRef idx="minor">
+      <a:schemeClr val="tx1"/>
+    </cs:fontRef>
+    <cs:spPr>
+      <a:ln w="9525" cap="rnd">
+        <a:solidFill>
+          <a:schemeClr val="phClr"/>
+        </a:solidFill>
+        <a:round/>
+      </a:ln>
+    </cs:spPr>
+  </cs:dataPointWireframe>
+  <cs:dataTable>
+    <cs:lnRef idx="0"/>
+    <cs:fillRef idx="0"/>
+    <cs:effectRef idx="0"/>
+    <cs:fontRef idx="minor">
+      <a:schemeClr val="tx1">
+        <a:lumMod val="65000"/>
+        <a:lumOff val="35000"/>
+      </a:schemeClr>
+    </cs:fontRef>
+    <cs:spPr>
+      <a:noFill/>
+      <a:ln w="9525" cap="flat" cmpd="sng" algn="ctr">
+        <a:solidFill>
+          <a:schemeClr val="tx1">
+            <a:lumMod val="15000"/>
+            <a:lumOff val="85000"/>
+          </a:schemeClr>
+        </a:solidFill>
+        <a:round/>
+      </a:ln>
+    </cs:spPr>
+    <cs:defRPr sz="1197" kern="1200"/>
+  </cs:dataTable>
+  <cs:downBar>
+    <cs:lnRef idx="0"/>
+    <cs:fillRef idx="0"/>
+    <cs:effectRef idx="0"/>
+    <cs:fontRef idx="minor">
+      <a:schemeClr val="dk1"/>
+    </cs:fontRef>
+    <cs:spPr>
+      <a:solidFill>
+        <a:schemeClr val="dk1">
+          <a:lumMod val="65000"/>
+          <a:lumOff val="35000"/>
+        </a:schemeClr>
+      </a:solidFill>
+      <a:ln w="9525">
+        <a:solidFill>
+          <a:schemeClr val="tx1">
+            <a:lumMod val="65000"/>
+            <a:lumOff val="35000"/>
+          </a:schemeClr>
+        </a:solidFill>
+      </a:ln>
+    </cs:spPr>
+  </cs:downBar>
+  <cs:dropLine>
+    <cs:lnRef idx="0"/>
+    <cs:fillRef idx="0"/>
+    <cs:effectRef idx="0"/>
+    <cs:fontRef idx="minor">
+      <a:schemeClr val="tx1"/>
+    </cs:fontRef>
+    <cs:spPr>
+      <a:ln w="9525" cap="flat" cmpd="sng" algn="ctr">
+        <a:solidFill>
+          <a:schemeClr val="tx1">
+            <a:lumMod val="35000"/>
+            <a:lumOff val="65000"/>
+          </a:schemeClr>
+        </a:solidFill>
+        <a:round/>
+      </a:ln>
+    </cs:spPr>
+  </cs:dropLine>
+  <cs:errorBar>
+    <cs:lnRef idx="0"/>
+    <cs:fillRef idx="0"/>
+    <cs:effectRef idx="0"/>
+    <cs:fontRef idx="minor">
+      <a:schemeClr val="tx1"/>
+    </cs:fontRef>
+    <cs:spPr>
+      <a:ln w="9525" cap="flat" cmpd="sng" algn="ctr">
+        <a:solidFill>
+          <a:schemeClr val="tx1">
+            <a:lumMod val="65000"/>
+            <a:lumOff val="35000"/>
+          </a:schemeClr>
+        </a:solidFill>
+        <a:round/>
+      </a:ln>
+    </cs:spPr>
+  </cs:errorBar>
+  <cs:floor>
+    <cs:lnRef idx="0"/>
+    <cs:fillRef idx="0"/>
+    <cs:effectRef idx="0"/>
+    <cs:fontRef idx="minor">
+      <a:schemeClr val="tx1"/>
+    </cs:fontRef>
+    <cs:spPr>
+      <a:noFill/>
+      <a:ln>
+        <a:noFill/>
+      </a:ln>
+    </cs:spPr>
+  </cs:floor>
+  <cs:gridlineMajor>
+    <cs:lnRef idx="0"/>
+    <cs:fillRef idx="0"/>
+    <cs:effectRef idx="0"/>
+    <cs:fontRef idx="minor">
+      <a:schemeClr val="tx1"/>
+    </cs:fontRef>
+    <cs:spPr>
+      <a:ln w="9525" cap="flat" cmpd="sng" algn="ctr">
+        <a:solidFill>
+          <a:schemeClr val="tx1">
+            <a:lumMod val="15000"/>
+            <a:lumOff val="85000"/>
+          </a:schemeClr>
+        </a:solidFill>
+        <a:round/>
+      </a:ln>
+    </cs:spPr>
+  </cs:gridlineMajor>
+  <cs:gridlineMinor>
+    <cs:lnRef idx="0"/>
+    <cs:fillRef idx="0"/>
+    <cs:effectRef idx="0"/>
+    <cs:fontRef idx="minor">
+      <a:schemeClr val="tx1"/>
+    </cs:fontRef>
+    <cs:spPr>
+      <a:ln w="9525" cap="flat" cmpd="sng" algn="ctr">
+        <a:solidFill>
+          <a:schemeClr val="tx1">
+            <a:lumMod val="5000"/>
+            <a:lumOff val="95000"/>
+          </a:schemeClr>
+        </a:solidFill>
+        <a:round/>
+      </a:ln>
+    </cs:spPr>
+  </cs:gridlineMinor>
+  <cs:hiLoLine>
+    <cs:lnRef idx="0"/>
+    <cs:fillRef idx="0"/>
+    <cs:effectRef idx="0"/>
+    <cs:fontRef idx="minor">
+      <a:schemeClr val="tx1"/>
+    </cs:fontRef>
+    <cs:spPr>
+      <a:ln w="9525" cap="flat" cmpd="sng" algn="ctr">
+        <a:solidFill>
+          <a:schemeClr val="tx1">
+            <a:lumMod val="75000"/>
+            <a:lumOff val="25000"/>
+          </a:schemeClr>
+        </a:solidFill>
+        <a:round/>
+      </a:ln>
+    </cs:spPr>
+  </cs:hiLoLine>
+  <cs:leaderLine>
+    <cs:lnRef idx="0"/>
+    <cs:fillRef idx="0"/>
+    <cs:effectRef idx="0"/>
+    <cs:fontRef idx="minor">
+      <a:schemeClr val="tx1"/>
+    </cs:fontRef>
+    <cs:spPr>
+      <a:ln w="9525" cap="flat" cmpd="sng" algn="ctr">
+        <a:solidFill>
+          <a:schemeClr val="tx1">
+            <a:lumMod val="35000"/>
+            <a:lumOff val="65000"/>
+          </a:schemeClr>
+        </a:solidFill>
+        <a:round/>
+      </a:ln>
+    </cs:spPr>
+  </cs:leaderLine>
+  <cs:legend>
+    <cs:lnRef idx="0"/>
+    <cs:fillRef idx="0"/>
+    <cs:effectRef idx="0"/>
+    <cs:fontRef idx="minor">
+      <a:schemeClr val="tx1">
+        <a:lumMod val="65000"/>
+        <a:lumOff val="35000"/>
+      </a:schemeClr>
+    </cs:fontRef>
+    <cs:defRPr sz="1197" kern="1200"/>
+  </cs:legend>
+  <cs:plotArea mods="allowNoFillOverride allowNoLineOverride">
+    <cs:lnRef idx="0"/>
+    <cs:fillRef idx="0"/>
+    <cs:effectRef idx="0"/>
+    <cs:fontRef idx="minor">
+      <a:schemeClr val="tx1"/>
+    </cs:fontRef>
+  </cs:plotArea>
+  <cs:plotArea3D mods="allowNoFillOverride allowNoLineOverride">
+    <cs:lnRef idx="0"/>
+    <cs:fillRef idx="0"/>
+    <cs:effectRef idx="0"/>
+    <cs:fontRef idx="minor">
+      <a:schemeClr val="tx1"/>
+    </cs:fontRef>
+  </cs:plotArea3D>
+  <cs:seriesAxis>
+    <cs:lnRef idx="0"/>
+    <cs:fillRef idx="0"/>
+    <cs:effectRef idx="0"/>
+    <cs:fontRef idx="minor">
+      <a:schemeClr val="tx1">
+        <a:lumMod val="65000"/>
+        <a:lumOff val="35000"/>
+      </a:schemeClr>
+    </cs:fontRef>
+    <cs:defRPr sz="1197" kern="1200"/>
+  </cs:seriesAxis>
+  <cs:seriesLine>
+    <cs:lnRef idx="0"/>
+    <cs:fillRef idx="0"/>
+    <cs:effectRef idx="0"/>
+    <cs:fontRef idx="minor">
+      <a:schemeClr val="tx1"/>
+    </cs:fontRef>
+    <cs:spPr>
+      <a:ln w="9525" cap="flat" cmpd="sng" algn="ctr">
+        <a:solidFill>
+          <a:schemeClr val="tx1">
+            <a:lumMod val="35000"/>
+            <a:lumOff val="65000"/>
+          </a:schemeClr>
+        </a:solidFill>
+        <a:round/>
+      </a:ln>
+    </cs:spPr>
+  </cs:seriesLine>
+  <cs:title>
+    <cs:lnRef idx="0"/>
+    <cs:fillRef idx="0"/>
+    <cs:effectRef idx="0"/>
+    <cs:fontRef idx="minor">
+      <a:schemeClr val="tx1">
+        <a:lumMod val="65000"/>
+        <a:lumOff val="35000"/>
+      </a:schemeClr>
+    </cs:fontRef>
+    <cs:defRPr sz="1862" b="0" kern="1200" spc="0" baseline="0"/>
+  </cs:title>
+  <cs:trendline>
+    <cs:lnRef idx="0">
+      <cs:styleClr val="auto"/>
+    </cs:lnRef>
+    <cs:fillRef idx="0"/>
+    <cs:effectRef idx="0"/>
+    <cs:fontRef idx="minor">
+      <a:schemeClr val="tx1"/>
+    </cs:fontRef>
+    <cs:spPr>
+      <a:ln w="19050" cap="rnd">
+        <a:solidFill>
+          <a:schemeClr val="phClr"/>
+        </a:solidFill>
+        <a:prstDash val="sysDot"/>
+      </a:ln>
+    </cs:spPr>
+  </cs:trendline>
+  <cs:trendlineLabel>
+    <cs:lnRef idx="0"/>
+    <cs:fillRef idx="0"/>
+    <cs:effectRef idx="0"/>
+    <cs:fontRef idx="minor">
+      <a:schemeClr val="tx1">
+        <a:lumMod val="65000"/>
+        <a:lumOff val="35000"/>
+      </a:schemeClr>
+    </cs:fontRef>
+    <cs:defRPr sz="1197" kern="1200"/>
+  </cs:trendlineLabel>
+  <cs:upBar>
+    <cs:lnRef idx="0"/>
+    <cs:fillRef idx="0"/>
+    <cs:effectRef idx="0"/>
+    <cs:fontRef idx="minor">
+      <a:schemeClr val="dk1"/>
+    </cs:fontRef>
+    <cs:spPr>
+      <a:solidFill>
+        <a:schemeClr val="lt1"/>
+      </a:solidFill>
+      <a:ln w="9525">
+        <a:solidFill>
+          <a:schemeClr val="tx1">
+            <a:lumMod val="15000"/>
+            <a:lumOff val="85000"/>
+          </a:schemeClr>
+        </a:solidFill>
+      </a:ln>
+    </cs:spPr>
+  </cs:upBar>
+  <cs:valueAxis>
+    <cs:lnRef idx="0"/>
+    <cs:fillRef idx="0"/>
+    <cs:effectRef idx="0"/>
+    <cs:fontRef idx="minor">
+      <a:schemeClr val="tx1">
+        <a:lumMod val="65000"/>
+        <a:lumOff val="35000"/>
+      </a:schemeClr>
+    </cs:fontRef>
+    <cs:defRPr sz="1197" kern="1200"/>
+  </cs:valueAxis>
+  <cs:wall>
+    <cs:lnRef idx="0"/>
+    <cs:fillRef idx="0"/>
+    <cs:effectRef idx="0"/>
+    <cs:fontRef idx="minor">
+      <a:schemeClr val="tx1"/>
+    </cs:fontRef>
+    <cs:spPr>
+      <a:noFill/>
+      <a:ln>
+        <a:noFill/>
+      </a:ln>
+    </cs:spPr>
+  </cs:wall>
+</cs:chartStyle>
+</file>
+
+<file path=ppt/charts/style3.xml><?xml version="1.0" encoding="utf-8"?>
 <cs:chartStyle xmlns:cs="http://schemas.microsoft.com/office/drawing/2012/chartStyle" xmlns:a="http://schemas.openxmlformats.org/drawingml/2006/main" id="251">
   <cs:axisTitle>
     <cs:lnRef idx="0"/>
@@ -3355,7 +4308,7 @@
 </cs:chartStyle>
 </file>
 
-<file path=ppt/charts/style3.xml><?xml version="1.0" encoding="utf-8"?>
+<file path=ppt/charts/style4.xml><?xml version="1.0" encoding="utf-8"?>
 <cs:chartStyle xmlns:cs="http://schemas.microsoft.com/office/drawing/2012/chartStyle" xmlns:a="http://schemas.openxmlformats.org/drawingml/2006/main" id="227">
   <cs:axisTitle>
     <cs:lnRef idx="0"/>
@@ -4502,71 +5455,7 @@
           <a:bodyPr/>
           <a:lstStyle/>
           <a:p>
-            <a:pPr marL="182880" marR="0" lvl="0" indent="-182880" algn="l" defTabSz="914400" rtl="0" eaLnBrk="1" fontAlgn="auto" latinLnBrk="0" hangingPunct="1">
-              <a:lnSpc>
-                <a:spcPct val="100000"/>
-              </a:lnSpc>
-              <a:spcBef>
-                <a:spcPts val="600"/>
-              </a:spcBef>
-              <a:spcAft>
-                <a:spcPts val="0"/>
-              </a:spcAft>
-              <a:buClrTx/>
-              <a:buSzTx/>
-              <a:buFont typeface="Arial" panose="020B0604020202020204" pitchFamily="34" charset="0"/>
-              <a:buChar char="•"/>
-              <a:tabLst/>
-              <a:defRPr/>
-            </a:pPr>
-            <a:r>
-              <a:rPr lang="en-US" dirty="0"/>
-              <a:t>MetLife's Config Compliance program relies on severity ratings; without this feature, we would no longer be able to provide guidance on prioritization to our stakeholders</a:t>
-            </a:r>
-          </a:p>
-          <a:p>
-            <a:r>
-              <a:rPr lang="en-US" dirty="0"/>
-              <a:t>Find out about Qualys Configuration Scans</a:t>
-            </a:r>
-          </a:p>
-          <a:p>
-            <a:r>
-              <a:rPr lang="en-US" dirty="0"/>
-              <a:t>How can I reword Configuration Compliance</a:t>
-            </a:r>
-          </a:p>
-          <a:p>
-            <a:r>
-              <a:rPr lang="en-US" dirty="0"/>
-              <a:t>Find out about configuration compliance regarding bullet 4</a:t>
-            </a:r>
-          </a:p>
-          <a:p>
-            <a:r>
-              <a:rPr lang="en-US" b="0" dirty="0"/>
-              <a:t>Make a sub bullet for number 4 (automatically every 12 hours)</a:t>
-            </a:r>
-          </a:p>
-          <a:p>
-            <a:r>
-              <a:rPr lang="en-US" b="0" dirty="0"/>
-              <a:t>Rapid7 </a:t>
-            </a:r>
-            <a:r>
-              <a:rPr lang="en-US" b="0" dirty="0" err="1"/>
-              <a:t>InsightVM</a:t>
-            </a:r>
-            <a:r>
-              <a:rPr lang="en-US" b="0" dirty="0"/>
-              <a:t> lacks the ability to automatically check and report whether systems meet specific configuration standards within its own interface. Instead, users may need to rely on external tools or manual processes. (What type of operational overhead does it add)</a:t>
-            </a:r>
-          </a:p>
-          <a:p>
-            <a:r>
-              <a:rPr lang="en-US" b="0" dirty="0"/>
-              <a:t>Maybe convert into table</a:t>
-            </a:r>
+            <a:endParaRPr lang="en-US"/>
           </a:p>
         </p:txBody>
       </p:sp>
@@ -4596,7 +5485,7 @@
     </p:spTree>
     <p:extLst>
       <p:ext uri="{BB962C8B-B14F-4D97-AF65-F5344CB8AC3E}">
-        <p14:creationId xmlns:p14="http://schemas.microsoft.com/office/powerpoint/2010/main" val="2551495786"/>
+        <p14:creationId xmlns:p14="http://schemas.microsoft.com/office/powerpoint/2010/main" val="2524450719"/>
       </p:ext>
     </p:extLst>
   </p:cSld>
@@ -4650,9 +5539,70 @@
           <a:bodyPr/>
           <a:lstStyle/>
           <a:p>
-            <a:r>
-              <a:rPr lang="en-US" dirty="0"/>
-              <a:t>Put AIX, BSD, Solaris and ChromeOS Support all on 1 line. (AIX and Solaris are the big ones) </a:t>
+            <a:pPr marL="182880" marR="0" lvl="0" indent="-182880" algn="l" defTabSz="914400" rtl="0" eaLnBrk="1" fontAlgn="auto" latinLnBrk="0" hangingPunct="1">
+              <a:lnSpc>
+                <a:spcPct val="100000"/>
+              </a:lnSpc>
+              <a:spcBef>
+                <a:spcPts val="600"/>
+              </a:spcBef>
+              <a:spcAft>
+                <a:spcPts val="0"/>
+              </a:spcAft>
+              <a:buClrTx/>
+              <a:buSzTx/>
+              <a:buFont typeface="Arial" panose="020B0604020202020204" pitchFamily="34" charset="0"/>
+              <a:buChar char="•"/>
+              <a:tabLst/>
+              <a:defRPr/>
+            </a:pPr>
+            <a:r>
+              <a:rPr lang="en-US" dirty="0"/>
+              <a:t>MetLife's Config Compliance program relies on severity ratings; without this feature, we would no longer be able to provide guidance on prioritization to our stakeholders</a:t>
+            </a:r>
+          </a:p>
+          <a:p>
+            <a:r>
+              <a:rPr lang="en-US" dirty="0"/>
+              <a:t>Find out about Qualys Configuration Scans</a:t>
+            </a:r>
+          </a:p>
+          <a:p>
+            <a:r>
+              <a:rPr lang="en-US" dirty="0"/>
+              <a:t>How can I reword Configuration Compliance</a:t>
+            </a:r>
+          </a:p>
+          <a:p>
+            <a:r>
+              <a:rPr lang="en-US" dirty="0"/>
+              <a:t>Find out about configuration compliance regarding bullet 4</a:t>
+            </a:r>
+          </a:p>
+          <a:p>
+            <a:r>
+              <a:rPr lang="en-US" b="0" dirty="0"/>
+              <a:t>Make a sub bullet for number 4 (automatically every 12 hours)</a:t>
+            </a:r>
+          </a:p>
+          <a:p>
+            <a:r>
+              <a:rPr lang="en-US" b="0" dirty="0"/>
+              <a:t>Rapid7 </a:t>
+            </a:r>
+            <a:r>
+              <a:rPr lang="en-US" b="0" dirty="0" err="1"/>
+              <a:t>InsightVM</a:t>
+            </a:r>
+            <a:r>
+              <a:rPr lang="en-US" b="0" dirty="0"/>
+              <a:t> lacks the ability to automatically check and report whether systems meet specific configuration standards within its own interface. Instead, users may need to rely on external tools or manual processes. (What type of operational overhead does it add)</a:t>
+            </a:r>
+          </a:p>
+          <a:p>
+            <a:r>
+              <a:rPr lang="en-US" b="0" dirty="0"/>
+              <a:t>Validations can only be done on one policy record at a time, no export and no bulk view</a:t>
             </a:r>
           </a:p>
         </p:txBody>
@@ -4674,7 +5624,7 @@
           <a:p>
             <a:fld id="{91CB8535-DC0F-AF47-A510-8461A80C06B7}" type="slidenum">
               <a:rPr lang="en-US" smtClean="0"/>
-              <a:t>5</a:t>
+              <a:t>4</a:t>
             </a:fld>
             <a:endParaRPr lang="en-US"/>
           </a:p>
@@ -4683,7 +5633,7 @@
     </p:spTree>
     <p:extLst>
       <p:ext uri="{BB962C8B-B14F-4D97-AF65-F5344CB8AC3E}">
-        <p14:creationId xmlns:p14="http://schemas.microsoft.com/office/powerpoint/2010/main" val="224561249"/>
+        <p14:creationId xmlns:p14="http://schemas.microsoft.com/office/powerpoint/2010/main" val="2551495786"/>
       </p:ext>
     </p:extLst>
   </p:cSld>
@@ -4739,13 +5689,7 @@
           <a:p>
             <a:r>
               <a:rPr lang="en-US" dirty="0"/>
-              <a:t>For total of 3 years break it down to what it will cost per year</a:t>
-            </a:r>
-          </a:p>
-          <a:p>
-            <a:r>
-              <a:rPr lang="en-US" dirty="0"/>
-              <a:t>Make a table like the BitSight Cost table</a:t>
+              <a:t>Put AIX, BSD, Solaris and ChromeOS Support all on 1 line. (AIX and Solaris are the big ones) </a:t>
             </a:r>
           </a:p>
         </p:txBody>
@@ -4767,7 +5711,7 @@
           <a:p>
             <a:fld id="{91CB8535-DC0F-AF47-A510-8461A80C06B7}" type="slidenum">
               <a:rPr lang="en-US" smtClean="0"/>
-              <a:t>6</a:t>
+              <a:t>5</a:t>
             </a:fld>
             <a:endParaRPr lang="en-US"/>
           </a:p>
@@ -4776,7 +5720,7 @@
     </p:spTree>
     <p:extLst>
       <p:ext uri="{BB962C8B-B14F-4D97-AF65-F5344CB8AC3E}">
-        <p14:creationId xmlns:p14="http://schemas.microsoft.com/office/powerpoint/2010/main" val="2168862688"/>
+        <p14:creationId xmlns:p14="http://schemas.microsoft.com/office/powerpoint/2010/main" val="224561249"/>
       </p:ext>
     </p:extLst>
   </p:cSld>
@@ -4830,7 +5774,16 @@
           <a:bodyPr/>
           <a:lstStyle/>
           <a:p>
-            <a:endParaRPr lang="en-US" dirty="0"/>
+            <a:r>
+              <a:rPr lang="en-US" dirty="0"/>
+              <a:t>For total of 3 years break it down to what it will cost per year</a:t>
+            </a:r>
+          </a:p>
+          <a:p>
+            <a:r>
+              <a:rPr lang="en-US" dirty="0"/>
+              <a:t>Make a table like the BitSight Cost table</a:t>
+            </a:r>
           </a:p>
         </p:txBody>
       </p:sp>
@@ -4851,7 +5804,7 @@
           <a:p>
             <a:fld id="{91CB8535-DC0F-AF47-A510-8461A80C06B7}" type="slidenum">
               <a:rPr lang="en-US" smtClean="0"/>
-              <a:t>12</a:t>
+              <a:t>8</a:t>
             </a:fld>
             <a:endParaRPr lang="en-US"/>
           </a:p>
@@ -4860,7 +5813,7 @@
     </p:spTree>
     <p:extLst>
       <p:ext uri="{BB962C8B-B14F-4D97-AF65-F5344CB8AC3E}">
-        <p14:creationId xmlns:p14="http://schemas.microsoft.com/office/powerpoint/2010/main" val="2778152673"/>
+        <p14:creationId xmlns:p14="http://schemas.microsoft.com/office/powerpoint/2010/main" val="2168862688"/>
       </p:ext>
     </p:extLst>
   </p:cSld>
@@ -4914,7 +5867,7 @@
           <a:bodyPr/>
           <a:lstStyle/>
           <a:p>
-            <a:endParaRPr lang="en-US"/>
+            <a:endParaRPr lang="en-US" dirty="0"/>
           </a:p>
         </p:txBody>
       </p:sp>
@@ -4935,7 +5888,91 @@
           <a:p>
             <a:fld id="{91CB8535-DC0F-AF47-A510-8461A80C06B7}" type="slidenum">
               <a:rPr lang="en-US" smtClean="0"/>
-              <a:t>17</a:t>
+              <a:t>15</a:t>
+            </a:fld>
+            <a:endParaRPr lang="en-US"/>
+          </a:p>
+        </p:txBody>
+      </p:sp>
+    </p:spTree>
+    <p:extLst>
+      <p:ext uri="{BB962C8B-B14F-4D97-AF65-F5344CB8AC3E}">
+        <p14:creationId xmlns:p14="http://schemas.microsoft.com/office/powerpoint/2010/main" val="2778152673"/>
+      </p:ext>
+    </p:extLst>
+  </p:cSld>
+  <p:clrMapOvr>
+    <a:masterClrMapping/>
+  </p:clrMapOvr>
+</p:notes>
+</file>
+
+<file path=ppt/notesSlides/notesSlide6.xml><?xml version="1.0" encoding="utf-8"?>
+<p:notes xmlns:a="http://schemas.openxmlformats.org/drawingml/2006/main" xmlns:r="http://schemas.openxmlformats.org/officeDocument/2006/relationships" xmlns:p="http://schemas.openxmlformats.org/presentationml/2006/main">
+  <p:cSld>
+    <p:spTree>
+      <p:nvGrpSpPr>
+        <p:cNvPr id="1" name=""/>
+        <p:cNvGrpSpPr/>
+        <p:nvPr/>
+      </p:nvGrpSpPr>
+      <p:grpSpPr>
+        <a:xfrm>
+          <a:off x="0" y="0"/>
+          <a:ext cx="0" cy="0"/>
+          <a:chOff x="0" y="0"/>
+          <a:chExt cx="0" cy="0"/>
+        </a:xfrm>
+      </p:grpSpPr>
+      <p:sp>
+        <p:nvSpPr>
+          <p:cNvPr id="2" name="Slide Image Placeholder 1"/>
+          <p:cNvSpPr>
+            <a:spLocks noGrp="1" noRot="1" noChangeAspect="1"/>
+          </p:cNvSpPr>
+          <p:nvPr>
+            <p:ph type="sldImg"/>
+          </p:nvPr>
+        </p:nvSpPr>
+        <p:spPr/>
+      </p:sp>
+      <p:sp>
+        <p:nvSpPr>
+          <p:cNvPr id="3" name="Notes Placeholder 2"/>
+          <p:cNvSpPr>
+            <a:spLocks noGrp="1"/>
+          </p:cNvSpPr>
+          <p:nvPr>
+            <p:ph type="body" idx="1"/>
+          </p:nvPr>
+        </p:nvSpPr>
+        <p:spPr/>
+        <p:txBody>
+          <a:bodyPr/>
+          <a:lstStyle/>
+          <a:p>
+            <a:endParaRPr lang="en-US"/>
+          </a:p>
+        </p:txBody>
+      </p:sp>
+      <p:sp>
+        <p:nvSpPr>
+          <p:cNvPr id="4" name="Slide Number Placeholder 3"/>
+          <p:cNvSpPr>
+            <a:spLocks noGrp="1"/>
+          </p:cNvSpPr>
+          <p:nvPr>
+            <p:ph type="sldNum" sz="quarter" idx="5"/>
+          </p:nvPr>
+        </p:nvSpPr>
+        <p:spPr/>
+        <p:txBody>
+          <a:bodyPr/>
+          <a:lstStyle/>
+          <a:p>
+            <a:fld id="{91CB8535-DC0F-AF47-A510-8461A80C06B7}" type="slidenum">
+              <a:rPr lang="en-US" smtClean="0"/>
+              <a:t>20</a:t>
             </a:fld>
             <a:endParaRPr lang="en-US"/>
           </a:p>
@@ -10293,318 +11330,7 @@
 </file>
 
 <file path=ppt/slideLayouts/slideLayout22.xml><?xml version="1.0" encoding="utf-8"?>
-<p:sldLayout xmlns:a="http://schemas.openxmlformats.org/drawingml/2006/main" xmlns:r="http://schemas.openxmlformats.org/officeDocument/2006/relationships" xmlns:p="http://schemas.openxmlformats.org/presentationml/2006/main" preserve="1" userDrawn="1">
-  <p:cSld name="1_Two Content">
-    <p:spTree>
-      <p:nvGrpSpPr>
-        <p:cNvPr id="1" name=""/>
-        <p:cNvGrpSpPr/>
-        <p:nvPr/>
-      </p:nvGrpSpPr>
-      <p:grpSpPr>
-        <a:xfrm>
-          <a:off x="0" y="0"/>
-          <a:ext cx="0" cy="0"/>
-          <a:chOff x="0" y="0"/>
-          <a:chExt cx="0" cy="0"/>
-        </a:xfrm>
-      </p:grpSpPr>
-      <p:sp>
-        <p:nvSpPr>
-          <p:cNvPr id="3" name="Content Placeholder 2">
-            <a:extLst>
-              <a:ext uri="{FF2B5EF4-FFF2-40B4-BE49-F238E27FC236}">
-                <a16:creationId xmlns:a16="http://schemas.microsoft.com/office/drawing/2014/main" id="{A8D83941-3469-4946-BCE6-FA84F7323A00}"/>
-              </a:ext>
-            </a:extLst>
-          </p:cNvPr>
-          <p:cNvSpPr>
-            <a:spLocks noGrp="1"/>
-          </p:cNvSpPr>
-          <p:nvPr>
-            <p:ph sz="half" idx="1"/>
-          </p:nvPr>
-        </p:nvSpPr>
-        <p:spPr>
-          <a:xfrm>
-            <a:off x="457200" y="2286000"/>
-            <a:ext cx="5486400" cy="3657600"/>
-          </a:xfrm>
-          <a:prstGeom prst="rect">
-            <a:avLst/>
-          </a:prstGeom>
-        </p:spPr>
-        <p:txBody>
-          <a:bodyPr/>
-          <a:lstStyle>
-            <a:lvl5pPr>
-              <a:defRPr/>
-            </a:lvl5pPr>
-          </a:lstStyle>
-          <a:p>
-            <a:pPr lvl="0"/>
-            <a:r>
-              <a:rPr lang="en-US" dirty="0"/>
-              <a:t>Click to edit Master text styles</a:t>
-            </a:r>
-          </a:p>
-          <a:p>
-            <a:pPr lvl="1"/>
-            <a:r>
-              <a:rPr lang="en-US" dirty="0"/>
-              <a:t>Second level</a:t>
-            </a:r>
-          </a:p>
-          <a:p>
-            <a:pPr lvl="2"/>
-            <a:r>
-              <a:rPr lang="en-US" dirty="0"/>
-              <a:t>Third level</a:t>
-            </a:r>
-          </a:p>
-          <a:p>
-            <a:pPr lvl="3"/>
-            <a:r>
-              <a:rPr lang="en-US" dirty="0"/>
-              <a:t>Fourth level</a:t>
-            </a:r>
-          </a:p>
-          <a:p>
-            <a:pPr lvl="4"/>
-            <a:r>
-              <a:rPr lang="en-US" dirty="0"/>
-              <a:t>Fifth level</a:t>
-            </a:r>
-          </a:p>
-        </p:txBody>
-      </p:sp>
-      <p:sp>
-        <p:nvSpPr>
-          <p:cNvPr id="4" name="Content Placeholder 3">
-            <a:extLst>
-              <a:ext uri="{FF2B5EF4-FFF2-40B4-BE49-F238E27FC236}">
-                <a16:creationId xmlns:a16="http://schemas.microsoft.com/office/drawing/2014/main" id="{F38A127C-C71C-410F-8BEA-B1AA4E4DB590}"/>
-              </a:ext>
-            </a:extLst>
-          </p:cNvPr>
-          <p:cNvSpPr>
-            <a:spLocks noGrp="1"/>
-          </p:cNvSpPr>
-          <p:nvPr>
-            <p:ph sz="half" idx="2"/>
-          </p:nvPr>
-        </p:nvSpPr>
-        <p:spPr>
-          <a:xfrm>
-            <a:off x="6248400" y="2286000"/>
-            <a:ext cx="5486400" cy="3657600"/>
-          </a:xfrm>
-          <a:prstGeom prst="rect">
-            <a:avLst/>
-          </a:prstGeom>
-        </p:spPr>
-        <p:txBody>
-          <a:bodyPr/>
-          <a:lstStyle>
-            <a:lvl5pPr>
-              <a:defRPr/>
-            </a:lvl5pPr>
-          </a:lstStyle>
-          <a:p>
-            <a:pPr lvl="0"/>
-            <a:r>
-              <a:rPr lang="en-US" dirty="0"/>
-              <a:t>Click to edit Master text styles</a:t>
-            </a:r>
-          </a:p>
-          <a:p>
-            <a:pPr lvl="1"/>
-            <a:r>
-              <a:rPr lang="en-US" dirty="0"/>
-              <a:t>Second level</a:t>
-            </a:r>
-          </a:p>
-          <a:p>
-            <a:pPr lvl="2"/>
-            <a:r>
-              <a:rPr lang="en-US" dirty="0"/>
-              <a:t>Third level</a:t>
-            </a:r>
-          </a:p>
-          <a:p>
-            <a:pPr lvl="3"/>
-            <a:r>
-              <a:rPr lang="en-US" dirty="0"/>
-              <a:t>Fourth level</a:t>
-            </a:r>
-          </a:p>
-          <a:p>
-            <a:pPr lvl="4"/>
-            <a:r>
-              <a:rPr lang="en-US" dirty="0"/>
-              <a:t>Fifth level</a:t>
-            </a:r>
-          </a:p>
-        </p:txBody>
-      </p:sp>
-      <p:sp>
-        <p:nvSpPr>
-          <p:cNvPr id="5" name="Title 1">
-            <a:extLst>
-              <a:ext uri="{FF2B5EF4-FFF2-40B4-BE49-F238E27FC236}">
-                <a16:creationId xmlns:a16="http://schemas.microsoft.com/office/drawing/2014/main" id="{45EFB78F-2737-D435-611C-8193E8D5E3B7}"/>
-              </a:ext>
-            </a:extLst>
-          </p:cNvPr>
-          <p:cNvSpPr>
-            <a:spLocks noGrp="1"/>
-          </p:cNvSpPr>
-          <p:nvPr>
-            <p:ph type="title" hasCustomPrompt="1"/>
-          </p:nvPr>
-        </p:nvSpPr>
-        <p:spPr>
-          <a:xfrm>
-            <a:off x="457200" y="365759"/>
-            <a:ext cx="11277600" cy="1371600"/>
-          </a:xfrm>
-        </p:spPr>
-        <p:txBody>
-          <a:bodyPr/>
-          <a:lstStyle>
-            <a:lvl1pPr>
-              <a:defRPr>
-                <a:latin typeface="+mj-lt"/>
-              </a:defRPr>
-            </a:lvl1pPr>
-          </a:lstStyle>
-          <a:p>
-            <a:r>
-              <a:rPr lang="en-US" dirty="0"/>
-              <a:t>[Slide title]</a:t>
-            </a:r>
-          </a:p>
-        </p:txBody>
-      </p:sp>
-      <p:sp>
-        <p:nvSpPr>
-          <p:cNvPr id="6" name="Text Placeholder 8">
-            <a:extLst>
-              <a:ext uri="{FF2B5EF4-FFF2-40B4-BE49-F238E27FC236}">
-                <a16:creationId xmlns:a16="http://schemas.microsoft.com/office/drawing/2014/main" id="{EF7797ED-D6EC-3CA1-A9D4-10DC3CF59757}"/>
-              </a:ext>
-            </a:extLst>
-          </p:cNvPr>
-          <p:cNvSpPr>
-            <a:spLocks noGrp="1"/>
-          </p:cNvSpPr>
-          <p:nvPr>
-            <p:ph type="body" sz="quarter" idx="10" hasCustomPrompt="1"/>
-          </p:nvPr>
-        </p:nvSpPr>
-        <p:spPr>
-          <a:xfrm>
-            <a:off x="457200" y="5500688"/>
-            <a:ext cx="11277600" cy="442912"/>
-          </a:xfrm>
-        </p:spPr>
-        <p:txBody>
-          <a:bodyPr anchor="b"/>
-          <a:lstStyle>
-            <a:lvl1pPr marL="0" indent="0">
-              <a:spcBef>
-                <a:spcPts val="0"/>
-              </a:spcBef>
-              <a:buFontTx/>
-              <a:buNone/>
-              <a:defRPr sz="800"/>
-            </a:lvl1pPr>
-            <a:lvl2pPr>
-              <a:defRPr sz="800"/>
-            </a:lvl2pPr>
-            <a:lvl3pPr>
-              <a:defRPr sz="800"/>
-            </a:lvl3pPr>
-            <a:lvl4pPr>
-              <a:defRPr sz="800"/>
-            </a:lvl4pPr>
-            <a:lvl5pPr>
-              <a:defRPr sz="800"/>
-            </a:lvl5pPr>
-          </a:lstStyle>
-          <a:p>
-            <a:pPr>
-              <a:buSzPct val="100000"/>
-            </a:pPr>
-            <a:r>
-              <a:rPr lang="en-US" dirty="0"/>
-              <a:t>[Footnotes/references, if needed, appear here in Arial Regular 8pt.</a:t>
-            </a:r>
-          </a:p>
-          <a:p>
-            <a:pPr>
-              <a:buSzPct val="100000"/>
-            </a:pPr>
-            <a:r>
-              <a:rPr lang="en-US" dirty="0"/>
-              <a:t>Text grows upwards as lines are added.]</a:t>
-            </a:r>
-          </a:p>
-        </p:txBody>
-      </p:sp>
-    </p:spTree>
-    <p:extLst>
-      <p:ext uri="{BB962C8B-B14F-4D97-AF65-F5344CB8AC3E}">
-        <p14:creationId xmlns:p14="http://schemas.microsoft.com/office/powerpoint/2010/main" val="557320921"/>
-      </p:ext>
-    </p:extLst>
-  </p:cSld>
-  <p:clrMapOvr>
-    <a:masterClrMapping/>
-  </p:clrMapOvr>
-  <mc:AlternateContent xmlns:mc="http://schemas.openxmlformats.org/markup-compatibility/2006" xmlns:p14="http://schemas.microsoft.com/office/powerpoint/2010/main">
-    <mc:Choice Requires="p14">
-      <p:transition spd="med" p14:dur="700">
-        <p:fade/>
-      </p:transition>
-    </mc:Choice>
-    <mc:Fallback xmlns="">
-      <p:transition spd="med">
-        <p:fade/>
-      </p:transition>
-    </mc:Fallback>
-  </mc:AlternateContent>
-  <p:extLst>
-    <p:ext uri="{DCECCB84-F9BA-43D5-87BE-67443E8EF086}">
-      <p15:sldGuideLst xmlns:p15="http://schemas.microsoft.com/office/powerpoint/2012/main">
-        <p15:guide id="1" pos="3744">
-          <p15:clr>
-            <a:srgbClr val="FBAE40"/>
-          </p15:clr>
-        </p15:guide>
-        <p15:guide id="2" pos="3936">
-          <p15:clr>
-            <a:srgbClr val="FBAE40"/>
-          </p15:clr>
-        </p15:guide>
-        <p15:guide id="3" orient="horz" pos="3744">
-          <p15:clr>
-            <a:srgbClr val="FBAE40"/>
-          </p15:clr>
-        </p15:guide>
-        <p15:guide id="4" orient="horz" pos="1440">
-          <p15:clr>
-            <a:srgbClr val="FBAE40"/>
-          </p15:clr>
-        </p15:guide>
-      </p15:sldGuideLst>
-    </p:ext>
-  </p:extLst>
-</p:sldLayout>
-</file>
-
-<file path=ppt/slideLayouts/slideLayout23.xml><?xml version="1.0" encoding="utf-8"?>
-<p:sldLayout xmlns:a="http://schemas.openxmlformats.org/drawingml/2006/main" xmlns:r="http://schemas.openxmlformats.org/officeDocument/2006/relationships" xmlns:p="http://schemas.openxmlformats.org/presentationml/2006/main" preserve="1" userDrawn="1">
+<p:sldLayout xmlns:a="http://schemas.openxmlformats.org/drawingml/2006/main" xmlns:r="http://schemas.openxmlformats.org/officeDocument/2006/relationships" xmlns:p="http://schemas.openxmlformats.org/presentationml/2006/main" userDrawn="1">
   <p:cSld name="1_Agenda">
     <p:spTree>
       <p:nvGrpSpPr>
@@ -10799,7 +11525,7 @@
               </a:tabLst>
             </a:pPr>
             <a:r>
-              <a:rPr lang="en-US" sz="1800" b="1" kern="1200" dirty="0">
+              <a:rPr lang="en-US" sz="1800" b="1" kern="1200">
                 <a:solidFill>
                   <a:srgbClr val="000000"/>
                 </a:solidFill>
@@ -10810,7 +11536,7 @@
               </a:rPr>
               <a:t>Agenda items are Arial Bold 24pt</a:t>
             </a:r>
-            <a:endParaRPr lang="en-US" sz="1800" dirty="0">
+            <a:endParaRPr lang="en-US" sz="1800">
               <a:effectLst/>
             </a:endParaRPr>
           </a:p>
@@ -10827,7 +11553,7 @@
               </a:tabLst>
             </a:pPr>
             <a:r>
-              <a:rPr lang="en-US" sz="1800" kern="1200" dirty="0">
+              <a:rPr lang="en-US" sz="1800" kern="1200">
                 <a:solidFill>
                   <a:srgbClr val="000000"/>
                 </a:solidFill>
@@ -10838,7 +11564,7 @@
               </a:rPr>
               <a:t>Additional text levels are possible</a:t>
             </a:r>
-            <a:endParaRPr lang="en-US" dirty="0">
+            <a:endParaRPr lang="en-US">
               <a:effectLst/>
             </a:endParaRPr>
           </a:p>
@@ -10855,7 +11581,7 @@
               </a:tabLst>
             </a:pPr>
             <a:r>
-              <a:rPr lang="en-US" sz="1800" b="1" kern="1200" dirty="0">
+              <a:rPr lang="en-US" sz="1800" b="1" kern="1200">
                 <a:solidFill>
                   <a:srgbClr val="000000"/>
                 </a:solidFill>
@@ -10866,7 +11592,7 @@
               </a:rPr>
               <a:t>This is placeholder text</a:t>
             </a:r>
-            <a:endParaRPr lang="en-US" dirty="0">
+            <a:endParaRPr lang="en-US">
               <a:effectLst/>
             </a:endParaRPr>
           </a:p>
@@ -10883,7 +11609,7 @@
               </a:tabLst>
             </a:pPr>
             <a:r>
-              <a:rPr lang="en-US" sz="1800" b="1" kern="1200" dirty="0">
+              <a:rPr lang="en-US" sz="1800" b="1" kern="1200">
                 <a:solidFill>
                   <a:srgbClr val="000000"/>
                 </a:solidFill>
@@ -10894,7 +11620,7 @@
               </a:rPr>
               <a:t>This is placeholder text</a:t>
             </a:r>
-            <a:endParaRPr lang="en-US" dirty="0">
+            <a:endParaRPr lang="en-US">
               <a:effectLst/>
             </a:endParaRPr>
           </a:p>
@@ -10911,7 +11637,7 @@
               </a:tabLst>
             </a:pPr>
             <a:r>
-              <a:rPr lang="en-US" sz="1800" b="1" kern="1200" dirty="0">
+              <a:rPr lang="en-US" sz="1800" b="1" kern="1200">
                 <a:solidFill>
                   <a:srgbClr val="000000"/>
                 </a:solidFill>
@@ -10922,7 +11648,7 @@
               </a:rPr>
               <a:t>This is placeholder text</a:t>
             </a:r>
-            <a:endParaRPr lang="en-US" dirty="0">
+            <a:endParaRPr lang="en-US">
               <a:effectLst/>
             </a:endParaRPr>
           </a:p>
@@ -10939,7 +11665,7 @@
               </a:tabLst>
             </a:pPr>
             <a:r>
-              <a:rPr lang="en-US" sz="1800" b="1" kern="1200" dirty="0">
+              <a:rPr lang="en-US" sz="1800" b="1" kern="1200">
                 <a:solidFill>
                   <a:srgbClr val="000000"/>
                 </a:solidFill>
@@ -10950,7 +11676,7 @@
               </a:rPr>
               <a:t>This is placeholder text</a:t>
             </a:r>
-            <a:endParaRPr lang="en-US" dirty="0">
+            <a:endParaRPr lang="en-US">
               <a:effectLst/>
             </a:endParaRPr>
           </a:p>
@@ -10967,7 +11693,7 @@
               </a:tabLst>
             </a:pPr>
             <a:r>
-              <a:rPr lang="en-US" sz="1800" b="1" kern="1200" dirty="0">
+              <a:rPr lang="en-US" sz="1800" b="1" kern="1200">
                 <a:solidFill>
                   <a:srgbClr val="000000"/>
                 </a:solidFill>
@@ -10978,7 +11704,7 @@
               </a:rPr>
               <a:t>This is placeholder text</a:t>
             </a:r>
-            <a:endParaRPr lang="en-US" dirty="0">
+            <a:endParaRPr lang="en-US">
               <a:effectLst/>
             </a:endParaRPr>
           </a:p>
@@ -10995,7 +11721,7 @@
               </a:tabLst>
             </a:pPr>
             <a:r>
-              <a:rPr lang="en-US" sz="1800" b="1" kern="1200" dirty="0">
+              <a:rPr lang="en-US" sz="1800" b="1" kern="1200">
                 <a:solidFill>
                   <a:srgbClr val="000000"/>
                 </a:solidFill>
@@ -11006,7 +11732,7 @@
               </a:rPr>
               <a:t>For more agenda items, use a second slide</a:t>
             </a:r>
-            <a:endParaRPr lang="en-US" dirty="0">
+            <a:endParaRPr lang="en-US">
               <a:effectLst/>
             </a:endParaRPr>
           </a:p>
@@ -11044,7 +11770,7 @@
           <a:lstStyle/>
           <a:p>
             <a:r>
-              <a:rPr lang="en-US" dirty="0"/>
+              <a:rPr lang="en-US"/>
               <a:t>[Slide title]</a:t>
             </a:r>
           </a:p>
@@ -11101,6 +11827,871 @@
               <a:buSzPct val="100000"/>
             </a:pPr>
             <a:r>
+              <a:rPr lang="en-US"/>
+              <a:t>[Footnotes/references, if needed, appear here in Arial Regular 8pt.</a:t>
+            </a:r>
+          </a:p>
+          <a:p>
+            <a:pPr>
+              <a:buSzPct val="100000"/>
+            </a:pPr>
+            <a:r>
+              <a:rPr lang="en-US"/>
+              <a:t>Text grows upwards as lines are added.]</a:t>
+            </a:r>
+          </a:p>
+        </p:txBody>
+      </p:sp>
+    </p:spTree>
+    <p:extLst>
+      <p:ext uri="{BB962C8B-B14F-4D97-AF65-F5344CB8AC3E}">
+        <p14:creationId xmlns:p14="http://schemas.microsoft.com/office/powerpoint/2010/main" val="2390925038"/>
+      </p:ext>
+    </p:extLst>
+  </p:cSld>
+  <p:clrMapOvr>
+    <a:masterClrMapping/>
+  </p:clrMapOvr>
+  <mc:AlternateContent xmlns:mc="http://schemas.openxmlformats.org/markup-compatibility/2006" xmlns:p14="http://schemas.microsoft.com/office/powerpoint/2010/main">
+    <mc:Choice Requires="p14">
+      <p:transition spd="med" p14:dur="700">
+        <p:fade/>
+      </p:transition>
+    </mc:Choice>
+    <mc:Fallback xmlns="">
+      <p:transition spd="med">
+        <p:fade/>
+      </p:transition>
+    </mc:Fallback>
+  </mc:AlternateContent>
+  <p:extLst>
+    <p:ext uri="{DCECCB84-F9BA-43D5-87BE-67443E8EF086}">
+      <p15:sldGuideLst xmlns:p15="http://schemas.microsoft.com/office/powerpoint/2012/main">
+        <p15:guide id="3" orient="horz" pos="1440">
+          <p15:clr>
+            <a:srgbClr val="FBAE40"/>
+          </p15:clr>
+        </p15:guide>
+        <p15:guide id="4" orient="horz" pos="3744">
+          <p15:clr>
+            <a:srgbClr val="FBAE40"/>
+          </p15:clr>
+        </p15:guide>
+      </p15:sldGuideLst>
+    </p:ext>
+  </p:extLst>
+</p:sldLayout>
+</file>
+
+<file path=ppt/slideLayouts/slideLayout23.xml><?xml version="1.0" encoding="utf-8"?>
+<p:sldLayout xmlns:a="http://schemas.openxmlformats.org/drawingml/2006/main" xmlns:r="http://schemas.openxmlformats.org/officeDocument/2006/relationships" xmlns:p="http://schemas.openxmlformats.org/presentationml/2006/main" preserve="1" userDrawn="1">
+  <p:cSld name="1_Two Content">
+    <p:spTree>
+      <p:nvGrpSpPr>
+        <p:cNvPr id="1" name=""/>
+        <p:cNvGrpSpPr/>
+        <p:nvPr/>
+      </p:nvGrpSpPr>
+      <p:grpSpPr>
+        <a:xfrm>
+          <a:off x="0" y="0"/>
+          <a:ext cx="0" cy="0"/>
+          <a:chOff x="0" y="0"/>
+          <a:chExt cx="0" cy="0"/>
+        </a:xfrm>
+      </p:grpSpPr>
+      <p:sp>
+        <p:nvSpPr>
+          <p:cNvPr id="3" name="Content Placeholder 2">
+            <a:extLst>
+              <a:ext uri="{FF2B5EF4-FFF2-40B4-BE49-F238E27FC236}">
+                <a16:creationId xmlns:a16="http://schemas.microsoft.com/office/drawing/2014/main" id="{A8D83941-3469-4946-BCE6-FA84F7323A00}"/>
+              </a:ext>
+            </a:extLst>
+          </p:cNvPr>
+          <p:cNvSpPr>
+            <a:spLocks noGrp="1"/>
+          </p:cNvSpPr>
+          <p:nvPr>
+            <p:ph sz="half" idx="1"/>
+          </p:nvPr>
+        </p:nvSpPr>
+        <p:spPr>
+          <a:xfrm>
+            <a:off x="457200" y="2286000"/>
+            <a:ext cx="5486400" cy="3657600"/>
+          </a:xfrm>
+          <a:prstGeom prst="rect">
+            <a:avLst/>
+          </a:prstGeom>
+        </p:spPr>
+        <p:txBody>
+          <a:bodyPr/>
+          <a:lstStyle>
+            <a:lvl5pPr>
+              <a:defRPr/>
+            </a:lvl5pPr>
+          </a:lstStyle>
+          <a:p>
+            <a:pPr lvl="0"/>
+            <a:r>
+              <a:rPr lang="en-US" dirty="0"/>
+              <a:t>Click to edit Master text styles</a:t>
+            </a:r>
+          </a:p>
+          <a:p>
+            <a:pPr lvl="1"/>
+            <a:r>
+              <a:rPr lang="en-US" dirty="0"/>
+              <a:t>Second level</a:t>
+            </a:r>
+          </a:p>
+          <a:p>
+            <a:pPr lvl="2"/>
+            <a:r>
+              <a:rPr lang="en-US" dirty="0"/>
+              <a:t>Third level</a:t>
+            </a:r>
+          </a:p>
+          <a:p>
+            <a:pPr lvl="3"/>
+            <a:r>
+              <a:rPr lang="en-US" dirty="0"/>
+              <a:t>Fourth level</a:t>
+            </a:r>
+          </a:p>
+          <a:p>
+            <a:pPr lvl="4"/>
+            <a:r>
+              <a:rPr lang="en-US" dirty="0"/>
+              <a:t>Fifth level</a:t>
+            </a:r>
+          </a:p>
+        </p:txBody>
+      </p:sp>
+      <p:sp>
+        <p:nvSpPr>
+          <p:cNvPr id="4" name="Content Placeholder 3">
+            <a:extLst>
+              <a:ext uri="{FF2B5EF4-FFF2-40B4-BE49-F238E27FC236}">
+                <a16:creationId xmlns:a16="http://schemas.microsoft.com/office/drawing/2014/main" id="{F38A127C-C71C-410F-8BEA-B1AA4E4DB590}"/>
+              </a:ext>
+            </a:extLst>
+          </p:cNvPr>
+          <p:cNvSpPr>
+            <a:spLocks noGrp="1"/>
+          </p:cNvSpPr>
+          <p:nvPr>
+            <p:ph sz="half" idx="2"/>
+          </p:nvPr>
+        </p:nvSpPr>
+        <p:spPr>
+          <a:xfrm>
+            <a:off x="6248400" y="2286000"/>
+            <a:ext cx="5486400" cy="3657600"/>
+          </a:xfrm>
+          <a:prstGeom prst="rect">
+            <a:avLst/>
+          </a:prstGeom>
+        </p:spPr>
+        <p:txBody>
+          <a:bodyPr/>
+          <a:lstStyle>
+            <a:lvl5pPr>
+              <a:defRPr/>
+            </a:lvl5pPr>
+          </a:lstStyle>
+          <a:p>
+            <a:pPr lvl="0"/>
+            <a:r>
+              <a:rPr lang="en-US" dirty="0"/>
+              <a:t>Click to edit Master text styles</a:t>
+            </a:r>
+          </a:p>
+          <a:p>
+            <a:pPr lvl="1"/>
+            <a:r>
+              <a:rPr lang="en-US" dirty="0"/>
+              <a:t>Second level</a:t>
+            </a:r>
+          </a:p>
+          <a:p>
+            <a:pPr lvl="2"/>
+            <a:r>
+              <a:rPr lang="en-US" dirty="0"/>
+              <a:t>Third level</a:t>
+            </a:r>
+          </a:p>
+          <a:p>
+            <a:pPr lvl="3"/>
+            <a:r>
+              <a:rPr lang="en-US" dirty="0"/>
+              <a:t>Fourth level</a:t>
+            </a:r>
+          </a:p>
+          <a:p>
+            <a:pPr lvl="4"/>
+            <a:r>
+              <a:rPr lang="en-US" dirty="0"/>
+              <a:t>Fifth level</a:t>
+            </a:r>
+          </a:p>
+        </p:txBody>
+      </p:sp>
+      <p:sp>
+        <p:nvSpPr>
+          <p:cNvPr id="5" name="Title 1">
+            <a:extLst>
+              <a:ext uri="{FF2B5EF4-FFF2-40B4-BE49-F238E27FC236}">
+                <a16:creationId xmlns:a16="http://schemas.microsoft.com/office/drawing/2014/main" id="{45EFB78F-2737-D435-611C-8193E8D5E3B7}"/>
+              </a:ext>
+            </a:extLst>
+          </p:cNvPr>
+          <p:cNvSpPr>
+            <a:spLocks noGrp="1"/>
+          </p:cNvSpPr>
+          <p:nvPr>
+            <p:ph type="title" hasCustomPrompt="1"/>
+          </p:nvPr>
+        </p:nvSpPr>
+        <p:spPr>
+          <a:xfrm>
+            <a:off x="457200" y="365759"/>
+            <a:ext cx="11277600" cy="1371600"/>
+          </a:xfrm>
+        </p:spPr>
+        <p:txBody>
+          <a:bodyPr/>
+          <a:lstStyle>
+            <a:lvl1pPr>
+              <a:defRPr>
+                <a:latin typeface="+mj-lt"/>
+              </a:defRPr>
+            </a:lvl1pPr>
+          </a:lstStyle>
+          <a:p>
+            <a:r>
+              <a:rPr lang="en-US" dirty="0"/>
+              <a:t>[Slide title]</a:t>
+            </a:r>
+          </a:p>
+        </p:txBody>
+      </p:sp>
+      <p:sp>
+        <p:nvSpPr>
+          <p:cNvPr id="6" name="Text Placeholder 8">
+            <a:extLst>
+              <a:ext uri="{FF2B5EF4-FFF2-40B4-BE49-F238E27FC236}">
+                <a16:creationId xmlns:a16="http://schemas.microsoft.com/office/drawing/2014/main" id="{EF7797ED-D6EC-3CA1-A9D4-10DC3CF59757}"/>
+              </a:ext>
+            </a:extLst>
+          </p:cNvPr>
+          <p:cNvSpPr>
+            <a:spLocks noGrp="1"/>
+          </p:cNvSpPr>
+          <p:nvPr>
+            <p:ph type="body" sz="quarter" idx="10" hasCustomPrompt="1"/>
+          </p:nvPr>
+        </p:nvSpPr>
+        <p:spPr>
+          <a:xfrm>
+            <a:off x="457200" y="5500688"/>
+            <a:ext cx="11277600" cy="442912"/>
+          </a:xfrm>
+        </p:spPr>
+        <p:txBody>
+          <a:bodyPr anchor="b"/>
+          <a:lstStyle>
+            <a:lvl1pPr marL="0" indent="0">
+              <a:spcBef>
+                <a:spcPts val="0"/>
+              </a:spcBef>
+              <a:buFontTx/>
+              <a:buNone/>
+              <a:defRPr sz="800"/>
+            </a:lvl1pPr>
+            <a:lvl2pPr>
+              <a:defRPr sz="800"/>
+            </a:lvl2pPr>
+            <a:lvl3pPr>
+              <a:defRPr sz="800"/>
+            </a:lvl3pPr>
+            <a:lvl4pPr>
+              <a:defRPr sz="800"/>
+            </a:lvl4pPr>
+            <a:lvl5pPr>
+              <a:defRPr sz="800"/>
+            </a:lvl5pPr>
+          </a:lstStyle>
+          <a:p>
+            <a:pPr>
+              <a:buSzPct val="100000"/>
+            </a:pPr>
+            <a:r>
+              <a:rPr lang="en-US" dirty="0"/>
+              <a:t>[Footnotes/references, if needed, appear here in Arial Regular 8pt.</a:t>
+            </a:r>
+          </a:p>
+          <a:p>
+            <a:pPr>
+              <a:buSzPct val="100000"/>
+            </a:pPr>
+            <a:r>
+              <a:rPr lang="en-US" dirty="0"/>
+              <a:t>Text grows upwards as lines are added.]</a:t>
+            </a:r>
+          </a:p>
+        </p:txBody>
+      </p:sp>
+    </p:spTree>
+    <p:extLst>
+      <p:ext uri="{BB962C8B-B14F-4D97-AF65-F5344CB8AC3E}">
+        <p14:creationId xmlns:p14="http://schemas.microsoft.com/office/powerpoint/2010/main" val="557320921"/>
+      </p:ext>
+    </p:extLst>
+  </p:cSld>
+  <p:clrMapOvr>
+    <a:masterClrMapping/>
+  </p:clrMapOvr>
+  <mc:AlternateContent xmlns:mc="http://schemas.openxmlformats.org/markup-compatibility/2006" xmlns:p14="http://schemas.microsoft.com/office/powerpoint/2010/main">
+    <mc:Choice Requires="p14">
+      <p:transition spd="med" p14:dur="700">
+        <p:fade/>
+      </p:transition>
+    </mc:Choice>
+    <mc:Fallback xmlns="">
+      <p:transition spd="med">
+        <p:fade/>
+      </p:transition>
+    </mc:Fallback>
+  </mc:AlternateContent>
+  <p:extLst>
+    <p:ext uri="{DCECCB84-F9BA-43D5-87BE-67443E8EF086}">
+      <p15:sldGuideLst xmlns:p15="http://schemas.microsoft.com/office/powerpoint/2012/main">
+        <p15:guide id="1" pos="3744">
+          <p15:clr>
+            <a:srgbClr val="FBAE40"/>
+          </p15:clr>
+        </p15:guide>
+        <p15:guide id="2" pos="3936">
+          <p15:clr>
+            <a:srgbClr val="FBAE40"/>
+          </p15:clr>
+        </p15:guide>
+        <p15:guide id="3" orient="horz" pos="3744">
+          <p15:clr>
+            <a:srgbClr val="FBAE40"/>
+          </p15:clr>
+        </p15:guide>
+        <p15:guide id="4" orient="horz" pos="1440">
+          <p15:clr>
+            <a:srgbClr val="FBAE40"/>
+          </p15:clr>
+        </p15:guide>
+      </p15:sldGuideLst>
+    </p:ext>
+  </p:extLst>
+</p:sldLayout>
+</file>
+
+<file path=ppt/slideLayouts/slideLayout24.xml><?xml version="1.0" encoding="utf-8"?>
+<p:sldLayout xmlns:a="http://schemas.openxmlformats.org/drawingml/2006/main" xmlns:r="http://schemas.openxmlformats.org/officeDocument/2006/relationships" xmlns:p="http://schemas.openxmlformats.org/presentationml/2006/main" preserve="1" userDrawn="1">
+  <p:cSld name="1_Agenda">
+    <p:spTree>
+      <p:nvGrpSpPr>
+        <p:cNvPr id="1" name=""/>
+        <p:cNvGrpSpPr/>
+        <p:nvPr/>
+      </p:nvGrpSpPr>
+      <p:grpSpPr>
+        <a:xfrm>
+          <a:off x="0" y="0"/>
+          <a:ext cx="0" cy="0"/>
+          <a:chOff x="0" y="0"/>
+          <a:chExt cx="0" cy="0"/>
+        </a:xfrm>
+      </p:grpSpPr>
+      <p:sp>
+        <p:nvSpPr>
+          <p:cNvPr id="4" name="TextBox 3">
+            <a:extLst>
+              <a:ext uri="{FF2B5EF4-FFF2-40B4-BE49-F238E27FC236}">
+                <a16:creationId xmlns:a16="http://schemas.microsoft.com/office/drawing/2014/main" id="{C0709C2A-DF1F-A3CC-8F95-386C33202764}"/>
+              </a:ext>
+            </a:extLst>
+          </p:cNvPr>
+          <p:cNvSpPr txBox="1"/>
+          <p:nvPr userDrawn="1"/>
+        </p:nvSpPr>
+        <p:spPr>
+          <a:xfrm>
+            <a:off x="2643809" y="6520070"/>
+            <a:ext cx="0" cy="0"/>
+          </a:xfrm>
+          <a:prstGeom prst="rect">
+            <a:avLst/>
+          </a:prstGeom>
+          <a:noFill/>
+        </p:spPr>
+        <p:txBody>
+          <a:bodyPr wrap="none" lIns="0" tIns="0" rIns="0" bIns="0" rtlCol="0">
+            <a:noAutofit/>
+          </a:bodyPr>
+          <a:lstStyle/>
+          <a:p>
+            <a:pPr marL="228600" indent="-228600">
+              <a:lnSpc>
+                <a:spcPct val="100000"/>
+              </a:lnSpc>
+              <a:spcBef>
+                <a:spcPts val="1200"/>
+              </a:spcBef>
+              <a:buSzPct val="100000"/>
+              <a:buFont typeface="Arial"/>
+              <a:buChar char="•"/>
+            </a:pPr>
+            <a:endParaRPr lang="en-US" sz="1600"/>
+          </a:p>
+        </p:txBody>
+      </p:sp>
+      <p:sp>
+        <p:nvSpPr>
+          <p:cNvPr id="7" name="Content Placeholder 2">
+            <a:extLst>
+              <a:ext uri="{FF2B5EF4-FFF2-40B4-BE49-F238E27FC236}">
+                <a16:creationId xmlns:a16="http://schemas.microsoft.com/office/drawing/2014/main" id="{15438D11-236F-50CB-DFF2-985A54588DCE}"/>
+              </a:ext>
+            </a:extLst>
+          </p:cNvPr>
+          <p:cNvSpPr>
+            <a:spLocks noGrp="1"/>
+          </p:cNvSpPr>
+          <p:nvPr>
+            <p:ph idx="1" hasCustomPrompt="1"/>
+          </p:nvPr>
+        </p:nvSpPr>
+        <p:spPr>
+          <a:xfrm>
+            <a:off x="609600" y="2286000"/>
+            <a:ext cx="11277600" cy="3657600"/>
+          </a:xfrm>
+        </p:spPr>
+        <p:txBody>
+          <a:bodyPr numCol="1" spcCol="301752">
+            <a:noAutofit/>
+          </a:bodyPr>
+          <a:lstStyle>
+            <a:lvl1pPr marL="365760" indent="-365760">
+              <a:spcBef>
+                <a:spcPts val="600"/>
+              </a:spcBef>
+              <a:buClr>
+                <a:srgbClr val="0061A0"/>
+              </a:buClr>
+              <a:buFont typeface="+mj-lt"/>
+              <a:buAutoNum type="arabicPeriod"/>
+              <a:tabLst>
+                <a:tab pos="5254625" algn="r"/>
+              </a:tabLst>
+              <a:defRPr sz="2400" b="0">
+                <a:latin typeface="Arial Nova" panose="020B0504020202020204" pitchFamily="34" charset="0"/>
+                <a:cs typeface="Aharoni" panose="02010803020104030203" pitchFamily="2" charset="-79"/>
+              </a:defRPr>
+            </a:lvl1pPr>
+            <a:lvl2pPr marL="640080" indent="-274320">
+              <a:spcBef>
+                <a:spcPts val="0"/>
+              </a:spcBef>
+              <a:tabLst>
+                <a:tab pos="5254625" algn="r"/>
+              </a:tabLst>
+              <a:defRPr sz="2400"/>
+            </a:lvl2pPr>
+            <a:lvl3pPr marL="914400" indent="-274320">
+              <a:spcBef>
+                <a:spcPts val="0"/>
+              </a:spcBef>
+              <a:tabLst>
+                <a:tab pos="5254625" algn="r"/>
+              </a:tabLst>
+              <a:defRPr sz="2400"/>
+            </a:lvl3pPr>
+            <a:lvl4pPr marL="1188720" indent="-274320">
+              <a:spcBef>
+                <a:spcPts val="0"/>
+              </a:spcBef>
+              <a:tabLst>
+                <a:tab pos="5254625" algn="r"/>
+              </a:tabLst>
+              <a:defRPr sz="2400"/>
+            </a:lvl4pPr>
+            <a:lvl5pPr marL="1463040" indent="-274320">
+              <a:spcBef>
+                <a:spcPts val="0"/>
+              </a:spcBef>
+              <a:tabLst>
+                <a:tab pos="5254625" algn="r"/>
+              </a:tabLst>
+              <a:defRPr sz="2400"/>
+            </a:lvl5pPr>
+            <a:lvl6pPr marL="1737360" indent="-274320">
+              <a:spcBef>
+                <a:spcPts val="0"/>
+              </a:spcBef>
+              <a:tabLst>
+                <a:tab pos="5254625" algn="r"/>
+              </a:tabLst>
+              <a:defRPr sz="2400"/>
+            </a:lvl6pPr>
+            <a:lvl7pPr marL="2011680" indent="-274320">
+              <a:spcBef>
+                <a:spcPts val="0"/>
+              </a:spcBef>
+              <a:tabLst>
+                <a:tab pos="5254625" algn="r"/>
+              </a:tabLst>
+              <a:defRPr sz="2400"/>
+            </a:lvl7pPr>
+            <a:lvl8pPr marL="2286000" indent="-274320">
+              <a:spcBef>
+                <a:spcPts val="0"/>
+              </a:spcBef>
+              <a:tabLst>
+                <a:tab pos="5254625" algn="r"/>
+              </a:tabLst>
+              <a:defRPr sz="2400"/>
+            </a:lvl8pPr>
+            <a:lvl9pPr marL="2560320" indent="-274320">
+              <a:spcBef>
+                <a:spcPts val="0"/>
+              </a:spcBef>
+              <a:tabLst>
+                <a:tab pos="5254625" algn="r"/>
+              </a:tabLst>
+              <a:defRPr sz="2400"/>
+            </a:lvl9pPr>
+          </a:lstStyle>
+          <a:p>
+            <a:pPr marL="365760" indent="-365760" algn="l" rtl="0" eaLnBrk="1" latinLnBrk="0" hangingPunct="1">
+              <a:spcBef>
+                <a:spcPts val="600"/>
+              </a:spcBef>
+              <a:spcAft>
+                <a:spcPts val="0"/>
+              </a:spcAft>
+              <a:buClr>
+                <a:srgbClr val="0061A0"/>
+              </a:buClr>
+              <a:buSzPts val="2400"/>
+              <a:buFont typeface="+mj-lt"/>
+              <a:buAutoNum type="arabicPeriod"/>
+              <a:tabLst>
+                <a:tab pos="5254625" algn="r"/>
+              </a:tabLst>
+            </a:pPr>
+            <a:r>
+              <a:rPr lang="en-US" sz="1800" b="1" kern="1200" dirty="0">
+                <a:solidFill>
+                  <a:srgbClr val="000000"/>
+                </a:solidFill>
+                <a:effectLst/>
+                <a:latin typeface="Arial" panose="020B0604020202020204" pitchFamily="34" charset="0"/>
+                <a:ea typeface="+mn-ea"/>
+                <a:cs typeface="+mn-cs"/>
+              </a:rPr>
+              <a:t>Agenda items are Arial Bold 24pt</a:t>
+            </a:r>
+            <a:endParaRPr lang="en-US" sz="1800" dirty="0">
+              <a:effectLst/>
+            </a:endParaRPr>
+          </a:p>
+          <a:p>
+            <a:pPr marL="640080" indent="-274320" algn="l" rtl="0" eaLnBrk="1" latinLnBrk="0" hangingPunct="1">
+              <a:spcBef>
+                <a:spcPts val="0"/>
+              </a:spcBef>
+              <a:spcAft>
+                <a:spcPts val="0"/>
+              </a:spcAft>
+              <a:tabLst>
+                <a:tab pos="5254625" algn="r"/>
+              </a:tabLst>
+            </a:pPr>
+            <a:r>
+              <a:rPr lang="en-US" sz="1800" kern="1200" dirty="0">
+                <a:solidFill>
+                  <a:srgbClr val="000000"/>
+                </a:solidFill>
+                <a:effectLst/>
+                <a:latin typeface="Arial" panose="020B0604020202020204" pitchFamily="34" charset="0"/>
+                <a:ea typeface="+mn-ea"/>
+                <a:cs typeface="+mn-cs"/>
+              </a:rPr>
+              <a:t>Additional text levels are possible</a:t>
+            </a:r>
+            <a:endParaRPr lang="en-US" dirty="0">
+              <a:effectLst/>
+            </a:endParaRPr>
+          </a:p>
+          <a:p>
+            <a:pPr marL="365760" indent="-365760" algn="l" rtl="0" eaLnBrk="1" latinLnBrk="0" hangingPunct="1">
+              <a:spcBef>
+                <a:spcPts val="600"/>
+              </a:spcBef>
+              <a:spcAft>
+                <a:spcPts val="0"/>
+              </a:spcAft>
+              <a:tabLst>
+                <a:tab pos="5254625" algn="r"/>
+              </a:tabLst>
+            </a:pPr>
+            <a:r>
+              <a:rPr lang="en-US" sz="1800" b="1" kern="1200" dirty="0">
+                <a:solidFill>
+                  <a:srgbClr val="000000"/>
+                </a:solidFill>
+                <a:effectLst/>
+                <a:latin typeface="Arial" panose="020B0604020202020204" pitchFamily="34" charset="0"/>
+                <a:ea typeface="+mn-ea"/>
+                <a:cs typeface="+mn-cs"/>
+              </a:rPr>
+              <a:t>This is placeholder text</a:t>
+            </a:r>
+            <a:endParaRPr lang="en-US" dirty="0">
+              <a:effectLst/>
+            </a:endParaRPr>
+          </a:p>
+          <a:p>
+            <a:pPr marL="365760" indent="-365760" algn="l" rtl="0" eaLnBrk="1" latinLnBrk="0" hangingPunct="1">
+              <a:spcBef>
+                <a:spcPts val="600"/>
+              </a:spcBef>
+              <a:spcAft>
+                <a:spcPts val="0"/>
+              </a:spcAft>
+              <a:tabLst>
+                <a:tab pos="5254625" algn="r"/>
+              </a:tabLst>
+            </a:pPr>
+            <a:r>
+              <a:rPr lang="en-US" sz="1800" b="1" kern="1200" dirty="0">
+                <a:solidFill>
+                  <a:srgbClr val="000000"/>
+                </a:solidFill>
+                <a:effectLst/>
+                <a:latin typeface="Arial" panose="020B0604020202020204" pitchFamily="34" charset="0"/>
+                <a:ea typeface="+mn-ea"/>
+                <a:cs typeface="+mn-cs"/>
+              </a:rPr>
+              <a:t>This is placeholder text</a:t>
+            </a:r>
+            <a:endParaRPr lang="en-US" dirty="0">
+              <a:effectLst/>
+            </a:endParaRPr>
+          </a:p>
+          <a:p>
+            <a:pPr marL="365760" indent="-365760" algn="l" rtl="0" eaLnBrk="1" latinLnBrk="0" hangingPunct="1">
+              <a:spcBef>
+                <a:spcPts val="600"/>
+              </a:spcBef>
+              <a:spcAft>
+                <a:spcPts val="0"/>
+              </a:spcAft>
+              <a:tabLst>
+                <a:tab pos="5254625" algn="r"/>
+              </a:tabLst>
+            </a:pPr>
+            <a:r>
+              <a:rPr lang="en-US" sz="1800" b="1" kern="1200" dirty="0">
+                <a:solidFill>
+                  <a:srgbClr val="000000"/>
+                </a:solidFill>
+                <a:effectLst/>
+                <a:latin typeface="Arial" panose="020B0604020202020204" pitchFamily="34" charset="0"/>
+                <a:ea typeface="+mn-ea"/>
+                <a:cs typeface="+mn-cs"/>
+              </a:rPr>
+              <a:t>This is placeholder text</a:t>
+            </a:r>
+            <a:endParaRPr lang="en-US" dirty="0">
+              <a:effectLst/>
+            </a:endParaRPr>
+          </a:p>
+          <a:p>
+            <a:pPr marL="365760" indent="-365760" algn="l" rtl="0" eaLnBrk="1" latinLnBrk="0" hangingPunct="1">
+              <a:spcBef>
+                <a:spcPts val="600"/>
+              </a:spcBef>
+              <a:spcAft>
+                <a:spcPts val="0"/>
+              </a:spcAft>
+              <a:tabLst>
+                <a:tab pos="5254625" algn="r"/>
+              </a:tabLst>
+            </a:pPr>
+            <a:r>
+              <a:rPr lang="en-US" sz="1800" b="1" kern="1200" dirty="0">
+                <a:solidFill>
+                  <a:srgbClr val="000000"/>
+                </a:solidFill>
+                <a:effectLst/>
+                <a:latin typeface="Arial" panose="020B0604020202020204" pitchFamily="34" charset="0"/>
+                <a:ea typeface="+mn-ea"/>
+                <a:cs typeface="+mn-cs"/>
+              </a:rPr>
+              <a:t>This is placeholder text</a:t>
+            </a:r>
+            <a:endParaRPr lang="en-US" dirty="0">
+              <a:effectLst/>
+            </a:endParaRPr>
+          </a:p>
+          <a:p>
+            <a:pPr marL="365760" indent="-365760" algn="l" rtl="0" eaLnBrk="1" latinLnBrk="0" hangingPunct="1">
+              <a:spcBef>
+                <a:spcPts val="600"/>
+              </a:spcBef>
+              <a:spcAft>
+                <a:spcPts val="0"/>
+              </a:spcAft>
+              <a:tabLst>
+                <a:tab pos="5254625" algn="r"/>
+              </a:tabLst>
+            </a:pPr>
+            <a:r>
+              <a:rPr lang="en-US" sz="1800" b="1" kern="1200" dirty="0">
+                <a:solidFill>
+                  <a:srgbClr val="000000"/>
+                </a:solidFill>
+                <a:effectLst/>
+                <a:latin typeface="Arial" panose="020B0604020202020204" pitchFamily="34" charset="0"/>
+                <a:ea typeface="+mn-ea"/>
+                <a:cs typeface="+mn-cs"/>
+              </a:rPr>
+              <a:t>This is placeholder text</a:t>
+            </a:r>
+            <a:endParaRPr lang="en-US" dirty="0">
+              <a:effectLst/>
+            </a:endParaRPr>
+          </a:p>
+          <a:p>
+            <a:pPr marL="365760" indent="-365760" algn="l" rtl="0" eaLnBrk="1" latinLnBrk="0" hangingPunct="1">
+              <a:spcBef>
+                <a:spcPts val="600"/>
+              </a:spcBef>
+              <a:spcAft>
+                <a:spcPts val="0"/>
+              </a:spcAft>
+              <a:tabLst>
+                <a:tab pos="5254625" algn="r"/>
+              </a:tabLst>
+            </a:pPr>
+            <a:r>
+              <a:rPr lang="en-US" sz="1800" b="1" kern="1200" dirty="0">
+                <a:solidFill>
+                  <a:srgbClr val="000000"/>
+                </a:solidFill>
+                <a:effectLst/>
+                <a:latin typeface="Arial" panose="020B0604020202020204" pitchFamily="34" charset="0"/>
+                <a:ea typeface="+mn-ea"/>
+                <a:cs typeface="+mn-cs"/>
+              </a:rPr>
+              <a:t>For more agenda items, use a second slide</a:t>
+            </a:r>
+            <a:endParaRPr lang="en-US" dirty="0">
+              <a:effectLst/>
+            </a:endParaRPr>
+          </a:p>
+        </p:txBody>
+      </p:sp>
+      <p:sp>
+        <p:nvSpPr>
+          <p:cNvPr id="8" name="Title Placeholder 1">
+            <a:extLst>
+              <a:ext uri="{FF2B5EF4-FFF2-40B4-BE49-F238E27FC236}">
+                <a16:creationId xmlns:a16="http://schemas.microsoft.com/office/drawing/2014/main" id="{BF9FEFF5-45C6-FBC7-C1CD-1A07B8B2A99E}"/>
+              </a:ext>
+            </a:extLst>
+          </p:cNvPr>
+          <p:cNvSpPr>
+            <a:spLocks noGrp="1"/>
+          </p:cNvSpPr>
+          <p:nvPr>
+            <p:ph type="title"/>
+          </p:nvPr>
+        </p:nvSpPr>
+        <p:spPr>
+          <a:xfrm>
+            <a:off x="457200" y="365759"/>
+            <a:ext cx="11277600" cy="1371600"/>
+          </a:xfrm>
+          <a:prstGeom prst="rect">
+            <a:avLst/>
+          </a:prstGeom>
+        </p:spPr>
+        <p:txBody>
+          <a:bodyPr vert="horz" lIns="0" tIns="0" rIns="0" bIns="0" rtlCol="0" anchor="t" anchorCtr="0">
+            <a:noAutofit/>
+          </a:bodyPr>
+          <a:lstStyle/>
+          <a:p>
+            <a:r>
+              <a:rPr lang="en-US" dirty="0"/>
+              <a:t>[Slide title]</a:t>
+            </a:r>
+          </a:p>
+        </p:txBody>
+      </p:sp>
+      <p:sp>
+        <p:nvSpPr>
+          <p:cNvPr id="3" name="Text Placeholder 8">
+            <a:extLst>
+              <a:ext uri="{FF2B5EF4-FFF2-40B4-BE49-F238E27FC236}">
+                <a16:creationId xmlns:a16="http://schemas.microsoft.com/office/drawing/2014/main" id="{CF01598B-115C-73CA-6922-F542C0AF67BA}"/>
+              </a:ext>
+            </a:extLst>
+          </p:cNvPr>
+          <p:cNvSpPr>
+            <a:spLocks noGrp="1"/>
+          </p:cNvSpPr>
+          <p:nvPr>
+            <p:ph type="body" sz="quarter" idx="10" hasCustomPrompt="1"/>
+          </p:nvPr>
+        </p:nvSpPr>
+        <p:spPr>
+          <a:xfrm>
+            <a:off x="457200" y="5500688"/>
+            <a:ext cx="11277600" cy="442912"/>
+          </a:xfrm>
+        </p:spPr>
+        <p:txBody>
+          <a:bodyPr anchor="b"/>
+          <a:lstStyle>
+            <a:lvl1pPr marL="0" indent="0">
+              <a:spcBef>
+                <a:spcPts val="0"/>
+              </a:spcBef>
+              <a:buFontTx/>
+              <a:buNone/>
+              <a:defRPr sz="800"/>
+            </a:lvl1pPr>
+            <a:lvl2pPr>
+              <a:defRPr sz="800"/>
+            </a:lvl2pPr>
+            <a:lvl3pPr>
+              <a:defRPr sz="800"/>
+            </a:lvl3pPr>
+            <a:lvl4pPr>
+              <a:defRPr sz="800"/>
+            </a:lvl4pPr>
+            <a:lvl5pPr>
+              <a:defRPr sz="800"/>
+            </a:lvl5pPr>
+          </a:lstStyle>
+          <a:p>
+            <a:pPr>
+              <a:buSzPct val="100000"/>
+            </a:pPr>
+            <a:r>
               <a:rPr lang="en-US" dirty="0"/>
               <a:t>[Footnotes/references, if needed, appear here in Arial Regular 8pt.</a:t>
             </a:r>
@@ -11147,6 +12738,350 @@
           </p15:clr>
         </p15:guide>
         <p15:guide id="4" orient="horz" pos="3744">
+          <p15:clr>
+            <a:srgbClr val="FBAE40"/>
+          </p15:clr>
+        </p15:guide>
+      </p15:sldGuideLst>
+    </p:ext>
+  </p:extLst>
+</p:sldLayout>
+</file>
+
+<file path=ppt/slideLayouts/slideLayout25.xml><?xml version="1.0" encoding="utf-8"?>
+<p:sldLayout xmlns:a="http://schemas.openxmlformats.org/drawingml/2006/main" xmlns:r="http://schemas.openxmlformats.org/officeDocument/2006/relationships" xmlns:p="http://schemas.openxmlformats.org/presentationml/2006/main" userDrawn="1">
+  <p:cSld name="Two Content">
+    <p:spTree>
+      <p:nvGrpSpPr>
+        <p:cNvPr id="1" name=""/>
+        <p:cNvGrpSpPr/>
+        <p:nvPr/>
+      </p:nvGrpSpPr>
+      <p:grpSpPr>
+        <a:xfrm>
+          <a:off x="0" y="0"/>
+          <a:ext cx="0" cy="0"/>
+          <a:chOff x="0" y="0"/>
+          <a:chExt cx="0" cy="0"/>
+        </a:xfrm>
+      </p:grpSpPr>
+      <p:sp>
+        <p:nvSpPr>
+          <p:cNvPr id="2" name="Title 1">
+            <a:extLst>
+              <a:ext uri="{FF2B5EF4-FFF2-40B4-BE49-F238E27FC236}">
+                <a16:creationId xmlns:a16="http://schemas.microsoft.com/office/drawing/2014/main" id="{3545A517-9C5C-BA4C-8D57-8810904550E9}"/>
+              </a:ext>
+            </a:extLst>
+          </p:cNvPr>
+          <p:cNvSpPr>
+            <a:spLocks noGrp="1"/>
+          </p:cNvSpPr>
+          <p:nvPr>
+            <p:ph type="title" hasCustomPrompt="1"/>
+          </p:nvPr>
+        </p:nvSpPr>
+        <p:spPr/>
+        <p:txBody>
+          <a:bodyPr/>
+          <a:lstStyle>
+            <a:lvl1pPr>
+              <a:defRPr>
+                <a:latin typeface="+mj-lt"/>
+              </a:defRPr>
+            </a:lvl1pPr>
+          </a:lstStyle>
+          <a:p>
+            <a:r>
+              <a:rPr lang="en-US" dirty="0"/>
+              <a:t>[Slide title]</a:t>
+            </a:r>
+          </a:p>
+        </p:txBody>
+      </p:sp>
+      <p:sp>
+        <p:nvSpPr>
+          <p:cNvPr id="3" name="Content Placeholder 2">
+            <a:extLst>
+              <a:ext uri="{FF2B5EF4-FFF2-40B4-BE49-F238E27FC236}">
+                <a16:creationId xmlns:a16="http://schemas.microsoft.com/office/drawing/2014/main" id="{A8D83941-3469-4946-BCE6-FA84F7323A00}"/>
+              </a:ext>
+            </a:extLst>
+          </p:cNvPr>
+          <p:cNvSpPr>
+            <a:spLocks noGrp="1"/>
+          </p:cNvSpPr>
+          <p:nvPr>
+            <p:ph sz="half" idx="1"/>
+          </p:nvPr>
+        </p:nvSpPr>
+        <p:spPr>
+          <a:xfrm>
+            <a:off x="457200" y="2286000"/>
+            <a:ext cx="5486400" cy="3241964"/>
+          </a:xfrm>
+        </p:spPr>
+        <p:txBody>
+          <a:bodyPr/>
+          <a:lstStyle>
+            <a:lvl1pPr>
+              <a:defRPr>
+                <a:latin typeface="+mn-lt"/>
+              </a:defRPr>
+            </a:lvl1pPr>
+            <a:lvl2pPr>
+              <a:defRPr>
+                <a:latin typeface="+mn-lt"/>
+              </a:defRPr>
+            </a:lvl2pPr>
+            <a:lvl3pPr>
+              <a:defRPr>
+                <a:latin typeface="+mn-lt"/>
+              </a:defRPr>
+            </a:lvl3pPr>
+            <a:lvl4pPr>
+              <a:defRPr>
+                <a:latin typeface="+mn-lt"/>
+              </a:defRPr>
+            </a:lvl4pPr>
+            <a:lvl5pPr>
+              <a:defRPr>
+                <a:latin typeface="+mn-lt"/>
+              </a:defRPr>
+            </a:lvl5pPr>
+          </a:lstStyle>
+          <a:p>
+            <a:pPr lvl="0"/>
+            <a:r>
+              <a:rPr lang="en-US" dirty="0"/>
+              <a:t>Click to edit Master text styles</a:t>
+            </a:r>
+          </a:p>
+          <a:p>
+            <a:pPr lvl="1"/>
+            <a:r>
+              <a:rPr lang="en-US" dirty="0"/>
+              <a:t>Second level</a:t>
+            </a:r>
+          </a:p>
+          <a:p>
+            <a:pPr lvl="2"/>
+            <a:r>
+              <a:rPr lang="en-US" dirty="0"/>
+              <a:t>Third level</a:t>
+            </a:r>
+          </a:p>
+          <a:p>
+            <a:pPr lvl="3"/>
+            <a:r>
+              <a:rPr lang="en-US" dirty="0"/>
+              <a:t>Fourth level</a:t>
+            </a:r>
+          </a:p>
+          <a:p>
+            <a:pPr lvl="4"/>
+            <a:r>
+              <a:rPr lang="en-US" dirty="0"/>
+              <a:t>Fifth level</a:t>
+            </a:r>
+          </a:p>
+        </p:txBody>
+      </p:sp>
+      <p:sp>
+        <p:nvSpPr>
+          <p:cNvPr id="4" name="Content Placeholder 3">
+            <a:extLst>
+              <a:ext uri="{FF2B5EF4-FFF2-40B4-BE49-F238E27FC236}">
+                <a16:creationId xmlns:a16="http://schemas.microsoft.com/office/drawing/2014/main" id="{F38A127C-C71C-410F-8BEA-B1AA4E4DB590}"/>
+              </a:ext>
+            </a:extLst>
+          </p:cNvPr>
+          <p:cNvSpPr>
+            <a:spLocks noGrp="1"/>
+          </p:cNvSpPr>
+          <p:nvPr>
+            <p:ph sz="half" idx="2"/>
+          </p:nvPr>
+        </p:nvSpPr>
+        <p:spPr>
+          <a:xfrm>
+            <a:off x="6248400" y="2286000"/>
+            <a:ext cx="5486400" cy="3241964"/>
+          </a:xfrm>
+        </p:spPr>
+        <p:txBody>
+          <a:bodyPr/>
+          <a:lstStyle>
+            <a:lvl1pPr>
+              <a:defRPr>
+                <a:latin typeface="+mn-lt"/>
+              </a:defRPr>
+            </a:lvl1pPr>
+            <a:lvl2pPr>
+              <a:defRPr>
+                <a:latin typeface="+mn-lt"/>
+              </a:defRPr>
+            </a:lvl2pPr>
+            <a:lvl3pPr>
+              <a:defRPr>
+                <a:latin typeface="+mn-lt"/>
+              </a:defRPr>
+            </a:lvl3pPr>
+            <a:lvl4pPr>
+              <a:defRPr>
+                <a:latin typeface="+mn-lt"/>
+              </a:defRPr>
+            </a:lvl4pPr>
+            <a:lvl5pPr>
+              <a:defRPr>
+                <a:latin typeface="+mn-lt"/>
+              </a:defRPr>
+            </a:lvl5pPr>
+          </a:lstStyle>
+          <a:p>
+            <a:pPr lvl="0"/>
+            <a:r>
+              <a:rPr lang="en-US" dirty="0"/>
+              <a:t>Click to edit Master text styles</a:t>
+            </a:r>
+          </a:p>
+          <a:p>
+            <a:pPr lvl="1"/>
+            <a:r>
+              <a:rPr lang="en-US" dirty="0"/>
+              <a:t>Second level</a:t>
+            </a:r>
+          </a:p>
+          <a:p>
+            <a:pPr lvl="2"/>
+            <a:r>
+              <a:rPr lang="en-US" dirty="0"/>
+              <a:t>Third level</a:t>
+            </a:r>
+          </a:p>
+          <a:p>
+            <a:pPr lvl="3"/>
+            <a:r>
+              <a:rPr lang="en-US" dirty="0"/>
+              <a:t>Fourth level</a:t>
+            </a:r>
+          </a:p>
+          <a:p>
+            <a:pPr lvl="4"/>
+            <a:r>
+              <a:rPr lang="en-US" dirty="0"/>
+              <a:t>Fifth level</a:t>
+            </a:r>
+          </a:p>
+        </p:txBody>
+      </p:sp>
+      <p:sp>
+        <p:nvSpPr>
+          <p:cNvPr id="6" name="Text Placeholder 8">
+            <a:extLst>
+              <a:ext uri="{FF2B5EF4-FFF2-40B4-BE49-F238E27FC236}">
+                <a16:creationId xmlns:a16="http://schemas.microsoft.com/office/drawing/2014/main" id="{A98801DD-2BAA-4999-85E3-CE879FE5FBF6}"/>
+              </a:ext>
+            </a:extLst>
+          </p:cNvPr>
+          <p:cNvSpPr>
+            <a:spLocks noGrp="1"/>
+          </p:cNvSpPr>
+          <p:nvPr>
+            <p:ph type="body" sz="quarter" idx="10" hasCustomPrompt="1"/>
+          </p:nvPr>
+        </p:nvSpPr>
+        <p:spPr>
+          <a:xfrm>
+            <a:off x="457200" y="5500688"/>
+            <a:ext cx="11277600" cy="442912"/>
+          </a:xfrm>
+        </p:spPr>
+        <p:txBody>
+          <a:bodyPr anchor="b"/>
+          <a:lstStyle>
+            <a:lvl1pPr marL="0" indent="0">
+              <a:spcBef>
+                <a:spcPts val="0"/>
+              </a:spcBef>
+              <a:buFontTx/>
+              <a:buNone/>
+              <a:defRPr sz="800"/>
+            </a:lvl1pPr>
+            <a:lvl2pPr>
+              <a:defRPr sz="800"/>
+            </a:lvl2pPr>
+            <a:lvl3pPr>
+              <a:defRPr sz="800"/>
+            </a:lvl3pPr>
+            <a:lvl4pPr>
+              <a:defRPr sz="800"/>
+            </a:lvl4pPr>
+            <a:lvl5pPr>
+              <a:defRPr sz="800"/>
+            </a:lvl5pPr>
+          </a:lstStyle>
+          <a:p>
+            <a:pPr>
+              <a:buSzPct val="100000"/>
+            </a:pPr>
+            <a:r>
+              <a:rPr lang="en-US" dirty="0"/>
+              <a:t>[Footnotes/references, if needed, appear here in Arial Regular 8pt.</a:t>
+            </a:r>
+          </a:p>
+          <a:p>
+            <a:pPr>
+              <a:buSzPct val="100000"/>
+            </a:pPr>
+            <a:r>
+              <a:rPr lang="en-US" dirty="0"/>
+              <a:t>Text grows upwards as lines are added.]</a:t>
+            </a:r>
+          </a:p>
+        </p:txBody>
+      </p:sp>
+    </p:spTree>
+    <p:extLst>
+      <p:ext uri="{BB962C8B-B14F-4D97-AF65-F5344CB8AC3E}">
+        <p14:creationId xmlns:p14="http://schemas.microsoft.com/office/powerpoint/2010/main" val="4117347717"/>
+      </p:ext>
+    </p:extLst>
+  </p:cSld>
+  <p:clrMapOvr>
+    <a:masterClrMapping/>
+  </p:clrMapOvr>
+  <mc:AlternateContent xmlns:mc="http://schemas.openxmlformats.org/markup-compatibility/2006" xmlns:p14="http://schemas.microsoft.com/office/powerpoint/2010/main">
+    <mc:Choice Requires="p14">
+      <p:transition spd="med" p14:dur="700">
+        <p:fade/>
+      </p:transition>
+    </mc:Choice>
+    <mc:Fallback xmlns="">
+      <p:transition spd="med">
+        <p:fade/>
+      </p:transition>
+    </mc:Fallback>
+  </mc:AlternateContent>
+  <p:extLst>
+    <p:ext uri="{DCECCB84-F9BA-43D5-87BE-67443E8EF086}">
+      <p15:sldGuideLst xmlns:p15="http://schemas.microsoft.com/office/powerpoint/2012/main">
+        <p15:guide id="1" pos="3744">
+          <p15:clr>
+            <a:srgbClr val="FBAE40"/>
+          </p15:clr>
+        </p15:guide>
+        <p15:guide id="2" pos="3936">
+          <p15:clr>
+            <a:srgbClr val="FBAE40"/>
+          </p15:clr>
+        </p15:guide>
+        <p15:guide id="3" orient="horz" pos="3744">
+          <p15:clr>
+            <a:srgbClr val="FBAE40"/>
+          </p15:clr>
+        </p15:guide>
+        <p15:guide id="4" orient="horz" pos="1440">
           <p15:clr>
             <a:srgbClr val="FBAE40"/>
           </p15:clr>
@@ -13313,7 +15248,7 @@
           <p:nvPr userDrawn="1"/>
         </p:nvPicPr>
         <p:blipFill>
-          <a:blip r:embed="rId23"/>
+          <a:blip r:embed="rId24"/>
           <a:stretch>
             <a:fillRect/>
           </a:stretch>
@@ -13448,7 +15383,7 @@
           <p:nvPr userDrawn="1"/>
         </p:nvPicPr>
         <p:blipFill>
-          <a:blip r:embed="rId24"/>
+          <a:blip r:embed="rId25"/>
           <a:stretch>
             <a:fillRect/>
           </a:stretch>
@@ -13521,7 +15456,7 @@
           <p:nvPr userDrawn="1"/>
         </p:nvPicPr>
         <p:blipFill>
-          <a:blip r:embed="rId25"/>
+          <a:blip r:embed="rId26"/>
           <a:stretch>
             <a:fillRect/>
           </a:stretch>
@@ -13694,6 +15629,7 @@
     <p:sldLayoutId id="2147483686" r:id="rId19"/>
     <p:sldLayoutId id="2147483692" r:id="rId20"/>
     <p:sldLayoutId id="2147483693" r:id="rId21"/>
+    <p:sldLayoutId id="2147483697" r:id="rId22"/>
   </p:sldLayoutIdLst>
   <mc:AlternateContent xmlns:mc="http://schemas.openxmlformats.org/markup-compatibility/2006" xmlns:p14="http://schemas.microsoft.com/office/powerpoint/2010/main">
     <mc:Choice Requires="p14">
@@ -14158,7 +16094,7 @@
           <p:nvPr userDrawn="1"/>
         </p:nvPicPr>
         <p:blipFill>
-          <a:blip r:embed="rId4"/>
+          <a:blip r:embed="rId5"/>
           <a:stretch>
             <a:fillRect/>
           </a:stretch>
@@ -14188,7 +16124,7 @@
           <p:nvPr userDrawn="1"/>
         </p:nvPicPr>
         <p:blipFill>
-          <a:blip r:embed="rId5"/>
+          <a:blip r:embed="rId6"/>
           <a:stretch>
             <a:fillRect/>
           </a:stretch>
@@ -14259,7 +16195,7 @@
           <p:nvPr userDrawn="1"/>
         </p:nvPicPr>
         <p:blipFill>
-          <a:blip r:embed="rId6"/>
+          <a:blip r:embed="rId7"/>
           <a:stretch>
             <a:fillRect/>
           </a:stretch>
@@ -14518,6 +16454,7 @@
   <p:sldLayoutIdLst>
     <p:sldLayoutId id="2147483690" r:id="rId1"/>
     <p:sldLayoutId id="2147483691" r:id="rId2"/>
+    <p:sldLayoutId id="2147483698" r:id="rId3"/>
   </p:sldLayoutIdLst>
   <mc:AlternateContent xmlns:mc="http://schemas.openxmlformats.org/markup-compatibility/2006" xmlns:p14="http://schemas.microsoft.com/office/powerpoint/2010/main">
     <mc:Choice Requires="p14">
@@ -14941,6 +16878,717 @@
       </p:grpSpPr>
       <p:sp>
         <p:nvSpPr>
+          <p:cNvPr id="9" name="Title 8">
+            <a:extLst>
+              <a:ext uri="{FF2B5EF4-FFF2-40B4-BE49-F238E27FC236}">
+                <a16:creationId xmlns:a16="http://schemas.microsoft.com/office/drawing/2014/main" id="{8407FD42-C8E1-4588-09C2-5490B6C26627}"/>
+              </a:ext>
+            </a:extLst>
+          </p:cNvPr>
+          <p:cNvSpPr>
+            <a:spLocks noGrp="1"/>
+          </p:cNvSpPr>
+          <p:nvPr>
+            <p:ph type="title"/>
+          </p:nvPr>
+        </p:nvSpPr>
+        <p:spPr>
+          <a:xfrm>
+            <a:off x="457200" y="365759"/>
+            <a:ext cx="11277600" cy="1371600"/>
+          </a:xfrm>
+        </p:spPr>
+        <p:txBody>
+          <a:bodyPr/>
+          <a:lstStyle/>
+          <a:p>
+            <a:r>
+              <a:rPr lang="en-US" dirty="0"/>
+              <a:t>Final Verdict</a:t>
+            </a:r>
+          </a:p>
+        </p:txBody>
+      </p:sp>
+      <p:sp>
+        <p:nvSpPr>
+          <p:cNvPr id="15" name="Text Placeholder 14">
+            <a:extLst>
+              <a:ext uri="{FF2B5EF4-FFF2-40B4-BE49-F238E27FC236}">
+                <a16:creationId xmlns:a16="http://schemas.microsoft.com/office/drawing/2014/main" id="{A0424C89-0FF2-65AD-0715-CD4D4B3B989B}"/>
+              </a:ext>
+            </a:extLst>
+          </p:cNvPr>
+          <p:cNvSpPr>
+            <a:spLocks noGrp="1"/>
+          </p:cNvSpPr>
+          <p:nvPr>
+            <p:ph type="body" sz="quarter" idx="10"/>
+          </p:nvPr>
+        </p:nvSpPr>
+        <p:spPr/>
+        <p:txBody>
+          <a:bodyPr/>
+          <a:lstStyle/>
+          <a:p>
+            <a:r>
+              <a:rPr lang="en-US" dirty="0"/>
+              <a:t>[Footnotes/references, if needed, appear here in Arial Regular 8pt.</a:t>
+            </a:r>
+          </a:p>
+          <a:p>
+            <a:r>
+              <a:rPr lang="en-US" dirty="0"/>
+              <a:t>Text grows upwards as lines are added.]</a:t>
+            </a:r>
+          </a:p>
+        </p:txBody>
+      </p:sp>
+      <p:sp>
+        <p:nvSpPr>
+          <p:cNvPr id="2" name="TextBox 1">
+            <a:extLst>
+              <a:ext uri="{FF2B5EF4-FFF2-40B4-BE49-F238E27FC236}">
+                <a16:creationId xmlns:a16="http://schemas.microsoft.com/office/drawing/2014/main" id="{C82E0196-1848-CB02-CEF4-927F0665EB2F}"/>
+              </a:ext>
+            </a:extLst>
+          </p:cNvPr>
+          <p:cNvSpPr txBox="1"/>
+          <p:nvPr/>
+        </p:nvSpPr>
+        <p:spPr>
+          <a:xfrm>
+            <a:off x="2267211" y="2167003"/>
+            <a:ext cx="0" cy="0"/>
+          </a:xfrm>
+          <a:prstGeom prst="rect">
+            <a:avLst/>
+          </a:prstGeom>
+          <a:noFill/>
+        </p:spPr>
+        <p:txBody>
+          <a:bodyPr wrap="none" lIns="0" tIns="0" rIns="0" bIns="0" rtlCol="0">
+            <a:noAutofit/>
+          </a:bodyPr>
+          <a:lstStyle/>
+          <a:p>
+            <a:pPr marL="228600" indent="-228600">
+              <a:lnSpc>
+                <a:spcPct val="100000"/>
+              </a:lnSpc>
+              <a:spcBef>
+                <a:spcPts val="1200"/>
+              </a:spcBef>
+              <a:buSzPct val="100000"/>
+              <a:buFont typeface="Arial"/>
+              <a:buChar char="•"/>
+            </a:pPr>
+            <a:endParaRPr lang="en-US" sz="1600" dirty="0"/>
+          </a:p>
+        </p:txBody>
+      </p:sp>
+      <p:sp>
+        <p:nvSpPr>
+          <p:cNvPr id="3" name="TextBox 2">
+            <a:extLst>
+              <a:ext uri="{FF2B5EF4-FFF2-40B4-BE49-F238E27FC236}">
+                <a16:creationId xmlns:a16="http://schemas.microsoft.com/office/drawing/2014/main" id="{8E4D2BD3-EE21-A38C-8D80-D7E811CA1463}"/>
+              </a:ext>
+            </a:extLst>
+          </p:cNvPr>
+          <p:cNvSpPr txBox="1"/>
+          <p:nvPr/>
+        </p:nvSpPr>
+        <p:spPr>
+          <a:xfrm>
+            <a:off x="1064712" y="2367419"/>
+            <a:ext cx="0" cy="0"/>
+          </a:xfrm>
+          <a:prstGeom prst="rect">
+            <a:avLst/>
+          </a:prstGeom>
+          <a:noFill/>
+        </p:spPr>
+        <p:txBody>
+          <a:bodyPr wrap="none" lIns="0" tIns="0" rIns="0" bIns="0" rtlCol="0">
+            <a:noAutofit/>
+          </a:bodyPr>
+          <a:lstStyle/>
+          <a:p>
+            <a:pPr>
+              <a:lnSpc>
+                <a:spcPct val="100000"/>
+              </a:lnSpc>
+              <a:spcBef>
+                <a:spcPts val="1200"/>
+              </a:spcBef>
+              <a:buSzPct val="100000"/>
+            </a:pPr>
+            <a:endParaRPr lang="en-US" sz="1600" dirty="0"/>
+          </a:p>
+        </p:txBody>
+      </p:sp>
+      <p:sp>
+        <p:nvSpPr>
+          <p:cNvPr id="4" name="TextBox 3">
+            <a:extLst>
+              <a:ext uri="{FF2B5EF4-FFF2-40B4-BE49-F238E27FC236}">
+                <a16:creationId xmlns:a16="http://schemas.microsoft.com/office/drawing/2014/main" id="{3D834CCE-83F9-0FB4-F1E2-B2690917FAD3}"/>
+              </a:ext>
+            </a:extLst>
+          </p:cNvPr>
+          <p:cNvSpPr txBox="1"/>
+          <p:nvPr/>
+        </p:nvSpPr>
+        <p:spPr>
+          <a:xfrm>
+            <a:off x="2217107" y="3006247"/>
+            <a:ext cx="0" cy="0"/>
+          </a:xfrm>
+          <a:prstGeom prst="rect">
+            <a:avLst/>
+          </a:prstGeom>
+          <a:noFill/>
+        </p:spPr>
+        <p:txBody>
+          <a:bodyPr wrap="none" lIns="0" tIns="0" rIns="0" bIns="0" rtlCol="0">
+            <a:noAutofit/>
+          </a:bodyPr>
+          <a:lstStyle/>
+          <a:p>
+            <a:pPr marL="228600" indent="-228600">
+              <a:lnSpc>
+                <a:spcPct val="100000"/>
+              </a:lnSpc>
+              <a:spcBef>
+                <a:spcPts val="1200"/>
+              </a:spcBef>
+              <a:buSzPct val="100000"/>
+              <a:buFont typeface="Arial"/>
+              <a:buChar char="•"/>
+            </a:pPr>
+            <a:endParaRPr lang="en-US" sz="1600" dirty="0"/>
+          </a:p>
+        </p:txBody>
+      </p:sp>
+      <p:sp>
+        <p:nvSpPr>
+          <p:cNvPr id="5" name="TextBox 4">
+            <a:extLst>
+              <a:ext uri="{FF2B5EF4-FFF2-40B4-BE49-F238E27FC236}">
+                <a16:creationId xmlns:a16="http://schemas.microsoft.com/office/drawing/2014/main" id="{07AC906D-5133-5DA3-8285-92F3EE4EF1CB}"/>
+              </a:ext>
+            </a:extLst>
+          </p:cNvPr>
+          <p:cNvSpPr txBox="1"/>
+          <p:nvPr/>
+        </p:nvSpPr>
+        <p:spPr>
+          <a:xfrm>
+            <a:off x="1540701" y="2354893"/>
+            <a:ext cx="0" cy="0"/>
+          </a:xfrm>
+          <a:prstGeom prst="rect">
+            <a:avLst/>
+          </a:prstGeom>
+          <a:noFill/>
+        </p:spPr>
+        <p:txBody>
+          <a:bodyPr wrap="none" lIns="0" tIns="0" rIns="0" bIns="0" rtlCol="0">
+            <a:noAutofit/>
+          </a:bodyPr>
+          <a:lstStyle/>
+          <a:p>
+            <a:pPr marL="228600" indent="-228600">
+              <a:lnSpc>
+                <a:spcPct val="100000"/>
+              </a:lnSpc>
+              <a:spcBef>
+                <a:spcPts val="1200"/>
+              </a:spcBef>
+              <a:buSzPct val="100000"/>
+              <a:buFont typeface="Arial"/>
+              <a:buChar char="•"/>
+            </a:pPr>
+            <a:endParaRPr lang="en-US" sz="1600" dirty="0"/>
+          </a:p>
+        </p:txBody>
+      </p:sp>
+      <p:sp>
+        <p:nvSpPr>
+          <p:cNvPr id="6" name="TextBox 5">
+            <a:extLst>
+              <a:ext uri="{FF2B5EF4-FFF2-40B4-BE49-F238E27FC236}">
+                <a16:creationId xmlns:a16="http://schemas.microsoft.com/office/drawing/2014/main" id="{A23E2933-94BB-CE27-B2DC-AFB2EA3BFB25}"/>
+              </a:ext>
+            </a:extLst>
+          </p:cNvPr>
+          <p:cNvSpPr txBox="1"/>
+          <p:nvPr/>
+        </p:nvSpPr>
+        <p:spPr>
+          <a:xfrm>
+            <a:off x="457200" y="1737359"/>
+            <a:ext cx="11277600" cy="3557392"/>
+          </a:xfrm>
+          <a:prstGeom prst="rect">
+            <a:avLst/>
+          </a:prstGeom>
+          <a:noFill/>
+        </p:spPr>
+        <p:txBody>
+          <a:bodyPr wrap="square" lIns="0" tIns="0" rIns="0" bIns="0" rtlCol="0">
+            <a:noAutofit/>
+          </a:bodyPr>
+          <a:lstStyle/>
+          <a:p>
+            <a:pPr marL="342900" indent="-342900">
+              <a:lnSpc>
+                <a:spcPct val="100000"/>
+              </a:lnSpc>
+              <a:spcBef>
+                <a:spcPts val="1200"/>
+              </a:spcBef>
+              <a:buSzPct val="100000"/>
+              <a:buFont typeface="Arial" panose="020B0604020202020204" pitchFamily="34" charset="0"/>
+              <a:buChar char="•"/>
+            </a:pPr>
+            <a:r>
+              <a:rPr lang="en-US" sz="2400" dirty="0">
+                <a:latin typeface="Arial Nova" panose="020B0504020202020204" pitchFamily="34" charset="0"/>
+              </a:rPr>
+              <a:t>Recommendation: Do not proceed with </a:t>
+            </a:r>
+            <a:r>
+              <a:rPr lang="en-US" sz="2400" dirty="0" err="1">
+                <a:latin typeface="Arial Nova" panose="020B0504020202020204" pitchFamily="34" charset="0"/>
+              </a:rPr>
+              <a:t>InsightVM</a:t>
+            </a:r>
+            <a:r>
+              <a:rPr lang="en-US" sz="2400" dirty="0">
+                <a:latin typeface="Arial Nova" panose="020B0504020202020204" pitchFamily="34" charset="0"/>
+              </a:rPr>
+              <a:t> implementation</a:t>
+            </a:r>
+          </a:p>
+          <a:p>
+            <a:pPr marL="342900" indent="-342900">
+              <a:lnSpc>
+                <a:spcPct val="100000"/>
+              </a:lnSpc>
+              <a:spcBef>
+                <a:spcPts val="1200"/>
+              </a:spcBef>
+              <a:buSzPct val="100000"/>
+              <a:buFont typeface="Arial" panose="020B0604020202020204" pitchFamily="34" charset="0"/>
+              <a:buChar char="•"/>
+            </a:pPr>
+            <a:r>
+              <a:rPr lang="en-US" sz="2400" dirty="0">
+                <a:latin typeface="Arial Nova" panose="020B0504020202020204" pitchFamily="34" charset="0"/>
+              </a:rPr>
+              <a:t>Strengths: Robust agent-based scanning; supports Windows, Linux and macOS</a:t>
+            </a:r>
+          </a:p>
+          <a:p>
+            <a:pPr marL="342900" indent="-342900">
+              <a:lnSpc>
+                <a:spcPct val="100000"/>
+              </a:lnSpc>
+              <a:spcBef>
+                <a:spcPts val="1200"/>
+              </a:spcBef>
+              <a:buSzPct val="100000"/>
+              <a:buFont typeface="Arial" panose="020B0604020202020204" pitchFamily="34" charset="0"/>
+              <a:buChar char="•"/>
+            </a:pPr>
+            <a:r>
+              <a:rPr lang="en-US" sz="2400" dirty="0">
+                <a:latin typeface="Arial Nova" panose="020B0504020202020204" pitchFamily="34" charset="0"/>
+              </a:rPr>
+              <a:t>Key Limitations: Lacks several critical capabilities required for MetLife’s environment</a:t>
+            </a:r>
+          </a:p>
+          <a:p>
+            <a:pPr marL="342900" indent="-342900">
+              <a:lnSpc>
+                <a:spcPct val="100000"/>
+              </a:lnSpc>
+              <a:spcBef>
+                <a:spcPts val="1200"/>
+              </a:spcBef>
+              <a:buSzPct val="100000"/>
+              <a:buFont typeface="Arial" panose="020B0604020202020204" pitchFamily="34" charset="0"/>
+              <a:buChar char="•"/>
+            </a:pPr>
+            <a:r>
+              <a:rPr lang="en-US" sz="2400" dirty="0">
+                <a:latin typeface="Arial Nova" panose="020B0504020202020204" pitchFamily="34" charset="0"/>
+              </a:rPr>
+              <a:t>Does not support MetLife’s existing severity rating system used in daily operations</a:t>
+            </a:r>
+          </a:p>
+          <a:p>
+            <a:pPr>
+              <a:lnSpc>
+                <a:spcPct val="100000"/>
+              </a:lnSpc>
+              <a:spcBef>
+                <a:spcPts val="1200"/>
+              </a:spcBef>
+              <a:buSzPct val="100000"/>
+            </a:pPr>
+            <a:r>
+              <a:rPr lang="en-US" sz="2400" dirty="0">
+                <a:solidFill>
+                  <a:srgbClr val="FF0000"/>
+                </a:solidFill>
+                <a:latin typeface="Arial Nova" panose="020B0504020202020204" pitchFamily="34" charset="0"/>
+              </a:rPr>
+              <a:t>Conclusion: </a:t>
+            </a:r>
+            <a:r>
+              <a:rPr lang="en-US" sz="2400" dirty="0" err="1">
+                <a:solidFill>
+                  <a:srgbClr val="FF0000"/>
+                </a:solidFill>
+                <a:latin typeface="Arial Nova" panose="020B0504020202020204" pitchFamily="34" charset="0"/>
+              </a:rPr>
+              <a:t>InsightVM’s</a:t>
+            </a:r>
+            <a:r>
+              <a:rPr lang="en-US" sz="2400" dirty="0">
+                <a:solidFill>
+                  <a:srgbClr val="FF0000"/>
+                </a:solidFill>
+                <a:latin typeface="Arial Nova" panose="020B0504020202020204" pitchFamily="34" charset="0"/>
+              </a:rPr>
+              <a:t> gaps outweigh its benefits for MetLife’s security and operational needs</a:t>
+            </a:r>
+          </a:p>
+        </p:txBody>
+      </p:sp>
+    </p:spTree>
+    <p:extLst>
+      <p:ext uri="{BB962C8B-B14F-4D97-AF65-F5344CB8AC3E}">
+        <p14:creationId xmlns:p14="http://schemas.microsoft.com/office/powerpoint/2010/main" val="985609932"/>
+      </p:ext>
+    </p:extLst>
+  </p:cSld>
+  <p:clrMapOvr>
+    <a:masterClrMapping/>
+  </p:clrMapOvr>
+  <mc:AlternateContent xmlns:mc="http://schemas.openxmlformats.org/markup-compatibility/2006" xmlns:p14="http://schemas.microsoft.com/office/powerpoint/2010/main">
+    <mc:Choice Requires="p14">
+      <p:transition spd="med" p14:dur="700">
+        <p:fade/>
+      </p:transition>
+    </mc:Choice>
+    <mc:Fallback xmlns="">
+      <p:transition spd="med">
+        <p:fade/>
+      </p:transition>
+    </mc:Fallback>
+  </mc:AlternateContent>
+</p:sld>
+</file>
+
+<file path=ppt/slides/slide11.xml><?xml version="1.0" encoding="utf-8"?>
+<p:sld xmlns:a="http://schemas.openxmlformats.org/drawingml/2006/main" xmlns:r="http://schemas.openxmlformats.org/officeDocument/2006/relationships" xmlns:p="http://schemas.openxmlformats.org/presentationml/2006/main">
+  <p:cSld>
+    <p:spTree>
+      <p:nvGrpSpPr>
+        <p:cNvPr id="1" name=""/>
+        <p:cNvGrpSpPr/>
+        <p:nvPr/>
+      </p:nvGrpSpPr>
+      <p:grpSpPr>
+        <a:xfrm>
+          <a:off x="0" y="0"/>
+          <a:ext cx="0" cy="0"/>
+          <a:chOff x="0" y="0"/>
+          <a:chExt cx="0" cy="0"/>
+        </a:xfrm>
+      </p:grpSpPr>
+      <p:sp>
+        <p:nvSpPr>
+          <p:cNvPr id="2" name="Title 1">
+            <a:extLst>
+              <a:ext uri="{FF2B5EF4-FFF2-40B4-BE49-F238E27FC236}">
+                <a16:creationId xmlns:a16="http://schemas.microsoft.com/office/drawing/2014/main" id="{DBF980A0-F6B2-8239-4629-496A2CB5A7F1}"/>
+              </a:ext>
+            </a:extLst>
+          </p:cNvPr>
+          <p:cNvSpPr>
+            <a:spLocks noGrp="1"/>
+          </p:cNvSpPr>
+          <p:nvPr>
+            <p:ph type="title"/>
+          </p:nvPr>
+        </p:nvSpPr>
+        <p:spPr/>
+        <p:txBody>
+          <a:bodyPr/>
+          <a:lstStyle/>
+          <a:p>
+            <a:r>
+              <a:rPr lang="en-US" dirty="0"/>
+              <a:t>Questions?</a:t>
+            </a:r>
+          </a:p>
+        </p:txBody>
+      </p:sp>
+      <p:sp>
+        <p:nvSpPr>
+          <p:cNvPr id="5" name="Text Placeholder 4">
+            <a:extLst>
+              <a:ext uri="{FF2B5EF4-FFF2-40B4-BE49-F238E27FC236}">
+                <a16:creationId xmlns:a16="http://schemas.microsoft.com/office/drawing/2014/main" id="{993E1FBC-B4F4-CF5C-D1F8-7BD75D5522EA}"/>
+              </a:ext>
+            </a:extLst>
+          </p:cNvPr>
+          <p:cNvSpPr>
+            <a:spLocks noGrp="1"/>
+          </p:cNvSpPr>
+          <p:nvPr>
+            <p:ph type="body" sz="quarter" idx="10"/>
+          </p:nvPr>
+        </p:nvSpPr>
+        <p:spPr/>
+        <p:txBody>
+          <a:bodyPr/>
+          <a:lstStyle/>
+          <a:p>
+            <a:endParaRPr lang="en-US"/>
+          </a:p>
+        </p:txBody>
+      </p:sp>
+    </p:spTree>
+    <p:extLst>
+      <p:ext uri="{BB962C8B-B14F-4D97-AF65-F5344CB8AC3E}">
+        <p14:creationId xmlns:p14="http://schemas.microsoft.com/office/powerpoint/2010/main" val="827241586"/>
+      </p:ext>
+    </p:extLst>
+  </p:cSld>
+  <p:clrMapOvr>
+    <a:masterClrMapping/>
+  </p:clrMapOvr>
+  <mc:AlternateContent xmlns:mc="http://schemas.openxmlformats.org/markup-compatibility/2006" xmlns:p14="http://schemas.microsoft.com/office/powerpoint/2010/main">
+    <mc:Choice Requires="p14">
+      <p:transition spd="med" p14:dur="700">
+        <p:fade/>
+      </p:transition>
+    </mc:Choice>
+    <mc:Fallback xmlns="">
+      <p:transition spd="med">
+        <p:fade/>
+      </p:transition>
+    </mc:Fallback>
+  </mc:AlternateContent>
+</p:sld>
+</file>
+
+<file path=ppt/slides/slide12.xml><?xml version="1.0" encoding="utf-8"?>
+<p:sld xmlns:a="http://schemas.openxmlformats.org/drawingml/2006/main" xmlns:r="http://schemas.openxmlformats.org/officeDocument/2006/relationships" xmlns:p="http://schemas.openxmlformats.org/presentationml/2006/main">
+  <p:cSld>
+    <p:spTree>
+      <p:nvGrpSpPr>
+        <p:cNvPr id="1" name=""/>
+        <p:cNvGrpSpPr/>
+        <p:nvPr/>
+      </p:nvGrpSpPr>
+      <p:grpSpPr>
+        <a:xfrm>
+          <a:off x="0" y="0"/>
+          <a:ext cx="0" cy="0"/>
+          <a:chOff x="0" y="0"/>
+          <a:chExt cx="0" cy="0"/>
+        </a:xfrm>
+      </p:grpSpPr>
+      <p:sp>
+        <p:nvSpPr>
+          <p:cNvPr id="3" name="Content Placeholder 2">
+            <a:extLst>
+              <a:ext uri="{FF2B5EF4-FFF2-40B4-BE49-F238E27FC236}">
+                <a16:creationId xmlns:a16="http://schemas.microsoft.com/office/drawing/2014/main" id="{F367E80B-4AFD-0740-84F0-3356AEDB81C2}"/>
+              </a:ext>
+            </a:extLst>
+          </p:cNvPr>
+          <p:cNvSpPr>
+            <a:spLocks noGrp="1"/>
+          </p:cNvSpPr>
+          <p:nvPr>
+            <p:ph idx="1"/>
+          </p:nvPr>
+        </p:nvSpPr>
+        <p:spPr>
+          <a:xfrm>
+            <a:off x="457200" y="2286000"/>
+            <a:ext cx="8686800" cy="3214255"/>
+          </a:xfrm>
+        </p:spPr>
+        <p:txBody>
+          <a:bodyPr/>
+          <a:lstStyle/>
+          <a:p>
+            <a:pPr marL="0" indent="0">
+              <a:buNone/>
+            </a:pPr>
+            <a:r>
+              <a:rPr lang="en-US" b="1" dirty="0"/>
+              <a:t>If needed, use Arial Regular Bold for body headings</a:t>
+            </a:r>
+          </a:p>
+          <a:p>
+            <a:r>
+              <a:rPr lang="en-US" dirty="0"/>
+              <a:t>By default, level one text comes with a bullet. However, it can be used without a bullet in sentence/paragraph format, like this, when bullets aren’t needed.</a:t>
+            </a:r>
+          </a:p>
+          <a:p>
+            <a:r>
+              <a:rPr lang="en-US" dirty="0"/>
+              <a:t>Use the Bullets button on the Home tab to toggle bullets off/on</a:t>
+            </a:r>
+          </a:p>
+          <a:p>
+            <a:r>
+              <a:rPr lang="en-US" dirty="0"/>
+              <a:t>Body text is Arial Regular with single line spacing</a:t>
+            </a:r>
+          </a:p>
+          <a:p>
+            <a:pPr lvl="1"/>
+            <a:r>
+              <a:rPr lang="en-US" dirty="0"/>
+              <a:t>Additional text levels are possible, each indented further with a dash</a:t>
+            </a:r>
+          </a:p>
+          <a:p>
+            <a:r>
+              <a:rPr lang="en-US" dirty="0"/>
+              <a:t>Use the Increase List Level and Decrease List Level buttons in the Paragraph section of the Home tab to change text levels</a:t>
+            </a:r>
+          </a:p>
+          <a:p>
+            <a:r>
+              <a:rPr lang="en-US" dirty="0"/>
+              <a:t>For legibility and consistency, avoid crowding slides with too much text</a:t>
+            </a:r>
+          </a:p>
+        </p:txBody>
+      </p:sp>
+      <p:sp>
+        <p:nvSpPr>
+          <p:cNvPr id="2" name="Title 1">
+            <a:extLst>
+              <a:ext uri="{FF2B5EF4-FFF2-40B4-BE49-F238E27FC236}">
+                <a16:creationId xmlns:a16="http://schemas.microsoft.com/office/drawing/2014/main" id="{69699A0B-6F26-F9BD-12A2-C63AB6A71D57}"/>
+              </a:ext>
+            </a:extLst>
+          </p:cNvPr>
+          <p:cNvSpPr>
+            <a:spLocks noGrp="1"/>
+          </p:cNvSpPr>
+          <p:nvPr>
+            <p:ph type="title"/>
+          </p:nvPr>
+        </p:nvSpPr>
+        <p:spPr>
+          <a:xfrm>
+            <a:off x="457200" y="365759"/>
+            <a:ext cx="11277600" cy="1371600"/>
+          </a:xfrm>
+        </p:spPr>
+        <p:txBody>
+          <a:bodyPr/>
+          <a:lstStyle/>
+          <a:p>
+            <a:r>
+              <a:rPr lang="en-US" dirty="0"/>
+              <a:t>Click to add Title</a:t>
+            </a:r>
+          </a:p>
+        </p:txBody>
+      </p:sp>
+      <p:sp>
+        <p:nvSpPr>
+          <p:cNvPr id="6" name="Text Placeholder 5">
+            <a:extLst>
+              <a:ext uri="{FF2B5EF4-FFF2-40B4-BE49-F238E27FC236}">
+                <a16:creationId xmlns:a16="http://schemas.microsoft.com/office/drawing/2014/main" id="{21269B33-E5BE-03E8-6599-A71820ABEA96}"/>
+              </a:ext>
+            </a:extLst>
+          </p:cNvPr>
+          <p:cNvSpPr>
+            <a:spLocks noGrp="1"/>
+          </p:cNvSpPr>
+          <p:nvPr>
+            <p:ph type="body" sz="quarter" idx="10"/>
+          </p:nvPr>
+        </p:nvSpPr>
+        <p:spPr/>
+        <p:txBody>
+          <a:bodyPr/>
+          <a:lstStyle/>
+          <a:p>
+            <a:r>
+              <a:rPr lang="en-US" dirty="0"/>
+              <a:t>[Footnotes/references, if needed, appear here in Arial Regular 8pt.</a:t>
+            </a:r>
+          </a:p>
+          <a:p>
+            <a:r>
+              <a:rPr lang="en-US" dirty="0"/>
+              <a:t>Text grows upwards as lines are added.]</a:t>
+            </a:r>
+          </a:p>
+        </p:txBody>
+      </p:sp>
+    </p:spTree>
+    <p:extLst>
+      <p:ext uri="{BB962C8B-B14F-4D97-AF65-F5344CB8AC3E}">
+        <p14:creationId xmlns:p14="http://schemas.microsoft.com/office/powerpoint/2010/main" val="313684081"/>
+      </p:ext>
+    </p:extLst>
+  </p:cSld>
+  <p:clrMapOvr>
+    <a:masterClrMapping/>
+  </p:clrMapOvr>
+  <mc:AlternateContent xmlns:mc="http://schemas.openxmlformats.org/markup-compatibility/2006" xmlns:p14="http://schemas.microsoft.com/office/powerpoint/2010/main">
+    <mc:Choice Requires="p14">
+      <p:transition spd="med" p14:dur="700">
+        <p:fade/>
+      </p:transition>
+    </mc:Choice>
+    <mc:Fallback xmlns="">
+      <p:transition spd="med">
+        <p:fade/>
+      </p:transition>
+    </mc:Fallback>
+  </mc:AlternateContent>
+</p:sld>
+</file>
+
+<file path=ppt/slides/slide13.xml><?xml version="1.0" encoding="utf-8"?>
+<p:sld xmlns:a="http://schemas.openxmlformats.org/drawingml/2006/main" xmlns:r="http://schemas.openxmlformats.org/officeDocument/2006/relationships" xmlns:p="http://schemas.openxmlformats.org/presentationml/2006/main">
+  <p:cSld>
+    <p:spTree>
+      <p:nvGrpSpPr>
+        <p:cNvPr id="1" name=""/>
+        <p:cNvGrpSpPr/>
+        <p:nvPr/>
+      </p:nvGrpSpPr>
+      <p:grpSpPr>
+        <a:xfrm>
+          <a:off x="0" y="0"/>
+          <a:ext cx="0" cy="0"/>
+          <a:chOff x="0" y="0"/>
+          <a:chExt cx="0" cy="0"/>
+        </a:xfrm>
+      </p:grpSpPr>
+      <p:sp>
+        <p:nvSpPr>
           <p:cNvPr id="3" name="Content Placeholder 2">
             <a:extLst>
               <a:ext uri="{FF2B5EF4-FFF2-40B4-BE49-F238E27FC236}">
@@ -15132,7 +17780,7 @@
 </p:sld>
 </file>
 
-<file path=ppt/slides/slide11.xml><?xml version="1.0" encoding="utf-8"?>
+<file path=ppt/slides/slide14.xml><?xml version="1.0" encoding="utf-8"?>
 <p:sld xmlns:a="http://schemas.openxmlformats.org/drawingml/2006/main" xmlns:r="http://schemas.openxmlformats.org/officeDocument/2006/relationships" xmlns:p="http://schemas.openxmlformats.org/presentationml/2006/main">
   <p:cSld>
     <p:spTree>
@@ -15972,7 +18620,7 @@
 </p:sld>
 </file>
 
-<file path=ppt/slides/slide12.xml><?xml version="1.0" encoding="utf-8"?>
+<file path=ppt/slides/slide15.xml><?xml version="1.0" encoding="utf-8"?>
 <p:sld xmlns:a="http://schemas.openxmlformats.org/drawingml/2006/main" xmlns:r="http://schemas.openxmlformats.org/officeDocument/2006/relationships" xmlns:p="http://schemas.openxmlformats.org/presentationml/2006/main">
   <p:cSld>
     <p:spTree>
@@ -16297,7 +18945,7 @@
 </p:sld>
 </file>
 
-<file path=ppt/slides/slide13.xml><?xml version="1.0" encoding="utf-8"?>
+<file path=ppt/slides/slide16.xml><?xml version="1.0" encoding="utf-8"?>
 <p:sld xmlns:a="http://schemas.openxmlformats.org/drawingml/2006/main" xmlns:r="http://schemas.openxmlformats.org/officeDocument/2006/relationships" xmlns:p="http://schemas.openxmlformats.org/presentationml/2006/main">
   <p:cSld>
     <p:spTree>
@@ -16498,7 +19146,7 @@
 </p:sld>
 </file>
 
-<file path=ppt/slides/slide14.xml><?xml version="1.0" encoding="utf-8"?>
+<file path=ppt/slides/slide17.xml><?xml version="1.0" encoding="utf-8"?>
 <p:sld xmlns:a="http://schemas.openxmlformats.org/drawingml/2006/main" xmlns:r="http://schemas.openxmlformats.org/officeDocument/2006/relationships" xmlns:p="http://schemas.openxmlformats.org/presentationml/2006/main">
   <p:cSld>
     <p:spTree>
@@ -16694,7 +19342,7 @@
 </p:sld>
 </file>
 
-<file path=ppt/slides/slide15.xml><?xml version="1.0" encoding="utf-8"?>
+<file path=ppt/slides/slide18.xml><?xml version="1.0" encoding="utf-8"?>
 <p:sld xmlns:a="http://schemas.openxmlformats.org/drawingml/2006/main" xmlns:r="http://schemas.openxmlformats.org/officeDocument/2006/relationships" xmlns:p="http://schemas.openxmlformats.org/presentationml/2006/main">
   <p:cSld>
     <p:spTree>
@@ -16889,7 +19537,7 @@
 </p:sld>
 </file>
 
-<file path=ppt/slides/slide16.xml><?xml version="1.0" encoding="utf-8"?>
+<file path=ppt/slides/slide19.xml><?xml version="1.0" encoding="utf-8"?>
 <p:sld xmlns:a="http://schemas.openxmlformats.org/drawingml/2006/main" xmlns:r="http://schemas.openxmlformats.org/officeDocument/2006/relationships" xmlns:p="http://schemas.openxmlformats.org/presentationml/2006/main">
   <p:cSld>
     <p:spTree>
@@ -17017,369 +19665,6 @@
     <p:extLst>
       <p:ext uri="{BB962C8B-B14F-4D97-AF65-F5344CB8AC3E}">
         <p14:creationId xmlns:p14="http://schemas.microsoft.com/office/powerpoint/2010/main" val="906597923"/>
-      </p:ext>
-    </p:extLst>
-  </p:cSld>
-  <p:clrMapOvr>
-    <a:masterClrMapping/>
-  </p:clrMapOvr>
-  <mc:AlternateContent xmlns:mc="http://schemas.openxmlformats.org/markup-compatibility/2006" xmlns:p14="http://schemas.microsoft.com/office/powerpoint/2010/main">
-    <mc:Choice Requires="p14">
-      <p:transition spd="med" p14:dur="700">
-        <p:fade/>
-      </p:transition>
-    </mc:Choice>
-    <mc:Fallback xmlns="">
-      <p:transition spd="med">
-        <p:fade/>
-      </p:transition>
-    </mc:Fallback>
-  </mc:AlternateContent>
-</p:sld>
-</file>
-
-<file path=ppt/slides/slide17.xml><?xml version="1.0" encoding="utf-8"?>
-<p:sld xmlns:a="http://schemas.openxmlformats.org/drawingml/2006/main" xmlns:r="http://schemas.openxmlformats.org/officeDocument/2006/relationships" xmlns:p="http://schemas.openxmlformats.org/presentationml/2006/main">
-  <p:cSld>
-    <p:spTree>
-      <p:nvGrpSpPr>
-        <p:cNvPr id="1" name=""/>
-        <p:cNvGrpSpPr/>
-        <p:nvPr/>
-      </p:nvGrpSpPr>
-      <p:grpSpPr>
-        <a:xfrm>
-          <a:off x="0" y="0"/>
-          <a:ext cx="0" cy="0"/>
-          <a:chOff x="0" y="0"/>
-          <a:chExt cx="0" cy="0"/>
-        </a:xfrm>
-      </p:grpSpPr>
-      <p:sp>
-        <p:nvSpPr>
-          <p:cNvPr id="2" name="Title 1">
-            <a:extLst>
-              <a:ext uri="{FF2B5EF4-FFF2-40B4-BE49-F238E27FC236}">
-                <a16:creationId xmlns:a16="http://schemas.microsoft.com/office/drawing/2014/main" id="{F0FC55DB-F8AE-634C-A03C-3042914045A7}"/>
-              </a:ext>
-            </a:extLst>
-          </p:cNvPr>
-          <p:cNvSpPr>
-            <a:spLocks noGrp="1"/>
-          </p:cNvSpPr>
-          <p:nvPr>
-            <p:ph type="title"/>
-          </p:nvPr>
-        </p:nvSpPr>
-        <p:spPr/>
-        <p:txBody>
-          <a:bodyPr/>
-          <a:lstStyle/>
-          <a:p>
-            <a:r>
-              <a:rPr lang="en-US" dirty="0"/>
-              <a:t>Section Header</a:t>
-            </a:r>
-          </a:p>
-        </p:txBody>
-      </p:sp>
-      <p:sp>
-        <p:nvSpPr>
-          <p:cNvPr id="9" name="Subtitle 2">
-            <a:extLst>
-              <a:ext uri="{FF2B5EF4-FFF2-40B4-BE49-F238E27FC236}">
-                <a16:creationId xmlns:a16="http://schemas.microsoft.com/office/drawing/2014/main" id="{A71338F7-56F0-0540-BD04-0F76C01630E2}"/>
-              </a:ext>
-            </a:extLst>
-          </p:cNvPr>
-          <p:cNvSpPr>
-            <a:spLocks noGrp="1"/>
-          </p:cNvSpPr>
-          <p:nvPr>
-            <p:ph type="subTitle" idx="1"/>
-          </p:nvPr>
-        </p:nvSpPr>
-        <p:spPr/>
-        <p:txBody>
-          <a:bodyPr/>
-          <a:lstStyle/>
-          <a:p>
-            <a:r>
-              <a:rPr lang="en-US" dirty="0"/>
-              <a:t>Subtitle, if needed</a:t>
-            </a:r>
-          </a:p>
-        </p:txBody>
-      </p:sp>
-      <p:sp>
-        <p:nvSpPr>
-          <p:cNvPr id="11" name="Slide Number Placeholder 3">
-            <a:extLst>
-              <a:ext uri="{FF2B5EF4-FFF2-40B4-BE49-F238E27FC236}">
-                <a16:creationId xmlns:a16="http://schemas.microsoft.com/office/drawing/2014/main" id="{E8BEFC97-0197-2656-F549-483917C2158B}"/>
-              </a:ext>
-            </a:extLst>
-          </p:cNvPr>
-          <p:cNvSpPr txBox="1">
-            <a:spLocks/>
-          </p:cNvSpPr>
-          <p:nvPr/>
-        </p:nvSpPr>
-        <p:spPr>
-          <a:xfrm>
-            <a:off x="11187057" y="6284003"/>
-            <a:ext cx="457200" cy="228600"/>
-          </a:xfrm>
-          <a:prstGeom prst="rect">
-            <a:avLst/>
-          </a:prstGeom>
-        </p:spPr>
-        <p:txBody>
-          <a:bodyPr vert="horz" wrap="none" lIns="0" tIns="0" rIns="0" bIns="0" rtlCol="0" anchor="b" anchorCtr="0"/>
-          <a:lstStyle>
-            <a:defPPr>
-              <a:defRPr lang="en-US"/>
-            </a:defPPr>
-            <a:lvl1pPr marL="0" algn="r" defTabSz="914400" rtl="0" eaLnBrk="1" latinLnBrk="0" hangingPunct="1">
-              <a:defRPr sz="1200" b="0" kern="1200">
-                <a:solidFill>
-                  <a:schemeClr val="tx1"/>
-                </a:solidFill>
-                <a:latin typeface="+mn-lt"/>
-                <a:ea typeface="+mn-ea"/>
-                <a:cs typeface="+mn-cs"/>
-              </a:defRPr>
-            </a:lvl1pPr>
-            <a:lvl2pPr marL="457200" algn="l" defTabSz="914400" rtl="0" eaLnBrk="1" latinLnBrk="0" hangingPunct="1">
-              <a:defRPr sz="1800" kern="1200">
-                <a:solidFill>
-                  <a:schemeClr val="tx1"/>
-                </a:solidFill>
-                <a:latin typeface="+mn-lt"/>
-                <a:ea typeface="+mn-ea"/>
-                <a:cs typeface="+mn-cs"/>
-              </a:defRPr>
-            </a:lvl2pPr>
-            <a:lvl3pPr marL="914400" algn="l" defTabSz="914400" rtl="0" eaLnBrk="1" latinLnBrk="0" hangingPunct="1">
-              <a:defRPr sz="1800" kern="1200">
-                <a:solidFill>
-                  <a:schemeClr val="tx1"/>
-                </a:solidFill>
-                <a:latin typeface="+mn-lt"/>
-                <a:ea typeface="+mn-ea"/>
-                <a:cs typeface="+mn-cs"/>
-              </a:defRPr>
-            </a:lvl3pPr>
-            <a:lvl4pPr marL="1371600" algn="l" defTabSz="914400" rtl="0" eaLnBrk="1" latinLnBrk="0" hangingPunct="1">
-              <a:defRPr sz="1800" kern="1200">
-                <a:solidFill>
-                  <a:schemeClr val="tx1"/>
-                </a:solidFill>
-                <a:latin typeface="+mn-lt"/>
-                <a:ea typeface="+mn-ea"/>
-                <a:cs typeface="+mn-cs"/>
-              </a:defRPr>
-            </a:lvl4pPr>
-            <a:lvl5pPr marL="1828800" algn="l" defTabSz="914400" rtl="0" eaLnBrk="1" latinLnBrk="0" hangingPunct="1">
-              <a:defRPr sz="1800" kern="1200">
-                <a:solidFill>
-                  <a:schemeClr val="tx1"/>
-                </a:solidFill>
-                <a:latin typeface="+mn-lt"/>
-                <a:ea typeface="+mn-ea"/>
-                <a:cs typeface="+mn-cs"/>
-              </a:defRPr>
-            </a:lvl5pPr>
-            <a:lvl6pPr marL="2286000" algn="l" defTabSz="914400" rtl="0" eaLnBrk="1" latinLnBrk="0" hangingPunct="1">
-              <a:defRPr sz="1800" kern="1200">
-                <a:solidFill>
-                  <a:schemeClr val="tx1"/>
-                </a:solidFill>
-                <a:latin typeface="+mn-lt"/>
-                <a:ea typeface="+mn-ea"/>
-                <a:cs typeface="+mn-cs"/>
-              </a:defRPr>
-            </a:lvl6pPr>
-            <a:lvl7pPr marL="2743200" algn="l" defTabSz="914400" rtl="0" eaLnBrk="1" latinLnBrk="0" hangingPunct="1">
-              <a:defRPr sz="1800" kern="1200">
-                <a:solidFill>
-                  <a:schemeClr val="tx1"/>
-                </a:solidFill>
-                <a:latin typeface="+mn-lt"/>
-                <a:ea typeface="+mn-ea"/>
-                <a:cs typeface="+mn-cs"/>
-              </a:defRPr>
-            </a:lvl7pPr>
-            <a:lvl8pPr marL="3200400" algn="l" defTabSz="914400" rtl="0" eaLnBrk="1" latinLnBrk="0" hangingPunct="1">
-              <a:defRPr sz="1800" kern="1200">
-                <a:solidFill>
-                  <a:schemeClr val="tx1"/>
-                </a:solidFill>
-                <a:latin typeface="+mn-lt"/>
-                <a:ea typeface="+mn-ea"/>
-                <a:cs typeface="+mn-cs"/>
-              </a:defRPr>
-            </a:lvl8pPr>
-            <a:lvl9pPr marL="3657600" algn="l" defTabSz="914400" rtl="0" eaLnBrk="1" latinLnBrk="0" hangingPunct="1">
-              <a:defRPr sz="1800" kern="1200">
-                <a:solidFill>
-                  <a:schemeClr val="tx1"/>
-                </a:solidFill>
-                <a:latin typeface="+mn-lt"/>
-                <a:ea typeface="+mn-ea"/>
-                <a:cs typeface="+mn-cs"/>
-              </a:defRPr>
-            </a:lvl9pPr>
-          </a:lstStyle>
-          <a:p>
-            <a:endParaRPr lang="en-US" dirty="0"/>
-          </a:p>
-        </p:txBody>
-      </p:sp>
-    </p:spTree>
-    <p:extLst>
-      <p:ext uri="{BB962C8B-B14F-4D97-AF65-F5344CB8AC3E}">
-        <p14:creationId xmlns:p14="http://schemas.microsoft.com/office/powerpoint/2010/main" val="3574433726"/>
-      </p:ext>
-    </p:extLst>
-  </p:cSld>
-  <p:clrMapOvr>
-    <a:masterClrMapping/>
-  </p:clrMapOvr>
-  <mc:AlternateContent xmlns:mc="http://schemas.openxmlformats.org/markup-compatibility/2006" xmlns:p14="http://schemas.microsoft.com/office/powerpoint/2010/main">
-    <mc:Choice Requires="p14">
-      <p:transition spd="med" p14:dur="700">
-        <p:fade/>
-      </p:transition>
-    </mc:Choice>
-    <mc:Fallback xmlns="">
-      <p:transition spd="med">
-        <p:fade/>
-      </p:transition>
-    </mc:Fallback>
-  </mc:AlternateContent>
-</p:sld>
-</file>
-
-<file path=ppt/slides/slide18.xml><?xml version="1.0" encoding="utf-8"?>
-<p:sld xmlns:a="http://schemas.openxmlformats.org/drawingml/2006/main" xmlns:r="http://schemas.openxmlformats.org/officeDocument/2006/relationships" xmlns:p="http://schemas.openxmlformats.org/presentationml/2006/main">
-  <p:cSld>
-    <p:spTree>
-      <p:nvGrpSpPr>
-        <p:cNvPr id="1" name=""/>
-        <p:cNvGrpSpPr/>
-        <p:nvPr/>
-      </p:nvGrpSpPr>
-      <p:grpSpPr>
-        <a:xfrm>
-          <a:off x="0" y="0"/>
-          <a:ext cx="0" cy="0"/>
-          <a:chOff x="0" y="0"/>
-          <a:chExt cx="0" cy="0"/>
-        </a:xfrm>
-      </p:grpSpPr>
-      <p:sp>
-        <p:nvSpPr>
-          <p:cNvPr id="4" name="Title 3">
-            <a:extLst>
-              <a:ext uri="{FF2B5EF4-FFF2-40B4-BE49-F238E27FC236}">
-                <a16:creationId xmlns:a16="http://schemas.microsoft.com/office/drawing/2014/main" id="{E1CB8846-17C1-F1A2-48D7-87FDF97E8BB1}"/>
-              </a:ext>
-            </a:extLst>
-          </p:cNvPr>
-          <p:cNvSpPr>
-            <a:spLocks noGrp="1"/>
-          </p:cNvSpPr>
-          <p:nvPr>
-            <p:ph type="title"/>
-          </p:nvPr>
-        </p:nvSpPr>
-        <p:spPr/>
-        <p:txBody>
-          <a:bodyPr/>
-          <a:lstStyle/>
-          <a:p>
-            <a:r>
-              <a:rPr lang="en-US" dirty="0"/>
-              <a:t>Section Header</a:t>
-            </a:r>
-          </a:p>
-        </p:txBody>
-      </p:sp>
-      <p:sp>
-        <p:nvSpPr>
-          <p:cNvPr id="8" name="Subtitle 7">
-            <a:extLst>
-              <a:ext uri="{FF2B5EF4-FFF2-40B4-BE49-F238E27FC236}">
-                <a16:creationId xmlns:a16="http://schemas.microsoft.com/office/drawing/2014/main" id="{CED8799E-41AF-BF90-E75A-58D64001A6E3}"/>
-              </a:ext>
-            </a:extLst>
-          </p:cNvPr>
-          <p:cNvSpPr>
-            <a:spLocks noGrp="1"/>
-          </p:cNvSpPr>
-          <p:nvPr>
-            <p:ph type="subTitle" idx="1"/>
-          </p:nvPr>
-        </p:nvSpPr>
-        <p:spPr/>
-        <p:txBody>
-          <a:bodyPr/>
-          <a:lstStyle/>
-          <a:p>
-            <a:r>
-              <a:rPr lang="en-US" dirty="0"/>
-              <a:t>Subtitle, if needed</a:t>
-            </a:r>
-          </a:p>
-        </p:txBody>
-      </p:sp>
-    </p:spTree>
-    <p:extLst>
-      <p:ext uri="{BB962C8B-B14F-4D97-AF65-F5344CB8AC3E}">
-        <p14:creationId xmlns:p14="http://schemas.microsoft.com/office/powerpoint/2010/main" val="2398435535"/>
-      </p:ext>
-    </p:extLst>
-  </p:cSld>
-  <p:clrMapOvr>
-    <a:masterClrMapping/>
-  </p:clrMapOvr>
-  <mc:AlternateContent xmlns:mc="http://schemas.openxmlformats.org/markup-compatibility/2006" xmlns:p14="http://schemas.microsoft.com/office/powerpoint/2010/main">
-    <mc:Choice Requires="p14">
-      <p:transition spd="med" p14:dur="700">
-        <p:fade/>
-      </p:transition>
-    </mc:Choice>
-    <mc:Fallback xmlns="">
-      <p:transition spd="med">
-        <p:fade/>
-      </p:transition>
-    </mc:Fallback>
-  </mc:AlternateContent>
-</p:sld>
-</file>
-
-<file path=ppt/slides/slide19.xml><?xml version="1.0" encoding="utf-8"?>
-<p:sld xmlns:a="http://schemas.openxmlformats.org/drawingml/2006/main" xmlns:r="http://schemas.openxmlformats.org/officeDocument/2006/relationships" xmlns:p="http://schemas.openxmlformats.org/presentationml/2006/main">
-  <p:cSld>
-    <p:spTree>
-      <p:nvGrpSpPr>
-        <p:cNvPr id="1" name=""/>
-        <p:cNvGrpSpPr/>
-        <p:nvPr/>
-      </p:nvGrpSpPr>
-      <p:grpSpPr>
-        <a:xfrm>
-          <a:off x="0" y="0"/>
-          <a:ext cx="0" cy="0"/>
-          <a:chOff x="0" y="0"/>
-          <a:chExt cx="0" cy="0"/>
-        </a:xfrm>
-      </p:grpSpPr>
-    </p:spTree>
-    <p:extLst>
-      <p:ext uri="{BB962C8B-B14F-4D97-AF65-F5344CB8AC3E}">
-        <p14:creationId xmlns:p14="http://schemas.microsoft.com/office/powerpoint/2010/main" val="861767100"/>
       </p:ext>
     </p:extLst>
   </p:cSld>
@@ -17487,7 +19772,7 @@
             </a:r>
             <a:r>
               <a:rPr lang="en-US" dirty="0"/>
-              <a:t> is a direct competitor to Qualys</a:t>
+              <a:t> is a direct competitor of Qualys</a:t>
             </a:r>
           </a:p>
           <a:p>
@@ -17496,13 +19781,38 @@
           <a:p>
             <a:r>
               <a:rPr lang="en-US" dirty="0"/>
-              <a:t>Focus areas: Configuration Compliance, Network Device Scanning, Agents</a:t>
+              <a:t>Key Areas of Evaluation: Configuration Compliance, Network Device Scanning, Agents and Cost</a:t>
             </a:r>
           </a:p>
           <a:p>
             <a:endParaRPr lang="en-US" b="1" dirty="0"/>
           </a:p>
           <a:p>
+            <a:r>
+              <a:rPr lang="en-US" kern="0" dirty="0">
+                <a:solidFill>
+                  <a:srgbClr val="000000"/>
+                </a:solidFill>
+              </a:rPr>
+              <a:t>On-prem deployment is a requirement for CyberArk integration*</a:t>
+            </a:r>
+          </a:p>
+          <a:p>
+            <a:endParaRPr lang="en-US" b="1" kern="0" dirty="0">
+              <a:solidFill>
+                <a:srgbClr val="000000"/>
+              </a:solidFill>
+            </a:endParaRPr>
+          </a:p>
+          <a:p>
+            <a:r>
+              <a:rPr lang="en-US" kern="0" dirty="0">
+                <a:solidFill>
+                  <a:srgbClr val="000000"/>
+                </a:solidFill>
+              </a:rPr>
+              <a:t>Several mission-critical features are not offered by </a:t>
+            </a:r>
             <a:r>
               <a:rPr lang="en-US" kern="0" dirty="0" err="1">
                 <a:solidFill>
@@ -17511,30 +19821,15 @@
               </a:rPr>
               <a:t>InsightVM</a:t>
             </a:r>
-            <a:r>
-              <a:rPr lang="en-US" kern="0" dirty="0">
-                <a:solidFill>
-                  <a:srgbClr val="000000"/>
-                </a:solidFill>
-              </a:rPr>
-              <a:t> at 225K assets is more expensive/less than Qualys</a:t>
-            </a:r>
-          </a:p>
-          <a:p>
-            <a:endParaRPr lang="en-US" b="1" kern="0" dirty="0">
-              <a:solidFill>
-                <a:srgbClr val="000000"/>
-              </a:solidFill>
-            </a:endParaRPr>
-          </a:p>
-          <a:p>
-            <a:r>
-              <a:rPr lang="en-US" dirty="0" err="1"/>
-              <a:t>InsightVM</a:t>
-            </a:r>
-            <a:r>
-              <a:rPr lang="en-US" dirty="0"/>
-              <a:t> does not support some prominent operating systems</a:t>
+            <a:endParaRPr lang="en-US" dirty="0"/>
+          </a:p>
+          <a:p>
+            <a:endParaRPr lang="en-US" dirty="0"/>
+          </a:p>
+          <a:p>
+            <a:r>
+              <a:rPr lang="en-US" dirty="0"/>
+              <a:t>Not a suitable replacement for Qualys</a:t>
             </a:r>
           </a:p>
           <a:p>
@@ -17569,7 +19864,7 @@
         </p:nvSpPr>
         <p:spPr>
           <a:xfrm>
-            <a:off x="457200" y="5500688"/>
+            <a:off x="457200" y="5249214"/>
             <a:ext cx="11277600" cy="442912"/>
           </a:xfrm>
         </p:spPr>
@@ -17579,68 +19874,59 @@
           <a:p>
             <a:r>
               <a:rPr lang="en-US" dirty="0"/>
-              <a:t>[Footnotes/references, if needed, appear here in Arial Regular 8pt.</a:t>
-            </a:r>
-          </a:p>
-          <a:p>
-            <a:r>
-              <a:rPr lang="en-US" dirty="0"/>
-              <a:t>Text grows upwards as lines are added.]</a:t>
+              <a:t>There is friction between MetLife’s existing technology stack </a:t>
+            </a:r>
+          </a:p>
+          <a:p>
+            <a:r>
+              <a:rPr lang="en-US" dirty="0"/>
+              <a:t>and </a:t>
+            </a:r>
+            <a:r>
+              <a:rPr lang="en-US" dirty="0" err="1"/>
+              <a:t>InsightVM</a:t>
+            </a:r>
+            <a:r>
+              <a:rPr lang="en-US" dirty="0"/>
+              <a:t> implementation and use*</a:t>
             </a:r>
           </a:p>
         </p:txBody>
       </p:sp>
       <p:pic>
         <p:nvPicPr>
-          <p:cNvPr id="1026" name="Picture 2" descr="About Rapid7 and Risk Cloud®">
+          <p:cNvPr id="3" name="Picture 2">
             <a:extLst>
               <a:ext uri="{FF2B5EF4-FFF2-40B4-BE49-F238E27FC236}">
-                <a16:creationId xmlns:a16="http://schemas.microsoft.com/office/drawing/2014/main" id="{1C8FC8B2-CC6D-542E-F5A5-0A470734DD66}"/>
+                <a16:creationId xmlns:a16="http://schemas.microsoft.com/office/drawing/2014/main" id="{3A142C56-C76E-A50D-3A0C-39F545472E5B}"/>
               </a:ext>
             </a:extLst>
           </p:cNvPr>
           <p:cNvPicPr>
-            <a:picLocks noChangeAspect="1" noChangeArrowheads="1"/>
+            <a:picLocks noChangeAspect="1"/>
           </p:cNvPicPr>
           <p:nvPr/>
         </p:nvPicPr>
         <p:blipFill>
-          <a:blip r:embed="rId2">
-            <a:extLst>
-              <a:ext uri="{28A0092B-C50C-407E-A947-70E740481C1C}">
-                <a14:useLocalDpi xmlns:a14="http://schemas.microsoft.com/office/drawing/2010/main" val="0"/>
-              </a:ext>
-            </a:extLst>
-          </a:blip>
-          <a:srcRect/>
+          <a:blip r:embed="rId2"/>
           <a:stretch>
             <a:fillRect/>
           </a:stretch>
         </p:blipFill>
-        <p:spPr bwMode="auto">
+        <p:spPr>
           <a:xfrm>
-            <a:off x="4497725" y="4489181"/>
-            <a:ext cx="3196550" cy="2003060"/>
+            <a:off x="3643375" y="5470670"/>
+            <a:ext cx="4905249" cy="1156452"/>
           </a:xfrm>
           <a:prstGeom prst="rect">
             <a:avLst/>
           </a:prstGeom>
-          <a:noFill/>
-          <a:extLst>
-            <a:ext uri="{909E8E84-426E-40DD-AFC4-6F175D3DCCD1}">
-              <a14:hiddenFill xmlns:a14="http://schemas.microsoft.com/office/drawing/2010/main">
-                <a:solidFill>
-                  <a:srgbClr val="FFFFFF"/>
-                </a:solidFill>
-              </a14:hiddenFill>
-            </a:ext>
-          </a:extLst>
         </p:spPr>
       </p:pic>
     </p:spTree>
     <p:extLst>
       <p:ext uri="{BB962C8B-B14F-4D97-AF65-F5344CB8AC3E}">
-        <p14:creationId xmlns:p14="http://schemas.microsoft.com/office/powerpoint/2010/main" val="2173996818"/>
+        <p14:creationId xmlns:p14="http://schemas.microsoft.com/office/powerpoint/2010/main" val="3324113142"/>
       </p:ext>
     </p:extLst>
   </p:cSld>
@@ -17663,6 +19949,369 @@
 </file>
 
 <file path=ppt/slides/slide20.xml><?xml version="1.0" encoding="utf-8"?>
+<p:sld xmlns:a="http://schemas.openxmlformats.org/drawingml/2006/main" xmlns:r="http://schemas.openxmlformats.org/officeDocument/2006/relationships" xmlns:p="http://schemas.openxmlformats.org/presentationml/2006/main">
+  <p:cSld>
+    <p:spTree>
+      <p:nvGrpSpPr>
+        <p:cNvPr id="1" name=""/>
+        <p:cNvGrpSpPr/>
+        <p:nvPr/>
+      </p:nvGrpSpPr>
+      <p:grpSpPr>
+        <a:xfrm>
+          <a:off x="0" y="0"/>
+          <a:ext cx="0" cy="0"/>
+          <a:chOff x="0" y="0"/>
+          <a:chExt cx="0" cy="0"/>
+        </a:xfrm>
+      </p:grpSpPr>
+      <p:sp>
+        <p:nvSpPr>
+          <p:cNvPr id="2" name="Title 1">
+            <a:extLst>
+              <a:ext uri="{FF2B5EF4-FFF2-40B4-BE49-F238E27FC236}">
+                <a16:creationId xmlns:a16="http://schemas.microsoft.com/office/drawing/2014/main" id="{F0FC55DB-F8AE-634C-A03C-3042914045A7}"/>
+              </a:ext>
+            </a:extLst>
+          </p:cNvPr>
+          <p:cNvSpPr>
+            <a:spLocks noGrp="1"/>
+          </p:cNvSpPr>
+          <p:nvPr>
+            <p:ph type="title"/>
+          </p:nvPr>
+        </p:nvSpPr>
+        <p:spPr/>
+        <p:txBody>
+          <a:bodyPr/>
+          <a:lstStyle/>
+          <a:p>
+            <a:r>
+              <a:rPr lang="en-US" dirty="0"/>
+              <a:t>Section Header</a:t>
+            </a:r>
+          </a:p>
+        </p:txBody>
+      </p:sp>
+      <p:sp>
+        <p:nvSpPr>
+          <p:cNvPr id="9" name="Subtitle 2">
+            <a:extLst>
+              <a:ext uri="{FF2B5EF4-FFF2-40B4-BE49-F238E27FC236}">
+                <a16:creationId xmlns:a16="http://schemas.microsoft.com/office/drawing/2014/main" id="{A71338F7-56F0-0540-BD04-0F76C01630E2}"/>
+              </a:ext>
+            </a:extLst>
+          </p:cNvPr>
+          <p:cNvSpPr>
+            <a:spLocks noGrp="1"/>
+          </p:cNvSpPr>
+          <p:nvPr>
+            <p:ph type="subTitle" idx="1"/>
+          </p:nvPr>
+        </p:nvSpPr>
+        <p:spPr/>
+        <p:txBody>
+          <a:bodyPr/>
+          <a:lstStyle/>
+          <a:p>
+            <a:r>
+              <a:rPr lang="en-US" dirty="0"/>
+              <a:t>Subtitle, if needed</a:t>
+            </a:r>
+          </a:p>
+        </p:txBody>
+      </p:sp>
+      <p:sp>
+        <p:nvSpPr>
+          <p:cNvPr id="11" name="Slide Number Placeholder 3">
+            <a:extLst>
+              <a:ext uri="{FF2B5EF4-FFF2-40B4-BE49-F238E27FC236}">
+                <a16:creationId xmlns:a16="http://schemas.microsoft.com/office/drawing/2014/main" id="{E8BEFC97-0197-2656-F549-483917C2158B}"/>
+              </a:ext>
+            </a:extLst>
+          </p:cNvPr>
+          <p:cNvSpPr txBox="1">
+            <a:spLocks/>
+          </p:cNvSpPr>
+          <p:nvPr/>
+        </p:nvSpPr>
+        <p:spPr>
+          <a:xfrm>
+            <a:off x="11187057" y="6284003"/>
+            <a:ext cx="457200" cy="228600"/>
+          </a:xfrm>
+          <a:prstGeom prst="rect">
+            <a:avLst/>
+          </a:prstGeom>
+        </p:spPr>
+        <p:txBody>
+          <a:bodyPr vert="horz" wrap="none" lIns="0" tIns="0" rIns="0" bIns="0" rtlCol="0" anchor="b" anchorCtr="0"/>
+          <a:lstStyle>
+            <a:defPPr>
+              <a:defRPr lang="en-US"/>
+            </a:defPPr>
+            <a:lvl1pPr marL="0" algn="r" defTabSz="914400" rtl="0" eaLnBrk="1" latinLnBrk="0" hangingPunct="1">
+              <a:defRPr sz="1200" b="0" kern="1200">
+                <a:solidFill>
+                  <a:schemeClr val="tx1"/>
+                </a:solidFill>
+                <a:latin typeface="+mn-lt"/>
+                <a:ea typeface="+mn-ea"/>
+                <a:cs typeface="+mn-cs"/>
+              </a:defRPr>
+            </a:lvl1pPr>
+            <a:lvl2pPr marL="457200" algn="l" defTabSz="914400" rtl="0" eaLnBrk="1" latinLnBrk="0" hangingPunct="1">
+              <a:defRPr sz="1800" kern="1200">
+                <a:solidFill>
+                  <a:schemeClr val="tx1"/>
+                </a:solidFill>
+                <a:latin typeface="+mn-lt"/>
+                <a:ea typeface="+mn-ea"/>
+                <a:cs typeface="+mn-cs"/>
+              </a:defRPr>
+            </a:lvl2pPr>
+            <a:lvl3pPr marL="914400" algn="l" defTabSz="914400" rtl="0" eaLnBrk="1" latinLnBrk="0" hangingPunct="1">
+              <a:defRPr sz="1800" kern="1200">
+                <a:solidFill>
+                  <a:schemeClr val="tx1"/>
+                </a:solidFill>
+                <a:latin typeface="+mn-lt"/>
+                <a:ea typeface="+mn-ea"/>
+                <a:cs typeface="+mn-cs"/>
+              </a:defRPr>
+            </a:lvl3pPr>
+            <a:lvl4pPr marL="1371600" algn="l" defTabSz="914400" rtl="0" eaLnBrk="1" latinLnBrk="0" hangingPunct="1">
+              <a:defRPr sz="1800" kern="1200">
+                <a:solidFill>
+                  <a:schemeClr val="tx1"/>
+                </a:solidFill>
+                <a:latin typeface="+mn-lt"/>
+                <a:ea typeface="+mn-ea"/>
+                <a:cs typeface="+mn-cs"/>
+              </a:defRPr>
+            </a:lvl4pPr>
+            <a:lvl5pPr marL="1828800" algn="l" defTabSz="914400" rtl="0" eaLnBrk="1" latinLnBrk="0" hangingPunct="1">
+              <a:defRPr sz="1800" kern="1200">
+                <a:solidFill>
+                  <a:schemeClr val="tx1"/>
+                </a:solidFill>
+                <a:latin typeface="+mn-lt"/>
+                <a:ea typeface="+mn-ea"/>
+                <a:cs typeface="+mn-cs"/>
+              </a:defRPr>
+            </a:lvl5pPr>
+            <a:lvl6pPr marL="2286000" algn="l" defTabSz="914400" rtl="0" eaLnBrk="1" latinLnBrk="0" hangingPunct="1">
+              <a:defRPr sz="1800" kern="1200">
+                <a:solidFill>
+                  <a:schemeClr val="tx1"/>
+                </a:solidFill>
+                <a:latin typeface="+mn-lt"/>
+                <a:ea typeface="+mn-ea"/>
+                <a:cs typeface="+mn-cs"/>
+              </a:defRPr>
+            </a:lvl6pPr>
+            <a:lvl7pPr marL="2743200" algn="l" defTabSz="914400" rtl="0" eaLnBrk="1" latinLnBrk="0" hangingPunct="1">
+              <a:defRPr sz="1800" kern="1200">
+                <a:solidFill>
+                  <a:schemeClr val="tx1"/>
+                </a:solidFill>
+                <a:latin typeface="+mn-lt"/>
+                <a:ea typeface="+mn-ea"/>
+                <a:cs typeface="+mn-cs"/>
+              </a:defRPr>
+            </a:lvl7pPr>
+            <a:lvl8pPr marL="3200400" algn="l" defTabSz="914400" rtl="0" eaLnBrk="1" latinLnBrk="0" hangingPunct="1">
+              <a:defRPr sz="1800" kern="1200">
+                <a:solidFill>
+                  <a:schemeClr val="tx1"/>
+                </a:solidFill>
+                <a:latin typeface="+mn-lt"/>
+                <a:ea typeface="+mn-ea"/>
+                <a:cs typeface="+mn-cs"/>
+              </a:defRPr>
+            </a:lvl8pPr>
+            <a:lvl9pPr marL="3657600" algn="l" defTabSz="914400" rtl="0" eaLnBrk="1" latinLnBrk="0" hangingPunct="1">
+              <a:defRPr sz="1800" kern="1200">
+                <a:solidFill>
+                  <a:schemeClr val="tx1"/>
+                </a:solidFill>
+                <a:latin typeface="+mn-lt"/>
+                <a:ea typeface="+mn-ea"/>
+                <a:cs typeface="+mn-cs"/>
+              </a:defRPr>
+            </a:lvl9pPr>
+          </a:lstStyle>
+          <a:p>
+            <a:endParaRPr lang="en-US" dirty="0"/>
+          </a:p>
+        </p:txBody>
+      </p:sp>
+    </p:spTree>
+    <p:extLst>
+      <p:ext uri="{BB962C8B-B14F-4D97-AF65-F5344CB8AC3E}">
+        <p14:creationId xmlns:p14="http://schemas.microsoft.com/office/powerpoint/2010/main" val="3574433726"/>
+      </p:ext>
+    </p:extLst>
+  </p:cSld>
+  <p:clrMapOvr>
+    <a:masterClrMapping/>
+  </p:clrMapOvr>
+  <mc:AlternateContent xmlns:mc="http://schemas.openxmlformats.org/markup-compatibility/2006" xmlns:p14="http://schemas.microsoft.com/office/powerpoint/2010/main">
+    <mc:Choice Requires="p14">
+      <p:transition spd="med" p14:dur="700">
+        <p:fade/>
+      </p:transition>
+    </mc:Choice>
+    <mc:Fallback xmlns="">
+      <p:transition spd="med">
+        <p:fade/>
+      </p:transition>
+    </mc:Fallback>
+  </mc:AlternateContent>
+</p:sld>
+</file>
+
+<file path=ppt/slides/slide21.xml><?xml version="1.0" encoding="utf-8"?>
+<p:sld xmlns:a="http://schemas.openxmlformats.org/drawingml/2006/main" xmlns:r="http://schemas.openxmlformats.org/officeDocument/2006/relationships" xmlns:p="http://schemas.openxmlformats.org/presentationml/2006/main">
+  <p:cSld>
+    <p:spTree>
+      <p:nvGrpSpPr>
+        <p:cNvPr id="1" name=""/>
+        <p:cNvGrpSpPr/>
+        <p:nvPr/>
+      </p:nvGrpSpPr>
+      <p:grpSpPr>
+        <a:xfrm>
+          <a:off x="0" y="0"/>
+          <a:ext cx="0" cy="0"/>
+          <a:chOff x="0" y="0"/>
+          <a:chExt cx="0" cy="0"/>
+        </a:xfrm>
+      </p:grpSpPr>
+      <p:sp>
+        <p:nvSpPr>
+          <p:cNvPr id="4" name="Title 3">
+            <a:extLst>
+              <a:ext uri="{FF2B5EF4-FFF2-40B4-BE49-F238E27FC236}">
+                <a16:creationId xmlns:a16="http://schemas.microsoft.com/office/drawing/2014/main" id="{E1CB8846-17C1-F1A2-48D7-87FDF97E8BB1}"/>
+              </a:ext>
+            </a:extLst>
+          </p:cNvPr>
+          <p:cNvSpPr>
+            <a:spLocks noGrp="1"/>
+          </p:cNvSpPr>
+          <p:nvPr>
+            <p:ph type="title"/>
+          </p:nvPr>
+        </p:nvSpPr>
+        <p:spPr/>
+        <p:txBody>
+          <a:bodyPr/>
+          <a:lstStyle/>
+          <a:p>
+            <a:r>
+              <a:rPr lang="en-US" dirty="0"/>
+              <a:t>Section Header</a:t>
+            </a:r>
+          </a:p>
+        </p:txBody>
+      </p:sp>
+      <p:sp>
+        <p:nvSpPr>
+          <p:cNvPr id="8" name="Subtitle 7">
+            <a:extLst>
+              <a:ext uri="{FF2B5EF4-FFF2-40B4-BE49-F238E27FC236}">
+                <a16:creationId xmlns:a16="http://schemas.microsoft.com/office/drawing/2014/main" id="{CED8799E-41AF-BF90-E75A-58D64001A6E3}"/>
+              </a:ext>
+            </a:extLst>
+          </p:cNvPr>
+          <p:cNvSpPr>
+            <a:spLocks noGrp="1"/>
+          </p:cNvSpPr>
+          <p:nvPr>
+            <p:ph type="subTitle" idx="1"/>
+          </p:nvPr>
+        </p:nvSpPr>
+        <p:spPr/>
+        <p:txBody>
+          <a:bodyPr/>
+          <a:lstStyle/>
+          <a:p>
+            <a:r>
+              <a:rPr lang="en-US" dirty="0"/>
+              <a:t>Subtitle, if needed</a:t>
+            </a:r>
+          </a:p>
+        </p:txBody>
+      </p:sp>
+    </p:spTree>
+    <p:extLst>
+      <p:ext uri="{BB962C8B-B14F-4D97-AF65-F5344CB8AC3E}">
+        <p14:creationId xmlns:p14="http://schemas.microsoft.com/office/powerpoint/2010/main" val="2398435535"/>
+      </p:ext>
+    </p:extLst>
+  </p:cSld>
+  <p:clrMapOvr>
+    <a:masterClrMapping/>
+  </p:clrMapOvr>
+  <mc:AlternateContent xmlns:mc="http://schemas.openxmlformats.org/markup-compatibility/2006" xmlns:p14="http://schemas.microsoft.com/office/powerpoint/2010/main">
+    <mc:Choice Requires="p14">
+      <p:transition spd="med" p14:dur="700">
+        <p:fade/>
+      </p:transition>
+    </mc:Choice>
+    <mc:Fallback xmlns="">
+      <p:transition spd="med">
+        <p:fade/>
+      </p:transition>
+    </mc:Fallback>
+  </mc:AlternateContent>
+</p:sld>
+</file>
+
+<file path=ppt/slides/slide22.xml><?xml version="1.0" encoding="utf-8"?>
+<p:sld xmlns:a="http://schemas.openxmlformats.org/drawingml/2006/main" xmlns:r="http://schemas.openxmlformats.org/officeDocument/2006/relationships" xmlns:p="http://schemas.openxmlformats.org/presentationml/2006/main">
+  <p:cSld>
+    <p:spTree>
+      <p:nvGrpSpPr>
+        <p:cNvPr id="1" name=""/>
+        <p:cNvGrpSpPr/>
+        <p:nvPr/>
+      </p:nvGrpSpPr>
+      <p:grpSpPr>
+        <a:xfrm>
+          <a:off x="0" y="0"/>
+          <a:ext cx="0" cy="0"/>
+          <a:chOff x="0" y="0"/>
+          <a:chExt cx="0" cy="0"/>
+        </a:xfrm>
+      </p:grpSpPr>
+    </p:spTree>
+    <p:extLst>
+      <p:ext uri="{BB962C8B-B14F-4D97-AF65-F5344CB8AC3E}">
+        <p14:creationId xmlns:p14="http://schemas.microsoft.com/office/powerpoint/2010/main" val="861767100"/>
+      </p:ext>
+    </p:extLst>
+  </p:cSld>
+  <p:clrMapOvr>
+    <a:masterClrMapping/>
+  </p:clrMapOvr>
+  <mc:AlternateContent xmlns:mc="http://schemas.openxmlformats.org/markup-compatibility/2006" xmlns:p14="http://schemas.microsoft.com/office/powerpoint/2010/main">
+    <mc:Choice Requires="p14">
+      <p:transition spd="med" p14:dur="700">
+        <p:fade/>
+      </p:transition>
+    </mc:Choice>
+    <mc:Fallback xmlns="">
+      <p:transition spd="med">
+        <p:fade/>
+      </p:transition>
+    </mc:Fallback>
+  </mc:AlternateContent>
+</p:sld>
+</file>
+
+<file path=ppt/slides/slide23.xml><?xml version="1.0" encoding="utf-8"?>
 <p:sld xmlns:a="http://schemas.openxmlformats.org/drawingml/2006/main" xmlns:r="http://schemas.openxmlformats.org/officeDocument/2006/relationships" xmlns:p="http://schemas.openxmlformats.org/presentationml/2006/main">
   <p:cSld>
     <p:spTree>
@@ -17709,7 +20358,13 @@
   <p:cSld>
     <p:spTree>
       <p:nvGrpSpPr>
-        <p:cNvPr id="1" name=""/>
+        <p:cNvPr id="1" name="">
+          <a:extLst>
+            <a:ext uri="{FF2B5EF4-FFF2-40B4-BE49-F238E27FC236}">
+              <a16:creationId xmlns:a16="http://schemas.microsoft.com/office/drawing/2014/main" id="{546FA772-BC71-A5AF-B1F7-2B28B995C317}"/>
+            </a:ext>
+          </a:extLst>
+        </p:cNvPr>
         <p:cNvGrpSpPr/>
         <p:nvPr/>
       </p:nvGrpSpPr>
@@ -17723,10 +20378,10 @@
       </p:grpSpPr>
       <p:sp>
         <p:nvSpPr>
-          <p:cNvPr id="3" name="Content Placeholder 2">
+          <p:cNvPr id="2" name="Content Placeholder 1">
             <a:extLst>
               <a:ext uri="{FF2B5EF4-FFF2-40B4-BE49-F238E27FC236}">
-                <a16:creationId xmlns:a16="http://schemas.microsoft.com/office/drawing/2014/main" id="{900AE261-31D4-8C19-DFC5-3FFBC0DF4AFC}"/>
+                <a16:creationId xmlns:a16="http://schemas.microsoft.com/office/drawing/2014/main" id="{1413E1C6-ABDE-4533-CD41-6A2AF5473731}"/>
               </a:ext>
             </a:extLst>
           </p:cNvPr>
@@ -17739,8 +20394,8 @@
         </p:nvSpPr>
         <p:spPr>
           <a:xfrm>
-            <a:off x="457200" y="1600200"/>
-            <a:ext cx="11277600" cy="3657600"/>
+            <a:off x="609600" y="957380"/>
+            <a:ext cx="11277600" cy="5443419"/>
           </a:xfrm>
         </p:spPr>
         <p:txBody>
@@ -17748,60 +20403,101 @@
           <a:lstStyle/>
           <a:p>
             <a:r>
-              <a:rPr lang="en-US" dirty="0"/>
-              <a:t>Benchmarks can be configured to meet custom standards in the GUI, with comparable controls to Qualys</a:t>
-            </a:r>
-          </a:p>
-          <a:p>
-            <a:r>
-              <a:rPr lang="en-US" dirty="0"/>
-              <a:t>Configuration Scans can be scheduled, and are also collected via the Insight Agents automatically every 12 hours</a:t>
-            </a:r>
-          </a:p>
-          <a:p>
-            <a:r>
-              <a:rPr lang="en-US" dirty="0"/>
-              <a:t>Does not support configuration validation within the tool </a:t>
+              <a:rPr lang="en-US"/>
+              <a:t>Rapid7’s cloud architecture restricts outbound connections to credential vaults</a:t>
             </a:r>
           </a:p>
           <a:p>
             <a:pPr lvl="1"/>
             <a:r>
-              <a:rPr lang="en-US" sz="1800" dirty="0"/>
-              <a:t>This will add operational overhead for MetLife</a:t>
-            </a:r>
-          </a:p>
-          <a:p>
-            <a:r>
-              <a:rPr lang="en-US" dirty="0">
-                <a:solidFill>
-                  <a:srgbClr val="C00000"/>
-                </a:solidFill>
-              </a:rPr>
-              <a:t>Does not have severity rating system for configurations </a:t>
+              <a:rPr lang="en-US" sz="2200"/>
+              <a:t>Security Consoles must be on-prem to integrate with CyberArk</a:t>
             </a:r>
           </a:p>
           <a:p>
             <a:pPr lvl="1"/>
             <a:r>
-              <a:rPr lang="en-US" sz="1800" dirty="0"/>
-              <a:t>MetLife’s program relies on severity rating</a:t>
-            </a:r>
-          </a:p>
-          <a:p>
-            <a:endParaRPr lang="en-US" dirty="0"/>
-          </a:p>
-          <a:p>
-            <a:endParaRPr lang="en-US" b="1" dirty="0"/>
+              <a:rPr lang="en-US" sz="2200"/>
+              <a:t>CyberArk compatibility relies on AIM (CCP is not supported)</a:t>
+            </a:r>
+          </a:p>
+          <a:p>
+            <a:endParaRPr lang="en-US"/>
+          </a:p>
+          <a:p>
+            <a:r>
+              <a:rPr lang="en-US"/>
+              <a:t>Each trust boundary, JV network, and in isolated environment will need its own dedicated Security Console</a:t>
+            </a:r>
+          </a:p>
+          <a:p>
+            <a:pPr lvl="1"/>
+            <a:r>
+              <a:rPr lang="en-US" sz="2200"/>
+              <a:t>For 225K assets, each Security Console’s server will need:</a:t>
+            </a:r>
+          </a:p>
+          <a:p>
+            <a:pPr lvl="2"/>
+            <a:r>
+              <a:rPr lang="en-US" sz="2200"/>
+              <a:t>12 Cores, 64GB RAM, and 2TB of storage*</a:t>
+            </a:r>
+          </a:p>
+          <a:p>
+            <a:pPr lvl="1"/>
+            <a:endParaRPr lang="en-US"/>
+          </a:p>
+          <a:p>
+            <a:r>
+              <a:rPr lang="en-US"/>
+              <a:t>For an on-prem deployment, MetLife will need to procure:</a:t>
+            </a:r>
+          </a:p>
+          <a:p>
+            <a:pPr lvl="1"/>
+            <a:r>
+              <a:rPr lang="en-US" sz="2200"/>
+              <a:t>Infrastructure to meet the Security Console’s requirements</a:t>
+            </a:r>
+          </a:p>
+          <a:p>
+            <a:pPr lvl="1"/>
+            <a:r>
+              <a:rPr lang="en-US" sz="2200"/>
+              <a:t>CyberArk AIM licenses for each Security Console</a:t>
+            </a:r>
+          </a:p>
+          <a:p>
+            <a:pPr lvl="1"/>
+            <a:r>
+              <a:rPr lang="en-US" sz="2200"/>
+              <a:t>Additional licensing for RHEL/Windows Servers and VMware/vSphere</a:t>
+            </a:r>
+          </a:p>
+          <a:p>
+            <a:pPr lvl="1"/>
+            <a:r>
+              <a:rPr lang="en-US" sz="2200"/>
+              <a:t>Budget for any incremental or associated costs</a:t>
+            </a:r>
+          </a:p>
+          <a:p>
+            <a:pPr lvl="1"/>
+            <a:endParaRPr lang="en-US"/>
+          </a:p>
+          <a:p>
+            <a:pPr lvl="1"/>
+            <a:endParaRPr lang="en-US"/>
           </a:p>
         </p:txBody>
       </p:sp>
       <p:sp>
         <p:nvSpPr>
-          <p:cNvPr id="4" name="Title 3">
+          <p:cNvPr id="3" name="Title 2">
             <a:extLst>
               <a:ext uri="{FF2B5EF4-FFF2-40B4-BE49-F238E27FC236}">
-                <a16:creationId xmlns:a16="http://schemas.microsoft.com/office/drawing/2014/main" id="{33898D5E-5DB4-BFCF-F416-EEA55F28071F}"/>
+                <a16:creationId xmlns:a16="http://schemas.microsoft.com/office/drawing/2014/main" id="{B875DDA9-0E1C-AD0E-309C-FEC01EE65A59}"/>
               </a:ext>
             </a:extLst>
           </p:cNvPr>
@@ -17815,7 +20511,7 @@
         <p:spPr>
           <a:xfrm>
             <a:off x="457200" y="365759"/>
-            <a:ext cx="11277600" cy="1371600"/>
+            <a:ext cx="11277600" cy="548641"/>
           </a:xfrm>
         </p:spPr>
         <p:txBody>
@@ -17823,8 +20519,46 @@
           <a:lstStyle/>
           <a:p>
             <a:r>
-              <a:rPr lang="en-US" dirty="0"/>
-              <a:t>Configuration Compliance</a:t>
+              <a:rPr lang="en-US" err="1"/>
+              <a:t>InsightVM</a:t>
+            </a:r>
+            <a:r>
+              <a:rPr lang="en-US"/>
+              <a:t> Requirements</a:t>
+            </a:r>
+          </a:p>
+        </p:txBody>
+      </p:sp>
+      <p:sp>
+        <p:nvSpPr>
+          <p:cNvPr id="4" name="Text Placeholder 3">
+            <a:extLst>
+              <a:ext uri="{FF2B5EF4-FFF2-40B4-BE49-F238E27FC236}">
+                <a16:creationId xmlns:a16="http://schemas.microsoft.com/office/drawing/2014/main" id="{D3082953-EA49-4B28-8C5E-491A2E9F1075}"/>
+              </a:ext>
+            </a:extLst>
+          </p:cNvPr>
+          <p:cNvSpPr>
+            <a:spLocks noGrp="1"/>
+          </p:cNvSpPr>
+          <p:nvPr>
+            <p:ph type="body" sz="quarter" idx="10"/>
+          </p:nvPr>
+        </p:nvSpPr>
+        <p:spPr>
+          <a:xfrm>
+            <a:off x="3513083" y="6148551"/>
+            <a:ext cx="5165834" cy="121807"/>
+          </a:xfrm>
+        </p:spPr>
+        <p:txBody>
+          <a:bodyPr/>
+          <a:lstStyle/>
+          <a:p>
+            <a:pPr algn="ctr"/>
+            <a:r>
+              <a:rPr lang="en-US"/>
+              <a:t>*These resource quantities are estimates</a:t>
             </a:r>
           </a:p>
         </p:txBody>
@@ -17832,7 +20566,7 @@
     </p:spTree>
     <p:extLst>
       <p:ext uri="{BB962C8B-B14F-4D97-AF65-F5344CB8AC3E}">
-        <p14:creationId xmlns:p14="http://schemas.microsoft.com/office/powerpoint/2010/main" val="3427570893"/>
+        <p14:creationId xmlns:p14="http://schemas.microsoft.com/office/powerpoint/2010/main" val="2326235465"/>
       </p:ext>
     </p:extLst>
   </p:cSld>
@@ -17873,35 +20607,10 @@
       </p:grpSpPr>
       <p:sp>
         <p:nvSpPr>
-          <p:cNvPr id="2" name="Content Placeholder 1">
+          <p:cNvPr id="4" name="Title 3">
             <a:extLst>
               <a:ext uri="{FF2B5EF4-FFF2-40B4-BE49-F238E27FC236}">
-                <a16:creationId xmlns:a16="http://schemas.microsoft.com/office/drawing/2014/main" id="{B00D2898-82CB-F815-F2A5-9CA5EF3FD57D}"/>
-              </a:ext>
-            </a:extLst>
-          </p:cNvPr>
-          <p:cNvSpPr>
-            <a:spLocks noGrp="1"/>
-          </p:cNvSpPr>
-          <p:nvPr>
-            <p:ph idx="1"/>
-          </p:nvPr>
-        </p:nvSpPr>
-        <p:spPr/>
-        <p:txBody>
-          <a:bodyPr/>
-          <a:lstStyle/>
-          <a:p>
-            <a:endParaRPr lang="en-US" dirty="0"/>
-          </a:p>
-        </p:txBody>
-      </p:sp>
-      <p:sp>
-        <p:nvSpPr>
-          <p:cNvPr id="3" name="Title 2">
-            <a:extLst>
-              <a:ext uri="{FF2B5EF4-FFF2-40B4-BE49-F238E27FC236}">
-                <a16:creationId xmlns:a16="http://schemas.microsoft.com/office/drawing/2014/main" id="{EFCD4511-9FFF-37D4-FA6D-1720C604A63D}"/>
+                <a16:creationId xmlns:a16="http://schemas.microsoft.com/office/drawing/2014/main" id="{33898D5E-5DB4-BFCF-F416-EEA55F28071F}"/>
               </a:ext>
             </a:extLst>
           </p:cNvPr>
@@ -17912,31 +20621,35 @@
             <p:ph type="title"/>
           </p:nvPr>
         </p:nvSpPr>
-        <p:spPr/>
+        <p:spPr>
+          <a:xfrm>
+            <a:off x="457200" y="365759"/>
+            <a:ext cx="11277600" cy="1371600"/>
+          </a:xfrm>
+        </p:spPr>
         <p:txBody>
-          <a:bodyPr/>
+          <a:bodyPr vert="horz" lIns="0" tIns="0" rIns="0" bIns="0" rtlCol="0" anchor="t" anchorCtr="0">
+            <a:normAutofit/>
+          </a:bodyPr>
           <a:lstStyle/>
           <a:p>
             <a:r>
-              <a:rPr lang="en-US" dirty="0"/>
-              <a:t>Network Device Vuln Detections – </a:t>
-            </a:r>
-            <a:br>
-              <a:rPr lang="en-US" dirty="0"/>
-            </a:br>
-            <a:r>
-              <a:rPr lang="en-US" dirty="0"/>
-              <a:t>Routers &amp; Switches</a:t>
+              <a:rPr lang="en-US" b="1" i="0" kern="1200">
+                <a:latin typeface="+mj-lt"/>
+                <a:ea typeface="+mj-ea"/>
+                <a:cs typeface="Arial" panose="020B0604020202020204" pitchFamily="34" charset="0"/>
+              </a:rPr>
+              <a:t>Configuration Compliance</a:t>
             </a:r>
           </a:p>
         </p:txBody>
       </p:sp>
       <p:sp>
         <p:nvSpPr>
-          <p:cNvPr id="4" name="Text Placeholder 3">
+          <p:cNvPr id="3" name="Content Placeholder 2">
             <a:extLst>
               <a:ext uri="{FF2B5EF4-FFF2-40B4-BE49-F238E27FC236}">
-                <a16:creationId xmlns:a16="http://schemas.microsoft.com/office/drawing/2014/main" id="{3517B889-DD94-ABAB-3F7D-D6612142106A}"/>
+                <a16:creationId xmlns:a16="http://schemas.microsoft.com/office/drawing/2014/main" id="{900AE261-31D4-8C19-DFC5-3FFBC0DF4AFC}"/>
               </a:ext>
             </a:extLst>
           </p:cNvPr>
@@ -17944,22 +20657,149 @@
             <a:spLocks noGrp="1"/>
           </p:cNvSpPr>
           <p:nvPr>
-            <p:ph type="body" sz="quarter" idx="10"/>
+            <p:ph sz="half" idx="1"/>
           </p:nvPr>
         </p:nvSpPr>
-        <p:spPr/>
+        <p:spPr>
+          <a:xfrm>
+            <a:off x="194440" y="977989"/>
+            <a:ext cx="6053959" cy="3241964"/>
+          </a:xfrm>
+        </p:spPr>
         <p:txBody>
-          <a:bodyPr/>
+          <a:bodyPr vert="horz" lIns="0" tIns="0" rIns="0" bIns="0" spcCol="301752" rtlCol="0">
+            <a:noAutofit/>
+          </a:bodyPr>
           <a:lstStyle/>
           <a:p>
-            <a:endParaRPr lang="en-US"/>
+            <a:r>
+              <a:rPr lang="en-US" sz="2000" dirty="0"/>
+              <a:t>Benchmarks can be configured to meet custom standards in the GUI, with comparable controls to Qualys</a:t>
+            </a:r>
+          </a:p>
+          <a:p>
+            <a:r>
+              <a:rPr lang="en-US" sz="2000" dirty="0"/>
+              <a:t>Remote Configuration Scans can be scheduled; Agent-based Configuration data is collected every 12 hours*</a:t>
+            </a:r>
+          </a:p>
+          <a:p>
+            <a:r>
+              <a:rPr lang="en-US" sz="2000" dirty="0"/>
+              <a:t>Supports configuration validation within the tool**</a:t>
+            </a:r>
+          </a:p>
+          <a:p>
+            <a:r>
+              <a:rPr lang="en-US" sz="2000" dirty="0">
+                <a:solidFill>
+                  <a:srgbClr val="FF0000"/>
+                </a:solidFill>
+              </a:rPr>
+              <a:t>Does not have severity rating system for configurations </a:t>
+            </a:r>
+          </a:p>
+          <a:p>
+            <a:pPr lvl="1"/>
+            <a:r>
+              <a:rPr lang="en-US" sz="2000" dirty="0"/>
+              <a:t>MetLife’s Config Compliance program relies heavily on severity ratings to prioritize critical configuration issues</a:t>
+            </a:r>
+          </a:p>
+          <a:p>
+            <a:endParaRPr lang="en-US" sz="2000" dirty="0"/>
+          </a:p>
+          <a:p>
+            <a:endParaRPr lang="en-US" sz="2000" b="1" dirty="0"/>
           </a:p>
         </p:txBody>
       </p:sp>
+      <p:sp>
+        <p:nvSpPr>
+          <p:cNvPr id="2" name="TextBox 1">
+            <a:extLst>
+              <a:ext uri="{FF2B5EF4-FFF2-40B4-BE49-F238E27FC236}">
+                <a16:creationId xmlns:a16="http://schemas.microsoft.com/office/drawing/2014/main" id="{58217614-23B7-037B-105A-3574066788FF}"/>
+              </a:ext>
+            </a:extLst>
+          </p:cNvPr>
+          <p:cNvSpPr txBox="1"/>
+          <p:nvPr/>
+        </p:nvSpPr>
+        <p:spPr>
+          <a:xfrm>
+            <a:off x="457200" y="5500688"/>
+            <a:ext cx="4020207" cy="442912"/>
+          </a:xfrm>
+          <a:prstGeom prst="rect">
+            <a:avLst/>
+          </a:prstGeom>
+        </p:spPr>
+        <p:txBody>
+          <a:bodyPr vert="horz" lIns="0" tIns="0" rIns="0" bIns="0" spcCol="301752" rtlCol="0" anchor="b">
+            <a:normAutofit/>
+          </a:bodyPr>
+          <a:lstStyle/>
+          <a:p>
+            <a:pPr>
+              <a:spcAft>
+                <a:spcPts val="600"/>
+              </a:spcAft>
+              <a:buSzPct val="100000"/>
+            </a:pPr>
+            <a:r>
+              <a:rPr lang="en-US" sz="800" i="1" dirty="0"/>
+              <a:t>Agents do not support on-demand vulnerability or config compliance scans*</a:t>
+            </a:r>
+          </a:p>
+          <a:p>
+            <a:pPr>
+              <a:spcAft>
+                <a:spcPts val="600"/>
+              </a:spcAft>
+              <a:buSzPct val="100000"/>
+            </a:pPr>
+            <a:r>
+              <a:rPr lang="en-US" sz="800" i="1" dirty="0"/>
+              <a:t>Validation details (“Proof”) is only available to view in the GUI**</a:t>
+            </a:r>
+          </a:p>
+        </p:txBody>
+      </p:sp>
+      <p:pic>
+        <p:nvPicPr>
+          <p:cNvPr id="10" name="Picture 9">
+            <a:extLst>
+              <a:ext uri="{FF2B5EF4-FFF2-40B4-BE49-F238E27FC236}">
+                <a16:creationId xmlns:a16="http://schemas.microsoft.com/office/drawing/2014/main" id="{99160F8F-6259-3083-D50E-7F5D8257027B}"/>
+              </a:ext>
+            </a:extLst>
+          </p:cNvPr>
+          <p:cNvPicPr>
+            <a:picLocks noChangeAspect="1"/>
+          </p:cNvPicPr>
+          <p:nvPr/>
+        </p:nvPicPr>
+        <p:blipFill>
+          <a:blip r:embed="rId3"/>
+          <a:stretch>
+            <a:fillRect/>
+          </a:stretch>
+        </p:blipFill>
+        <p:spPr>
+          <a:xfrm>
+            <a:off x="7714595" y="558652"/>
+            <a:ext cx="3822896" cy="5740695"/>
+          </a:xfrm>
+          <a:prstGeom prst="rect">
+            <a:avLst/>
+          </a:prstGeom>
+        </p:spPr>
+      </p:pic>
     </p:spTree>
     <p:extLst>
       <p:ext uri="{BB962C8B-B14F-4D97-AF65-F5344CB8AC3E}">
-        <p14:creationId xmlns:p14="http://schemas.microsoft.com/office/powerpoint/2010/main" val="3298124032"/>
+        <p14:creationId xmlns:p14="http://schemas.microsoft.com/office/powerpoint/2010/main" val="3588178599"/>
       </p:ext>
     </p:extLst>
   </p:cSld>
@@ -20456,23 +23296,6 @@
             </a:r>
           </a:p>
           <a:p>
-            <a:pPr marL="228600" indent="-228600">
-              <a:lnSpc>
-                <a:spcPct val="100000"/>
-              </a:lnSpc>
-              <a:spcBef>
-                <a:spcPts val="1200"/>
-              </a:spcBef>
-              <a:buSzPct val="100000"/>
-              <a:buFont typeface="Arial"/>
-              <a:buChar char="•"/>
-            </a:pPr>
-            <a:r>
-              <a:rPr lang="en-US" sz="1600" dirty="0"/>
-              <a:t>(Note Agent details when hearing back from Rapid7)</a:t>
-            </a:r>
-          </a:p>
-          <a:p>
             <a:pPr>
               <a:lnSpc>
                 <a:spcPct val="100000"/>
@@ -20530,7 +23353,7 @@
             </a:pPr>
             <a:r>
               <a:rPr lang="en-US" sz="1600" dirty="0"/>
-              <a:t>The Insight Agent is more limited in the architecture that it supports than the Qualys Cloud Agent</a:t>
+              <a:t>Compared to the Qualys Cloud Agent, the Insight Agent provides less extensive support for different system architectures</a:t>
             </a:r>
           </a:p>
           <a:p>
@@ -20547,7 +23370,7 @@
             </a:pPr>
             <a:r>
               <a:rPr lang="en-US" sz="1600" dirty="0"/>
-              <a:t>Legacy Operating System is limited requiring agent versions to be downgraded for compatibility</a:t>
+              <a:t>Due to limited compatibility, legacy operating systems require the use of downgraded agent versions.</a:t>
             </a:r>
           </a:p>
           <a:p>
@@ -20592,6 +23415,426 @@
 </file>
 
 <file path=ppt/slides/slide6.xml><?xml version="1.0" encoding="utf-8"?>
+<p:sld xmlns:a="http://schemas.openxmlformats.org/drawingml/2006/main" xmlns:r="http://schemas.openxmlformats.org/officeDocument/2006/relationships" xmlns:p="http://schemas.openxmlformats.org/presentationml/2006/main">
+  <p:cSld>
+    <p:spTree>
+      <p:nvGrpSpPr>
+        <p:cNvPr id="1" name="">
+          <a:extLst>
+            <a:ext uri="{FF2B5EF4-FFF2-40B4-BE49-F238E27FC236}">
+              <a16:creationId xmlns:a16="http://schemas.microsoft.com/office/drawing/2014/main" id="{6AD770FC-A934-DD21-B8C9-F7BE8B42D684}"/>
+            </a:ext>
+          </a:extLst>
+        </p:cNvPr>
+        <p:cNvGrpSpPr/>
+        <p:nvPr/>
+      </p:nvGrpSpPr>
+      <p:grpSpPr>
+        <a:xfrm>
+          <a:off x="0" y="0"/>
+          <a:ext cx="0" cy="0"/>
+          <a:chOff x="0" y="0"/>
+          <a:chExt cx="0" cy="0"/>
+        </a:xfrm>
+      </p:grpSpPr>
+      <p:sp>
+        <p:nvSpPr>
+          <p:cNvPr id="9" name="Title 8">
+            <a:extLst>
+              <a:ext uri="{FF2B5EF4-FFF2-40B4-BE49-F238E27FC236}">
+                <a16:creationId xmlns:a16="http://schemas.microsoft.com/office/drawing/2014/main" id="{4A23C5E4-877C-C61B-665F-5B53D293182C}"/>
+              </a:ext>
+            </a:extLst>
+          </p:cNvPr>
+          <p:cNvSpPr>
+            <a:spLocks noGrp="1"/>
+          </p:cNvSpPr>
+          <p:nvPr>
+            <p:ph type="title"/>
+          </p:nvPr>
+        </p:nvSpPr>
+        <p:spPr>
+          <a:xfrm>
+            <a:off x="457200" y="365759"/>
+            <a:ext cx="11277600" cy="442912"/>
+          </a:xfrm>
+        </p:spPr>
+        <p:txBody>
+          <a:bodyPr/>
+          <a:lstStyle/>
+          <a:p>
+            <a:r>
+              <a:rPr lang="en-US" dirty="0"/>
+              <a:t>Features and Functionality</a:t>
+            </a:r>
+          </a:p>
+        </p:txBody>
+      </p:sp>
+      <p:sp>
+        <p:nvSpPr>
+          <p:cNvPr id="15" name="Text Placeholder 14">
+            <a:extLst>
+              <a:ext uri="{FF2B5EF4-FFF2-40B4-BE49-F238E27FC236}">
+                <a16:creationId xmlns:a16="http://schemas.microsoft.com/office/drawing/2014/main" id="{67213C44-6525-0314-E7C1-80C3C1D1DB74}"/>
+              </a:ext>
+            </a:extLst>
+          </p:cNvPr>
+          <p:cNvSpPr>
+            <a:spLocks noGrp="1"/>
+          </p:cNvSpPr>
+          <p:nvPr>
+            <p:ph type="body" sz="quarter" idx="10"/>
+          </p:nvPr>
+        </p:nvSpPr>
+        <p:spPr/>
+        <p:txBody>
+          <a:bodyPr/>
+          <a:lstStyle/>
+          <a:p>
+            <a:r>
+              <a:rPr lang="en-US" dirty="0"/>
+              <a:t>[Footnotes/references, if needed, appear here in Arial Regular 8pt.</a:t>
+            </a:r>
+          </a:p>
+          <a:p>
+            <a:r>
+              <a:rPr lang="en-US" dirty="0"/>
+              <a:t>Text grows upwards as lines are added.]</a:t>
+            </a:r>
+          </a:p>
+        </p:txBody>
+      </p:sp>
+      <p:sp>
+        <p:nvSpPr>
+          <p:cNvPr id="3" name="TextBox 2">
+            <a:extLst>
+              <a:ext uri="{FF2B5EF4-FFF2-40B4-BE49-F238E27FC236}">
+                <a16:creationId xmlns:a16="http://schemas.microsoft.com/office/drawing/2014/main" id="{088D8FF1-89C2-00C0-B53D-6A12844849FB}"/>
+              </a:ext>
+            </a:extLst>
+          </p:cNvPr>
+          <p:cNvSpPr txBox="1"/>
+          <p:nvPr/>
+        </p:nvSpPr>
+        <p:spPr>
+          <a:xfrm>
+            <a:off x="740979" y="1113001"/>
+            <a:ext cx="10710041" cy="3970318"/>
+          </a:xfrm>
+          <a:prstGeom prst="rect">
+            <a:avLst/>
+          </a:prstGeom>
+          <a:noFill/>
+        </p:spPr>
+        <p:txBody>
+          <a:bodyPr wrap="square">
+            <a:spAutoFit/>
+          </a:bodyPr>
+          <a:lstStyle/>
+          <a:p>
+            <a:pPr>
+              <a:buFont typeface="+mj-lt"/>
+              <a:buAutoNum type="arabicPeriod"/>
+            </a:pPr>
+            <a:r>
+              <a:rPr lang="en-US" dirty="0"/>
+              <a:t>Tagging logic is rudimentary compared to Qualys </a:t>
+            </a:r>
+          </a:p>
+          <a:p>
+            <a:pPr marL="742950" lvl="1" indent="-285750">
+              <a:buFont typeface="+mj-lt"/>
+              <a:buAutoNum type="arabicPeriod"/>
+            </a:pPr>
+            <a:r>
+              <a:rPr lang="en-US" dirty="0"/>
+              <a:t>Every instance tagging via Groovy </a:t>
+            </a:r>
+            <a:r>
+              <a:rPr lang="en-US" dirty="0" err="1"/>
+              <a:t>scriptlet</a:t>
+            </a:r>
+            <a:r>
+              <a:rPr lang="en-US" dirty="0"/>
+              <a:t> would be lost functionality</a:t>
+            </a:r>
+          </a:p>
+          <a:p>
+            <a:pPr>
+              <a:buFont typeface="+mj-lt"/>
+              <a:buAutoNum type="arabicPeriod"/>
+            </a:pPr>
+            <a:r>
+              <a:rPr lang="en-US" dirty="0"/>
+              <a:t>The </a:t>
+            </a:r>
+            <a:r>
+              <a:rPr lang="en-US" dirty="0" err="1"/>
+              <a:t>InsightVM</a:t>
+            </a:r>
+            <a:r>
+              <a:rPr lang="en-US" dirty="0"/>
+              <a:t> Platform, does not aggregate the data from Security Consoles in one place </a:t>
+            </a:r>
+          </a:p>
+          <a:p>
+            <a:pPr marL="742950" lvl="1" indent="-285750">
+              <a:buFont typeface="+mj-lt"/>
+              <a:buAutoNum type="arabicPeriod"/>
+            </a:pPr>
+            <a:r>
+              <a:rPr lang="en-US" dirty="0"/>
+              <a:t>To assess our full footprint, we would need to sign into each Security Console separately. This means the steps we take in Qualys for threat assessments would need to be repeated in </a:t>
+            </a:r>
+            <a:r>
+              <a:rPr lang="en-US" dirty="0" err="1"/>
+              <a:t>InsightVM</a:t>
+            </a:r>
+            <a:r>
+              <a:rPr lang="en-US" dirty="0"/>
+              <a:t> for each Console. </a:t>
+            </a:r>
+          </a:p>
+          <a:p>
+            <a:pPr marL="742950" lvl="1" indent="-285750">
+              <a:buFont typeface="+mj-lt"/>
+              <a:buAutoNum type="arabicPeriod"/>
+            </a:pPr>
+            <a:r>
+              <a:rPr lang="en-US" dirty="0"/>
+              <a:t>Multiple areas to manage users (users need to be added on the cloud platform and in each individual security console)</a:t>
+            </a:r>
+          </a:p>
+          <a:p>
+            <a:pPr marL="742950" lvl="1" indent="-285750">
+              <a:buFont typeface="+mj-lt"/>
+              <a:buAutoNum type="arabicPeriod"/>
+            </a:pPr>
+            <a:r>
+              <a:rPr lang="en-US" dirty="0">
+                <a:effectLst/>
+              </a:rPr>
+              <a:t>Each security console's server will need it's own certificate.</a:t>
+            </a:r>
+            <a:endParaRPr lang="en-US" dirty="0"/>
+          </a:p>
+          <a:p>
+            <a:pPr>
+              <a:buFont typeface="+mj-lt"/>
+              <a:buAutoNum type="arabicPeriod"/>
+            </a:pPr>
+            <a:r>
+              <a:rPr lang="en-US" dirty="0">
+                <a:effectLst/>
+              </a:rPr>
+              <a:t>No informational findings available</a:t>
+            </a:r>
+            <a:endParaRPr lang="en-US" dirty="0"/>
+          </a:p>
+          <a:p>
+            <a:pPr marL="742950" lvl="1" indent="-285750">
+              <a:buFont typeface="+mj-lt"/>
+              <a:buAutoNum type="arabicPeriod"/>
+            </a:pPr>
+            <a:r>
+              <a:rPr lang="en-US" dirty="0">
+                <a:effectLst/>
+              </a:rPr>
+              <a:t>software is available, but the installation path is not</a:t>
+            </a:r>
+            <a:endParaRPr lang="en-US" dirty="0"/>
+          </a:p>
+          <a:p>
+            <a:pPr marL="742950" lvl="1" indent="-285750">
+              <a:buFont typeface="+mj-lt"/>
+              <a:buAutoNum type="arabicPeriod"/>
+            </a:pPr>
+            <a:r>
+              <a:rPr lang="en-US" dirty="0">
+                <a:effectLst/>
+              </a:rPr>
+              <a:t>local service detections via the agent are not performed</a:t>
+            </a:r>
+            <a:endParaRPr lang="en-US" dirty="0"/>
+          </a:p>
+          <a:p>
+            <a:pPr marL="742950" lvl="1" indent="-285750">
+              <a:buFont typeface="+mj-lt"/>
+              <a:buAutoNum type="arabicPeriod"/>
+            </a:pPr>
+            <a:r>
+              <a:rPr lang="en-US" dirty="0">
+                <a:effectLst/>
+              </a:rPr>
+              <a:t>many details are only viewable via the GUI</a:t>
+            </a:r>
+            <a:endParaRPr lang="en-US" dirty="0"/>
+          </a:p>
+          <a:p>
+            <a:pPr marL="285750" indent="-285750">
+              <a:buFont typeface="+mj-lt"/>
+              <a:buAutoNum type="arabicPeriod"/>
+            </a:pPr>
+            <a:endParaRPr lang="en-US" dirty="0">
+              <a:effectLst/>
+            </a:endParaRPr>
+          </a:p>
+        </p:txBody>
+      </p:sp>
+    </p:spTree>
+    <p:extLst>
+      <p:ext uri="{BB962C8B-B14F-4D97-AF65-F5344CB8AC3E}">
+        <p14:creationId xmlns:p14="http://schemas.microsoft.com/office/powerpoint/2010/main" val="1321610310"/>
+      </p:ext>
+    </p:extLst>
+  </p:cSld>
+  <p:clrMapOvr>
+    <a:masterClrMapping/>
+  </p:clrMapOvr>
+  <mc:AlternateContent xmlns:mc="http://schemas.openxmlformats.org/markup-compatibility/2006" xmlns:p14="http://schemas.microsoft.com/office/powerpoint/2010/main">
+    <mc:Choice Requires="p14">
+      <p:transition spd="med" p14:dur="700">
+        <p:fade/>
+      </p:transition>
+    </mc:Choice>
+    <mc:Fallback xmlns="">
+      <p:transition spd="med">
+        <p:fade/>
+      </p:transition>
+    </mc:Fallback>
+  </mc:AlternateContent>
+</p:sld>
+</file>
+
+<file path=ppt/slides/slide7.xml><?xml version="1.0" encoding="utf-8"?>
+<p:sld xmlns:a="http://schemas.openxmlformats.org/drawingml/2006/main" xmlns:r="http://schemas.openxmlformats.org/officeDocument/2006/relationships" xmlns:p="http://schemas.openxmlformats.org/presentationml/2006/main">
+  <p:cSld>
+    <p:spTree>
+      <p:nvGrpSpPr>
+        <p:cNvPr id="1" name=""/>
+        <p:cNvGrpSpPr/>
+        <p:nvPr/>
+      </p:nvGrpSpPr>
+      <p:grpSpPr>
+        <a:xfrm>
+          <a:off x="0" y="0"/>
+          <a:ext cx="0" cy="0"/>
+          <a:chOff x="0" y="0"/>
+          <a:chExt cx="0" cy="0"/>
+        </a:xfrm>
+      </p:grpSpPr>
+      <p:sp>
+        <p:nvSpPr>
+          <p:cNvPr id="2" name="Content Placeholder 1">
+            <a:extLst>
+              <a:ext uri="{FF2B5EF4-FFF2-40B4-BE49-F238E27FC236}">
+                <a16:creationId xmlns:a16="http://schemas.microsoft.com/office/drawing/2014/main" id="{B00D2898-82CB-F815-F2A5-9CA5EF3FD57D}"/>
+              </a:ext>
+            </a:extLst>
+          </p:cNvPr>
+          <p:cNvSpPr>
+            <a:spLocks noGrp="1"/>
+          </p:cNvSpPr>
+          <p:nvPr>
+            <p:ph idx="1"/>
+          </p:nvPr>
+        </p:nvSpPr>
+        <p:spPr>
+          <a:xfrm>
+            <a:off x="457200" y="1489318"/>
+            <a:ext cx="11277600" cy="3657600"/>
+          </a:xfrm>
+        </p:spPr>
+        <p:txBody>
+          <a:bodyPr/>
+          <a:lstStyle/>
+          <a:p>
+            <a:pPr marL="0" indent="0">
+              <a:buNone/>
+            </a:pPr>
+            <a:endParaRPr lang="en-US" dirty="0"/>
+          </a:p>
+        </p:txBody>
+      </p:sp>
+      <p:sp>
+        <p:nvSpPr>
+          <p:cNvPr id="3" name="Title 2">
+            <a:extLst>
+              <a:ext uri="{FF2B5EF4-FFF2-40B4-BE49-F238E27FC236}">
+                <a16:creationId xmlns:a16="http://schemas.microsoft.com/office/drawing/2014/main" id="{EFCD4511-9FFF-37D4-FA6D-1720C604A63D}"/>
+              </a:ext>
+            </a:extLst>
+          </p:cNvPr>
+          <p:cNvSpPr>
+            <a:spLocks noGrp="1"/>
+          </p:cNvSpPr>
+          <p:nvPr>
+            <p:ph type="title"/>
+          </p:nvPr>
+        </p:nvSpPr>
+        <p:spPr/>
+        <p:txBody>
+          <a:bodyPr/>
+          <a:lstStyle/>
+          <a:p>
+            <a:r>
+              <a:rPr lang="en-US" dirty="0"/>
+              <a:t>Vuln Detections Comparison</a:t>
+            </a:r>
+          </a:p>
+        </p:txBody>
+      </p:sp>
+      <p:sp>
+        <p:nvSpPr>
+          <p:cNvPr id="4" name="Text Placeholder 3">
+            <a:extLst>
+              <a:ext uri="{FF2B5EF4-FFF2-40B4-BE49-F238E27FC236}">
+                <a16:creationId xmlns:a16="http://schemas.microsoft.com/office/drawing/2014/main" id="{3517B889-DD94-ABAB-3F7D-D6612142106A}"/>
+              </a:ext>
+            </a:extLst>
+          </p:cNvPr>
+          <p:cNvSpPr>
+            <a:spLocks noGrp="1"/>
+          </p:cNvSpPr>
+          <p:nvPr>
+            <p:ph type="body" sz="quarter" idx="10"/>
+          </p:nvPr>
+        </p:nvSpPr>
+        <p:spPr/>
+        <p:txBody>
+          <a:bodyPr/>
+          <a:lstStyle/>
+          <a:p>
+            <a:endParaRPr lang="en-US"/>
+          </a:p>
+        </p:txBody>
+      </p:sp>
+    </p:spTree>
+    <p:extLst>
+      <p:ext uri="{BB962C8B-B14F-4D97-AF65-F5344CB8AC3E}">
+        <p14:creationId xmlns:p14="http://schemas.microsoft.com/office/powerpoint/2010/main" val="3298124032"/>
+      </p:ext>
+    </p:extLst>
+  </p:cSld>
+  <p:clrMapOvr>
+    <a:masterClrMapping/>
+  </p:clrMapOvr>
+  <mc:AlternateContent xmlns:mc="http://schemas.openxmlformats.org/markup-compatibility/2006" xmlns:p14="http://schemas.microsoft.com/office/powerpoint/2010/main">
+    <mc:Choice Requires="p14">
+      <p:transition spd="med" p14:dur="700">
+        <p:fade/>
+      </p:transition>
+    </mc:Choice>
+    <mc:Fallback xmlns="">
+      <p:transition spd="med">
+        <p:fade/>
+      </p:transition>
+    </mc:Fallback>
+  </mc:AlternateContent>
+</p:sld>
+</file>
+
+<file path=ppt/slides/slide8.xml><?xml version="1.0" encoding="utf-8"?>
 <p:sld xmlns:a="http://schemas.openxmlformats.org/drawingml/2006/main" xmlns:r="http://schemas.openxmlformats.org/officeDocument/2006/relationships" xmlns:p="http://schemas.openxmlformats.org/presentationml/2006/main">
   <p:cSld>
     <p:spTree>
@@ -20640,23 +23883,6 @@
           <a:bodyPr/>
           <a:lstStyle/>
           <a:p>
-            <a:pPr marL="0" indent="0">
-              <a:spcBef>
-                <a:spcPts val="1200"/>
-              </a:spcBef>
-              <a:buSzPct val="100000"/>
-              <a:buNone/>
-            </a:pPr>
-            <a:r>
-              <a:rPr lang="en-US" dirty="0" err="1"/>
-              <a:t>InsightVM</a:t>
-            </a:r>
-            <a:r>
-              <a:rPr lang="en-US" dirty="0"/>
-              <a:t> (225K Assets): </a:t>
-            </a:r>
-          </a:p>
-          <a:p>
             <a:pPr marL="342900" indent="-342900">
               <a:spcBef>
                 <a:spcPts val="1200"/>
@@ -20733,8 +23959,12 @@
           <a:lstStyle/>
           <a:p>
             <a:r>
-              <a:rPr lang="en-US" dirty="0"/>
-              <a:t>Cost</a:t>
+              <a:rPr lang="en-US" dirty="0" err="1"/>
+              <a:t>InsightVM</a:t>
+            </a:r>
+            <a:r>
+              <a:rPr lang="en-US" dirty="0"/>
+              <a:t> Cost (225K Assets): </a:t>
             </a:r>
           </a:p>
         </p:txBody>
@@ -20811,7 +24041,7 @@
             </a:pPr>
             <a:r>
               <a:rPr lang="en-US" sz="2400" dirty="0"/>
-              <a:t>$2,223,126 ($741,042 per year)</a:t>
+              <a:t>$741,042 x 3 = $2,223,126</a:t>
             </a:r>
           </a:p>
           <a:p>
@@ -20867,260 +24097,6 @@
     <p:extLst>
       <p:ext uri="{BB962C8B-B14F-4D97-AF65-F5344CB8AC3E}">
         <p14:creationId xmlns:p14="http://schemas.microsoft.com/office/powerpoint/2010/main" val="4087436946"/>
-      </p:ext>
-    </p:extLst>
-  </p:cSld>
-  <p:clrMapOvr>
-    <a:masterClrMapping/>
-  </p:clrMapOvr>
-  <mc:AlternateContent xmlns:mc="http://schemas.openxmlformats.org/markup-compatibility/2006" xmlns:p14="http://schemas.microsoft.com/office/powerpoint/2010/main">
-    <mc:Choice Requires="p14">
-      <p:transition spd="med" p14:dur="700">
-        <p:fade/>
-      </p:transition>
-    </mc:Choice>
-    <mc:Fallback xmlns="">
-      <p:transition spd="med">
-        <p:fade/>
-      </p:transition>
-    </mc:Fallback>
-  </mc:AlternateContent>
-</p:sld>
-</file>
-
-<file path=ppt/slides/slide7.xml><?xml version="1.0" encoding="utf-8"?>
-<p:sld xmlns:a="http://schemas.openxmlformats.org/drawingml/2006/main" xmlns:r="http://schemas.openxmlformats.org/officeDocument/2006/relationships" xmlns:p="http://schemas.openxmlformats.org/presentationml/2006/main">
-  <p:cSld>
-    <p:spTree>
-      <p:nvGrpSpPr>
-        <p:cNvPr id="1" name=""/>
-        <p:cNvGrpSpPr/>
-        <p:nvPr/>
-      </p:nvGrpSpPr>
-      <p:grpSpPr>
-        <a:xfrm>
-          <a:off x="0" y="0"/>
-          <a:ext cx="0" cy="0"/>
-          <a:chOff x="0" y="0"/>
-          <a:chExt cx="0" cy="0"/>
-        </a:xfrm>
-      </p:grpSpPr>
-      <p:sp>
-        <p:nvSpPr>
-          <p:cNvPr id="9" name="Title 8">
-            <a:extLst>
-              <a:ext uri="{FF2B5EF4-FFF2-40B4-BE49-F238E27FC236}">
-                <a16:creationId xmlns:a16="http://schemas.microsoft.com/office/drawing/2014/main" id="{8407FD42-C8E1-4588-09C2-5490B6C26627}"/>
-              </a:ext>
-            </a:extLst>
-          </p:cNvPr>
-          <p:cNvSpPr>
-            <a:spLocks noGrp="1"/>
-          </p:cNvSpPr>
-          <p:nvPr>
-            <p:ph type="title"/>
-          </p:nvPr>
-        </p:nvSpPr>
-        <p:spPr>
-          <a:xfrm>
-            <a:off x="457200" y="365759"/>
-            <a:ext cx="11277600" cy="1371600"/>
-          </a:xfrm>
-        </p:spPr>
-        <p:txBody>
-          <a:bodyPr/>
-          <a:lstStyle/>
-          <a:p>
-            <a:r>
-              <a:rPr lang="en-US" dirty="0"/>
-              <a:t>Final Verdict</a:t>
-            </a:r>
-          </a:p>
-        </p:txBody>
-      </p:sp>
-      <p:sp>
-        <p:nvSpPr>
-          <p:cNvPr id="15" name="Text Placeholder 14">
-            <a:extLst>
-              <a:ext uri="{FF2B5EF4-FFF2-40B4-BE49-F238E27FC236}">
-                <a16:creationId xmlns:a16="http://schemas.microsoft.com/office/drawing/2014/main" id="{A0424C89-0FF2-65AD-0715-CD4D4B3B989B}"/>
-              </a:ext>
-            </a:extLst>
-          </p:cNvPr>
-          <p:cNvSpPr>
-            <a:spLocks noGrp="1"/>
-          </p:cNvSpPr>
-          <p:nvPr>
-            <p:ph type="body" sz="quarter" idx="10"/>
-          </p:nvPr>
-        </p:nvSpPr>
-        <p:spPr/>
-        <p:txBody>
-          <a:bodyPr/>
-          <a:lstStyle/>
-          <a:p>
-            <a:r>
-              <a:rPr lang="en-US" dirty="0"/>
-              <a:t>[Footnotes/references, if needed, appear here in Arial Regular 8pt.</a:t>
-            </a:r>
-          </a:p>
-          <a:p>
-            <a:r>
-              <a:rPr lang="en-US" dirty="0"/>
-              <a:t>Text grows upwards as lines are added.]</a:t>
-            </a:r>
-          </a:p>
-        </p:txBody>
-      </p:sp>
-    </p:spTree>
-    <p:extLst>
-      <p:ext uri="{BB962C8B-B14F-4D97-AF65-F5344CB8AC3E}">
-        <p14:creationId xmlns:p14="http://schemas.microsoft.com/office/powerpoint/2010/main" val="985609932"/>
-      </p:ext>
-    </p:extLst>
-  </p:cSld>
-  <p:clrMapOvr>
-    <a:masterClrMapping/>
-  </p:clrMapOvr>
-  <mc:AlternateContent xmlns:mc="http://schemas.openxmlformats.org/markup-compatibility/2006" xmlns:p14="http://schemas.microsoft.com/office/powerpoint/2010/main">
-    <mc:Choice Requires="p14">
-      <p:transition spd="med" p14:dur="700">
-        <p:fade/>
-      </p:transition>
-    </mc:Choice>
-    <mc:Fallback xmlns="">
-      <p:transition spd="med">
-        <p:fade/>
-      </p:transition>
-    </mc:Fallback>
-  </mc:AlternateContent>
-</p:sld>
-</file>
-
-<file path=ppt/slides/slide8.xml><?xml version="1.0" encoding="utf-8"?>
-<p:sld xmlns:a="http://schemas.openxmlformats.org/drawingml/2006/main" xmlns:r="http://schemas.openxmlformats.org/officeDocument/2006/relationships" xmlns:p="http://schemas.openxmlformats.org/presentationml/2006/main">
-  <p:cSld>
-    <p:spTree>
-      <p:nvGrpSpPr>
-        <p:cNvPr id="1" name=""/>
-        <p:cNvGrpSpPr/>
-        <p:nvPr/>
-      </p:nvGrpSpPr>
-      <p:grpSpPr>
-        <a:xfrm>
-          <a:off x="0" y="0"/>
-          <a:ext cx="0" cy="0"/>
-          <a:chOff x="0" y="0"/>
-          <a:chExt cx="0" cy="0"/>
-        </a:xfrm>
-      </p:grpSpPr>
-      <p:sp>
-        <p:nvSpPr>
-          <p:cNvPr id="2" name="Title 1">
-            <a:extLst>
-              <a:ext uri="{FF2B5EF4-FFF2-40B4-BE49-F238E27FC236}">
-                <a16:creationId xmlns:a16="http://schemas.microsoft.com/office/drawing/2014/main" id="{DBF980A0-F6B2-8239-4629-496A2CB5A7F1}"/>
-              </a:ext>
-            </a:extLst>
-          </p:cNvPr>
-          <p:cNvSpPr>
-            <a:spLocks noGrp="1"/>
-          </p:cNvSpPr>
-          <p:nvPr>
-            <p:ph type="title"/>
-          </p:nvPr>
-        </p:nvSpPr>
-        <p:spPr/>
-        <p:txBody>
-          <a:bodyPr/>
-          <a:lstStyle/>
-          <a:p>
-            <a:r>
-              <a:rPr lang="en-US" dirty="0"/>
-              <a:t>Questions?</a:t>
-            </a:r>
-          </a:p>
-        </p:txBody>
-      </p:sp>
-      <p:sp>
-        <p:nvSpPr>
-          <p:cNvPr id="3" name="Content Placeholder 2">
-            <a:extLst>
-              <a:ext uri="{FF2B5EF4-FFF2-40B4-BE49-F238E27FC236}">
-                <a16:creationId xmlns:a16="http://schemas.microsoft.com/office/drawing/2014/main" id="{70F546F9-BAF1-3CA2-6391-4210FC433F58}"/>
-              </a:ext>
-            </a:extLst>
-          </p:cNvPr>
-          <p:cNvSpPr>
-            <a:spLocks noGrp="1"/>
-          </p:cNvSpPr>
-          <p:nvPr>
-            <p:ph sz="half" idx="1"/>
-          </p:nvPr>
-        </p:nvSpPr>
-        <p:spPr/>
-        <p:txBody>
-          <a:bodyPr/>
-          <a:lstStyle/>
-          <a:p>
-            <a:endParaRPr lang="en-US"/>
-          </a:p>
-        </p:txBody>
-      </p:sp>
-      <p:sp>
-        <p:nvSpPr>
-          <p:cNvPr id="4" name="Content Placeholder 3">
-            <a:extLst>
-              <a:ext uri="{FF2B5EF4-FFF2-40B4-BE49-F238E27FC236}">
-                <a16:creationId xmlns:a16="http://schemas.microsoft.com/office/drawing/2014/main" id="{81AF1194-4C88-00F9-2B35-DEE3C2F1468A}"/>
-              </a:ext>
-            </a:extLst>
-          </p:cNvPr>
-          <p:cNvSpPr>
-            <a:spLocks noGrp="1"/>
-          </p:cNvSpPr>
-          <p:nvPr>
-            <p:ph sz="half" idx="2"/>
-          </p:nvPr>
-        </p:nvSpPr>
-        <p:spPr/>
-        <p:txBody>
-          <a:bodyPr/>
-          <a:lstStyle/>
-          <a:p>
-            <a:endParaRPr lang="en-US"/>
-          </a:p>
-        </p:txBody>
-      </p:sp>
-      <p:sp>
-        <p:nvSpPr>
-          <p:cNvPr id="5" name="Text Placeholder 4">
-            <a:extLst>
-              <a:ext uri="{FF2B5EF4-FFF2-40B4-BE49-F238E27FC236}">
-                <a16:creationId xmlns:a16="http://schemas.microsoft.com/office/drawing/2014/main" id="{993E1FBC-B4F4-CF5C-D1F8-7BD75D5522EA}"/>
-              </a:ext>
-            </a:extLst>
-          </p:cNvPr>
-          <p:cNvSpPr>
-            <a:spLocks noGrp="1"/>
-          </p:cNvSpPr>
-          <p:nvPr>
-            <p:ph type="body" sz="quarter" idx="10"/>
-          </p:nvPr>
-        </p:nvSpPr>
-        <p:spPr/>
-        <p:txBody>
-          <a:bodyPr/>
-          <a:lstStyle/>
-          <a:p>
-            <a:endParaRPr lang="en-US"/>
-          </a:p>
-        </p:txBody>
-      </p:sp>
-    </p:spTree>
-    <p:extLst>
-      <p:ext uri="{BB962C8B-B14F-4D97-AF65-F5344CB8AC3E}">
-        <p14:creationId xmlns:p14="http://schemas.microsoft.com/office/powerpoint/2010/main" val="827241586"/>
       </p:ext>
     </p:extLst>
   </p:cSld>
@@ -21161,83 +24137,10 @@
       </p:grpSpPr>
       <p:sp>
         <p:nvSpPr>
-          <p:cNvPr id="3" name="Content Placeholder 2">
+          <p:cNvPr id="3" name="Title 2">
             <a:extLst>
               <a:ext uri="{FF2B5EF4-FFF2-40B4-BE49-F238E27FC236}">
-                <a16:creationId xmlns:a16="http://schemas.microsoft.com/office/drawing/2014/main" id="{F367E80B-4AFD-0740-84F0-3356AEDB81C2}"/>
-              </a:ext>
-            </a:extLst>
-          </p:cNvPr>
-          <p:cNvSpPr>
-            <a:spLocks noGrp="1"/>
-          </p:cNvSpPr>
-          <p:nvPr>
-            <p:ph idx="1"/>
-          </p:nvPr>
-        </p:nvSpPr>
-        <p:spPr>
-          <a:xfrm>
-            <a:off x="457200" y="2286000"/>
-            <a:ext cx="8686800" cy="3214255"/>
-          </a:xfrm>
-        </p:spPr>
-        <p:txBody>
-          <a:bodyPr/>
-          <a:lstStyle/>
-          <a:p>
-            <a:pPr marL="0" indent="0">
-              <a:buNone/>
-            </a:pPr>
-            <a:r>
-              <a:rPr lang="en-US" b="1" dirty="0"/>
-              <a:t>If needed, use Arial Regular Bold for body headings</a:t>
-            </a:r>
-          </a:p>
-          <a:p>
-            <a:r>
-              <a:rPr lang="en-US" dirty="0"/>
-              <a:t>By default, level one text comes with a bullet. However, it can be used without a bullet in sentence/paragraph format, like this, when bullets aren’t needed.</a:t>
-            </a:r>
-          </a:p>
-          <a:p>
-            <a:r>
-              <a:rPr lang="en-US" dirty="0"/>
-              <a:t>Use the Bullets button on the Home tab to toggle bullets off/on</a:t>
-            </a:r>
-          </a:p>
-          <a:p>
-            <a:r>
-              <a:rPr lang="en-US" dirty="0"/>
-              <a:t>Body text is Arial Regular with single line spacing</a:t>
-            </a:r>
-          </a:p>
-          <a:p>
-            <a:pPr lvl="1"/>
-            <a:r>
-              <a:rPr lang="en-US" dirty="0"/>
-              <a:t>Additional text levels are possible, each indented further with a dash</a:t>
-            </a:r>
-          </a:p>
-          <a:p>
-            <a:r>
-              <a:rPr lang="en-US" dirty="0"/>
-              <a:t>Use the Increase List Level and Decrease List Level buttons in the Paragraph section of the Home tab to change text levels</a:t>
-            </a:r>
-          </a:p>
-          <a:p>
-            <a:r>
-              <a:rPr lang="en-US" dirty="0"/>
-              <a:t>For legibility and consistency, avoid crowding slides with too much text</a:t>
-            </a:r>
-          </a:p>
-        </p:txBody>
-      </p:sp>
-      <p:sp>
-        <p:nvSpPr>
-          <p:cNvPr id="2" name="Title 1">
-            <a:extLst>
-              <a:ext uri="{FF2B5EF4-FFF2-40B4-BE49-F238E27FC236}">
-                <a16:creationId xmlns:a16="http://schemas.microsoft.com/office/drawing/2014/main" id="{69699A0B-6F26-F9BD-12A2-C63AB6A71D57}"/>
+                <a16:creationId xmlns:a16="http://schemas.microsoft.com/office/drawing/2014/main" id="{C3251388-7548-CB5C-C1D2-AED09FB183DE}"/>
               </a:ext>
             </a:extLst>
           </p:cNvPr>
@@ -21248,53 +24151,1158 @@
             <p:ph type="title"/>
           </p:nvPr>
         </p:nvSpPr>
-        <p:spPr>
-          <a:xfrm>
-            <a:off x="457200" y="365759"/>
-            <a:ext cx="11277600" cy="1371600"/>
-          </a:xfrm>
-        </p:spPr>
+        <p:spPr/>
         <p:txBody>
           <a:bodyPr/>
           <a:lstStyle/>
           <a:p>
             <a:r>
               <a:rPr lang="en-US" dirty="0"/>
-              <a:t>Click to add Title</a:t>
-            </a:r>
+              <a:t>Cost Comparison</a:t>
+            </a:r>
+          </a:p>
+        </p:txBody>
+      </p:sp>
+      <p:graphicFrame>
+        <p:nvGraphicFramePr>
+          <p:cNvPr id="5" name="Content Placeholder 6">
+            <a:extLst>
+              <a:ext uri="{FF2B5EF4-FFF2-40B4-BE49-F238E27FC236}">
+                <a16:creationId xmlns:a16="http://schemas.microsoft.com/office/drawing/2014/main" id="{20AF2EED-AF48-19FE-F8E8-D147AB9E0FE7}"/>
+              </a:ext>
+            </a:extLst>
+          </p:cNvPr>
+          <p:cNvGraphicFramePr>
+            <a:graphicFrameLocks/>
+          </p:cNvGraphicFramePr>
+          <p:nvPr>
+            <p:extLst>
+              <p:ext uri="{D42A27DB-BD31-4B8C-83A1-F6EECF244321}">
+                <p14:modId xmlns:p14="http://schemas.microsoft.com/office/powerpoint/2010/main" val="3107995206"/>
+              </p:ext>
+            </p:extLst>
+          </p:nvPr>
+        </p:nvGraphicFramePr>
+        <p:xfrm>
+          <a:off x="457201" y="1737359"/>
+          <a:ext cx="5054252" cy="4262608"/>
+        </p:xfrm>
+        <a:graphic>
+          <a:graphicData uri="http://schemas.openxmlformats.org/drawingml/2006/chart">
+            <c:chart xmlns:c="http://schemas.openxmlformats.org/drawingml/2006/chart" xmlns:r="http://schemas.openxmlformats.org/officeDocument/2006/relationships" r:id="rId2"/>
+          </a:graphicData>
+        </a:graphic>
+      </p:graphicFrame>
+      <p:sp>
+        <p:nvSpPr>
+          <p:cNvPr id="6" name="TextBox 5">
+            <a:extLst>
+              <a:ext uri="{FF2B5EF4-FFF2-40B4-BE49-F238E27FC236}">
+                <a16:creationId xmlns:a16="http://schemas.microsoft.com/office/drawing/2014/main" id="{A3C36E02-5494-0258-BD1A-D1951DD73470}"/>
+              </a:ext>
+            </a:extLst>
+          </p:cNvPr>
+          <p:cNvSpPr txBox="1"/>
+          <p:nvPr/>
+        </p:nvSpPr>
+        <p:spPr>
+          <a:xfrm>
+            <a:off x="12050038" y="1728592"/>
+            <a:ext cx="0" cy="0"/>
+          </a:xfrm>
+          <a:prstGeom prst="rect">
+            <a:avLst/>
+          </a:prstGeom>
+          <a:noFill/>
+        </p:spPr>
+        <p:txBody>
+          <a:bodyPr wrap="none" lIns="0" tIns="0" rIns="0" bIns="0" rtlCol="0">
+            <a:noAutofit/>
+          </a:bodyPr>
+          <a:lstStyle/>
+          <a:p>
+            <a:pPr marL="228600" indent="-228600">
+              <a:lnSpc>
+                <a:spcPct val="100000"/>
+              </a:lnSpc>
+              <a:spcBef>
+                <a:spcPts val="1200"/>
+              </a:spcBef>
+              <a:buSzPct val="100000"/>
+              <a:buFont typeface="Arial"/>
+              <a:buChar char="•"/>
+            </a:pPr>
+            <a:endParaRPr lang="en-US" sz="1600" dirty="0"/>
           </a:p>
         </p:txBody>
       </p:sp>
       <p:sp>
         <p:nvSpPr>
-          <p:cNvPr id="6" name="Text Placeholder 5">
+          <p:cNvPr id="7" name="TextBox 6">
             <a:extLst>
               <a:ext uri="{FF2B5EF4-FFF2-40B4-BE49-F238E27FC236}">
-                <a16:creationId xmlns:a16="http://schemas.microsoft.com/office/drawing/2014/main" id="{21269B33-E5BE-03E8-6599-A71820ABEA96}"/>
+                <a16:creationId xmlns:a16="http://schemas.microsoft.com/office/drawing/2014/main" id="{5E2DC7D2-7182-B9DF-EC84-8B59454CA2C8}"/>
               </a:ext>
             </a:extLst>
           </p:cNvPr>
-          <p:cNvSpPr>
-            <a:spLocks noGrp="1"/>
-          </p:cNvSpPr>
+          <p:cNvSpPr txBox="1"/>
+          <p:nvPr/>
+        </p:nvSpPr>
+        <p:spPr>
+          <a:xfrm>
+            <a:off x="11624153" y="1991638"/>
+            <a:ext cx="0" cy="0"/>
+          </a:xfrm>
+          <a:prstGeom prst="rect">
+            <a:avLst/>
+          </a:prstGeom>
+          <a:noFill/>
+        </p:spPr>
+        <p:txBody>
+          <a:bodyPr wrap="none" lIns="0" tIns="0" rIns="0" bIns="0" rtlCol="0">
+            <a:noAutofit/>
+          </a:bodyPr>
+          <a:lstStyle/>
+          <a:p>
+            <a:pPr marL="228600" indent="-228600">
+              <a:lnSpc>
+                <a:spcPct val="100000"/>
+              </a:lnSpc>
+              <a:spcBef>
+                <a:spcPts val="1200"/>
+              </a:spcBef>
+              <a:buSzPct val="100000"/>
+              <a:buFont typeface="Arial"/>
+              <a:buChar char="•"/>
+            </a:pPr>
+            <a:endParaRPr lang="en-US" sz="1600" dirty="0"/>
+          </a:p>
+        </p:txBody>
+      </p:sp>
+      <p:graphicFrame>
+        <p:nvGraphicFramePr>
+          <p:cNvPr id="9" name="Table 8">
+            <a:extLst>
+              <a:ext uri="{FF2B5EF4-FFF2-40B4-BE49-F238E27FC236}">
+                <a16:creationId xmlns:a16="http://schemas.microsoft.com/office/drawing/2014/main" id="{A4EA7106-0985-E4EE-AFAE-5EADB7452009}"/>
+              </a:ext>
+            </a:extLst>
+          </p:cNvPr>
+          <p:cNvGraphicFramePr>
+            <a:graphicFrameLocks noGrp="1"/>
+          </p:cNvGraphicFramePr>
           <p:nvPr>
-            <p:ph type="body" sz="quarter" idx="10"/>
+            <p:extLst>
+              <p:ext uri="{D42A27DB-BD31-4B8C-83A1-F6EECF244321}">
+                <p14:modId xmlns:p14="http://schemas.microsoft.com/office/powerpoint/2010/main" val="4233075230"/>
+              </p:ext>
+            </p:extLst>
           </p:nvPr>
+        </p:nvGraphicFramePr>
+        <p:xfrm>
+          <a:off x="5694383" y="2375143"/>
+          <a:ext cx="6140624" cy="2987040"/>
+        </p:xfrm>
+        <a:graphic>
+          <a:graphicData uri="http://schemas.openxmlformats.org/drawingml/2006/table">
+            <a:tbl>
+              <a:tblPr bandRow="1">
+                <a:tableStyleId>{5C22544A-7EE6-4342-B048-85BDC9FD1C3A}</a:tableStyleId>
+              </a:tblPr>
+              <a:tblGrid>
+                <a:gridCol w="1535156">
+                  <a:extLst>
+                    <a:ext uri="{9D8B030D-6E8A-4147-A177-3AD203B41FA5}">
+                      <a16:colId xmlns:a16="http://schemas.microsoft.com/office/drawing/2014/main" val="3875009068"/>
+                    </a:ext>
+                  </a:extLst>
+                </a:gridCol>
+                <a:gridCol w="1535156">
+                  <a:extLst>
+                    <a:ext uri="{9D8B030D-6E8A-4147-A177-3AD203B41FA5}">
+                      <a16:colId xmlns:a16="http://schemas.microsoft.com/office/drawing/2014/main" val="3983828992"/>
+                    </a:ext>
+                  </a:extLst>
+                </a:gridCol>
+                <a:gridCol w="1535156">
+                  <a:extLst>
+                    <a:ext uri="{9D8B030D-6E8A-4147-A177-3AD203B41FA5}">
+                      <a16:colId xmlns:a16="http://schemas.microsoft.com/office/drawing/2014/main" val="2051697414"/>
+                    </a:ext>
+                  </a:extLst>
+                </a:gridCol>
+                <a:gridCol w="1535156">
+                  <a:extLst>
+                    <a:ext uri="{9D8B030D-6E8A-4147-A177-3AD203B41FA5}">
+                      <a16:colId xmlns:a16="http://schemas.microsoft.com/office/drawing/2014/main" val="3642415217"/>
+                    </a:ext>
+                  </a:extLst>
+                </a:gridCol>
+              </a:tblGrid>
+              <a:tr h="0">
+                <a:tc>
+                  <a:txBody>
+                    <a:bodyPr/>
+                    <a:lstStyle/>
+                    <a:p>
+                      <a:pPr>
+                        <a:buNone/>
+                      </a:pPr>
+                      <a:r>
+                        <a:rPr lang="en-US" b="1">
+                          <a:effectLst/>
+                        </a:rPr>
+                        <a:t>Type of Cost</a:t>
+                      </a:r>
+                      <a:endParaRPr lang="en-US"/>
+                    </a:p>
+                  </a:txBody>
+                  <a:tcPr anchor="ctr">
+                    <a:lnL>
+                      <a:noFill/>
+                    </a:lnL>
+                    <a:lnR>
+                      <a:noFill/>
+                    </a:lnR>
+                    <a:lnT>
+                      <a:noFill/>
+                    </a:lnT>
+                    <a:lnB>
+                      <a:noFill/>
+                    </a:lnB>
+                    <a:noFill/>
+                  </a:tcPr>
+                </a:tc>
+                <a:tc>
+                  <a:txBody>
+                    <a:bodyPr/>
+                    <a:lstStyle/>
+                    <a:p>
+                      <a:pPr>
+                        <a:buNone/>
+                      </a:pPr>
+                      <a:r>
+                        <a:rPr lang="en-US" b="1">
+                          <a:effectLst/>
+                        </a:rPr>
+                        <a:t>Product</a:t>
+                      </a:r>
+                      <a:endParaRPr lang="en-US"/>
+                    </a:p>
+                  </a:txBody>
+                  <a:tcPr anchor="ctr">
+                    <a:lnL>
+                      <a:noFill/>
+                    </a:lnL>
+                    <a:lnR>
+                      <a:noFill/>
+                    </a:lnR>
+                    <a:lnT>
+                      <a:noFill/>
+                    </a:lnT>
+                    <a:lnB>
+                      <a:noFill/>
+                    </a:lnB>
+                    <a:noFill/>
+                  </a:tcPr>
+                </a:tc>
+                <a:tc>
+                  <a:txBody>
+                    <a:bodyPr/>
+                    <a:lstStyle/>
+                    <a:p>
+                      <a:pPr>
+                        <a:buNone/>
+                      </a:pPr>
+                      <a:r>
+                        <a:rPr lang="en-US" b="1">
+                          <a:effectLst/>
+                        </a:rPr>
+                        <a:t>Cost</a:t>
+                      </a:r>
+                      <a:endParaRPr lang="en-US"/>
+                    </a:p>
+                  </a:txBody>
+                  <a:tcPr anchor="ctr">
+                    <a:lnL>
+                      <a:noFill/>
+                    </a:lnL>
+                    <a:lnR>
+                      <a:noFill/>
+                    </a:lnR>
+                    <a:lnT>
+                      <a:noFill/>
+                    </a:lnT>
+                    <a:lnB>
+                      <a:noFill/>
+                    </a:lnB>
+                    <a:noFill/>
+                  </a:tcPr>
+                </a:tc>
+                <a:tc>
+                  <a:txBody>
+                    <a:bodyPr/>
+                    <a:lstStyle/>
+                    <a:p>
+                      <a:pPr>
+                        <a:buNone/>
+                      </a:pPr>
+                      <a:r>
+                        <a:rPr lang="en-US" b="1">
+                          <a:effectLst/>
+                        </a:rPr>
+                        <a:t>Interval</a:t>
+                      </a:r>
+                      <a:endParaRPr lang="en-US"/>
+                    </a:p>
+                  </a:txBody>
+                  <a:tcPr anchor="ctr">
+                    <a:lnL>
+                      <a:noFill/>
+                    </a:lnL>
+                    <a:lnR>
+                      <a:noFill/>
+                    </a:lnR>
+                    <a:lnT>
+                      <a:noFill/>
+                    </a:lnT>
+                    <a:lnB>
+                      <a:noFill/>
+                    </a:lnB>
+                    <a:noFill/>
+                  </a:tcPr>
+                </a:tc>
+                <a:extLst>
+                  <a:ext uri="{0D108BD9-81ED-4DB2-BD59-A6C34878D82A}">
+                    <a16:rowId xmlns:a16="http://schemas.microsoft.com/office/drawing/2014/main" val="3754896543"/>
+                  </a:ext>
+                </a:extLst>
+              </a:tr>
+              <a:tr h="0">
+                <a:tc>
+                  <a:txBody>
+                    <a:bodyPr/>
+                    <a:lstStyle/>
+                    <a:p>
+                      <a:pPr>
+                        <a:buNone/>
+                      </a:pPr>
+                      <a:r>
+                        <a:rPr lang="en-US" dirty="0">
+                          <a:effectLst/>
+                        </a:rPr>
+                        <a:t>License</a:t>
+                      </a:r>
+                      <a:endParaRPr lang="en-US" dirty="0"/>
+                    </a:p>
+                  </a:txBody>
+                  <a:tcPr anchor="ctr">
+                    <a:lnL>
+                      <a:noFill/>
+                    </a:lnL>
+                    <a:lnR>
+                      <a:noFill/>
+                    </a:lnR>
+                    <a:lnT>
+                      <a:noFill/>
+                    </a:lnT>
+                    <a:lnB>
+                      <a:noFill/>
+                    </a:lnB>
+                    <a:noFill/>
+                  </a:tcPr>
+                </a:tc>
+                <a:tc>
+                  <a:txBody>
+                    <a:bodyPr/>
+                    <a:lstStyle/>
+                    <a:p>
+                      <a:pPr>
+                        <a:buNone/>
+                      </a:pPr>
+                      <a:r>
+                        <a:rPr lang="en-US">
+                          <a:effectLst/>
+                        </a:rPr>
+                        <a:t>RHEL</a:t>
+                      </a:r>
+                      <a:endParaRPr lang="en-US"/>
+                    </a:p>
+                  </a:txBody>
+                  <a:tcPr anchor="ctr">
+                    <a:lnL>
+                      <a:noFill/>
+                    </a:lnL>
+                    <a:lnR>
+                      <a:noFill/>
+                    </a:lnR>
+                    <a:lnT>
+                      <a:noFill/>
+                    </a:lnT>
+                    <a:lnB>
+                      <a:noFill/>
+                    </a:lnB>
+                    <a:noFill/>
+                  </a:tcPr>
+                </a:tc>
+                <a:tc>
+                  <a:txBody>
+                    <a:bodyPr/>
+                    <a:lstStyle/>
+                    <a:p>
+                      <a:pPr>
+                        <a:buNone/>
+                      </a:pPr>
+                      <a:r>
+                        <a:rPr lang="en-US">
+                          <a:effectLst/>
+                        </a:rPr>
+                        <a:t>$7-8K</a:t>
+                      </a:r>
+                      <a:endParaRPr lang="en-US"/>
+                    </a:p>
+                  </a:txBody>
+                  <a:tcPr anchor="ctr">
+                    <a:lnL>
+                      <a:noFill/>
+                    </a:lnL>
+                    <a:lnR>
+                      <a:noFill/>
+                    </a:lnR>
+                    <a:lnT>
+                      <a:noFill/>
+                    </a:lnT>
+                    <a:lnB>
+                      <a:noFill/>
+                    </a:lnB>
+                    <a:noFill/>
+                  </a:tcPr>
+                </a:tc>
+                <a:tc>
+                  <a:txBody>
+                    <a:bodyPr/>
+                    <a:lstStyle/>
+                    <a:p>
+                      <a:pPr>
+                        <a:buNone/>
+                      </a:pPr>
+                      <a:r>
+                        <a:rPr lang="en-US">
+                          <a:effectLst/>
+                        </a:rPr>
+                        <a:t>Annual</a:t>
+                      </a:r>
+                      <a:endParaRPr lang="en-US"/>
+                    </a:p>
+                  </a:txBody>
+                  <a:tcPr anchor="ctr">
+                    <a:lnL>
+                      <a:noFill/>
+                    </a:lnL>
+                    <a:lnR>
+                      <a:noFill/>
+                    </a:lnR>
+                    <a:lnT>
+                      <a:noFill/>
+                    </a:lnT>
+                    <a:lnB>
+                      <a:noFill/>
+                    </a:lnB>
+                    <a:noFill/>
+                  </a:tcPr>
+                </a:tc>
+                <a:extLst>
+                  <a:ext uri="{0D108BD9-81ED-4DB2-BD59-A6C34878D82A}">
+                    <a16:rowId xmlns:a16="http://schemas.microsoft.com/office/drawing/2014/main" val="2756687641"/>
+                  </a:ext>
+                </a:extLst>
+              </a:tr>
+              <a:tr h="0">
+                <a:tc>
+                  <a:txBody>
+                    <a:bodyPr/>
+                    <a:lstStyle/>
+                    <a:p>
+                      <a:pPr>
+                        <a:buNone/>
+                      </a:pPr>
+                      <a:r>
+                        <a:rPr lang="en-US">
+                          <a:effectLst/>
+                        </a:rPr>
+                        <a:t>License</a:t>
+                      </a:r>
+                      <a:endParaRPr lang="en-US"/>
+                    </a:p>
+                  </a:txBody>
+                  <a:tcPr anchor="ctr">
+                    <a:lnL>
+                      <a:noFill/>
+                    </a:lnL>
+                    <a:lnR>
+                      <a:noFill/>
+                    </a:lnR>
+                    <a:lnT>
+                      <a:noFill/>
+                    </a:lnT>
+                    <a:lnB>
+                      <a:noFill/>
+                    </a:lnB>
+                    <a:noFill/>
+                  </a:tcPr>
+                </a:tc>
+                <a:tc>
+                  <a:txBody>
+                    <a:bodyPr/>
+                    <a:lstStyle/>
+                    <a:p>
+                      <a:pPr>
+                        <a:buNone/>
+                      </a:pPr>
+                      <a:r>
+                        <a:rPr lang="en-US">
+                          <a:effectLst/>
+                        </a:rPr>
+                        <a:t>CyberArk AIM</a:t>
+                      </a:r>
+                      <a:endParaRPr lang="en-US"/>
+                    </a:p>
+                  </a:txBody>
+                  <a:tcPr anchor="ctr">
+                    <a:lnL>
+                      <a:noFill/>
+                    </a:lnL>
+                    <a:lnR>
+                      <a:noFill/>
+                    </a:lnR>
+                    <a:lnT>
+                      <a:noFill/>
+                    </a:lnT>
+                    <a:lnB>
+                      <a:noFill/>
+                    </a:lnB>
+                    <a:noFill/>
+                  </a:tcPr>
+                </a:tc>
+                <a:tc>
+                  <a:txBody>
+                    <a:bodyPr/>
+                    <a:lstStyle/>
+                    <a:p>
+                      <a:pPr>
+                        <a:buNone/>
+                      </a:pPr>
+                      <a:r>
+                        <a:rPr lang="en-US">
+                          <a:effectLst/>
+                        </a:rPr>
+                        <a:t>$10K</a:t>
+                      </a:r>
+                      <a:endParaRPr lang="en-US"/>
+                    </a:p>
+                  </a:txBody>
+                  <a:tcPr anchor="ctr">
+                    <a:lnL>
+                      <a:noFill/>
+                    </a:lnL>
+                    <a:lnR>
+                      <a:noFill/>
+                    </a:lnR>
+                    <a:lnT>
+                      <a:noFill/>
+                    </a:lnT>
+                    <a:lnB>
+                      <a:noFill/>
+                    </a:lnB>
+                    <a:noFill/>
+                  </a:tcPr>
+                </a:tc>
+                <a:tc>
+                  <a:txBody>
+                    <a:bodyPr/>
+                    <a:lstStyle/>
+                    <a:p>
+                      <a:pPr>
+                        <a:buNone/>
+                      </a:pPr>
+                      <a:r>
+                        <a:rPr lang="en-US" dirty="0">
+                          <a:effectLst/>
+                        </a:rPr>
+                        <a:t>One-Time Purchase</a:t>
+                      </a:r>
+                      <a:endParaRPr lang="en-US" dirty="0"/>
+                    </a:p>
+                  </a:txBody>
+                  <a:tcPr anchor="ctr">
+                    <a:lnL>
+                      <a:noFill/>
+                    </a:lnL>
+                    <a:lnR>
+                      <a:noFill/>
+                    </a:lnR>
+                    <a:lnT>
+                      <a:noFill/>
+                    </a:lnT>
+                    <a:lnB>
+                      <a:noFill/>
+                    </a:lnB>
+                    <a:noFill/>
+                  </a:tcPr>
+                </a:tc>
+                <a:extLst>
+                  <a:ext uri="{0D108BD9-81ED-4DB2-BD59-A6C34878D82A}">
+                    <a16:rowId xmlns:a16="http://schemas.microsoft.com/office/drawing/2014/main" val="2945945076"/>
+                  </a:ext>
+                </a:extLst>
+              </a:tr>
+              <a:tr h="0">
+                <a:tc>
+                  <a:txBody>
+                    <a:bodyPr/>
+                    <a:lstStyle/>
+                    <a:p>
+                      <a:pPr>
+                        <a:buNone/>
+                      </a:pPr>
+                      <a:r>
+                        <a:rPr lang="en-US">
+                          <a:effectLst/>
+                        </a:rPr>
+                        <a:t>License</a:t>
+                      </a:r>
+                      <a:endParaRPr lang="en-US"/>
+                    </a:p>
+                  </a:txBody>
+                  <a:tcPr anchor="ctr">
+                    <a:lnL>
+                      <a:noFill/>
+                    </a:lnL>
+                    <a:lnR>
+                      <a:noFill/>
+                    </a:lnR>
+                    <a:lnT>
+                      <a:noFill/>
+                    </a:lnT>
+                    <a:lnB>
+                      <a:noFill/>
+                    </a:lnB>
+                    <a:noFill/>
+                  </a:tcPr>
+                </a:tc>
+                <a:tc>
+                  <a:txBody>
+                    <a:bodyPr/>
+                    <a:lstStyle/>
+                    <a:p>
+                      <a:pPr>
+                        <a:buNone/>
+                      </a:pPr>
+                      <a:r>
+                        <a:rPr lang="en-US">
+                          <a:effectLst/>
+                        </a:rPr>
+                        <a:t>vSphere / Vmware</a:t>
+                      </a:r>
+                      <a:endParaRPr lang="en-US"/>
+                    </a:p>
+                  </a:txBody>
+                  <a:tcPr anchor="ctr">
+                    <a:lnL>
+                      <a:noFill/>
+                    </a:lnL>
+                    <a:lnR>
+                      <a:noFill/>
+                    </a:lnR>
+                    <a:lnT>
+                      <a:noFill/>
+                    </a:lnT>
+                    <a:lnB>
+                      <a:noFill/>
+                    </a:lnB>
+                    <a:noFill/>
+                  </a:tcPr>
+                </a:tc>
+                <a:tc>
+                  <a:txBody>
+                    <a:bodyPr/>
+                    <a:lstStyle/>
+                    <a:p>
+                      <a:pPr>
+                        <a:buNone/>
+                      </a:pPr>
+                      <a:r>
+                        <a:rPr lang="en-US">
+                          <a:effectLst/>
+                        </a:rPr>
+                        <a:t>$18K</a:t>
+                      </a:r>
+                      <a:endParaRPr lang="en-US"/>
+                    </a:p>
+                  </a:txBody>
+                  <a:tcPr anchor="ctr">
+                    <a:lnL>
+                      <a:noFill/>
+                    </a:lnL>
+                    <a:lnR>
+                      <a:noFill/>
+                    </a:lnR>
+                    <a:lnT>
+                      <a:noFill/>
+                    </a:lnT>
+                    <a:lnB>
+                      <a:noFill/>
+                    </a:lnB>
+                    <a:noFill/>
+                  </a:tcPr>
+                </a:tc>
+                <a:tc>
+                  <a:txBody>
+                    <a:bodyPr/>
+                    <a:lstStyle/>
+                    <a:p>
+                      <a:pPr>
+                        <a:buNone/>
+                      </a:pPr>
+                      <a:r>
+                        <a:rPr lang="en-US">
+                          <a:effectLst/>
+                        </a:rPr>
+                        <a:t>Annual</a:t>
+                      </a:r>
+                      <a:endParaRPr lang="en-US"/>
+                    </a:p>
+                  </a:txBody>
+                  <a:tcPr anchor="ctr">
+                    <a:lnL>
+                      <a:noFill/>
+                    </a:lnL>
+                    <a:lnR>
+                      <a:noFill/>
+                    </a:lnR>
+                    <a:lnT>
+                      <a:noFill/>
+                    </a:lnT>
+                    <a:lnB>
+                      <a:noFill/>
+                    </a:lnB>
+                    <a:noFill/>
+                  </a:tcPr>
+                </a:tc>
+                <a:extLst>
+                  <a:ext uri="{0D108BD9-81ED-4DB2-BD59-A6C34878D82A}">
+                    <a16:rowId xmlns:a16="http://schemas.microsoft.com/office/drawing/2014/main" val="1489049362"/>
+                  </a:ext>
+                </a:extLst>
+              </a:tr>
+              <a:tr h="0">
+                <a:tc>
+                  <a:txBody>
+                    <a:bodyPr/>
+                    <a:lstStyle/>
+                    <a:p>
+                      <a:pPr>
+                        <a:buNone/>
+                      </a:pPr>
+                      <a:r>
+                        <a:rPr lang="en-US">
+                          <a:effectLst/>
+                        </a:rPr>
+                        <a:t>Infrastructure</a:t>
+                      </a:r>
+                      <a:endParaRPr lang="en-US"/>
+                    </a:p>
+                  </a:txBody>
+                  <a:tcPr anchor="ctr">
+                    <a:lnL>
+                      <a:noFill/>
+                    </a:lnL>
+                    <a:lnR>
+                      <a:noFill/>
+                    </a:lnR>
+                    <a:lnT>
+                      <a:noFill/>
+                    </a:lnT>
+                    <a:lnB>
+                      <a:noFill/>
+                    </a:lnB>
+                    <a:noFill/>
+                  </a:tcPr>
+                </a:tc>
+                <a:tc>
+                  <a:txBody>
+                    <a:bodyPr/>
+                    <a:lstStyle/>
+                    <a:p>
+                      <a:pPr>
+                        <a:buNone/>
+                      </a:pPr>
+                      <a:r>
+                        <a:rPr lang="en-US">
+                          <a:effectLst/>
+                        </a:rPr>
+                        <a:t>RISC / SISC Hardware</a:t>
+                      </a:r>
+                      <a:endParaRPr lang="en-US"/>
+                    </a:p>
+                  </a:txBody>
+                  <a:tcPr anchor="ctr">
+                    <a:lnL>
+                      <a:noFill/>
+                    </a:lnL>
+                    <a:lnR>
+                      <a:noFill/>
+                    </a:lnR>
+                    <a:lnT>
+                      <a:noFill/>
+                    </a:lnT>
+                    <a:lnB>
+                      <a:noFill/>
+                    </a:lnB>
+                    <a:noFill/>
+                  </a:tcPr>
+                </a:tc>
+                <a:tc>
+                  <a:txBody>
+                    <a:bodyPr/>
+                    <a:lstStyle/>
+                    <a:p>
+                      <a:pPr>
+                        <a:buNone/>
+                      </a:pPr>
+                      <a:r>
+                        <a:rPr lang="en-US">
+                          <a:effectLst/>
+                        </a:rPr>
+                        <a:t>$163,371  </a:t>
+                      </a:r>
+                      <a:endParaRPr lang="en-US"/>
+                    </a:p>
+                  </a:txBody>
+                  <a:tcPr anchor="ctr">
+                    <a:lnL>
+                      <a:noFill/>
+                    </a:lnL>
+                    <a:lnR>
+                      <a:noFill/>
+                    </a:lnR>
+                    <a:lnT>
+                      <a:noFill/>
+                    </a:lnT>
+                    <a:lnB>
+                      <a:noFill/>
+                    </a:lnB>
+                    <a:noFill/>
+                  </a:tcPr>
+                </a:tc>
+                <a:tc>
+                  <a:txBody>
+                    <a:bodyPr/>
+                    <a:lstStyle/>
+                    <a:p>
+                      <a:pPr>
+                        <a:buNone/>
+                      </a:pPr>
+                      <a:r>
+                        <a:rPr lang="en-US">
+                          <a:effectLst/>
+                        </a:rPr>
+                        <a:t>Annual</a:t>
+                      </a:r>
+                      <a:endParaRPr lang="en-US"/>
+                    </a:p>
+                  </a:txBody>
+                  <a:tcPr anchor="ctr">
+                    <a:lnL>
+                      <a:noFill/>
+                    </a:lnL>
+                    <a:lnR>
+                      <a:noFill/>
+                    </a:lnR>
+                    <a:lnT>
+                      <a:noFill/>
+                    </a:lnT>
+                    <a:lnB>
+                      <a:noFill/>
+                    </a:lnB>
+                    <a:noFill/>
+                  </a:tcPr>
+                </a:tc>
+                <a:extLst>
+                  <a:ext uri="{0D108BD9-81ED-4DB2-BD59-A6C34878D82A}">
+                    <a16:rowId xmlns:a16="http://schemas.microsoft.com/office/drawing/2014/main" val="2878331392"/>
+                  </a:ext>
+                </a:extLst>
+              </a:tr>
+              <a:tr h="0">
+                <a:tc>
+                  <a:txBody>
+                    <a:bodyPr/>
+                    <a:lstStyle/>
+                    <a:p>
+                      <a:pPr>
+                        <a:buNone/>
+                      </a:pPr>
+                      <a:r>
+                        <a:rPr lang="en-US">
+                          <a:effectLst/>
+                        </a:rPr>
+                        <a:t>Support</a:t>
+                      </a:r>
+                      <a:endParaRPr lang="en-US"/>
+                    </a:p>
+                  </a:txBody>
+                  <a:tcPr anchor="ctr">
+                    <a:lnL>
+                      <a:noFill/>
+                    </a:lnL>
+                    <a:lnR>
+                      <a:noFill/>
+                    </a:lnR>
+                    <a:lnT>
+                      <a:noFill/>
+                    </a:lnT>
+                    <a:lnB>
+                      <a:noFill/>
+                    </a:lnB>
+                    <a:noFill/>
+                  </a:tcPr>
+                </a:tc>
+                <a:tc>
+                  <a:txBody>
+                    <a:bodyPr/>
+                    <a:lstStyle/>
+                    <a:p>
+                      <a:pPr>
+                        <a:buNone/>
+                      </a:pPr>
+                      <a:r>
+                        <a:rPr lang="en-US">
+                          <a:effectLst/>
+                        </a:rPr>
+                        <a:t>Product-Specific</a:t>
+                      </a:r>
+                      <a:endParaRPr lang="en-US"/>
+                    </a:p>
+                  </a:txBody>
+                  <a:tcPr anchor="ctr">
+                    <a:lnL>
+                      <a:noFill/>
+                    </a:lnL>
+                    <a:lnR>
+                      <a:noFill/>
+                    </a:lnR>
+                    <a:lnT>
+                      <a:noFill/>
+                    </a:lnT>
+                    <a:lnB>
+                      <a:noFill/>
+                    </a:lnB>
+                    <a:noFill/>
+                  </a:tcPr>
+                </a:tc>
+                <a:tc>
+                  <a:txBody>
+                    <a:bodyPr/>
+                    <a:lstStyle/>
+                    <a:p>
+                      <a:pPr>
+                        <a:buNone/>
+                      </a:pPr>
+                      <a:r>
+                        <a:rPr lang="en-US">
+                          <a:effectLst/>
+                        </a:rPr>
+                        <a:t>TBD</a:t>
+                      </a:r>
+                      <a:endParaRPr lang="en-US"/>
+                    </a:p>
+                  </a:txBody>
+                  <a:tcPr anchor="ctr">
+                    <a:lnL>
+                      <a:noFill/>
+                    </a:lnL>
+                    <a:lnR>
+                      <a:noFill/>
+                    </a:lnR>
+                    <a:lnT>
+                      <a:noFill/>
+                    </a:lnT>
+                    <a:lnB>
+                      <a:noFill/>
+                    </a:lnB>
+                    <a:noFill/>
+                  </a:tcPr>
+                </a:tc>
+                <a:tc>
+                  <a:txBody>
+                    <a:bodyPr/>
+                    <a:lstStyle/>
+                    <a:p>
+                      <a:pPr>
+                        <a:buNone/>
+                      </a:pPr>
+                      <a:r>
+                        <a:rPr lang="en-US" dirty="0">
+                          <a:effectLst/>
+                        </a:rPr>
+                        <a:t>TBD</a:t>
+                      </a:r>
+                      <a:endParaRPr lang="en-US" dirty="0"/>
+                    </a:p>
+                  </a:txBody>
+                  <a:tcPr anchor="ctr">
+                    <a:lnL>
+                      <a:noFill/>
+                    </a:lnL>
+                    <a:lnR>
+                      <a:noFill/>
+                    </a:lnR>
+                    <a:lnT>
+                      <a:noFill/>
+                    </a:lnT>
+                    <a:lnB>
+                      <a:noFill/>
+                    </a:lnB>
+                    <a:noFill/>
+                  </a:tcPr>
+                </a:tc>
+                <a:extLst>
+                  <a:ext uri="{0D108BD9-81ED-4DB2-BD59-A6C34878D82A}">
+                    <a16:rowId xmlns:a16="http://schemas.microsoft.com/office/drawing/2014/main" val="2793260801"/>
+                  </a:ext>
+                </a:extLst>
+              </a:tr>
+            </a:tbl>
+          </a:graphicData>
+        </a:graphic>
+      </p:graphicFrame>
+      <p:sp>
+        <p:nvSpPr>
+          <p:cNvPr id="10" name="TextBox 9">
+            <a:extLst>
+              <a:ext uri="{FF2B5EF4-FFF2-40B4-BE49-F238E27FC236}">
+                <a16:creationId xmlns:a16="http://schemas.microsoft.com/office/drawing/2014/main" id="{449188C4-D1D8-0974-5B1F-DC4338FF6F8C}"/>
+              </a:ext>
+            </a:extLst>
+          </p:cNvPr>
+          <p:cNvSpPr txBox="1"/>
+          <p:nvPr/>
         </p:nvSpPr>
-        <p:spPr/>
+        <p:spPr>
+          <a:xfrm>
+            <a:off x="6701425" y="1903956"/>
+            <a:ext cx="0" cy="0"/>
+          </a:xfrm>
+          <a:prstGeom prst="rect">
+            <a:avLst/>
+          </a:prstGeom>
+          <a:noFill/>
+        </p:spPr>
         <p:txBody>
-          <a:bodyPr/>
+          <a:bodyPr wrap="none" lIns="0" tIns="0" rIns="0" bIns="0" rtlCol="0">
+            <a:noAutofit/>
+          </a:bodyPr>
           <a:lstStyle/>
           <a:p>
-            <a:r>
-              <a:rPr lang="en-US" dirty="0"/>
-              <a:t>[Footnotes/references, if needed, appear here in Arial Regular 8pt.</a:t>
-            </a:r>
-          </a:p>
-          <a:p>
-            <a:r>
-              <a:rPr lang="en-US" dirty="0"/>
-              <a:t>Text grows upwards as lines are added.]</a:t>
+            <a:pPr marL="228600" indent="-228600">
+              <a:lnSpc>
+                <a:spcPct val="100000"/>
+              </a:lnSpc>
+              <a:spcBef>
+                <a:spcPts val="1200"/>
+              </a:spcBef>
+              <a:buSzPct val="100000"/>
+              <a:buFont typeface="Arial"/>
+              <a:buChar char="•"/>
+            </a:pPr>
+            <a:endParaRPr lang="en-US" sz="1600" dirty="0"/>
+          </a:p>
+        </p:txBody>
+      </p:sp>
+      <p:sp>
+        <p:nvSpPr>
+          <p:cNvPr id="11" name="TextBox 10">
+            <a:extLst>
+              <a:ext uri="{FF2B5EF4-FFF2-40B4-BE49-F238E27FC236}">
+                <a16:creationId xmlns:a16="http://schemas.microsoft.com/office/drawing/2014/main" id="{7462E9AD-AE20-07F2-62F4-0297771BB96C}"/>
+              </a:ext>
+            </a:extLst>
+          </p:cNvPr>
+          <p:cNvSpPr txBox="1"/>
+          <p:nvPr/>
+        </p:nvSpPr>
+        <p:spPr>
+          <a:xfrm>
+            <a:off x="6187858" y="1979112"/>
+            <a:ext cx="0" cy="0"/>
+          </a:xfrm>
+          <a:prstGeom prst="rect">
+            <a:avLst/>
+          </a:prstGeom>
+          <a:noFill/>
+        </p:spPr>
+        <p:txBody>
+          <a:bodyPr wrap="none" lIns="0" tIns="0" rIns="0" bIns="0" rtlCol="0">
+            <a:noAutofit/>
+          </a:bodyPr>
+          <a:lstStyle/>
+          <a:p>
+            <a:pPr marL="228600" indent="-228600">
+              <a:lnSpc>
+                <a:spcPct val="100000"/>
+              </a:lnSpc>
+              <a:spcBef>
+                <a:spcPts val="1200"/>
+              </a:spcBef>
+              <a:buSzPct val="100000"/>
+              <a:buFont typeface="Arial"/>
+              <a:buChar char="•"/>
+            </a:pPr>
+            <a:endParaRPr lang="en-US" sz="1600" dirty="0"/>
+          </a:p>
+        </p:txBody>
+      </p:sp>
+      <p:sp>
+        <p:nvSpPr>
+          <p:cNvPr id="12" name="TextBox 11">
+            <a:extLst>
+              <a:ext uri="{FF2B5EF4-FFF2-40B4-BE49-F238E27FC236}">
+                <a16:creationId xmlns:a16="http://schemas.microsoft.com/office/drawing/2014/main" id="{E7BE001E-28A7-FE2A-E571-E4ABDE669D7C}"/>
+              </a:ext>
+            </a:extLst>
+          </p:cNvPr>
+          <p:cNvSpPr txBox="1"/>
+          <p:nvPr/>
+        </p:nvSpPr>
+        <p:spPr>
+          <a:xfrm>
+            <a:off x="5974915" y="2147795"/>
+            <a:ext cx="5035463" cy="454696"/>
+          </a:xfrm>
+          <a:prstGeom prst="rect">
+            <a:avLst/>
+          </a:prstGeom>
+          <a:noFill/>
+        </p:spPr>
+        <p:txBody>
+          <a:bodyPr wrap="square" lIns="0" tIns="0" rIns="0" bIns="0" rtlCol="0">
+            <a:noAutofit/>
+          </a:bodyPr>
+          <a:lstStyle/>
+          <a:p>
+            <a:pPr>
+              <a:lnSpc>
+                <a:spcPct val="100000"/>
+              </a:lnSpc>
+              <a:spcBef>
+                <a:spcPts val="1200"/>
+              </a:spcBef>
+              <a:buSzPct val="100000"/>
+            </a:pPr>
+            <a:r>
+              <a:rPr lang="en-US" sz="1600" b="1" dirty="0"/>
+              <a:t>               Costs that we avoid with Qualys</a:t>
             </a:r>
           </a:p>
         </p:txBody>
@@ -21302,7 +25310,7 @@
     </p:spTree>
     <p:extLst>
       <p:ext uri="{BB962C8B-B14F-4D97-AF65-F5344CB8AC3E}">
-        <p14:creationId xmlns:p14="http://schemas.microsoft.com/office/powerpoint/2010/main" val="313684081"/>
+        <p14:creationId xmlns:p14="http://schemas.microsoft.com/office/powerpoint/2010/main" val="2412802266"/>
       </p:ext>
     </p:extLst>
   </p:cSld>
